--- a/dlvsp_challenge_material/challenge.pptx
+++ b/dlvsp_challenge_material/challenge.pptx
@@ -5,20 +5,25 @@
     <p:sldMasterId id="2147483660" r:id="rId1"/>
   </p:sldMasterIdLst>
   <p:notesMasterIdLst>
-    <p:notesMasterId r:id="rId13"/>
+    <p:notesMasterId r:id="rId18"/>
   </p:notesMasterIdLst>
   <p:sldIdLst>
     <p:sldId id="256" r:id="rId2"/>
     <p:sldId id="258" r:id="rId3"/>
     <p:sldId id="259" r:id="rId4"/>
     <p:sldId id="263" r:id="rId5"/>
-    <p:sldId id="264" r:id="rId6"/>
-    <p:sldId id="265" r:id="rId7"/>
-    <p:sldId id="266" r:id="rId8"/>
-    <p:sldId id="267" r:id="rId9"/>
-    <p:sldId id="269" r:id="rId10"/>
-    <p:sldId id="270" r:id="rId11"/>
-    <p:sldId id="257" r:id="rId12"/>
+    <p:sldId id="274" r:id="rId6"/>
+    <p:sldId id="264" r:id="rId7"/>
+    <p:sldId id="275" r:id="rId8"/>
+    <p:sldId id="273" r:id="rId9"/>
+    <p:sldId id="271" r:id="rId10"/>
+    <p:sldId id="272" r:id="rId11"/>
+    <p:sldId id="265" r:id="rId12"/>
+    <p:sldId id="266" r:id="rId13"/>
+    <p:sldId id="267" r:id="rId14"/>
+    <p:sldId id="269" r:id="rId15"/>
+    <p:sldId id="270" r:id="rId16"/>
+    <p:sldId id="257" r:id="rId17"/>
   </p:sldIdLst>
   <p:sldSz cx="12192000" cy="6858000"/>
   <p:notesSz cx="6858000" cy="9144000"/>
@@ -117,13 +122,24 @@
       </a:defRPr>
     </a:lvl9pPr>
   </p:defaultTextStyle>
+  <p:extLst>
+    <p:ext uri="{EFAFB233-063F-42B5-8137-9DF3F51BA10A}">
+      <p15:sldGuideLst xmlns:p15="http://schemas.microsoft.com/office/powerpoint/2012/main"/>
+    </p:ext>
+  </p:extLst>
 </p:presentation>
+</file>
+
+<file path=ppt/authors.xml><?xml version="1.0" encoding="utf-8"?>
+<p188:authorLst xmlns:a="http://schemas.openxmlformats.org/drawingml/2006/main" xmlns:r="http://schemas.openxmlformats.org/officeDocument/2006/relationships" xmlns:p188="http://schemas.microsoft.com/office/powerpoint/2018/8/main">
+  <p188:author id="{B824A2AD-B5D5-0642-4CE3-CE23445F76F7}" name="manuel otero gonzalez" initials="mo" userId="a18c11e375a04417" providerId="Windows Live"/>
+</p188:authorLst>
 </file>
 
 <file path=ppt/revisionInfo.xml><?xml version="1.0" encoding="utf-8"?>
 <p1510:revInfo xmlns:a="http://schemas.openxmlformats.org/drawingml/2006/main" xmlns:r="http://schemas.openxmlformats.org/officeDocument/2006/relationships" xmlns:p1510="http://schemas.microsoft.com/office/powerpoint/2015/10/main">
   <p1510:revLst>
-    <p1510:client id="{9F907DD6-5DB9-4FF1-A1B9-D6F9E9573827}" v="487" dt="2024-01-14T21:33:24.588"/>
+    <p1510:client id="{9F907DD6-5DB9-4FF1-A1B9-D6F9E9573827}" v="721" dt="2024-01-17T21:59:40.537"/>
   </p1510:revLst>
 </p1510:revInfo>
 </file>
@@ -132,8 +148,8 @@
 <pc:chgInfo xmlns:a="http://schemas.openxmlformats.org/drawingml/2006/main" xmlns:r="http://schemas.openxmlformats.org/officeDocument/2006/relationships" xmlns:ac="http://schemas.microsoft.com/office/drawing/2013/main/command" xmlns:pc="http://schemas.microsoft.com/office/powerpoint/2013/main/command">
   <pc:docChgLst>
     <pc:chgData name="manuel otero gonzalez" userId="a18c11e375a04417" providerId="LiveId" clId="{9F907DD6-5DB9-4FF1-A1B9-D6F9E9573827}"/>
-    <pc:docChg chg="custSel addSld delSld modSld">
-      <pc:chgData name="manuel otero gonzalez" userId="a18c11e375a04417" providerId="LiveId" clId="{9F907DD6-5DB9-4FF1-A1B9-D6F9E9573827}" dt="2024-01-14T21:33:24.588" v="752" actId="20577"/>
+    <pc:docChg chg="undo custSel addSld delSld modSld sldOrd">
+      <pc:chgData name="manuel otero gonzalez" userId="a18c11e375a04417" providerId="LiveId" clId="{9F907DD6-5DB9-4FF1-A1B9-D6F9E9573827}" dt="2024-01-17T22:00:08.747" v="2714" actId="1076"/>
       <pc:docMkLst>
         <pc:docMk/>
       </pc:docMkLst>
@@ -318,8 +334,8 @@
           </ac:picMkLst>
         </pc:picChg>
       </pc:sldChg>
-      <pc:sldChg chg="addSp delSp modSp add mod modAnim delDesignElem">
-        <pc:chgData name="manuel otero gonzalez" userId="a18c11e375a04417" providerId="LiveId" clId="{9F907DD6-5DB9-4FF1-A1B9-D6F9E9573827}" dt="2024-01-14T21:30:09.410" v="680"/>
+      <pc:sldChg chg="addSp delSp modSp add mod modAnim delDesignElem modShow">
+        <pc:chgData name="manuel otero gonzalez" userId="a18c11e375a04417" providerId="LiveId" clId="{9F907DD6-5DB9-4FF1-A1B9-D6F9E9573827}" dt="2024-01-17T21:33:35.014" v="2057" actId="729"/>
         <pc:sldMkLst>
           <pc:docMk/>
           <pc:sldMk cId="1600338287" sldId="259"/>
@@ -450,8 +466,8 @@
           </ac:spMkLst>
         </pc:spChg>
       </pc:sldChg>
-      <pc:sldChg chg="modSp add mod modAnim">
-        <pc:chgData name="manuel otero gonzalez" userId="a18c11e375a04417" providerId="LiveId" clId="{9F907DD6-5DB9-4FF1-A1B9-D6F9E9573827}" dt="2024-01-14T21:30:05.534" v="678"/>
+      <pc:sldChg chg="addSp delSp modSp add mod modAnim">
+        <pc:chgData name="manuel otero gonzalez" userId="a18c11e375a04417" providerId="LiveId" clId="{9F907DD6-5DB9-4FF1-A1B9-D6F9E9573827}" dt="2024-01-17T21:36:52.131" v="2114"/>
         <pc:sldMkLst>
           <pc:docMk/>
           <pc:sldMk cId="159600446" sldId="263"/>
@@ -465,6 +481,14 @@
           </ac:spMkLst>
         </pc:spChg>
         <pc:spChg chg="mod">
+          <ac:chgData name="manuel otero gonzalez" userId="a18c11e375a04417" providerId="LiveId" clId="{9F907DD6-5DB9-4FF1-A1B9-D6F9E9573827}" dt="2024-01-17T21:36:52.131" v="2114"/>
+          <ac:spMkLst>
+            <pc:docMk/>
+            <pc:sldMk cId="159600446" sldId="263"/>
+            <ac:spMk id="3" creationId="{B0BCFCBA-0DDF-19BB-FDBD-C17EB2F5D235}"/>
+          </ac:spMkLst>
+        </pc:spChg>
+        <pc:spChg chg="mod">
           <ac:chgData name="manuel otero gonzalez" userId="a18c11e375a04417" providerId="LiveId" clId="{9F907DD6-5DB9-4FF1-A1B9-D6F9E9573827}" dt="2024-01-14T21:25:10.335" v="513" actId="20577"/>
           <ac:spMkLst>
             <pc:docMk/>
@@ -472,13 +496,133 @@
             <ac:spMk id="8" creationId="{E0BEB5F1-7BDC-9D3B-C5C4-5EFE09EC0539}"/>
           </ac:spMkLst>
         </pc:spChg>
+        <pc:spChg chg="add mod">
+          <ac:chgData name="manuel otero gonzalez" userId="a18c11e375a04417" providerId="LiveId" clId="{9F907DD6-5DB9-4FF1-A1B9-D6F9E9573827}" dt="2024-01-17T20:26:29.583" v="901" actId="1076"/>
+          <ac:spMkLst>
+            <pc:docMk/>
+            <pc:sldMk cId="159600446" sldId="263"/>
+            <ac:spMk id="9" creationId="{C5959BFF-1713-ECC2-7A20-9035E227AC8A}"/>
+          </ac:spMkLst>
+        </pc:spChg>
+        <pc:spChg chg="add mod">
+          <ac:chgData name="manuel otero gonzalez" userId="a18c11e375a04417" providerId="LiveId" clId="{9F907DD6-5DB9-4FF1-A1B9-D6F9E9573827}" dt="2024-01-17T21:32:15.207" v="2048" actId="1076"/>
+          <ac:spMkLst>
+            <pc:docMk/>
+            <pc:sldMk cId="159600446" sldId="263"/>
+            <ac:spMk id="13" creationId="{DB15D19E-3B94-BDAE-4B05-E1DE3943778E}"/>
+          </ac:spMkLst>
+        </pc:spChg>
+        <pc:spChg chg="add mod">
+          <ac:chgData name="manuel otero gonzalez" userId="a18c11e375a04417" providerId="LiveId" clId="{9F907DD6-5DB9-4FF1-A1B9-D6F9E9573827}" dt="2024-01-17T21:32:15.207" v="2048" actId="1076"/>
+          <ac:spMkLst>
+            <pc:docMk/>
+            <pc:sldMk cId="159600446" sldId="263"/>
+            <ac:spMk id="14" creationId="{ECC73A5A-3379-9C14-22C1-7BB2C2312EE6}"/>
+          </ac:spMkLst>
+        </pc:spChg>
+        <pc:spChg chg="add mod">
+          <ac:chgData name="manuel otero gonzalez" userId="a18c11e375a04417" providerId="LiveId" clId="{9F907DD6-5DB9-4FF1-A1B9-D6F9E9573827}" dt="2024-01-17T21:32:26.401" v="2049" actId="1076"/>
+          <ac:spMkLst>
+            <pc:docMk/>
+            <pc:sldMk cId="159600446" sldId="263"/>
+            <ac:spMk id="15" creationId="{24C6F956-324B-DFBF-4077-351EE6075AB1}"/>
+          </ac:spMkLst>
+        </pc:spChg>
+        <pc:spChg chg="add mod">
+          <ac:chgData name="manuel otero gonzalez" userId="a18c11e375a04417" providerId="LiveId" clId="{9F907DD6-5DB9-4FF1-A1B9-D6F9E9573827}" dt="2024-01-17T21:32:26.401" v="2049" actId="1076"/>
+          <ac:spMkLst>
+            <pc:docMk/>
+            <pc:sldMk cId="159600446" sldId="263"/>
+            <ac:spMk id="16" creationId="{9D93FD8A-7068-BF40-9BAB-2E8372D7F090}"/>
+          </ac:spMkLst>
+        </pc:spChg>
+        <pc:picChg chg="add mod modCrop">
+          <ac:chgData name="manuel otero gonzalez" userId="a18c11e375a04417" providerId="LiveId" clId="{9F907DD6-5DB9-4FF1-A1B9-D6F9E9573827}" dt="2024-01-17T21:30:03.669" v="1986" actId="732"/>
+          <ac:picMkLst>
+            <pc:docMk/>
+            <pc:sldMk cId="159600446" sldId="263"/>
+            <ac:picMk id="7" creationId="{72780E62-9249-C876-207F-1ACF97C32D6A}"/>
+          </ac:picMkLst>
+        </pc:picChg>
+        <pc:picChg chg="add del mod">
+          <ac:chgData name="manuel otero gonzalez" userId="a18c11e375a04417" providerId="LiveId" clId="{9F907DD6-5DB9-4FF1-A1B9-D6F9E9573827}" dt="2024-01-17T21:31:55.927" v="2046" actId="478"/>
+          <ac:picMkLst>
+            <pc:docMk/>
+            <pc:sldMk cId="159600446" sldId="263"/>
+            <ac:picMk id="10" creationId="{3F2930CE-9F49-579C-F866-98604D223178}"/>
+          </ac:picMkLst>
+        </pc:picChg>
+        <pc:picChg chg="add mod modCrop">
+          <ac:chgData name="manuel otero gonzalez" userId="a18c11e375a04417" providerId="LiveId" clId="{9F907DD6-5DB9-4FF1-A1B9-D6F9E9573827}" dt="2024-01-17T21:32:06.596" v="2047" actId="1076"/>
+          <ac:picMkLst>
+            <pc:docMk/>
+            <pc:sldMk cId="159600446" sldId="263"/>
+            <ac:picMk id="11" creationId="{F5862776-6E71-794E-31A1-8CD22100342F}"/>
+          </ac:picMkLst>
+        </pc:picChg>
+        <pc:picChg chg="add del mod modCrop">
+          <ac:chgData name="manuel otero gonzalez" userId="a18c11e375a04417" providerId="LiveId" clId="{9F907DD6-5DB9-4FF1-A1B9-D6F9E9573827}" dt="2024-01-17T21:31:01.755" v="1996" actId="478"/>
+          <ac:picMkLst>
+            <pc:docMk/>
+            <pc:sldMk cId="159600446" sldId="263"/>
+            <ac:picMk id="12" creationId="{B4AA92A9-E25F-DD90-2CA9-85533F182DCC}"/>
+          </ac:picMkLst>
+        </pc:picChg>
+        <pc:cxnChg chg="add mod">
+          <ac:chgData name="manuel otero gonzalez" userId="a18c11e375a04417" providerId="LiveId" clId="{9F907DD6-5DB9-4FF1-A1B9-D6F9E9573827}" dt="2024-01-17T21:32:39.600" v="2051" actId="1076"/>
+          <ac:cxnSpMkLst>
+            <pc:docMk/>
+            <pc:sldMk cId="159600446" sldId="263"/>
+            <ac:cxnSpMk id="17" creationId="{FAAACA59-924D-65C5-AF39-98B9E0D3B713}"/>
+          </ac:cxnSpMkLst>
+        </pc:cxnChg>
+        <pc:cxnChg chg="add mod">
+          <ac:chgData name="manuel otero gonzalez" userId="a18c11e375a04417" providerId="LiveId" clId="{9F907DD6-5DB9-4FF1-A1B9-D6F9E9573827}" dt="2024-01-17T21:32:48.253" v="2054" actId="1076"/>
+          <ac:cxnSpMkLst>
+            <pc:docMk/>
+            <pc:sldMk cId="159600446" sldId="263"/>
+            <ac:cxnSpMk id="18" creationId="{B674088B-B397-A300-5272-6BE9E6DED56A}"/>
+          </ac:cxnSpMkLst>
+        </pc:cxnChg>
+        <pc:cxnChg chg="add mod">
+          <ac:chgData name="manuel otero gonzalez" userId="a18c11e375a04417" providerId="LiveId" clId="{9F907DD6-5DB9-4FF1-A1B9-D6F9E9573827}" dt="2024-01-17T21:32:54.865" v="2056" actId="1076"/>
+          <ac:cxnSpMkLst>
+            <pc:docMk/>
+            <pc:sldMk cId="159600446" sldId="263"/>
+            <ac:cxnSpMk id="19" creationId="{95DDF3FE-B3BF-3C5D-11D1-EC5ACF89E40F}"/>
+          </ac:cxnSpMkLst>
+        </pc:cxnChg>
       </pc:sldChg>
-      <pc:sldChg chg="modSp add mod modAnim">
-        <pc:chgData name="manuel otero gonzalez" userId="a18c11e375a04417" providerId="LiveId" clId="{9F907DD6-5DB9-4FF1-A1B9-D6F9E9573827}" dt="2024-01-14T21:30:01.197" v="676"/>
+      <pc:sldChg chg="addSp delSp modSp add mod ord modAnim">
+        <pc:chgData name="manuel otero gonzalez" userId="a18c11e375a04417" providerId="LiveId" clId="{9F907DD6-5DB9-4FF1-A1B9-D6F9E9573827}" dt="2024-01-17T21:47:25.522" v="2414" actId="1076"/>
         <pc:sldMkLst>
           <pc:docMk/>
           <pc:sldMk cId="334668061" sldId="264"/>
         </pc:sldMkLst>
+        <pc:spChg chg="mod">
+          <ac:chgData name="manuel otero gonzalez" userId="a18c11e375a04417" providerId="LiveId" clId="{9F907DD6-5DB9-4FF1-A1B9-D6F9E9573827}" dt="2024-01-17T21:21:03.764" v="1689" actId="20577"/>
+          <ac:spMkLst>
+            <pc:docMk/>
+            <pc:sldMk cId="334668061" sldId="264"/>
+            <ac:spMk id="3" creationId="{B0BCFCBA-0DDF-19BB-FDBD-C17EB2F5D235}"/>
+          </ac:spMkLst>
+        </pc:spChg>
+        <pc:spChg chg="add mod">
+          <ac:chgData name="manuel otero gonzalez" userId="a18c11e375a04417" providerId="LiveId" clId="{9F907DD6-5DB9-4FF1-A1B9-D6F9E9573827}" dt="2024-01-17T21:02:18.999" v="1278" actId="14100"/>
+          <ac:spMkLst>
+            <pc:docMk/>
+            <pc:sldMk cId="334668061" sldId="264"/>
+            <ac:spMk id="5" creationId="{21B0A35C-56B0-D895-1678-43F0C8715503}"/>
+          </ac:spMkLst>
+        </pc:spChg>
+        <pc:spChg chg="add del mod">
+          <ac:chgData name="manuel otero gonzalez" userId="a18c11e375a04417" providerId="LiveId" clId="{9F907DD6-5DB9-4FF1-A1B9-D6F9E9573827}" dt="2024-01-17T21:47:13.142" v="2412" actId="478"/>
+          <ac:spMkLst>
+            <pc:docMk/>
+            <pc:sldMk cId="334668061" sldId="264"/>
+            <ac:spMk id="7" creationId="{D22B3D51-82C5-E51C-C78B-88323E4B2175}"/>
+          </ac:spMkLst>
+        </pc:spChg>
         <pc:spChg chg="mod">
           <ac:chgData name="manuel otero gonzalez" userId="a18c11e375a04417" providerId="LiveId" clId="{9F907DD6-5DB9-4FF1-A1B9-D6F9E9573827}" dt="2024-01-14T21:25:28.585" v="527" actId="20577"/>
           <ac:spMkLst>
@@ -487,9 +631,185 @@
             <ac:spMk id="8" creationId="{E0BEB5F1-7BDC-9D3B-C5C4-5EFE09EC0539}"/>
           </ac:spMkLst>
         </pc:spChg>
+        <pc:spChg chg="add mod">
+          <ac:chgData name="manuel otero gonzalez" userId="a18c11e375a04417" providerId="LiveId" clId="{9F907DD6-5DB9-4FF1-A1B9-D6F9E9573827}" dt="2024-01-17T21:02:54.832" v="1284" actId="1076"/>
+          <ac:spMkLst>
+            <pc:docMk/>
+            <pc:sldMk cId="334668061" sldId="264"/>
+            <ac:spMk id="9" creationId="{F74A3493-F9F1-1CFC-A314-92792D47FC75}"/>
+          </ac:spMkLst>
+        </pc:spChg>
+        <pc:spChg chg="add mod">
+          <ac:chgData name="manuel otero gonzalez" userId="a18c11e375a04417" providerId="LiveId" clId="{9F907DD6-5DB9-4FF1-A1B9-D6F9E9573827}" dt="2024-01-17T21:03:02.462" v="1300" actId="20577"/>
+          <ac:spMkLst>
+            <pc:docMk/>
+            <pc:sldMk cId="334668061" sldId="264"/>
+            <ac:spMk id="10" creationId="{4FFC5CB3-B853-FDB2-A578-9FBD75DDF8EF}"/>
+          </ac:spMkLst>
+        </pc:spChg>
+        <pc:spChg chg="add mod">
+          <ac:chgData name="manuel otero gonzalez" userId="a18c11e375a04417" providerId="LiveId" clId="{9F907DD6-5DB9-4FF1-A1B9-D6F9E9573827}" dt="2024-01-17T21:04:24.759" v="1315" actId="1076"/>
+          <ac:spMkLst>
+            <pc:docMk/>
+            <pc:sldMk cId="334668061" sldId="264"/>
+            <ac:spMk id="12" creationId="{26534AA0-A372-30D8-2152-49CD4BFF083E}"/>
+          </ac:spMkLst>
+        </pc:spChg>
+        <pc:spChg chg="add del mod">
+          <ac:chgData name="manuel otero gonzalez" userId="a18c11e375a04417" providerId="LiveId" clId="{9F907DD6-5DB9-4FF1-A1B9-D6F9E9573827}" dt="2024-01-17T21:46:54.580" v="2408" actId="478"/>
+          <ac:spMkLst>
+            <pc:docMk/>
+            <pc:sldMk cId="334668061" sldId="264"/>
+            <ac:spMk id="13" creationId="{5D5E929C-2116-7292-B927-17706254F873}"/>
+          </ac:spMkLst>
+        </pc:spChg>
+        <pc:spChg chg="add mod">
+          <ac:chgData name="manuel otero gonzalez" userId="a18c11e375a04417" providerId="LiveId" clId="{9F907DD6-5DB9-4FF1-A1B9-D6F9E9573827}" dt="2024-01-17T21:05:35.544" v="1341" actId="1076"/>
+          <ac:spMkLst>
+            <pc:docMk/>
+            <pc:sldMk cId="334668061" sldId="264"/>
+            <ac:spMk id="14" creationId="{B0AE45C3-7183-74FF-43D2-5E2BEB5D1652}"/>
+          </ac:spMkLst>
+        </pc:spChg>
+        <pc:spChg chg="add mod">
+          <ac:chgData name="manuel otero gonzalez" userId="a18c11e375a04417" providerId="LiveId" clId="{9F907DD6-5DB9-4FF1-A1B9-D6F9E9573827}" dt="2024-01-17T21:05:35.544" v="1341" actId="1076"/>
+          <ac:spMkLst>
+            <pc:docMk/>
+            <pc:sldMk cId="334668061" sldId="264"/>
+            <ac:spMk id="15" creationId="{8A0F43DD-42A7-1DA3-CAFB-6F0EB1A16D1D}"/>
+          </ac:spMkLst>
+        </pc:spChg>
+        <pc:spChg chg="add mod">
+          <ac:chgData name="manuel otero gonzalez" userId="a18c11e375a04417" providerId="LiveId" clId="{9F907DD6-5DB9-4FF1-A1B9-D6F9E9573827}" dt="2024-01-17T21:04:42.805" v="1318" actId="1076"/>
+          <ac:spMkLst>
+            <pc:docMk/>
+            <pc:sldMk cId="334668061" sldId="264"/>
+            <ac:spMk id="17" creationId="{4F80A22B-2202-60A6-0D5A-ABFDC3B0A9B6}"/>
+          </ac:spMkLst>
+        </pc:spChg>
+        <pc:spChg chg="add del mod">
+          <ac:chgData name="manuel otero gonzalez" userId="a18c11e375a04417" providerId="LiveId" clId="{9F907DD6-5DB9-4FF1-A1B9-D6F9E9573827}" dt="2024-01-17T21:46:57.224" v="2409" actId="478"/>
+          <ac:spMkLst>
+            <pc:docMk/>
+            <pc:sldMk cId="334668061" sldId="264"/>
+            <ac:spMk id="18" creationId="{598A9D29-A97B-2D49-CC5D-F00C7D8E476D}"/>
+          </ac:spMkLst>
+        </pc:spChg>
+        <pc:spChg chg="add mod">
+          <ac:chgData name="manuel otero gonzalez" userId="a18c11e375a04417" providerId="LiveId" clId="{9F907DD6-5DB9-4FF1-A1B9-D6F9E9573827}" dt="2024-01-17T21:06:16.801" v="1353" actId="1076"/>
+          <ac:spMkLst>
+            <pc:docMk/>
+            <pc:sldMk cId="334668061" sldId="264"/>
+            <ac:spMk id="23" creationId="{97EA9207-397A-45C2-EC4D-8FDB57FAC129}"/>
+          </ac:spMkLst>
+        </pc:spChg>
+        <pc:spChg chg="add mod">
+          <ac:chgData name="manuel otero gonzalez" userId="a18c11e375a04417" providerId="LiveId" clId="{9F907DD6-5DB9-4FF1-A1B9-D6F9E9573827}" dt="2024-01-17T21:06:45.182" v="1355" actId="207"/>
+          <ac:spMkLst>
+            <pc:docMk/>
+            <pc:sldMk cId="334668061" sldId="264"/>
+            <ac:spMk id="24" creationId="{38B098A7-CE18-F2AD-323F-060B03E69260}"/>
+          </ac:spMkLst>
+        </pc:spChg>
+        <pc:spChg chg="add mod">
+          <ac:chgData name="manuel otero gonzalez" userId="a18c11e375a04417" providerId="LiveId" clId="{9F907DD6-5DB9-4FF1-A1B9-D6F9E9573827}" dt="2024-01-17T21:06:54.653" v="1358" actId="14100"/>
+          <ac:spMkLst>
+            <pc:docMk/>
+            <pc:sldMk cId="334668061" sldId="264"/>
+            <ac:spMk id="25" creationId="{09DB5749-DCA2-0EE6-BFFE-9F949E82781F}"/>
+          </ac:spMkLst>
+        </pc:spChg>
+        <pc:spChg chg="add mod">
+          <ac:chgData name="manuel otero gonzalez" userId="a18c11e375a04417" providerId="LiveId" clId="{9F907DD6-5DB9-4FF1-A1B9-D6F9E9573827}" dt="2024-01-17T21:20:58.687" v="1687" actId="20577"/>
+          <ac:spMkLst>
+            <pc:docMk/>
+            <pc:sldMk cId="334668061" sldId="264"/>
+            <ac:spMk id="26" creationId="{FA583A2D-8886-F914-B547-E5AB9B6561F1}"/>
+          </ac:spMkLst>
+        </pc:spChg>
+        <pc:spChg chg="add mod">
+          <ac:chgData name="manuel otero gonzalez" userId="a18c11e375a04417" providerId="LiveId" clId="{9F907DD6-5DB9-4FF1-A1B9-D6F9E9573827}" dt="2024-01-17T21:21:01.573" v="1688" actId="20577"/>
+          <ac:spMkLst>
+            <pc:docMk/>
+            <pc:sldMk cId="334668061" sldId="264"/>
+            <ac:spMk id="27" creationId="{A5E4AD12-6786-294D-CA3B-9414884210EE}"/>
+          </ac:spMkLst>
+        </pc:spChg>
+        <pc:spChg chg="add mod">
+          <ac:chgData name="manuel otero gonzalez" userId="a18c11e375a04417" providerId="LiveId" clId="{9F907DD6-5DB9-4FF1-A1B9-D6F9E9573827}" dt="2024-01-17T21:39:20.300" v="2131" actId="1076"/>
+          <ac:spMkLst>
+            <pc:docMk/>
+            <pc:sldMk cId="334668061" sldId="264"/>
+            <ac:spMk id="28" creationId="{567EF1B4-D08C-B1BB-BFC2-86740B8B3CC3}"/>
+          </ac:spMkLst>
+        </pc:spChg>
+        <pc:spChg chg="add mod">
+          <ac:chgData name="manuel otero gonzalez" userId="a18c11e375a04417" providerId="LiveId" clId="{9F907DD6-5DB9-4FF1-A1B9-D6F9E9573827}" dt="2024-01-17T21:47:08.981" v="2410"/>
+          <ac:spMkLst>
+            <pc:docMk/>
+            <pc:sldMk cId="334668061" sldId="264"/>
+            <ac:spMk id="31" creationId="{21E6C98B-BE28-6533-18DA-0247E41F2033}"/>
+          </ac:spMkLst>
+        </pc:spChg>
+        <pc:spChg chg="add mod">
+          <ac:chgData name="manuel otero gonzalez" userId="a18c11e375a04417" providerId="LiveId" clId="{9F907DD6-5DB9-4FF1-A1B9-D6F9E9573827}" dt="2024-01-17T21:47:08.981" v="2410"/>
+          <ac:spMkLst>
+            <pc:docMk/>
+            <pc:sldMk cId="334668061" sldId="264"/>
+            <ac:spMk id="32" creationId="{2329B522-58FE-7853-FCAF-7E490EE54D59}"/>
+          </ac:spMkLst>
+        </pc:spChg>
+        <pc:spChg chg="add mod">
+          <ac:chgData name="manuel otero gonzalez" userId="a18c11e375a04417" providerId="LiveId" clId="{9F907DD6-5DB9-4FF1-A1B9-D6F9E9573827}" dt="2024-01-17T21:47:25.522" v="2414" actId="1076"/>
+          <ac:spMkLst>
+            <pc:docMk/>
+            <pc:sldMk cId="334668061" sldId="264"/>
+            <ac:spMk id="33" creationId="{C7341DA6-DB2A-DB7D-A7B7-011A879D246A}"/>
+          </ac:spMkLst>
+        </pc:spChg>
+        <pc:cxnChg chg="add mod">
+          <ac:chgData name="manuel otero gonzalez" userId="a18c11e375a04417" providerId="LiveId" clId="{9F907DD6-5DB9-4FF1-A1B9-D6F9E9573827}" dt="2024-01-17T21:04:05.443" v="1312" actId="1076"/>
+          <ac:cxnSpMkLst>
+            <pc:docMk/>
+            <pc:sldMk cId="334668061" sldId="264"/>
+            <ac:cxnSpMk id="11" creationId="{A34EA592-3DA9-CF43-CAF7-BC5B75916408}"/>
+          </ac:cxnSpMkLst>
+        </pc:cxnChg>
+        <pc:cxnChg chg="add mod">
+          <ac:chgData name="manuel otero gonzalez" userId="a18c11e375a04417" providerId="LiveId" clId="{9F907DD6-5DB9-4FF1-A1B9-D6F9E9573827}" dt="2024-01-17T21:05:05.956" v="1334" actId="14100"/>
+          <ac:cxnSpMkLst>
+            <pc:docMk/>
+            <pc:sldMk cId="334668061" sldId="264"/>
+            <ac:cxnSpMk id="16" creationId="{CF69DE30-E353-12B2-9ADE-5DEC45737F9F}"/>
+          </ac:cxnSpMkLst>
+        </pc:cxnChg>
+        <pc:cxnChg chg="add mod">
+          <ac:chgData name="manuel otero gonzalez" userId="a18c11e375a04417" providerId="LiveId" clId="{9F907DD6-5DB9-4FF1-A1B9-D6F9E9573827}" dt="2024-01-17T21:05:15.569" v="1337" actId="14100"/>
+          <ac:cxnSpMkLst>
+            <pc:docMk/>
+            <pc:sldMk cId="334668061" sldId="264"/>
+            <ac:cxnSpMk id="20" creationId="{2C72D46E-FC06-47E4-8D08-51FA4EDE7757}"/>
+          </ac:cxnSpMkLst>
+        </pc:cxnChg>
+        <pc:cxnChg chg="add mod">
+          <ac:chgData name="manuel otero gonzalez" userId="a18c11e375a04417" providerId="LiveId" clId="{9F907DD6-5DB9-4FF1-A1B9-D6F9E9573827}" dt="2024-01-17T21:05:28.615" v="1340" actId="1076"/>
+          <ac:cxnSpMkLst>
+            <pc:docMk/>
+            <pc:sldMk cId="334668061" sldId="264"/>
+            <ac:cxnSpMk id="22" creationId="{5CC488D3-DC8E-BD2D-DC26-13C01879E477}"/>
+          </ac:cxnSpMkLst>
+        </pc:cxnChg>
+        <pc:cxnChg chg="add mod ord">
+          <ac:chgData name="manuel otero gonzalez" userId="a18c11e375a04417" providerId="LiveId" clId="{9F907DD6-5DB9-4FF1-A1B9-D6F9E9573827}" dt="2024-01-17T21:40:42.279" v="2168" actId="693"/>
+          <ac:cxnSpMkLst>
+            <pc:docMk/>
+            <pc:sldMk cId="334668061" sldId="264"/>
+            <ac:cxnSpMk id="29" creationId="{3AA10377-9A28-2BF5-85FA-A0C1A231EF91}"/>
+          </ac:cxnSpMkLst>
+        </pc:cxnChg>
       </pc:sldChg>
-      <pc:sldChg chg="modSp add mod modAnim">
-        <pc:chgData name="manuel otero gonzalez" userId="a18c11e375a04417" providerId="LiveId" clId="{9F907DD6-5DB9-4FF1-A1B9-D6F9E9573827}" dt="2024-01-14T21:29:58.489" v="674"/>
+      <pc:sldChg chg="modSp add mod modAnim modShow">
+        <pc:chgData name="manuel otero gonzalez" userId="a18c11e375a04417" providerId="LiveId" clId="{9F907DD6-5DB9-4FF1-A1B9-D6F9E9573827}" dt="2024-01-17T20:13:28.669" v="792" actId="729"/>
         <pc:sldMkLst>
           <pc:docMk/>
           <pc:sldMk cId="1728229218" sldId="265"/>
@@ -511,8 +831,8 @@
           </ac:spMkLst>
         </pc:spChg>
       </pc:sldChg>
-      <pc:sldChg chg="modSp add mod modAnim">
-        <pc:chgData name="manuel otero gonzalez" userId="a18c11e375a04417" providerId="LiveId" clId="{9F907DD6-5DB9-4FF1-A1B9-D6F9E9573827}" dt="2024-01-14T21:29:53.660" v="672"/>
+      <pc:sldChg chg="modSp add mod modAnim modShow">
+        <pc:chgData name="manuel otero gonzalez" userId="a18c11e375a04417" providerId="LiveId" clId="{9F907DD6-5DB9-4FF1-A1B9-D6F9E9573827}" dt="2024-01-17T20:13:34.416" v="793" actId="729"/>
         <pc:sldMkLst>
           <pc:docMk/>
           <pc:sldMk cId="3499446601" sldId="266"/>
@@ -526,8 +846,8 @@
           </ac:spMkLst>
         </pc:spChg>
       </pc:sldChg>
-      <pc:sldChg chg="modSp add mod modAnim">
-        <pc:chgData name="manuel otero gonzalez" userId="a18c11e375a04417" providerId="LiveId" clId="{9F907DD6-5DB9-4FF1-A1B9-D6F9E9573827}" dt="2024-01-14T21:29:50.022" v="670"/>
+      <pc:sldChg chg="modSp add mod modAnim modShow">
+        <pc:chgData name="manuel otero gonzalez" userId="a18c11e375a04417" providerId="LiveId" clId="{9F907DD6-5DB9-4FF1-A1B9-D6F9E9573827}" dt="2024-01-17T20:13:42.573" v="794" actId="729"/>
         <pc:sldMkLst>
           <pc:docMk/>
           <pc:sldMk cId="905100564" sldId="267"/>
@@ -602,9 +922,557 @@
           </ac:spMkLst>
         </pc:spChg>
       </pc:sldChg>
+      <pc:sldChg chg="addSp modSp add mod">
+        <pc:chgData name="manuel otero gonzalez" userId="a18c11e375a04417" providerId="LiveId" clId="{9F907DD6-5DB9-4FF1-A1B9-D6F9E9573827}" dt="2024-01-17T21:03:44.532" v="1303" actId="1076"/>
+        <pc:sldMkLst>
+          <pc:docMk/>
+          <pc:sldMk cId="741952523" sldId="271"/>
+        </pc:sldMkLst>
+        <pc:spChg chg="mod">
+          <ac:chgData name="manuel otero gonzalez" userId="a18c11e375a04417" providerId="LiveId" clId="{9F907DD6-5DB9-4FF1-A1B9-D6F9E9573827}" dt="2024-01-17T20:33:38.408" v="984" actId="20577"/>
+          <ac:spMkLst>
+            <pc:docMk/>
+            <pc:sldMk cId="741952523" sldId="271"/>
+            <ac:spMk id="2" creationId="{B7006F94-BBA3-B8CB-6962-6A7E8B6697EF}"/>
+          </ac:spMkLst>
+        </pc:spChg>
+        <pc:spChg chg="mod">
+          <ac:chgData name="manuel otero gonzalez" userId="a18c11e375a04417" providerId="LiveId" clId="{9F907DD6-5DB9-4FF1-A1B9-D6F9E9573827}" dt="2024-01-17T20:45:09.615" v="1067" actId="403"/>
+          <ac:spMkLst>
+            <pc:docMk/>
+            <pc:sldMk cId="741952523" sldId="271"/>
+            <ac:spMk id="3" creationId="{B0BCFCBA-0DDF-19BB-FDBD-C17EB2F5D235}"/>
+          </ac:spMkLst>
+        </pc:spChg>
+        <pc:spChg chg="add mod">
+          <ac:chgData name="manuel otero gonzalez" userId="a18c11e375a04417" providerId="LiveId" clId="{9F907DD6-5DB9-4FF1-A1B9-D6F9E9573827}" dt="2024-01-17T20:45:18.802" v="1068" actId="1076"/>
+          <ac:spMkLst>
+            <pc:docMk/>
+            <pc:sldMk cId="741952523" sldId="271"/>
+            <ac:spMk id="5" creationId="{26A3C5CB-229A-C8AC-0BD8-72D45FA6252F}"/>
+          </ac:spMkLst>
+        </pc:spChg>
+        <pc:spChg chg="add mod">
+          <ac:chgData name="manuel otero gonzalez" userId="a18c11e375a04417" providerId="LiveId" clId="{9F907DD6-5DB9-4FF1-A1B9-D6F9E9573827}" dt="2024-01-17T20:45:23.615" v="1069" actId="1076"/>
+          <ac:spMkLst>
+            <pc:docMk/>
+            <pc:sldMk cId="741952523" sldId="271"/>
+            <ac:spMk id="7" creationId="{1F6EF55D-F35E-2703-CF2A-9F6310B497F5}"/>
+          </ac:spMkLst>
+        </pc:spChg>
+        <pc:spChg chg="mod">
+          <ac:chgData name="manuel otero gonzalez" userId="a18c11e375a04417" providerId="LiveId" clId="{9F907DD6-5DB9-4FF1-A1B9-D6F9E9573827}" dt="2024-01-17T20:31:59.224" v="977" actId="20577"/>
+          <ac:spMkLst>
+            <pc:docMk/>
+            <pc:sldMk cId="741952523" sldId="271"/>
+            <ac:spMk id="8" creationId="{E0BEB5F1-7BDC-9D3B-C5C4-5EFE09EC0539}"/>
+          </ac:spMkLst>
+        </pc:spChg>
+        <pc:cxnChg chg="add mod">
+          <ac:chgData name="manuel otero gonzalez" userId="a18c11e375a04417" providerId="LiveId" clId="{9F907DD6-5DB9-4FF1-A1B9-D6F9E9573827}" dt="2024-01-17T20:45:39.769" v="1071" actId="1582"/>
+          <ac:cxnSpMkLst>
+            <pc:docMk/>
+            <pc:sldMk cId="741952523" sldId="271"/>
+            <ac:cxnSpMk id="10" creationId="{308541AE-4F36-F399-B619-65D1DEA6889F}"/>
+          </ac:cxnSpMkLst>
+        </pc:cxnChg>
+        <pc:cxnChg chg="add mod">
+          <ac:chgData name="manuel otero gonzalez" userId="a18c11e375a04417" providerId="LiveId" clId="{9F907DD6-5DB9-4FF1-A1B9-D6F9E9573827}" dt="2024-01-17T20:45:54.755" v="1136" actId="1036"/>
+          <ac:cxnSpMkLst>
+            <pc:docMk/>
+            <pc:sldMk cId="741952523" sldId="271"/>
+            <ac:cxnSpMk id="11" creationId="{A4A52875-6062-C064-6DAC-8703BC40EC3E}"/>
+          </ac:cxnSpMkLst>
+        </pc:cxnChg>
+        <pc:cxnChg chg="add mod">
+          <ac:chgData name="manuel otero gonzalez" userId="a18c11e375a04417" providerId="LiveId" clId="{9F907DD6-5DB9-4FF1-A1B9-D6F9E9573827}" dt="2024-01-17T21:03:44.532" v="1303" actId="1076"/>
+          <ac:cxnSpMkLst>
+            <pc:docMk/>
+            <pc:sldMk cId="741952523" sldId="271"/>
+            <ac:cxnSpMk id="12" creationId="{DF6FE0A0-5B3A-DB16-1F12-FEF98716C336}"/>
+          </ac:cxnSpMkLst>
+        </pc:cxnChg>
+      </pc:sldChg>
+      <pc:sldChg chg="addSp delSp modSp add mod addCm modCm">
+        <pc:chgData name="manuel otero gonzalez" userId="a18c11e375a04417" providerId="LiveId" clId="{9F907DD6-5DB9-4FF1-A1B9-D6F9E9573827}" dt="2024-01-17T20:55:00.007" v="1188" actId="1076"/>
+        <pc:sldMkLst>
+          <pc:docMk/>
+          <pc:sldMk cId="416832080" sldId="272"/>
+        </pc:sldMkLst>
+        <pc:spChg chg="mod">
+          <ac:chgData name="manuel otero gonzalez" userId="a18c11e375a04417" providerId="LiveId" clId="{9F907DD6-5DB9-4FF1-A1B9-D6F9E9573827}" dt="2024-01-17T20:48:25.658" v="1142" actId="20577"/>
+          <ac:spMkLst>
+            <pc:docMk/>
+            <pc:sldMk cId="416832080" sldId="272"/>
+            <ac:spMk id="3" creationId="{B0BCFCBA-0DDF-19BB-FDBD-C17EB2F5D235}"/>
+          </ac:spMkLst>
+        </pc:spChg>
+        <pc:spChg chg="add mod">
+          <ac:chgData name="manuel otero gonzalez" userId="a18c11e375a04417" providerId="LiveId" clId="{9F907DD6-5DB9-4FF1-A1B9-D6F9E9573827}" dt="2024-01-17T20:48:22.524" v="1141" actId="20577"/>
+          <ac:spMkLst>
+            <pc:docMk/>
+            <pc:sldMk cId="416832080" sldId="272"/>
+            <ac:spMk id="7" creationId="{2B80866D-2A4C-59C8-205D-ED565587F3F6}"/>
+          </ac:spMkLst>
+        </pc:spChg>
+        <pc:spChg chg="mod">
+          <ac:chgData name="manuel otero gonzalez" userId="a18c11e375a04417" providerId="LiveId" clId="{9F907DD6-5DB9-4FF1-A1B9-D6F9E9573827}" dt="2024-01-17T20:34:13.273" v="990" actId="20577"/>
+          <ac:spMkLst>
+            <pc:docMk/>
+            <pc:sldMk cId="416832080" sldId="272"/>
+            <ac:spMk id="8" creationId="{E0BEB5F1-7BDC-9D3B-C5C4-5EFE09EC0539}"/>
+          </ac:spMkLst>
+        </pc:spChg>
+        <pc:spChg chg="add del mod">
+          <ac:chgData name="manuel otero gonzalez" userId="a18c11e375a04417" providerId="LiveId" clId="{9F907DD6-5DB9-4FF1-A1B9-D6F9E9573827}" dt="2024-01-17T20:51:48.888" v="1154" actId="478"/>
+          <ac:spMkLst>
+            <pc:docMk/>
+            <pc:sldMk cId="416832080" sldId="272"/>
+            <ac:spMk id="10" creationId="{49D1792D-FDF5-A890-5E5E-D9BDC59FB5C8}"/>
+          </ac:spMkLst>
+        </pc:spChg>
+        <pc:spChg chg="add mod">
+          <ac:chgData name="manuel otero gonzalez" userId="a18c11e375a04417" providerId="LiveId" clId="{9F907DD6-5DB9-4FF1-A1B9-D6F9E9573827}" dt="2024-01-17T20:52:26.575" v="1161" actId="1076"/>
+          <ac:spMkLst>
+            <pc:docMk/>
+            <pc:sldMk cId="416832080" sldId="272"/>
+            <ac:spMk id="11" creationId="{42B88256-C0D1-86CA-0E27-1D50D34C8EA4}"/>
+          </ac:spMkLst>
+        </pc:spChg>
+        <pc:spChg chg="add mod">
+          <ac:chgData name="manuel otero gonzalez" userId="a18c11e375a04417" providerId="LiveId" clId="{9F907DD6-5DB9-4FF1-A1B9-D6F9E9573827}" dt="2024-01-17T20:55:00.007" v="1188" actId="1076"/>
+          <ac:spMkLst>
+            <pc:docMk/>
+            <pc:sldMk cId="416832080" sldId="272"/>
+            <ac:spMk id="12" creationId="{D4901111-D7CF-BFD6-56FD-0798BCA2DFDD}"/>
+          </ac:spMkLst>
+        </pc:spChg>
+        <pc:spChg chg="add mod">
+          <ac:chgData name="manuel otero gonzalez" userId="a18c11e375a04417" providerId="LiveId" clId="{9F907DD6-5DB9-4FF1-A1B9-D6F9E9573827}" dt="2024-01-17T20:53:42.460" v="1184" actId="1076"/>
+          <ac:spMkLst>
+            <pc:docMk/>
+            <pc:sldMk cId="416832080" sldId="272"/>
+            <ac:spMk id="13" creationId="{801A9853-58CB-9AFD-5C23-4AD0FAA695C0}"/>
+          </ac:spMkLst>
+        </pc:spChg>
+        <pc:spChg chg="add mod">
+          <ac:chgData name="manuel otero gonzalez" userId="a18c11e375a04417" providerId="LiveId" clId="{9F907DD6-5DB9-4FF1-A1B9-D6F9E9573827}" dt="2024-01-17T20:53:53.577" v="1186" actId="1076"/>
+          <ac:spMkLst>
+            <pc:docMk/>
+            <pc:sldMk cId="416832080" sldId="272"/>
+            <ac:spMk id="14" creationId="{49365DF7-BFBD-B7B3-F1DB-D552AF4A122A}"/>
+          </ac:spMkLst>
+        </pc:spChg>
+        <pc:picChg chg="add mod">
+          <ac:chgData name="manuel otero gonzalez" userId="a18c11e375a04417" providerId="LiveId" clId="{9F907DD6-5DB9-4FF1-A1B9-D6F9E9573827}" dt="2024-01-17T20:48:33.318" v="1143" actId="1076"/>
+          <ac:picMkLst>
+            <pc:docMk/>
+            <pc:sldMk cId="416832080" sldId="272"/>
+            <ac:picMk id="5" creationId="{2B5F13CB-FF0B-46B1-53FC-FA542CDB4EB3}"/>
+          </ac:picMkLst>
+        </pc:picChg>
+        <pc:picChg chg="add mod">
+          <ac:chgData name="manuel otero gonzalez" userId="a18c11e375a04417" providerId="LiveId" clId="{9F907DD6-5DB9-4FF1-A1B9-D6F9E9573827}" dt="2024-01-17T20:48:53.467" v="1145" actId="1076"/>
+          <ac:picMkLst>
+            <pc:docMk/>
+            <pc:sldMk cId="416832080" sldId="272"/>
+            <ac:picMk id="9" creationId="{C234D08C-18DF-8744-0D5E-E3673EA5F4D5}"/>
+          </ac:picMkLst>
+        </pc:picChg>
+        <pc:extLst>
+          <p:ext xmlns:p="http://schemas.openxmlformats.org/presentationml/2006/main" uri="{D6D511B9-2390-475A-947B-AFAB55BFBCF1}">
+            <pc226:cmChg xmlns:pc226="http://schemas.microsoft.com/office/powerpoint/2022/06/main/command" chg="add">
+              <pc226:chgData name="manuel otero gonzalez" userId="a18c11e375a04417" providerId="LiveId" clId="{9F907DD6-5DB9-4FF1-A1B9-D6F9E9573827}" dt="2024-01-17T20:54:47.689" v="1187"/>
+              <pc2:cmMkLst xmlns:pc2="http://schemas.microsoft.com/office/powerpoint/2019/9/main/command">
+                <pc:docMk/>
+                <pc:sldMk cId="416832080" sldId="272"/>
+                <pc2:cmMk id="{983F5297-3461-4598-8002-56BE00B91CB0}"/>
+              </pc2:cmMkLst>
+              <pc226:cmRplyChg chg="add">
+                <pc226:chgData name="manuel otero gonzalez" userId="a18c11e375a04417" providerId="LiveId" clId="{9F907DD6-5DB9-4FF1-A1B9-D6F9E9573827}" dt="2024-01-17T20:54:47.689" v="1187"/>
+                <pc2:cmRplyMkLst xmlns:pc2="http://schemas.microsoft.com/office/powerpoint/2019/9/main/command">
+                  <pc:docMk/>
+                  <pc:sldMk cId="416832080" sldId="272"/>
+                  <pc2:cmMk id="{983F5297-3461-4598-8002-56BE00B91CB0}"/>
+                  <pc2:cmRplyMk id="{88F8A8D0-7CE9-4F4A-82E9-46D9F44DC398}"/>
+                </pc2:cmRplyMkLst>
+              </pc226:cmRplyChg>
+            </pc226:cmChg>
+            <pc226:cmChg xmlns:pc226="http://schemas.microsoft.com/office/powerpoint/2022/06/main/command" chg="add">
+              <pc226:chgData name="manuel otero gonzalez" userId="a18c11e375a04417" providerId="LiveId" clId="{9F907DD6-5DB9-4FF1-A1B9-D6F9E9573827}" dt="2024-01-17T20:50:53.899" v="1147"/>
+              <pc2:cmMkLst xmlns:pc2="http://schemas.microsoft.com/office/powerpoint/2019/9/main/command">
+                <pc:docMk/>
+                <pc:sldMk cId="416832080" sldId="272"/>
+                <pc2:cmMk id="{4D073CBD-4320-4956-AB5E-95175E0DEBAC}"/>
+              </pc2:cmMkLst>
+            </pc226:cmChg>
+          </p:ext>
+        </pc:extLst>
+      </pc:sldChg>
+      <pc:sldChg chg="addSp modSp add mod addCm">
+        <pc:chgData name="manuel otero gonzalez" userId="a18c11e375a04417" providerId="LiveId" clId="{9F907DD6-5DB9-4FF1-A1B9-D6F9E9573827}" dt="2024-01-17T21:34:17.100" v="2058"/>
+        <pc:sldMkLst>
+          <pc:docMk/>
+          <pc:sldMk cId="1889186754" sldId="273"/>
+        </pc:sldMkLst>
+        <pc:spChg chg="mod">
+          <ac:chgData name="manuel otero gonzalez" userId="a18c11e375a04417" providerId="LiveId" clId="{9F907DD6-5DB9-4FF1-A1B9-D6F9E9573827}" dt="2024-01-17T21:22:49.688" v="1713" actId="14100"/>
+          <ac:spMkLst>
+            <pc:docMk/>
+            <pc:sldMk cId="1889186754" sldId="273"/>
+            <ac:spMk id="3" creationId="{B0BCFCBA-0DDF-19BB-FDBD-C17EB2F5D235}"/>
+          </ac:spMkLst>
+        </pc:spChg>
+        <pc:spChg chg="add mod">
+          <ac:chgData name="manuel otero gonzalez" userId="a18c11e375a04417" providerId="LiveId" clId="{9F907DD6-5DB9-4FF1-A1B9-D6F9E9573827}" dt="2024-01-17T21:28:54.418" v="1979" actId="20577"/>
+          <ac:spMkLst>
+            <pc:docMk/>
+            <pc:sldMk cId="1889186754" sldId="273"/>
+            <ac:spMk id="7" creationId="{189D8761-D4D5-1241-F759-37F299C0E89D}"/>
+          </ac:spMkLst>
+        </pc:spChg>
+        <pc:spChg chg="mod">
+          <ac:chgData name="manuel otero gonzalez" userId="a18c11e375a04417" providerId="LiveId" clId="{9F907DD6-5DB9-4FF1-A1B9-D6F9E9573827}" dt="2024-01-17T20:58:01.830" v="1217" actId="20577"/>
+          <ac:spMkLst>
+            <pc:docMk/>
+            <pc:sldMk cId="1889186754" sldId="273"/>
+            <ac:spMk id="8" creationId="{E0BEB5F1-7BDC-9D3B-C5C4-5EFE09EC0539}"/>
+          </ac:spMkLst>
+        </pc:spChg>
+        <pc:spChg chg="add mod">
+          <ac:chgData name="manuel otero gonzalez" userId="a18c11e375a04417" providerId="LiveId" clId="{9F907DD6-5DB9-4FF1-A1B9-D6F9E9573827}" dt="2024-01-17T21:24:31.759" v="1785" actId="14100"/>
+          <ac:spMkLst>
+            <pc:docMk/>
+            <pc:sldMk cId="1889186754" sldId="273"/>
+            <ac:spMk id="9" creationId="{D37BEFC5-85AD-9F5D-EF7D-B14CDD48793D}"/>
+          </ac:spMkLst>
+        </pc:spChg>
+        <pc:spChg chg="add mod">
+          <ac:chgData name="manuel otero gonzalez" userId="a18c11e375a04417" providerId="LiveId" clId="{9F907DD6-5DB9-4FF1-A1B9-D6F9E9573827}" dt="2024-01-17T21:26:28.206" v="1861" actId="1076"/>
+          <ac:spMkLst>
+            <pc:docMk/>
+            <pc:sldMk cId="1889186754" sldId="273"/>
+            <ac:spMk id="10" creationId="{0AE8BC8F-A2AF-1DDF-3620-F693E8EAB080}"/>
+          </ac:spMkLst>
+        </pc:spChg>
+        <pc:spChg chg="add mod">
+          <ac:chgData name="manuel otero gonzalez" userId="a18c11e375a04417" providerId="LiveId" clId="{9F907DD6-5DB9-4FF1-A1B9-D6F9E9573827}" dt="2024-01-17T21:28:01.646" v="1934" actId="20577"/>
+          <ac:spMkLst>
+            <pc:docMk/>
+            <pc:sldMk cId="1889186754" sldId="273"/>
+            <ac:spMk id="11" creationId="{44D46526-4C5B-3552-CCF0-8FA15584E111}"/>
+          </ac:spMkLst>
+        </pc:spChg>
+        <pc:picChg chg="add mod">
+          <ac:chgData name="manuel otero gonzalez" userId="a18c11e375a04417" providerId="LiveId" clId="{9F907DD6-5DB9-4FF1-A1B9-D6F9E9573827}" dt="2024-01-17T21:22:51.578" v="1714" actId="1076"/>
+          <ac:picMkLst>
+            <pc:docMk/>
+            <pc:sldMk cId="1889186754" sldId="273"/>
+            <ac:picMk id="5" creationId="{9BB6F1E6-D389-1DD3-1AD9-341451A57FD0}"/>
+          </ac:picMkLst>
+        </pc:picChg>
+        <pc:cxnChg chg="add mod">
+          <ac:chgData name="manuel otero gonzalez" userId="a18c11e375a04417" providerId="LiveId" clId="{9F907DD6-5DB9-4FF1-A1B9-D6F9E9573827}" dt="2024-01-17T21:28:31.353" v="1953" actId="14100"/>
+          <ac:cxnSpMkLst>
+            <pc:docMk/>
+            <pc:sldMk cId="1889186754" sldId="273"/>
+            <ac:cxnSpMk id="12" creationId="{182BD2D0-9AEE-079F-8376-CDC8DFC43C8A}"/>
+          </ac:cxnSpMkLst>
+        </pc:cxnChg>
+        <pc:extLst>
+          <p:ext xmlns:p="http://schemas.openxmlformats.org/presentationml/2006/main" uri="{D6D511B9-2390-475A-947B-AFAB55BFBCF1}">
+            <pc226:cmChg xmlns:pc226="http://schemas.microsoft.com/office/powerpoint/2022/06/main/command" chg="add">
+              <pc226:chgData name="manuel otero gonzalez" userId="a18c11e375a04417" providerId="LiveId" clId="{9F907DD6-5DB9-4FF1-A1B9-D6F9E9573827}" dt="2024-01-17T21:34:17.100" v="2058"/>
+              <pc2:cmMkLst xmlns:pc2="http://schemas.microsoft.com/office/powerpoint/2019/9/main/command">
+                <pc:docMk/>
+                <pc:sldMk cId="1889186754" sldId="273"/>
+                <pc2:cmMk id="{60EFBE93-9DD5-42DE-BBC8-642308BBE94B}"/>
+              </pc2:cmMkLst>
+            </pc226:cmChg>
+          </p:ext>
+        </pc:extLst>
+      </pc:sldChg>
+      <pc:sldChg chg="delSp modSp add mod">
+        <pc:chgData name="manuel otero gonzalez" userId="a18c11e375a04417" providerId="LiveId" clId="{9F907DD6-5DB9-4FF1-A1B9-D6F9E9573827}" dt="2024-01-17T21:35:25.566" v="2063" actId="5793"/>
+        <pc:sldMkLst>
+          <pc:docMk/>
+          <pc:sldMk cId="2327482814" sldId="274"/>
+        </pc:sldMkLst>
+        <pc:spChg chg="mod">
+          <ac:chgData name="manuel otero gonzalez" userId="a18c11e375a04417" providerId="LiveId" clId="{9F907DD6-5DB9-4FF1-A1B9-D6F9E9573827}" dt="2024-01-17T21:35:25.566" v="2063" actId="5793"/>
+          <ac:spMkLst>
+            <pc:docMk/>
+            <pc:sldMk cId="2327482814" sldId="274"/>
+            <ac:spMk id="3" creationId="{B0BCFCBA-0DDF-19BB-FDBD-C17EB2F5D235}"/>
+          </ac:spMkLst>
+        </pc:spChg>
+        <pc:spChg chg="del">
+          <ac:chgData name="manuel otero gonzalez" userId="a18c11e375a04417" providerId="LiveId" clId="{9F907DD6-5DB9-4FF1-A1B9-D6F9E9573827}" dt="2024-01-17T21:35:10.357" v="2061" actId="478"/>
+          <ac:spMkLst>
+            <pc:docMk/>
+            <pc:sldMk cId="2327482814" sldId="274"/>
+            <ac:spMk id="13" creationId="{DB15D19E-3B94-BDAE-4B05-E1DE3943778E}"/>
+          </ac:spMkLst>
+        </pc:spChg>
+        <pc:spChg chg="del">
+          <ac:chgData name="manuel otero gonzalez" userId="a18c11e375a04417" providerId="LiveId" clId="{9F907DD6-5DB9-4FF1-A1B9-D6F9E9573827}" dt="2024-01-17T21:35:10.357" v="2061" actId="478"/>
+          <ac:spMkLst>
+            <pc:docMk/>
+            <pc:sldMk cId="2327482814" sldId="274"/>
+            <ac:spMk id="14" creationId="{ECC73A5A-3379-9C14-22C1-7BB2C2312EE6}"/>
+          </ac:spMkLst>
+        </pc:spChg>
+        <pc:spChg chg="del">
+          <ac:chgData name="manuel otero gonzalez" userId="a18c11e375a04417" providerId="LiveId" clId="{9F907DD6-5DB9-4FF1-A1B9-D6F9E9573827}" dt="2024-01-17T21:35:10.357" v="2061" actId="478"/>
+          <ac:spMkLst>
+            <pc:docMk/>
+            <pc:sldMk cId="2327482814" sldId="274"/>
+            <ac:spMk id="15" creationId="{24C6F956-324B-DFBF-4077-351EE6075AB1}"/>
+          </ac:spMkLst>
+        </pc:spChg>
+        <pc:spChg chg="del">
+          <ac:chgData name="manuel otero gonzalez" userId="a18c11e375a04417" providerId="LiveId" clId="{9F907DD6-5DB9-4FF1-A1B9-D6F9E9573827}" dt="2024-01-17T21:35:10.357" v="2061" actId="478"/>
+          <ac:spMkLst>
+            <pc:docMk/>
+            <pc:sldMk cId="2327482814" sldId="274"/>
+            <ac:spMk id="16" creationId="{9D93FD8A-7068-BF40-9BAB-2E8372D7F090}"/>
+          </ac:spMkLst>
+        </pc:spChg>
+        <pc:picChg chg="del">
+          <ac:chgData name="manuel otero gonzalez" userId="a18c11e375a04417" providerId="LiveId" clId="{9F907DD6-5DB9-4FF1-A1B9-D6F9E9573827}" dt="2024-01-17T21:35:05.906" v="2060" actId="478"/>
+          <ac:picMkLst>
+            <pc:docMk/>
+            <pc:sldMk cId="2327482814" sldId="274"/>
+            <ac:picMk id="7" creationId="{72780E62-9249-C876-207F-1ACF97C32D6A}"/>
+          </ac:picMkLst>
+        </pc:picChg>
+        <pc:picChg chg="del">
+          <ac:chgData name="manuel otero gonzalez" userId="a18c11e375a04417" providerId="LiveId" clId="{9F907DD6-5DB9-4FF1-A1B9-D6F9E9573827}" dt="2024-01-17T21:35:10.357" v="2061" actId="478"/>
+          <ac:picMkLst>
+            <pc:docMk/>
+            <pc:sldMk cId="2327482814" sldId="274"/>
+            <ac:picMk id="11" creationId="{F5862776-6E71-794E-31A1-8CD22100342F}"/>
+          </ac:picMkLst>
+        </pc:picChg>
+        <pc:cxnChg chg="del">
+          <ac:chgData name="manuel otero gonzalez" userId="a18c11e375a04417" providerId="LiveId" clId="{9F907DD6-5DB9-4FF1-A1B9-D6F9E9573827}" dt="2024-01-17T21:35:10.357" v="2061" actId="478"/>
+          <ac:cxnSpMkLst>
+            <pc:docMk/>
+            <pc:sldMk cId="2327482814" sldId="274"/>
+            <ac:cxnSpMk id="17" creationId="{FAAACA59-924D-65C5-AF39-98B9E0D3B713}"/>
+          </ac:cxnSpMkLst>
+        </pc:cxnChg>
+        <pc:cxnChg chg="del">
+          <ac:chgData name="manuel otero gonzalez" userId="a18c11e375a04417" providerId="LiveId" clId="{9F907DD6-5DB9-4FF1-A1B9-D6F9E9573827}" dt="2024-01-17T21:35:10.357" v="2061" actId="478"/>
+          <ac:cxnSpMkLst>
+            <pc:docMk/>
+            <pc:sldMk cId="2327482814" sldId="274"/>
+            <ac:cxnSpMk id="18" creationId="{B674088B-B397-A300-5272-6BE9E6DED56A}"/>
+          </ac:cxnSpMkLst>
+        </pc:cxnChg>
+        <pc:cxnChg chg="del">
+          <ac:chgData name="manuel otero gonzalez" userId="a18c11e375a04417" providerId="LiveId" clId="{9F907DD6-5DB9-4FF1-A1B9-D6F9E9573827}" dt="2024-01-17T21:35:10.357" v="2061" actId="478"/>
+          <ac:cxnSpMkLst>
+            <pc:docMk/>
+            <pc:sldMk cId="2327482814" sldId="274"/>
+            <ac:cxnSpMk id="19" creationId="{95DDF3FE-B3BF-3C5D-11D1-EC5ACF89E40F}"/>
+          </ac:cxnSpMkLst>
+        </pc:cxnChg>
+      </pc:sldChg>
+      <pc:sldChg chg="addSp delSp modSp add mod">
+        <pc:chgData name="manuel otero gonzalez" userId="a18c11e375a04417" providerId="LiveId" clId="{9F907DD6-5DB9-4FF1-A1B9-D6F9E9573827}" dt="2024-01-17T22:00:08.747" v="2714" actId="1076"/>
+        <pc:sldMkLst>
+          <pc:docMk/>
+          <pc:sldMk cId="2943905644" sldId="275"/>
+        </pc:sldMkLst>
+        <pc:spChg chg="mod">
+          <ac:chgData name="manuel otero gonzalez" userId="a18c11e375a04417" providerId="LiveId" clId="{9F907DD6-5DB9-4FF1-A1B9-D6F9E9573827}" dt="2024-01-17T21:49:03.222" v="2483"/>
+          <ac:spMkLst>
+            <pc:docMk/>
+            <pc:sldMk cId="2943905644" sldId="275"/>
+            <ac:spMk id="3" creationId="{B0BCFCBA-0DDF-19BB-FDBD-C17EB2F5D235}"/>
+          </ac:spMkLst>
+        </pc:spChg>
+        <pc:spChg chg="del">
+          <ac:chgData name="manuel otero gonzalez" userId="a18c11e375a04417" providerId="LiveId" clId="{9F907DD6-5DB9-4FF1-A1B9-D6F9E9573827}" dt="2024-01-17T21:42:20.631" v="2170" actId="478"/>
+          <ac:spMkLst>
+            <pc:docMk/>
+            <pc:sldMk cId="2943905644" sldId="275"/>
+            <ac:spMk id="5" creationId="{21B0A35C-56B0-D895-1678-43F0C8715503}"/>
+          </ac:spMkLst>
+        </pc:spChg>
+        <pc:spChg chg="del">
+          <ac:chgData name="manuel otero gonzalez" userId="a18c11e375a04417" providerId="LiveId" clId="{9F907DD6-5DB9-4FF1-A1B9-D6F9E9573827}" dt="2024-01-17T21:42:20.631" v="2170" actId="478"/>
+          <ac:spMkLst>
+            <pc:docMk/>
+            <pc:sldMk cId="2943905644" sldId="275"/>
+            <ac:spMk id="7" creationId="{D22B3D51-82C5-E51C-C78B-88323E4B2175}"/>
+          </ac:spMkLst>
+        </pc:spChg>
+        <pc:spChg chg="del">
+          <ac:chgData name="manuel otero gonzalez" userId="a18c11e375a04417" providerId="LiveId" clId="{9F907DD6-5DB9-4FF1-A1B9-D6F9E9573827}" dt="2024-01-17T21:42:20.631" v="2170" actId="478"/>
+          <ac:spMkLst>
+            <pc:docMk/>
+            <pc:sldMk cId="2943905644" sldId="275"/>
+            <ac:spMk id="9" creationId="{F74A3493-F9F1-1CFC-A314-92792D47FC75}"/>
+          </ac:spMkLst>
+        </pc:spChg>
+        <pc:spChg chg="del">
+          <ac:chgData name="manuel otero gonzalez" userId="a18c11e375a04417" providerId="LiveId" clId="{9F907DD6-5DB9-4FF1-A1B9-D6F9E9573827}" dt="2024-01-17T21:42:20.631" v="2170" actId="478"/>
+          <ac:spMkLst>
+            <pc:docMk/>
+            <pc:sldMk cId="2943905644" sldId="275"/>
+            <ac:spMk id="10" creationId="{4FFC5CB3-B853-FDB2-A578-9FBD75DDF8EF}"/>
+          </ac:spMkLst>
+        </pc:spChg>
+        <pc:spChg chg="mod">
+          <ac:chgData name="manuel otero gonzalez" userId="a18c11e375a04417" providerId="LiveId" clId="{9F907DD6-5DB9-4FF1-A1B9-D6F9E9573827}" dt="2024-01-17T21:46:21.968" v="2404" actId="20577"/>
+          <ac:spMkLst>
+            <pc:docMk/>
+            <pc:sldMk cId="2943905644" sldId="275"/>
+            <ac:spMk id="13" creationId="{5D5E929C-2116-7292-B927-17706254F873}"/>
+          </ac:spMkLst>
+        </pc:spChg>
+        <pc:spChg chg="mod">
+          <ac:chgData name="manuel otero gonzalez" userId="a18c11e375a04417" providerId="LiveId" clId="{9F907DD6-5DB9-4FF1-A1B9-D6F9E9573827}" dt="2024-01-17T21:46:41.272" v="2407" actId="404"/>
+          <ac:spMkLst>
+            <pc:docMk/>
+            <pc:sldMk cId="2943905644" sldId="275"/>
+            <ac:spMk id="18" creationId="{598A9D29-A97B-2D49-CC5D-F00C7D8E476D}"/>
+          </ac:spMkLst>
+        </pc:spChg>
+        <pc:spChg chg="add mod">
+          <ac:chgData name="manuel otero gonzalez" userId="a18c11e375a04417" providerId="LiveId" clId="{9F907DD6-5DB9-4FF1-A1B9-D6F9E9573827}" dt="2024-01-17T21:58:11.579" v="2703" actId="1076"/>
+          <ac:spMkLst>
+            <pc:docMk/>
+            <pc:sldMk cId="2943905644" sldId="275"/>
+            <ac:spMk id="19" creationId="{E88A6A3E-21E3-BCFC-8E0F-19EB16F6E4A5}"/>
+          </ac:spMkLst>
+        </pc:spChg>
+        <pc:spChg chg="add mod">
+          <ac:chgData name="manuel otero gonzalez" userId="a18c11e375a04417" providerId="LiveId" clId="{9F907DD6-5DB9-4FF1-A1B9-D6F9E9573827}" dt="2024-01-17T22:00:08.747" v="2714" actId="1076"/>
+          <ac:spMkLst>
+            <pc:docMk/>
+            <pc:sldMk cId="2943905644" sldId="275"/>
+            <ac:spMk id="21" creationId="{7EF6005C-DEF9-9E17-0B4C-429E53AC9382}"/>
+          </ac:spMkLst>
+        </pc:spChg>
+        <pc:spChg chg="del">
+          <ac:chgData name="manuel otero gonzalez" userId="a18c11e375a04417" providerId="LiveId" clId="{9F907DD6-5DB9-4FF1-A1B9-D6F9E9573827}" dt="2024-01-17T21:42:20.631" v="2170" actId="478"/>
+          <ac:spMkLst>
+            <pc:docMk/>
+            <pc:sldMk cId="2943905644" sldId="275"/>
+            <ac:spMk id="24" creationId="{38B098A7-CE18-F2AD-323F-060B03E69260}"/>
+          </ac:spMkLst>
+        </pc:spChg>
+        <pc:spChg chg="del">
+          <ac:chgData name="manuel otero gonzalez" userId="a18c11e375a04417" providerId="LiveId" clId="{9F907DD6-5DB9-4FF1-A1B9-D6F9E9573827}" dt="2024-01-17T21:42:20.631" v="2170" actId="478"/>
+          <ac:spMkLst>
+            <pc:docMk/>
+            <pc:sldMk cId="2943905644" sldId="275"/>
+            <ac:spMk id="26" creationId="{FA583A2D-8886-F914-B547-E5AB9B6561F1}"/>
+          </ac:spMkLst>
+        </pc:spChg>
+        <pc:spChg chg="mod">
+          <ac:chgData name="manuel otero gonzalez" userId="a18c11e375a04417" providerId="LiveId" clId="{9F907DD6-5DB9-4FF1-A1B9-D6F9E9573827}" dt="2024-01-17T21:54:35.429" v="2619" actId="14100"/>
+          <ac:spMkLst>
+            <pc:docMk/>
+            <pc:sldMk cId="2943905644" sldId="275"/>
+            <ac:spMk id="28" creationId="{567EF1B4-D08C-B1BB-BFC2-86740B8B3CC3}"/>
+          </ac:spMkLst>
+        </pc:spChg>
+        <pc:spChg chg="add">
+          <ac:chgData name="manuel otero gonzalez" userId="a18c11e375a04417" providerId="LiveId" clId="{9F907DD6-5DB9-4FF1-A1B9-D6F9E9573827}" dt="2024-01-17T21:57:18.406" v="2675"/>
+          <ac:spMkLst>
+            <pc:docMk/>
+            <pc:sldMk cId="2943905644" sldId="275"/>
+            <ac:spMk id="30" creationId="{DA78D923-E310-EFBD-476E-0820EF456651}"/>
+          </ac:spMkLst>
+        </pc:spChg>
+        <pc:cxnChg chg="del">
+          <ac:chgData name="manuel otero gonzalez" userId="a18c11e375a04417" providerId="LiveId" clId="{9F907DD6-5DB9-4FF1-A1B9-D6F9E9573827}" dt="2024-01-17T21:42:20.631" v="2170" actId="478"/>
+          <ac:cxnSpMkLst>
+            <pc:docMk/>
+            <pc:sldMk cId="2943905644" sldId="275"/>
+            <ac:cxnSpMk id="11" creationId="{A34EA592-3DA9-CF43-CAF7-BC5B75916408}"/>
+          </ac:cxnSpMkLst>
+        </pc:cxnChg>
+      </pc:sldChg>
     </pc:docChg>
   </pc:docChgLst>
 </pc:chgInfo>
+</file>
+
+<file path=ppt/comments/modernComment_110_18D85A50.xml><?xml version="1.0" encoding="utf-8"?>
+<p188:cmLst xmlns:a="http://schemas.openxmlformats.org/drawingml/2006/main" xmlns:r="http://schemas.openxmlformats.org/officeDocument/2006/relationships" xmlns:p188="http://schemas.microsoft.com/office/powerpoint/2018/8/main">
+  <p188:cm id="{983F5297-3461-4598-8002-56BE00B91CB0}" authorId="{B824A2AD-B5D5-0642-4CE3-CE23445F76F7}" created="2024-01-17T20:50:07.955">
+    <pc:sldMkLst xmlns:pc="http://schemas.microsoft.com/office/powerpoint/2013/main/command">
+      <pc:docMk/>
+      <pc:sldMk cId="416832080" sldId="272"/>
+    </pc:sldMkLst>
+    <p188:replyLst>
+      <p188:reply id="{88F8A8D0-7CE9-4F4A-82E9-46D9F44DC398}" authorId="{B824A2AD-B5D5-0642-4CE3-CE23445F76F7}" created="2024-01-17T20:54:47.621">
+        <p188:txBody>
+          <a:bodyPr/>
+          <a:lstStyle/>
+          <a:p>
+            <a:r>
+              <a:rPr lang="es-ES"/>
+              <a:t>En este caso es más robusto al inicializarlo al instante 0</a:t>
+            </a:r>
+          </a:p>
+        </p188:txBody>
+      </p188:reply>
+    </p188:replyLst>
+    <p188:txBody>
+      <a:bodyPr/>
+      <a:lstStyle/>
+      <a:p>
+        <a:r>
+          <a:rPr lang="es-ES"/>
+          <a:t>Aumentar el número de frames para inicializar el tracker supone frames con objetos sin trackear por eso desciende el valor de MOTA. </a:t>
+        </a:r>
+      </a:p>
+    </p188:txBody>
+  </p188:cm>
+  <p188:cm id="{4D073CBD-4320-4956-AB5E-95175E0DEBAC}" authorId="{B824A2AD-B5D5-0642-4CE3-CE23445F76F7}" created="2024-01-17T20:50:53.829">
+    <pc:sldMkLst xmlns:pc="http://schemas.microsoft.com/office/powerpoint/2013/main/command">
+      <pc:docMk/>
+      <pc:sldMk cId="416832080" sldId="272"/>
+    </pc:sldMkLst>
+    <p188:txBody>
+      <a:bodyPr/>
+      <a:lstStyle/>
+      <a:p>
+        <a:r>
+          <a:rPr lang="es-ES"/>
+          <a:t>La mejora es debida a que guarda el track en caso de que en un frame o varios no logre detectar el objeto. </a:t>
+        </a:r>
+      </a:p>
+    </p188:txBody>
+  </p188:cm>
+</p188:cmLst>
+</file>
+
+<file path=ppt/comments/modernComment_111_709AB3C2.xml><?xml version="1.0" encoding="utf-8"?>
+<p188:cmLst xmlns:a="http://schemas.openxmlformats.org/drawingml/2006/main" xmlns:r="http://schemas.openxmlformats.org/officeDocument/2006/relationships" xmlns:p188="http://schemas.microsoft.com/office/powerpoint/2018/8/main">
+  <p188:cm id="{60EFBE93-9DD5-42DE-BBC8-642308BBE94B}" authorId="{B824A2AD-B5D5-0642-4CE3-CE23445F76F7}" created="2024-01-17T21:34:17.055">
+    <pc:sldMkLst xmlns:pc="http://schemas.microsoft.com/office/powerpoint/2013/main/command">
+      <pc:docMk/>
+      <pc:sldMk cId="1889186754" sldId="273"/>
+    </pc:sldMkLst>
+    <p188:txBody>
+      <a:bodyPr/>
+      <a:lstStyle/>
+      <a:p>
+        <a:r>
+          <a:rPr lang="es-ES"/>
+          <a:t>La incorporación del Filtro de Kalman no mejora los resultados, es necesario un warm up para que no afecte negativamente a los resultados (warm up &gt;= 4) el aumento de este parámetro no supone ninguna mejora. La desactivación del filtro consigue los mismos resultados (como si no afectara para nada!!)</a:t>
+        </a:r>
+      </a:p>
+    </p188:txBody>
+  </p188:cm>
+</p188:cmLst>
 </file>
 
 <file path=ppt/notesMasters/notesMaster1.xml><?xml version="1.0" encoding="utf-8"?>
@@ -689,7 +1557,7 @@
           <a:p>
             <a:fld id="{BF0745E0-287F-4811-919A-B8D88E64FCE2}" type="datetimeFigureOut">
               <a:rPr lang="es-ES" smtClean="0"/>
-              <a:t>14/01/2024</a:t>
+              <a:t>17/01/2024</a:t>
             </a:fld>
             <a:endParaRPr lang="es-ES"/>
           </a:p>
@@ -1087,7 +1955,7 @@
           <a:p>
             <a:fld id="{B5AAF0E3-F7CD-437D-BF66-5E1033AEBC48}" type="datetime1">
               <a:rPr lang="es-ES" smtClean="0"/>
-              <a:t>14/01/2024</a:t>
+              <a:t>17/01/2024</a:t>
             </a:fld>
             <a:endParaRPr lang="es-ES"/>
           </a:p>
@@ -1261,7 +2129,7 @@
           <a:p>
             <a:fld id="{B507EBA1-D7D2-4F60-9D54-61EC349CA8DE}" type="datetime1">
               <a:rPr lang="es-ES" smtClean="0"/>
-              <a:t>14/01/2024</a:t>
+              <a:t>17/01/2024</a:t>
             </a:fld>
             <a:endParaRPr lang="es-ES"/>
           </a:p>
@@ -1445,7 +2313,7 @@
           <a:p>
             <a:fld id="{2FEB8FAF-BF8A-4DE1-ACE5-1EBB59EC9DE2}" type="datetime1">
               <a:rPr lang="es-ES" smtClean="0"/>
-              <a:t>14/01/2024</a:t>
+              <a:t>17/01/2024</a:t>
             </a:fld>
             <a:endParaRPr lang="es-ES"/>
           </a:p>
@@ -1619,7 +2487,7 @@
           <a:p>
             <a:fld id="{15639B18-1B06-4784-BD05-48EBB3BC68EA}" type="datetime1">
               <a:rPr lang="es-ES" smtClean="0"/>
-              <a:t>14/01/2024</a:t>
+              <a:t>17/01/2024</a:t>
             </a:fld>
             <a:endParaRPr lang="es-ES"/>
           </a:p>
@@ -1869,7 +2737,7 @@
           <a:p>
             <a:fld id="{18998221-6E39-4105-80B7-54C031657DE4}" type="datetime1">
               <a:rPr lang="es-ES" smtClean="0"/>
-              <a:t>14/01/2024</a:t>
+              <a:t>17/01/2024</a:t>
             </a:fld>
             <a:endParaRPr lang="es-ES"/>
           </a:p>
@@ -2105,7 +2973,7 @@
           <a:p>
             <a:fld id="{97CEEE29-6110-4B34-B7E1-DD63067A4027}" type="datetime1">
               <a:rPr lang="es-ES" smtClean="0"/>
-              <a:t>14/01/2024</a:t>
+              <a:t>17/01/2024</a:t>
             </a:fld>
             <a:endParaRPr lang="es-ES"/>
           </a:p>
@@ -2476,7 +3344,7 @@
           <a:p>
             <a:fld id="{1E21A8AA-F696-4A43-8363-E87AE06C7E1E}" type="datetime1">
               <a:rPr lang="es-ES" smtClean="0"/>
-              <a:t>14/01/2024</a:t>
+              <a:t>17/01/2024</a:t>
             </a:fld>
             <a:endParaRPr lang="es-ES"/>
           </a:p>
@@ -2598,7 +3466,7 @@
           <a:p>
             <a:fld id="{AAD9F745-2A02-45FD-8087-CD6CD447360D}" type="datetime1">
               <a:rPr lang="es-ES" smtClean="0"/>
-              <a:t>14/01/2024</a:t>
+              <a:t>17/01/2024</a:t>
             </a:fld>
             <a:endParaRPr lang="es-ES"/>
           </a:p>
@@ -2697,7 +3565,7 @@
           <a:p>
             <a:fld id="{E37B116B-9D0F-4308-A663-0DA0D858F171}" type="datetime1">
               <a:rPr lang="es-ES" smtClean="0"/>
-              <a:t>14/01/2024</a:t>
+              <a:t>17/01/2024</a:t>
             </a:fld>
             <a:endParaRPr lang="es-ES"/>
           </a:p>
@@ -2978,7 +3846,7 @@
           <a:p>
             <a:fld id="{808CA993-B55A-4034-B95E-6BAFACC33099}" type="datetime1">
               <a:rPr lang="es-ES" smtClean="0"/>
-              <a:t>14/01/2024</a:t>
+              <a:t>17/01/2024</a:t>
             </a:fld>
             <a:endParaRPr lang="es-ES"/>
           </a:p>
@@ -3239,7 +4107,7 @@
           <a:p>
             <a:fld id="{EEB41C2B-BC1C-4545-B815-3B3F24199EE6}" type="datetime1">
               <a:rPr lang="es-ES" smtClean="0"/>
-              <a:t>14/01/2024</a:t>
+              <a:t>17/01/2024</a:t>
             </a:fld>
             <a:endParaRPr lang="es-ES"/>
           </a:p>
@@ -3456,7 +4324,7 @@
           <a:p>
             <a:fld id="{0DF8A29A-D450-4515-9700-7126FF361962}" type="datetime1">
               <a:rPr lang="es-ES" smtClean="0"/>
-              <a:t>14/01/2024</a:t>
+              <a:t>17/01/2024</a:t>
             </a:fld>
             <a:endParaRPr lang="es-ES"/>
           </a:p>
@@ -4901,7 +5769,7 @@
         <p:spPr>
           <a:xfrm>
             <a:off x="837396" y="585216"/>
-            <a:ext cx="6363503" cy="666068"/>
+            <a:ext cx="8697129" cy="666068"/>
           </a:xfrm>
         </p:spPr>
         <p:txBody>
@@ -4919,7 +5787,7 @@
                   </a:schemeClr>
                 </a:solidFill>
               </a:rPr>
-              <a:t>References</a:t>
+              <a:t>Improvements in tracker creation and deletion</a:t>
             </a:r>
           </a:p>
         </p:txBody>
@@ -4942,8 +5810,8 @@
         </p:nvSpPr>
         <p:spPr>
           <a:xfrm>
-            <a:off x="837397" y="1771651"/>
-            <a:ext cx="4072929" cy="4501134"/>
+            <a:off x="837397" y="2162175"/>
+            <a:ext cx="4982378" cy="4110609"/>
           </a:xfrm>
         </p:spPr>
         <p:txBody>
@@ -4958,9 +5826,8 @@
             </a:pPr>
             <a:r>
               <a:rPr lang="en-US" sz="2000" dirty="0"/>
-              <a:t>e</a:t>
-            </a:r>
-            <a:endParaRPr lang="en-US" sz="1800" dirty="0"/>
+              <a:t>Tracker Creation: Patient Init</a:t>
+            </a:r>
           </a:p>
         </p:txBody>
       </p:sp>
@@ -5051,6 +5918,1786 @@
           </a:p>
         </p:txBody>
       </p:sp>
+      <p:sp>
+        <p:nvSpPr>
+          <p:cNvPr id="8" name="CuadroTexto 7">
+            <a:extLst>
+              <a:ext uri="{FF2B5EF4-FFF2-40B4-BE49-F238E27FC236}">
+                <a16:creationId xmlns:a16="http://schemas.microsoft.com/office/drawing/2014/main" id="{E0BEB5F1-7BDC-9D3B-C5C4-5EFE09EC0539}"/>
+              </a:ext>
+            </a:extLst>
+          </p:cNvPr>
+          <p:cNvSpPr txBox="1"/>
+          <p:nvPr/>
+        </p:nvSpPr>
+        <p:spPr>
+          <a:xfrm>
+            <a:off x="837396" y="1251284"/>
+            <a:ext cx="3457575" cy="738664"/>
+          </a:xfrm>
+          <a:prstGeom prst="rect">
+            <a:avLst/>
+          </a:prstGeom>
+          <a:noFill/>
+        </p:spPr>
+        <p:txBody>
+          <a:bodyPr wrap="square" rtlCol="0">
+            <a:spAutoFit/>
+          </a:bodyPr>
+          <a:lstStyle/>
+          <a:p>
+            <a:r>
+              <a:rPr lang="es-ES" sz="2400" i="1" dirty="0" err="1">
+                <a:solidFill>
+                  <a:schemeClr val="accent1">
+                    <a:lumMod val="75000"/>
+                  </a:schemeClr>
+                </a:solidFill>
+              </a:rPr>
+              <a:t>Tests</a:t>
+            </a:r>
+            <a:endParaRPr lang="en-US" sz="2400" i="1" dirty="0">
+              <a:solidFill>
+                <a:schemeClr val="accent1">
+                  <a:lumMod val="75000"/>
+                </a:schemeClr>
+              </a:solidFill>
+            </a:endParaRPr>
+          </a:p>
+          <a:p>
+            <a:endParaRPr lang="es-ES" dirty="0"/>
+          </a:p>
+        </p:txBody>
+      </p:sp>
+      <p:pic>
+        <p:nvPicPr>
+          <p:cNvPr id="5" name="Imagen 4">
+            <a:extLst>
+              <a:ext uri="{FF2B5EF4-FFF2-40B4-BE49-F238E27FC236}">
+                <a16:creationId xmlns:a16="http://schemas.microsoft.com/office/drawing/2014/main" id="{2B5F13CB-FF0B-46B1-53FC-FA542CDB4EB3}"/>
+              </a:ext>
+            </a:extLst>
+          </p:cNvPr>
+          <p:cNvPicPr>
+            <a:picLocks noChangeAspect="1"/>
+          </p:cNvPicPr>
+          <p:nvPr/>
+        </p:nvPicPr>
+        <p:blipFill>
+          <a:blip r:embed="rId3">
+            <a:extLst>
+              <a:ext uri="{28A0092B-C50C-407E-A947-70E740481C1C}">
+                <a14:useLocalDpi xmlns:a14="http://schemas.microsoft.com/office/drawing/2010/main" val="0"/>
+              </a:ext>
+            </a:extLst>
+          </a:blip>
+          <a:srcRect/>
+          <a:stretch>
+            <a:fillRect/>
+          </a:stretch>
+        </p:blipFill>
+        <p:spPr bwMode="auto">
+          <a:xfrm>
+            <a:off x="1019492" y="2867784"/>
+            <a:ext cx="3599815" cy="2699385"/>
+          </a:xfrm>
+          <a:prstGeom prst="rect">
+            <a:avLst/>
+          </a:prstGeom>
+          <a:noFill/>
+          <a:ln>
+            <a:noFill/>
+          </a:ln>
+        </p:spPr>
+      </p:pic>
+      <p:sp>
+        <p:nvSpPr>
+          <p:cNvPr id="7" name="Subtítulo 2">
+            <a:extLst>
+              <a:ext uri="{FF2B5EF4-FFF2-40B4-BE49-F238E27FC236}">
+                <a16:creationId xmlns:a16="http://schemas.microsoft.com/office/drawing/2014/main" id="{2B80866D-2A4C-59C8-205D-ED565587F3F6}"/>
+              </a:ext>
+            </a:extLst>
+          </p:cNvPr>
+          <p:cNvSpPr txBox="1">
+            <a:spLocks/>
+          </p:cNvSpPr>
+          <p:nvPr/>
+        </p:nvSpPr>
+        <p:spPr>
+          <a:xfrm>
+            <a:off x="5933272" y="2162173"/>
+            <a:ext cx="4982378" cy="4110609"/>
+          </a:xfrm>
+          <a:prstGeom prst="rect">
+            <a:avLst/>
+          </a:prstGeom>
+        </p:spPr>
+        <p:txBody>
+          <a:bodyPr vert="horz" lIns="91440" tIns="45720" rIns="91440" bIns="45720" rtlCol="0" anchor="t">
+            <a:normAutofit/>
+          </a:bodyPr>
+          <a:lstStyle>
+            <a:lvl1pPr marL="0" indent="0" algn="ctr" defTabSz="914400" rtl="0" eaLnBrk="1" latinLnBrk="0" hangingPunct="1">
+              <a:lnSpc>
+                <a:spcPct val="90000"/>
+              </a:lnSpc>
+              <a:spcBef>
+                <a:spcPts val="1000"/>
+              </a:spcBef>
+              <a:buFont typeface="Arial" panose="020B0604020202020204" pitchFamily="34" charset="0"/>
+              <a:buNone/>
+              <a:defRPr sz="2400" kern="1200">
+                <a:solidFill>
+                  <a:schemeClr val="tx1"/>
+                </a:solidFill>
+                <a:latin typeface="+mn-lt"/>
+                <a:ea typeface="+mn-ea"/>
+                <a:cs typeface="+mn-cs"/>
+              </a:defRPr>
+            </a:lvl1pPr>
+            <a:lvl2pPr marL="457200" indent="0" algn="ctr" defTabSz="914400" rtl="0" eaLnBrk="1" latinLnBrk="0" hangingPunct="1">
+              <a:lnSpc>
+                <a:spcPct val="90000"/>
+              </a:lnSpc>
+              <a:spcBef>
+                <a:spcPts val="500"/>
+              </a:spcBef>
+              <a:buFont typeface="Arial" panose="020B0604020202020204" pitchFamily="34" charset="0"/>
+              <a:buNone/>
+              <a:defRPr sz="2000" kern="1200">
+                <a:solidFill>
+                  <a:schemeClr val="tx1"/>
+                </a:solidFill>
+                <a:latin typeface="+mn-lt"/>
+                <a:ea typeface="+mn-ea"/>
+                <a:cs typeface="+mn-cs"/>
+              </a:defRPr>
+            </a:lvl2pPr>
+            <a:lvl3pPr marL="914400" indent="0" algn="ctr" defTabSz="914400" rtl="0" eaLnBrk="1" latinLnBrk="0" hangingPunct="1">
+              <a:lnSpc>
+                <a:spcPct val="90000"/>
+              </a:lnSpc>
+              <a:spcBef>
+                <a:spcPts val="500"/>
+              </a:spcBef>
+              <a:buFont typeface="Arial" panose="020B0604020202020204" pitchFamily="34" charset="0"/>
+              <a:buNone/>
+              <a:defRPr sz="1800" kern="1200">
+                <a:solidFill>
+                  <a:schemeClr val="tx1"/>
+                </a:solidFill>
+                <a:latin typeface="+mn-lt"/>
+                <a:ea typeface="+mn-ea"/>
+                <a:cs typeface="+mn-cs"/>
+              </a:defRPr>
+            </a:lvl3pPr>
+            <a:lvl4pPr marL="1371600" indent="0" algn="ctr" defTabSz="914400" rtl="0" eaLnBrk="1" latinLnBrk="0" hangingPunct="1">
+              <a:lnSpc>
+                <a:spcPct val="90000"/>
+              </a:lnSpc>
+              <a:spcBef>
+                <a:spcPts val="500"/>
+              </a:spcBef>
+              <a:buFont typeface="Arial" panose="020B0604020202020204" pitchFamily="34" charset="0"/>
+              <a:buNone/>
+              <a:defRPr sz="1600" kern="1200">
+                <a:solidFill>
+                  <a:schemeClr val="tx1"/>
+                </a:solidFill>
+                <a:latin typeface="+mn-lt"/>
+                <a:ea typeface="+mn-ea"/>
+                <a:cs typeface="+mn-cs"/>
+              </a:defRPr>
+            </a:lvl4pPr>
+            <a:lvl5pPr marL="1828800" indent="0" algn="ctr" defTabSz="914400" rtl="0" eaLnBrk="1" latinLnBrk="0" hangingPunct="1">
+              <a:lnSpc>
+                <a:spcPct val="90000"/>
+              </a:lnSpc>
+              <a:spcBef>
+                <a:spcPts val="500"/>
+              </a:spcBef>
+              <a:buFont typeface="Arial" panose="020B0604020202020204" pitchFamily="34" charset="0"/>
+              <a:buNone/>
+              <a:defRPr sz="1600" kern="1200">
+                <a:solidFill>
+                  <a:schemeClr val="tx1"/>
+                </a:solidFill>
+                <a:latin typeface="+mn-lt"/>
+                <a:ea typeface="+mn-ea"/>
+                <a:cs typeface="+mn-cs"/>
+              </a:defRPr>
+            </a:lvl5pPr>
+            <a:lvl6pPr marL="2286000" indent="0" algn="ctr" defTabSz="914400" rtl="0" eaLnBrk="1" latinLnBrk="0" hangingPunct="1">
+              <a:lnSpc>
+                <a:spcPct val="90000"/>
+              </a:lnSpc>
+              <a:spcBef>
+                <a:spcPts val="500"/>
+              </a:spcBef>
+              <a:buFont typeface="Arial" panose="020B0604020202020204" pitchFamily="34" charset="0"/>
+              <a:buNone/>
+              <a:defRPr sz="1600" kern="1200">
+                <a:solidFill>
+                  <a:schemeClr val="tx1"/>
+                </a:solidFill>
+                <a:latin typeface="+mn-lt"/>
+                <a:ea typeface="+mn-ea"/>
+                <a:cs typeface="+mn-cs"/>
+              </a:defRPr>
+            </a:lvl6pPr>
+            <a:lvl7pPr marL="2743200" indent="0" algn="ctr" defTabSz="914400" rtl="0" eaLnBrk="1" latinLnBrk="0" hangingPunct="1">
+              <a:lnSpc>
+                <a:spcPct val="90000"/>
+              </a:lnSpc>
+              <a:spcBef>
+                <a:spcPts val="500"/>
+              </a:spcBef>
+              <a:buFont typeface="Arial" panose="020B0604020202020204" pitchFamily="34" charset="0"/>
+              <a:buNone/>
+              <a:defRPr sz="1600" kern="1200">
+                <a:solidFill>
+                  <a:schemeClr val="tx1"/>
+                </a:solidFill>
+                <a:latin typeface="+mn-lt"/>
+                <a:ea typeface="+mn-ea"/>
+                <a:cs typeface="+mn-cs"/>
+              </a:defRPr>
+            </a:lvl7pPr>
+            <a:lvl8pPr marL="3200400" indent="0" algn="ctr" defTabSz="914400" rtl="0" eaLnBrk="1" latinLnBrk="0" hangingPunct="1">
+              <a:lnSpc>
+                <a:spcPct val="90000"/>
+              </a:lnSpc>
+              <a:spcBef>
+                <a:spcPts val="500"/>
+              </a:spcBef>
+              <a:buFont typeface="Arial" panose="020B0604020202020204" pitchFamily="34" charset="0"/>
+              <a:buNone/>
+              <a:defRPr sz="1600" kern="1200">
+                <a:solidFill>
+                  <a:schemeClr val="tx1"/>
+                </a:solidFill>
+                <a:latin typeface="+mn-lt"/>
+                <a:ea typeface="+mn-ea"/>
+                <a:cs typeface="+mn-cs"/>
+              </a:defRPr>
+            </a:lvl8pPr>
+            <a:lvl9pPr marL="3657600" indent="0" algn="ctr" defTabSz="914400" rtl="0" eaLnBrk="1" latinLnBrk="0" hangingPunct="1">
+              <a:lnSpc>
+                <a:spcPct val="90000"/>
+              </a:lnSpc>
+              <a:spcBef>
+                <a:spcPts val="500"/>
+              </a:spcBef>
+              <a:buFont typeface="Arial" panose="020B0604020202020204" pitchFamily="34" charset="0"/>
+              <a:buNone/>
+              <a:defRPr sz="1600" kern="1200">
+                <a:solidFill>
+                  <a:schemeClr val="tx1"/>
+                </a:solidFill>
+                <a:latin typeface="+mn-lt"/>
+                <a:ea typeface="+mn-ea"/>
+                <a:cs typeface="+mn-cs"/>
+              </a:defRPr>
+            </a:lvl9pPr>
+          </a:lstStyle>
+          <a:p>
+            <a:pPr marL="457200" indent="-228600" algn="l">
+              <a:buFont typeface="Arial" panose="020B0604020202020204" pitchFamily="34" charset="0"/>
+              <a:buChar char="•"/>
+            </a:pPr>
+            <a:r>
+              <a:rPr lang="en-US" sz="2000" dirty="0"/>
+              <a:t>Tracker Deletion: Patient Remove</a:t>
+            </a:r>
+            <a:endParaRPr lang="en-US" sz="1800" dirty="0"/>
+          </a:p>
+        </p:txBody>
+      </p:sp>
+      <p:pic>
+        <p:nvPicPr>
+          <p:cNvPr id="9" name="Imagen 8">
+            <a:extLst>
+              <a:ext uri="{FF2B5EF4-FFF2-40B4-BE49-F238E27FC236}">
+                <a16:creationId xmlns:a16="http://schemas.microsoft.com/office/drawing/2014/main" id="{C234D08C-18DF-8744-0D5E-E3673EA5F4D5}"/>
+              </a:ext>
+            </a:extLst>
+          </p:cNvPr>
+          <p:cNvPicPr>
+            <a:picLocks noChangeAspect="1"/>
+          </p:cNvPicPr>
+          <p:nvPr/>
+        </p:nvPicPr>
+        <p:blipFill>
+          <a:blip r:embed="rId4">
+            <a:extLst>
+              <a:ext uri="{28A0092B-C50C-407E-A947-70E740481C1C}">
+                <a14:useLocalDpi xmlns:a14="http://schemas.microsoft.com/office/drawing/2010/main" val="0"/>
+              </a:ext>
+            </a:extLst>
+          </a:blip>
+          <a:srcRect/>
+          <a:stretch>
+            <a:fillRect/>
+          </a:stretch>
+        </p:blipFill>
+        <p:spPr bwMode="auto">
+          <a:xfrm>
+            <a:off x="6624553" y="2867783"/>
+            <a:ext cx="3599815" cy="2699385"/>
+          </a:xfrm>
+          <a:prstGeom prst="rect">
+            <a:avLst/>
+          </a:prstGeom>
+          <a:noFill/>
+          <a:ln>
+            <a:noFill/>
+          </a:ln>
+        </p:spPr>
+      </p:pic>
+      <p:sp>
+        <p:nvSpPr>
+          <p:cNvPr id="11" name="Rectángulo: esquinas redondeadas 10">
+            <a:extLst>
+              <a:ext uri="{FF2B5EF4-FFF2-40B4-BE49-F238E27FC236}">
+                <a16:creationId xmlns:a16="http://schemas.microsoft.com/office/drawing/2014/main" id="{42B88256-C0D1-86CA-0E27-1D50D34C8EA4}"/>
+              </a:ext>
+            </a:extLst>
+          </p:cNvPr>
+          <p:cNvSpPr/>
+          <p:nvPr/>
+        </p:nvSpPr>
+        <p:spPr>
+          <a:xfrm>
+            <a:off x="8735535" y="2867783"/>
+            <a:ext cx="1411355" cy="2795598"/>
+          </a:xfrm>
+          <a:prstGeom prst="roundRect">
+            <a:avLst/>
+          </a:prstGeom>
+          <a:noFill/>
+          <a:ln w="38100"/>
+        </p:spPr>
+        <p:style>
+          <a:lnRef idx="2">
+            <a:schemeClr val="accent1">
+              <a:shade val="15000"/>
+            </a:schemeClr>
+          </a:lnRef>
+          <a:fillRef idx="1">
+            <a:schemeClr val="accent1"/>
+          </a:fillRef>
+          <a:effectRef idx="0">
+            <a:schemeClr val="accent1"/>
+          </a:effectRef>
+          <a:fontRef idx="minor">
+            <a:schemeClr val="lt1"/>
+          </a:fontRef>
+        </p:style>
+        <p:txBody>
+          <a:bodyPr rtlCol="0" anchor="ctr"/>
+          <a:lstStyle/>
+          <a:p>
+            <a:pPr algn="ctr"/>
+            <a:endParaRPr lang="es-ES"/>
+          </a:p>
+        </p:txBody>
+      </p:sp>
+      <p:sp>
+        <p:nvSpPr>
+          <p:cNvPr id="12" name="CuadroTexto 11">
+            <a:extLst>
+              <a:ext uri="{FF2B5EF4-FFF2-40B4-BE49-F238E27FC236}">
+                <a16:creationId xmlns:a16="http://schemas.microsoft.com/office/drawing/2014/main" id="{D4901111-D7CF-BFD6-56FD-0798BCA2DFDD}"/>
+              </a:ext>
+            </a:extLst>
+          </p:cNvPr>
+          <p:cNvSpPr txBox="1"/>
+          <p:nvPr/>
+        </p:nvSpPr>
+        <p:spPr>
+          <a:xfrm>
+            <a:off x="8754372" y="5660569"/>
+            <a:ext cx="1776992" cy="369332"/>
+          </a:xfrm>
+          <a:prstGeom prst="rect">
+            <a:avLst/>
+          </a:prstGeom>
+          <a:noFill/>
+        </p:spPr>
+        <p:txBody>
+          <a:bodyPr wrap="square" rtlCol="0">
+            <a:spAutoFit/>
+          </a:bodyPr>
+          <a:lstStyle/>
+          <a:p>
+            <a:r>
+              <a:rPr lang="es-ES" dirty="0">
+                <a:solidFill>
+                  <a:schemeClr val="accent1"/>
+                </a:solidFill>
+              </a:rPr>
+              <a:t>More </a:t>
+            </a:r>
+            <a:r>
+              <a:rPr lang="es-ES" dirty="0" err="1">
+                <a:solidFill>
+                  <a:schemeClr val="accent1"/>
+                </a:solidFill>
+              </a:rPr>
+              <a:t>robust</a:t>
+            </a:r>
+            <a:endParaRPr lang="es-ES" dirty="0">
+              <a:solidFill>
+                <a:schemeClr val="accent1"/>
+              </a:solidFill>
+            </a:endParaRPr>
+          </a:p>
+        </p:txBody>
+      </p:sp>
+      <p:sp>
+        <p:nvSpPr>
+          <p:cNvPr id="13" name="Rectángulo: esquinas redondeadas 12">
+            <a:extLst>
+              <a:ext uri="{FF2B5EF4-FFF2-40B4-BE49-F238E27FC236}">
+                <a16:creationId xmlns:a16="http://schemas.microsoft.com/office/drawing/2014/main" id="{801A9853-58CB-9AFD-5C23-4AD0FAA695C0}"/>
+              </a:ext>
+            </a:extLst>
+          </p:cNvPr>
+          <p:cNvSpPr/>
+          <p:nvPr/>
+        </p:nvSpPr>
+        <p:spPr>
+          <a:xfrm>
+            <a:off x="1522819" y="2867783"/>
+            <a:ext cx="522291" cy="2795598"/>
+          </a:xfrm>
+          <a:prstGeom prst="roundRect">
+            <a:avLst/>
+          </a:prstGeom>
+          <a:noFill/>
+          <a:ln w="38100"/>
+        </p:spPr>
+        <p:style>
+          <a:lnRef idx="2">
+            <a:schemeClr val="accent1">
+              <a:shade val="15000"/>
+            </a:schemeClr>
+          </a:lnRef>
+          <a:fillRef idx="1">
+            <a:schemeClr val="accent1"/>
+          </a:fillRef>
+          <a:effectRef idx="0">
+            <a:schemeClr val="accent1"/>
+          </a:effectRef>
+          <a:fontRef idx="minor">
+            <a:schemeClr val="lt1"/>
+          </a:fontRef>
+        </p:style>
+        <p:txBody>
+          <a:bodyPr rtlCol="0" anchor="ctr"/>
+          <a:lstStyle/>
+          <a:p>
+            <a:pPr algn="ctr"/>
+            <a:endParaRPr lang="es-ES"/>
+          </a:p>
+        </p:txBody>
+      </p:sp>
+      <p:sp>
+        <p:nvSpPr>
+          <p:cNvPr id="14" name="CuadroTexto 13">
+            <a:extLst>
+              <a:ext uri="{FF2B5EF4-FFF2-40B4-BE49-F238E27FC236}">
+                <a16:creationId xmlns:a16="http://schemas.microsoft.com/office/drawing/2014/main" id="{49365DF7-BFBD-B7B3-F1DB-D552AF4A122A}"/>
+              </a:ext>
+            </a:extLst>
+          </p:cNvPr>
+          <p:cNvSpPr txBox="1"/>
+          <p:nvPr/>
+        </p:nvSpPr>
+        <p:spPr>
+          <a:xfrm>
+            <a:off x="1413033" y="5650736"/>
+            <a:ext cx="1776992" cy="369332"/>
+          </a:xfrm>
+          <a:prstGeom prst="rect">
+            <a:avLst/>
+          </a:prstGeom>
+          <a:noFill/>
+        </p:spPr>
+        <p:txBody>
+          <a:bodyPr wrap="square" rtlCol="0">
+            <a:spAutoFit/>
+          </a:bodyPr>
+          <a:lstStyle/>
+          <a:p>
+            <a:r>
+              <a:rPr lang="es-ES" dirty="0">
+                <a:solidFill>
+                  <a:schemeClr val="accent1"/>
+                </a:solidFill>
+              </a:rPr>
+              <a:t>More </a:t>
+            </a:r>
+            <a:r>
+              <a:rPr lang="es-ES" dirty="0" err="1">
+                <a:solidFill>
+                  <a:schemeClr val="accent1"/>
+                </a:solidFill>
+              </a:rPr>
+              <a:t>robust</a:t>
+            </a:r>
+            <a:endParaRPr lang="es-ES" dirty="0">
+              <a:solidFill>
+                <a:schemeClr val="accent1"/>
+              </a:solidFill>
+            </a:endParaRPr>
+          </a:p>
+        </p:txBody>
+      </p:sp>
+    </p:spTree>
+    <p:extLst>
+      <p:ext uri="{BB962C8B-B14F-4D97-AF65-F5344CB8AC3E}">
+        <p14:creationId xmlns:p14="http://schemas.microsoft.com/office/powerpoint/2010/main" val="416832080"/>
+      </p:ext>
+    </p:extLst>
+  </p:cSld>
+  <p:clrMapOvr>
+    <a:masterClrMapping/>
+  </p:clrMapOvr>
+  <p:extLst>
+    <p:ext uri="{6950BFC3-D8DA-4A85-94F7-54DA5524770B}">
+      <p188:commentRel xmlns:p188="http://schemas.microsoft.com/office/powerpoint/2018/8/main" r:id="rId2"/>
+    </p:ext>
+  </p:extLst>
+</p:sld>
+</file>
+
+<file path=ppt/slides/slide11.xml><?xml version="1.0" encoding="utf-8"?>
+<p:sld xmlns:a="http://schemas.openxmlformats.org/drawingml/2006/main" xmlns:r="http://schemas.openxmlformats.org/officeDocument/2006/relationships" xmlns:p="http://schemas.openxmlformats.org/presentationml/2006/main" show="0">
+  <p:cSld>
+    <p:bg>
+      <p:bgPr>
+        <a:solidFill>
+          <a:schemeClr val="bg1"/>
+        </a:solidFill>
+        <a:effectLst/>
+      </p:bgPr>
+    </p:bg>
+    <p:spTree>
+      <p:nvGrpSpPr>
+        <p:cNvPr id="1" name=""/>
+        <p:cNvGrpSpPr/>
+        <p:nvPr/>
+      </p:nvGrpSpPr>
+      <p:grpSpPr>
+        <a:xfrm>
+          <a:off x="0" y="0"/>
+          <a:ext cx="0" cy="0"/>
+          <a:chOff x="0" y="0"/>
+          <a:chExt cx="0" cy="0"/>
+        </a:xfrm>
+      </p:grpSpPr>
+      <p:sp>
+        <p:nvSpPr>
+          <p:cNvPr id="2" name="Título 1">
+            <a:extLst>
+              <a:ext uri="{FF2B5EF4-FFF2-40B4-BE49-F238E27FC236}">
+                <a16:creationId xmlns:a16="http://schemas.microsoft.com/office/drawing/2014/main" id="{B7006F94-BBA3-B8CB-6962-6A7E8B6697EF}"/>
+              </a:ext>
+            </a:extLst>
+          </p:cNvPr>
+          <p:cNvSpPr>
+            <a:spLocks noGrp="1"/>
+          </p:cNvSpPr>
+          <p:nvPr>
+            <p:ph type="ctrTitle"/>
+          </p:nvPr>
+        </p:nvSpPr>
+        <p:spPr>
+          <a:xfrm>
+            <a:off x="837396" y="585216"/>
+            <a:ext cx="6363503" cy="666068"/>
+          </a:xfrm>
+        </p:spPr>
+        <p:txBody>
+          <a:bodyPr vert="horz" lIns="91440" tIns="45720" rIns="91440" bIns="45720" rtlCol="0" anchor="b">
+            <a:normAutofit/>
+          </a:bodyPr>
+          <a:lstStyle/>
+          <a:p>
+            <a:pPr algn="l"/>
+            <a:r>
+              <a:rPr lang="en-US" sz="3600" b="1" i="1" dirty="0">
+                <a:solidFill>
+                  <a:schemeClr val="accent1">
+                    <a:lumMod val="75000"/>
+                  </a:schemeClr>
+                </a:solidFill>
+              </a:rPr>
+              <a:t>Failed Experiments</a:t>
+            </a:r>
+          </a:p>
+        </p:txBody>
+      </p:sp>
+      <p:sp>
+        <p:nvSpPr>
+          <p:cNvPr id="3" name="Subtítulo 2">
+            <a:extLst>
+              <a:ext uri="{FF2B5EF4-FFF2-40B4-BE49-F238E27FC236}">
+                <a16:creationId xmlns:a16="http://schemas.microsoft.com/office/drawing/2014/main" id="{B0BCFCBA-0DDF-19BB-FDBD-C17EB2F5D235}"/>
+              </a:ext>
+            </a:extLst>
+          </p:cNvPr>
+          <p:cNvSpPr>
+            <a:spLocks noGrp="1"/>
+          </p:cNvSpPr>
+          <p:nvPr>
+            <p:ph type="subTitle" idx="1"/>
+          </p:nvPr>
+        </p:nvSpPr>
+        <p:spPr>
+          <a:xfrm>
+            <a:off x="837397" y="2162175"/>
+            <a:ext cx="4072929" cy="4110609"/>
+          </a:xfrm>
+        </p:spPr>
+        <p:txBody>
+          <a:bodyPr vert="horz" lIns="91440" tIns="45720" rIns="91440" bIns="45720" rtlCol="0" anchor="t">
+            <a:normAutofit/>
+          </a:bodyPr>
+          <a:lstStyle/>
+          <a:p>
+            <a:pPr marL="457200" indent="-228600" algn="l">
+              <a:buFont typeface="Arial" panose="020B0604020202020204" pitchFamily="34" charset="0"/>
+              <a:buChar char="•"/>
+            </a:pPr>
+            <a:r>
+              <a:rPr lang="en-US" sz="2000" dirty="0"/>
+              <a:t>e</a:t>
+            </a:r>
+            <a:endParaRPr lang="en-US" sz="1800" dirty="0"/>
+          </a:p>
+        </p:txBody>
+      </p:sp>
+      <p:sp>
+        <p:nvSpPr>
+          <p:cNvPr id="4" name="Marcador de pie de página 3">
+            <a:extLst>
+              <a:ext uri="{FF2B5EF4-FFF2-40B4-BE49-F238E27FC236}">
+                <a16:creationId xmlns:a16="http://schemas.microsoft.com/office/drawing/2014/main" id="{44FC2B2D-D3F4-A2F3-5AEB-F392280F82B4}"/>
+              </a:ext>
+            </a:extLst>
+          </p:cNvPr>
+          <p:cNvSpPr>
+            <a:spLocks noGrp="1"/>
+          </p:cNvSpPr>
+          <p:nvPr>
+            <p:ph type="ftr" sz="quarter" idx="11"/>
+          </p:nvPr>
+        </p:nvSpPr>
+        <p:spPr>
+          <a:xfrm>
+            <a:off x="3848100" y="6356349"/>
+            <a:ext cx="4495800" cy="365125"/>
+          </a:xfrm>
+        </p:spPr>
+        <p:txBody>
+          <a:bodyPr/>
+          <a:lstStyle/>
+          <a:p>
+            <a:r>
+              <a:rPr lang="en-US" sz="1800" i="1" dirty="0">
+                <a:solidFill>
+                  <a:schemeClr val="accent1">
+                    <a:lumMod val="50000"/>
+                  </a:schemeClr>
+                </a:solidFill>
+              </a:rPr>
+              <a:t>Challenge “Developing a multi-object tracker”</a:t>
+            </a:r>
+            <a:endParaRPr lang="es-ES" sz="1800" i="1" dirty="0">
+              <a:solidFill>
+                <a:schemeClr val="accent1">
+                  <a:lumMod val="50000"/>
+                </a:schemeClr>
+              </a:solidFill>
+            </a:endParaRPr>
+          </a:p>
+        </p:txBody>
+      </p:sp>
+      <p:sp>
+        <p:nvSpPr>
+          <p:cNvPr id="6" name="Marcador de número de diapositiva 5">
+            <a:extLst>
+              <a:ext uri="{FF2B5EF4-FFF2-40B4-BE49-F238E27FC236}">
+                <a16:creationId xmlns:a16="http://schemas.microsoft.com/office/drawing/2014/main" id="{FB27849B-D49B-4080-5FE3-FD5282577E34}"/>
+              </a:ext>
+            </a:extLst>
+          </p:cNvPr>
+          <p:cNvSpPr>
+            <a:spLocks noGrp="1"/>
+          </p:cNvSpPr>
+          <p:nvPr>
+            <p:ph type="sldNum" sz="quarter" idx="12"/>
+          </p:nvPr>
+        </p:nvSpPr>
+        <p:spPr/>
+        <p:txBody>
+          <a:bodyPr/>
+          <a:lstStyle/>
+          <a:p>
+            <a:fld id="{3A9D7192-CCA7-4C02-8C6B-3F88F654490C}" type="slidenum">
+              <a:rPr lang="es-ES" sz="1600" b="1" i="1" smtClean="0">
+                <a:solidFill>
+                  <a:schemeClr val="accent1">
+                    <a:lumMod val="50000"/>
+                  </a:schemeClr>
+                </a:solidFill>
+              </a:rPr>
+              <a:t>11</a:t>
+            </a:fld>
+            <a:endParaRPr lang="es-ES" b="1" i="1" dirty="0">
+              <a:solidFill>
+                <a:schemeClr val="accent1">
+                  <a:lumMod val="50000"/>
+                </a:schemeClr>
+              </a:solidFill>
+            </a:endParaRPr>
+          </a:p>
+        </p:txBody>
+      </p:sp>
+      <p:sp>
+        <p:nvSpPr>
+          <p:cNvPr id="8" name="CuadroTexto 7">
+            <a:extLst>
+              <a:ext uri="{FF2B5EF4-FFF2-40B4-BE49-F238E27FC236}">
+                <a16:creationId xmlns:a16="http://schemas.microsoft.com/office/drawing/2014/main" id="{E0BEB5F1-7BDC-9D3B-C5C4-5EFE09EC0539}"/>
+              </a:ext>
+            </a:extLst>
+          </p:cNvPr>
+          <p:cNvSpPr txBox="1"/>
+          <p:nvPr/>
+        </p:nvSpPr>
+        <p:spPr>
+          <a:xfrm>
+            <a:off x="837396" y="1251284"/>
+            <a:ext cx="3457575" cy="738664"/>
+          </a:xfrm>
+          <a:prstGeom prst="rect">
+            <a:avLst/>
+          </a:prstGeom>
+          <a:noFill/>
+        </p:spPr>
+        <p:txBody>
+          <a:bodyPr wrap="square" rtlCol="0">
+            <a:spAutoFit/>
+          </a:bodyPr>
+          <a:lstStyle/>
+          <a:p>
+            <a:r>
+              <a:rPr lang="es-ES" sz="2400" i="1" dirty="0" err="1">
+                <a:solidFill>
+                  <a:schemeClr val="accent1">
+                    <a:lumMod val="75000"/>
+                  </a:schemeClr>
+                </a:solidFill>
+              </a:rPr>
+              <a:t>Mask</a:t>
+            </a:r>
+            <a:r>
+              <a:rPr lang="es-ES" sz="2400" i="1" dirty="0">
+                <a:solidFill>
+                  <a:schemeClr val="accent1">
+                    <a:lumMod val="75000"/>
+                  </a:schemeClr>
+                </a:solidFill>
+              </a:rPr>
+              <a:t> - RCNN</a:t>
+            </a:r>
+            <a:endParaRPr lang="en-US" sz="2400" i="1" dirty="0">
+              <a:solidFill>
+                <a:schemeClr val="accent1">
+                  <a:lumMod val="75000"/>
+                </a:schemeClr>
+              </a:solidFill>
+            </a:endParaRPr>
+          </a:p>
+          <a:p>
+            <a:endParaRPr lang="es-ES" dirty="0"/>
+          </a:p>
+        </p:txBody>
+      </p:sp>
+    </p:spTree>
+    <p:extLst>
+      <p:ext uri="{BB962C8B-B14F-4D97-AF65-F5344CB8AC3E}">
+        <p14:creationId xmlns:p14="http://schemas.microsoft.com/office/powerpoint/2010/main" val="1728229218"/>
+      </p:ext>
+    </p:extLst>
+  </p:cSld>
+  <p:clrMapOvr>
+    <a:masterClrMapping/>
+  </p:clrMapOvr>
+</p:sld>
+</file>
+
+<file path=ppt/slides/slide12.xml><?xml version="1.0" encoding="utf-8"?>
+<p:sld xmlns:a="http://schemas.openxmlformats.org/drawingml/2006/main" xmlns:r="http://schemas.openxmlformats.org/officeDocument/2006/relationships" xmlns:p="http://schemas.openxmlformats.org/presentationml/2006/main" show="0">
+  <p:cSld>
+    <p:bg>
+      <p:bgPr>
+        <a:solidFill>
+          <a:schemeClr val="bg1"/>
+        </a:solidFill>
+        <a:effectLst/>
+      </p:bgPr>
+    </p:bg>
+    <p:spTree>
+      <p:nvGrpSpPr>
+        <p:cNvPr id="1" name=""/>
+        <p:cNvGrpSpPr/>
+        <p:nvPr/>
+      </p:nvGrpSpPr>
+      <p:grpSpPr>
+        <a:xfrm>
+          <a:off x="0" y="0"/>
+          <a:ext cx="0" cy="0"/>
+          <a:chOff x="0" y="0"/>
+          <a:chExt cx="0" cy="0"/>
+        </a:xfrm>
+      </p:grpSpPr>
+      <p:sp>
+        <p:nvSpPr>
+          <p:cNvPr id="2" name="Título 1">
+            <a:extLst>
+              <a:ext uri="{FF2B5EF4-FFF2-40B4-BE49-F238E27FC236}">
+                <a16:creationId xmlns:a16="http://schemas.microsoft.com/office/drawing/2014/main" id="{B7006F94-BBA3-B8CB-6962-6A7E8B6697EF}"/>
+              </a:ext>
+            </a:extLst>
+          </p:cNvPr>
+          <p:cNvSpPr>
+            <a:spLocks noGrp="1"/>
+          </p:cNvSpPr>
+          <p:nvPr>
+            <p:ph type="ctrTitle"/>
+          </p:nvPr>
+        </p:nvSpPr>
+        <p:spPr>
+          <a:xfrm>
+            <a:off x="837396" y="585216"/>
+            <a:ext cx="6363503" cy="666068"/>
+          </a:xfrm>
+        </p:spPr>
+        <p:txBody>
+          <a:bodyPr vert="horz" lIns="91440" tIns="45720" rIns="91440" bIns="45720" rtlCol="0" anchor="b">
+            <a:normAutofit/>
+          </a:bodyPr>
+          <a:lstStyle/>
+          <a:p>
+            <a:pPr algn="l"/>
+            <a:r>
+              <a:rPr lang="en-US" sz="3600" b="1" i="1" dirty="0">
+                <a:solidFill>
+                  <a:schemeClr val="accent1">
+                    <a:lumMod val="75000"/>
+                  </a:schemeClr>
+                </a:solidFill>
+              </a:rPr>
+              <a:t>Failed Experiments</a:t>
+            </a:r>
+          </a:p>
+        </p:txBody>
+      </p:sp>
+      <p:sp>
+        <p:nvSpPr>
+          <p:cNvPr id="3" name="Subtítulo 2">
+            <a:extLst>
+              <a:ext uri="{FF2B5EF4-FFF2-40B4-BE49-F238E27FC236}">
+                <a16:creationId xmlns:a16="http://schemas.microsoft.com/office/drawing/2014/main" id="{B0BCFCBA-0DDF-19BB-FDBD-C17EB2F5D235}"/>
+              </a:ext>
+            </a:extLst>
+          </p:cNvPr>
+          <p:cNvSpPr>
+            <a:spLocks noGrp="1"/>
+          </p:cNvSpPr>
+          <p:nvPr>
+            <p:ph type="subTitle" idx="1"/>
+          </p:nvPr>
+        </p:nvSpPr>
+        <p:spPr>
+          <a:xfrm>
+            <a:off x="837397" y="2162175"/>
+            <a:ext cx="4072929" cy="4110609"/>
+          </a:xfrm>
+        </p:spPr>
+        <p:txBody>
+          <a:bodyPr vert="horz" lIns="91440" tIns="45720" rIns="91440" bIns="45720" rtlCol="0" anchor="t">
+            <a:normAutofit/>
+          </a:bodyPr>
+          <a:lstStyle/>
+          <a:p>
+            <a:pPr marL="457200" indent="-228600" algn="l">
+              <a:buFont typeface="Arial" panose="020B0604020202020204" pitchFamily="34" charset="0"/>
+              <a:buChar char="•"/>
+            </a:pPr>
+            <a:r>
+              <a:rPr lang="en-US" sz="2000" dirty="0"/>
+              <a:t>e</a:t>
+            </a:r>
+            <a:endParaRPr lang="en-US" sz="1800" dirty="0"/>
+          </a:p>
+        </p:txBody>
+      </p:sp>
+      <p:sp>
+        <p:nvSpPr>
+          <p:cNvPr id="4" name="Marcador de pie de página 3">
+            <a:extLst>
+              <a:ext uri="{FF2B5EF4-FFF2-40B4-BE49-F238E27FC236}">
+                <a16:creationId xmlns:a16="http://schemas.microsoft.com/office/drawing/2014/main" id="{44FC2B2D-D3F4-A2F3-5AEB-F392280F82B4}"/>
+              </a:ext>
+            </a:extLst>
+          </p:cNvPr>
+          <p:cNvSpPr>
+            <a:spLocks noGrp="1"/>
+          </p:cNvSpPr>
+          <p:nvPr>
+            <p:ph type="ftr" sz="quarter" idx="11"/>
+          </p:nvPr>
+        </p:nvSpPr>
+        <p:spPr>
+          <a:xfrm>
+            <a:off x="3848100" y="6356349"/>
+            <a:ext cx="4495800" cy="365125"/>
+          </a:xfrm>
+        </p:spPr>
+        <p:txBody>
+          <a:bodyPr/>
+          <a:lstStyle/>
+          <a:p>
+            <a:r>
+              <a:rPr lang="en-US" sz="1800" i="1" dirty="0">
+                <a:solidFill>
+                  <a:schemeClr val="accent1">
+                    <a:lumMod val="50000"/>
+                  </a:schemeClr>
+                </a:solidFill>
+              </a:rPr>
+              <a:t>Challenge “Developing a multi-object tracker”</a:t>
+            </a:r>
+            <a:endParaRPr lang="es-ES" sz="1800" i="1" dirty="0">
+              <a:solidFill>
+                <a:schemeClr val="accent1">
+                  <a:lumMod val="50000"/>
+                </a:schemeClr>
+              </a:solidFill>
+            </a:endParaRPr>
+          </a:p>
+        </p:txBody>
+      </p:sp>
+      <p:sp>
+        <p:nvSpPr>
+          <p:cNvPr id="6" name="Marcador de número de diapositiva 5">
+            <a:extLst>
+              <a:ext uri="{FF2B5EF4-FFF2-40B4-BE49-F238E27FC236}">
+                <a16:creationId xmlns:a16="http://schemas.microsoft.com/office/drawing/2014/main" id="{FB27849B-D49B-4080-5FE3-FD5282577E34}"/>
+              </a:ext>
+            </a:extLst>
+          </p:cNvPr>
+          <p:cNvSpPr>
+            <a:spLocks noGrp="1"/>
+          </p:cNvSpPr>
+          <p:nvPr>
+            <p:ph type="sldNum" sz="quarter" idx="12"/>
+          </p:nvPr>
+        </p:nvSpPr>
+        <p:spPr/>
+        <p:txBody>
+          <a:bodyPr/>
+          <a:lstStyle/>
+          <a:p>
+            <a:fld id="{3A9D7192-CCA7-4C02-8C6B-3F88F654490C}" type="slidenum">
+              <a:rPr lang="es-ES" sz="1600" b="1" i="1" smtClean="0">
+                <a:solidFill>
+                  <a:schemeClr val="accent1">
+                    <a:lumMod val="50000"/>
+                  </a:schemeClr>
+                </a:solidFill>
+              </a:rPr>
+              <a:t>12</a:t>
+            </a:fld>
+            <a:endParaRPr lang="es-ES" b="1" i="1" dirty="0">
+              <a:solidFill>
+                <a:schemeClr val="accent1">
+                  <a:lumMod val="50000"/>
+                </a:schemeClr>
+              </a:solidFill>
+            </a:endParaRPr>
+          </a:p>
+        </p:txBody>
+      </p:sp>
+      <p:sp>
+        <p:nvSpPr>
+          <p:cNvPr id="8" name="CuadroTexto 7">
+            <a:extLst>
+              <a:ext uri="{FF2B5EF4-FFF2-40B4-BE49-F238E27FC236}">
+                <a16:creationId xmlns:a16="http://schemas.microsoft.com/office/drawing/2014/main" id="{E0BEB5F1-7BDC-9D3B-C5C4-5EFE09EC0539}"/>
+              </a:ext>
+            </a:extLst>
+          </p:cNvPr>
+          <p:cNvSpPr txBox="1"/>
+          <p:nvPr/>
+        </p:nvSpPr>
+        <p:spPr>
+          <a:xfrm>
+            <a:off x="837396" y="1251284"/>
+            <a:ext cx="3457575" cy="738664"/>
+          </a:xfrm>
+          <a:prstGeom prst="rect">
+            <a:avLst/>
+          </a:prstGeom>
+          <a:noFill/>
+        </p:spPr>
+        <p:txBody>
+          <a:bodyPr wrap="square" rtlCol="0">
+            <a:spAutoFit/>
+          </a:bodyPr>
+          <a:lstStyle/>
+          <a:p>
+            <a:r>
+              <a:rPr lang="es-ES" sz="2400" i="1" dirty="0">
+                <a:solidFill>
+                  <a:schemeClr val="accent1">
+                    <a:lumMod val="75000"/>
+                  </a:schemeClr>
+                </a:solidFill>
+              </a:rPr>
+              <a:t>Transformers (modelo)</a:t>
+            </a:r>
+            <a:endParaRPr lang="en-US" sz="2400" i="1" dirty="0">
+              <a:solidFill>
+                <a:schemeClr val="accent1">
+                  <a:lumMod val="75000"/>
+                </a:schemeClr>
+              </a:solidFill>
+            </a:endParaRPr>
+          </a:p>
+          <a:p>
+            <a:endParaRPr lang="es-ES" dirty="0"/>
+          </a:p>
+        </p:txBody>
+      </p:sp>
+    </p:spTree>
+    <p:extLst>
+      <p:ext uri="{BB962C8B-B14F-4D97-AF65-F5344CB8AC3E}">
+        <p14:creationId xmlns:p14="http://schemas.microsoft.com/office/powerpoint/2010/main" val="3499446601"/>
+      </p:ext>
+    </p:extLst>
+  </p:cSld>
+  <p:clrMapOvr>
+    <a:masterClrMapping/>
+  </p:clrMapOvr>
+</p:sld>
+</file>
+
+<file path=ppt/slides/slide13.xml><?xml version="1.0" encoding="utf-8"?>
+<p:sld xmlns:a="http://schemas.openxmlformats.org/drawingml/2006/main" xmlns:r="http://schemas.openxmlformats.org/officeDocument/2006/relationships" xmlns:p="http://schemas.openxmlformats.org/presentationml/2006/main" show="0">
+  <p:cSld>
+    <p:bg>
+      <p:bgPr>
+        <a:solidFill>
+          <a:schemeClr val="bg1"/>
+        </a:solidFill>
+        <a:effectLst/>
+      </p:bgPr>
+    </p:bg>
+    <p:spTree>
+      <p:nvGrpSpPr>
+        <p:cNvPr id="1" name=""/>
+        <p:cNvGrpSpPr/>
+        <p:nvPr/>
+      </p:nvGrpSpPr>
+      <p:grpSpPr>
+        <a:xfrm>
+          <a:off x="0" y="0"/>
+          <a:ext cx="0" cy="0"/>
+          <a:chOff x="0" y="0"/>
+          <a:chExt cx="0" cy="0"/>
+        </a:xfrm>
+      </p:grpSpPr>
+      <p:sp>
+        <p:nvSpPr>
+          <p:cNvPr id="2" name="Título 1">
+            <a:extLst>
+              <a:ext uri="{FF2B5EF4-FFF2-40B4-BE49-F238E27FC236}">
+                <a16:creationId xmlns:a16="http://schemas.microsoft.com/office/drawing/2014/main" id="{B7006F94-BBA3-B8CB-6962-6A7E8B6697EF}"/>
+              </a:ext>
+            </a:extLst>
+          </p:cNvPr>
+          <p:cNvSpPr>
+            <a:spLocks noGrp="1"/>
+          </p:cNvSpPr>
+          <p:nvPr>
+            <p:ph type="ctrTitle"/>
+          </p:nvPr>
+        </p:nvSpPr>
+        <p:spPr>
+          <a:xfrm>
+            <a:off x="837396" y="585216"/>
+            <a:ext cx="6363503" cy="666068"/>
+          </a:xfrm>
+        </p:spPr>
+        <p:txBody>
+          <a:bodyPr vert="horz" lIns="91440" tIns="45720" rIns="91440" bIns="45720" rtlCol="0" anchor="b">
+            <a:normAutofit/>
+          </a:bodyPr>
+          <a:lstStyle/>
+          <a:p>
+            <a:pPr algn="l"/>
+            <a:r>
+              <a:rPr lang="en-US" sz="3600" b="1" i="1" dirty="0">
+                <a:solidFill>
+                  <a:schemeClr val="accent1">
+                    <a:lumMod val="75000"/>
+                  </a:schemeClr>
+                </a:solidFill>
+              </a:rPr>
+              <a:t>Failed Experiments</a:t>
+            </a:r>
+          </a:p>
+        </p:txBody>
+      </p:sp>
+      <p:sp>
+        <p:nvSpPr>
+          <p:cNvPr id="3" name="Subtítulo 2">
+            <a:extLst>
+              <a:ext uri="{FF2B5EF4-FFF2-40B4-BE49-F238E27FC236}">
+                <a16:creationId xmlns:a16="http://schemas.microsoft.com/office/drawing/2014/main" id="{B0BCFCBA-0DDF-19BB-FDBD-C17EB2F5D235}"/>
+              </a:ext>
+            </a:extLst>
+          </p:cNvPr>
+          <p:cNvSpPr>
+            <a:spLocks noGrp="1"/>
+          </p:cNvSpPr>
+          <p:nvPr>
+            <p:ph type="subTitle" idx="1"/>
+          </p:nvPr>
+        </p:nvSpPr>
+        <p:spPr>
+          <a:xfrm>
+            <a:off x="837397" y="2162175"/>
+            <a:ext cx="4072929" cy="4110609"/>
+          </a:xfrm>
+        </p:spPr>
+        <p:txBody>
+          <a:bodyPr vert="horz" lIns="91440" tIns="45720" rIns="91440" bIns="45720" rtlCol="0" anchor="t">
+            <a:normAutofit/>
+          </a:bodyPr>
+          <a:lstStyle/>
+          <a:p>
+            <a:pPr marL="457200" indent="-228600" algn="l">
+              <a:buFont typeface="Arial" panose="020B0604020202020204" pitchFamily="34" charset="0"/>
+              <a:buChar char="•"/>
+            </a:pPr>
+            <a:r>
+              <a:rPr lang="en-US" sz="2000" dirty="0"/>
+              <a:t>e</a:t>
+            </a:r>
+            <a:endParaRPr lang="en-US" sz="1800" dirty="0"/>
+          </a:p>
+        </p:txBody>
+      </p:sp>
+      <p:sp>
+        <p:nvSpPr>
+          <p:cNvPr id="4" name="Marcador de pie de página 3">
+            <a:extLst>
+              <a:ext uri="{FF2B5EF4-FFF2-40B4-BE49-F238E27FC236}">
+                <a16:creationId xmlns:a16="http://schemas.microsoft.com/office/drawing/2014/main" id="{44FC2B2D-D3F4-A2F3-5AEB-F392280F82B4}"/>
+              </a:ext>
+            </a:extLst>
+          </p:cNvPr>
+          <p:cNvSpPr>
+            <a:spLocks noGrp="1"/>
+          </p:cNvSpPr>
+          <p:nvPr>
+            <p:ph type="ftr" sz="quarter" idx="11"/>
+          </p:nvPr>
+        </p:nvSpPr>
+        <p:spPr>
+          <a:xfrm>
+            <a:off x="3848100" y="6356349"/>
+            <a:ext cx="4495800" cy="365125"/>
+          </a:xfrm>
+        </p:spPr>
+        <p:txBody>
+          <a:bodyPr/>
+          <a:lstStyle/>
+          <a:p>
+            <a:r>
+              <a:rPr lang="en-US" sz="1800" i="1" dirty="0">
+                <a:solidFill>
+                  <a:schemeClr val="accent1">
+                    <a:lumMod val="50000"/>
+                  </a:schemeClr>
+                </a:solidFill>
+              </a:rPr>
+              <a:t>Challenge “Developing a multi-object tracker”</a:t>
+            </a:r>
+            <a:endParaRPr lang="es-ES" sz="1800" i="1" dirty="0">
+              <a:solidFill>
+                <a:schemeClr val="accent1">
+                  <a:lumMod val="50000"/>
+                </a:schemeClr>
+              </a:solidFill>
+            </a:endParaRPr>
+          </a:p>
+        </p:txBody>
+      </p:sp>
+      <p:sp>
+        <p:nvSpPr>
+          <p:cNvPr id="6" name="Marcador de número de diapositiva 5">
+            <a:extLst>
+              <a:ext uri="{FF2B5EF4-FFF2-40B4-BE49-F238E27FC236}">
+                <a16:creationId xmlns:a16="http://schemas.microsoft.com/office/drawing/2014/main" id="{FB27849B-D49B-4080-5FE3-FD5282577E34}"/>
+              </a:ext>
+            </a:extLst>
+          </p:cNvPr>
+          <p:cNvSpPr>
+            <a:spLocks noGrp="1"/>
+          </p:cNvSpPr>
+          <p:nvPr>
+            <p:ph type="sldNum" sz="quarter" idx="12"/>
+          </p:nvPr>
+        </p:nvSpPr>
+        <p:spPr/>
+        <p:txBody>
+          <a:bodyPr/>
+          <a:lstStyle/>
+          <a:p>
+            <a:fld id="{3A9D7192-CCA7-4C02-8C6B-3F88F654490C}" type="slidenum">
+              <a:rPr lang="es-ES" sz="1600" b="1" i="1" smtClean="0">
+                <a:solidFill>
+                  <a:schemeClr val="accent1">
+                    <a:lumMod val="50000"/>
+                  </a:schemeClr>
+                </a:solidFill>
+              </a:rPr>
+              <a:t>13</a:t>
+            </a:fld>
+            <a:endParaRPr lang="es-ES" b="1" i="1" dirty="0">
+              <a:solidFill>
+                <a:schemeClr val="accent1">
+                  <a:lumMod val="50000"/>
+                </a:schemeClr>
+              </a:solidFill>
+            </a:endParaRPr>
+          </a:p>
+        </p:txBody>
+      </p:sp>
+      <p:sp>
+        <p:nvSpPr>
+          <p:cNvPr id="8" name="CuadroTexto 7">
+            <a:extLst>
+              <a:ext uri="{FF2B5EF4-FFF2-40B4-BE49-F238E27FC236}">
+                <a16:creationId xmlns:a16="http://schemas.microsoft.com/office/drawing/2014/main" id="{E0BEB5F1-7BDC-9D3B-C5C4-5EFE09EC0539}"/>
+              </a:ext>
+            </a:extLst>
+          </p:cNvPr>
+          <p:cNvSpPr txBox="1"/>
+          <p:nvPr/>
+        </p:nvSpPr>
+        <p:spPr>
+          <a:xfrm>
+            <a:off x="837396" y="1251284"/>
+            <a:ext cx="4495800" cy="738664"/>
+          </a:xfrm>
+          <a:prstGeom prst="rect">
+            <a:avLst/>
+          </a:prstGeom>
+          <a:noFill/>
+        </p:spPr>
+        <p:txBody>
+          <a:bodyPr wrap="square" rtlCol="0">
+            <a:spAutoFit/>
+          </a:bodyPr>
+          <a:lstStyle/>
+          <a:p>
+            <a:r>
+              <a:rPr lang="es-ES" sz="2400" i="1" dirty="0" err="1">
+                <a:solidFill>
+                  <a:schemeClr val="accent1">
+                    <a:lumMod val="75000"/>
+                  </a:schemeClr>
+                </a:solidFill>
+              </a:rPr>
+              <a:t>Ground-truth</a:t>
+            </a:r>
+            <a:r>
+              <a:rPr lang="es-ES" sz="2400" i="1" dirty="0">
+                <a:solidFill>
+                  <a:schemeClr val="accent1">
+                    <a:lumMod val="75000"/>
+                  </a:schemeClr>
+                </a:solidFill>
+              </a:rPr>
+              <a:t> in </a:t>
+            </a:r>
+            <a:r>
+              <a:rPr lang="es-ES" sz="2400" i="1" dirty="0" err="1">
+                <a:solidFill>
+                  <a:schemeClr val="accent1">
+                    <a:lumMod val="75000"/>
+                  </a:schemeClr>
+                </a:solidFill>
+              </a:rPr>
+              <a:t>the</a:t>
+            </a:r>
+            <a:r>
+              <a:rPr lang="es-ES" sz="2400" i="1" dirty="0">
+                <a:solidFill>
+                  <a:schemeClr val="accent1">
+                    <a:lumMod val="75000"/>
+                  </a:schemeClr>
+                </a:solidFill>
+              </a:rPr>
+              <a:t> </a:t>
+            </a:r>
+            <a:r>
+              <a:rPr lang="es-ES" sz="2400" i="1" dirty="0" err="1">
+                <a:solidFill>
+                  <a:schemeClr val="accent1">
+                    <a:lumMod val="75000"/>
+                  </a:schemeClr>
+                </a:solidFill>
+              </a:rPr>
+              <a:t>segmentation</a:t>
+            </a:r>
+            <a:endParaRPr lang="en-US" sz="2400" i="1" dirty="0">
+              <a:solidFill>
+                <a:schemeClr val="accent1">
+                  <a:lumMod val="75000"/>
+                </a:schemeClr>
+              </a:solidFill>
+            </a:endParaRPr>
+          </a:p>
+          <a:p>
+            <a:endParaRPr lang="es-ES" dirty="0"/>
+          </a:p>
+        </p:txBody>
+      </p:sp>
+    </p:spTree>
+    <p:extLst>
+      <p:ext uri="{BB962C8B-B14F-4D97-AF65-F5344CB8AC3E}">
+        <p14:creationId xmlns:p14="http://schemas.microsoft.com/office/powerpoint/2010/main" val="905100564"/>
+      </p:ext>
+    </p:extLst>
+  </p:cSld>
+  <p:clrMapOvr>
+    <a:masterClrMapping/>
+  </p:clrMapOvr>
+</p:sld>
+</file>
+
+<file path=ppt/slides/slide14.xml><?xml version="1.0" encoding="utf-8"?>
+<p:sld xmlns:a="http://schemas.openxmlformats.org/drawingml/2006/main" xmlns:r="http://schemas.openxmlformats.org/officeDocument/2006/relationships" xmlns:p="http://schemas.openxmlformats.org/presentationml/2006/main">
+  <p:cSld>
+    <p:bg>
+      <p:bgPr>
+        <a:solidFill>
+          <a:schemeClr val="bg1"/>
+        </a:solidFill>
+        <a:effectLst/>
+      </p:bgPr>
+    </p:bg>
+    <p:spTree>
+      <p:nvGrpSpPr>
+        <p:cNvPr id="1" name=""/>
+        <p:cNvGrpSpPr/>
+        <p:nvPr/>
+      </p:nvGrpSpPr>
+      <p:grpSpPr>
+        <a:xfrm>
+          <a:off x="0" y="0"/>
+          <a:ext cx="0" cy="0"/>
+          <a:chOff x="0" y="0"/>
+          <a:chExt cx="0" cy="0"/>
+        </a:xfrm>
+      </p:grpSpPr>
+      <p:sp>
+        <p:nvSpPr>
+          <p:cNvPr id="2" name="Título 1">
+            <a:extLst>
+              <a:ext uri="{FF2B5EF4-FFF2-40B4-BE49-F238E27FC236}">
+                <a16:creationId xmlns:a16="http://schemas.microsoft.com/office/drawing/2014/main" id="{B7006F94-BBA3-B8CB-6962-6A7E8B6697EF}"/>
+              </a:ext>
+            </a:extLst>
+          </p:cNvPr>
+          <p:cNvSpPr>
+            <a:spLocks noGrp="1"/>
+          </p:cNvSpPr>
+          <p:nvPr>
+            <p:ph type="ctrTitle"/>
+          </p:nvPr>
+        </p:nvSpPr>
+        <p:spPr>
+          <a:xfrm>
+            <a:off x="837396" y="585216"/>
+            <a:ext cx="6363503" cy="666068"/>
+          </a:xfrm>
+        </p:spPr>
+        <p:txBody>
+          <a:bodyPr vert="horz" lIns="91440" tIns="45720" rIns="91440" bIns="45720" rtlCol="0" anchor="b">
+            <a:normAutofit/>
+          </a:bodyPr>
+          <a:lstStyle/>
+          <a:p>
+            <a:pPr algn="l"/>
+            <a:r>
+              <a:rPr lang="en-US" sz="3600" b="1" i="1" dirty="0">
+                <a:solidFill>
+                  <a:schemeClr val="accent1">
+                    <a:lumMod val="75000"/>
+                  </a:schemeClr>
+                </a:solidFill>
+              </a:rPr>
+              <a:t>Conclusion</a:t>
+            </a:r>
+          </a:p>
+        </p:txBody>
+      </p:sp>
+      <p:sp>
+        <p:nvSpPr>
+          <p:cNvPr id="3" name="Subtítulo 2">
+            <a:extLst>
+              <a:ext uri="{FF2B5EF4-FFF2-40B4-BE49-F238E27FC236}">
+                <a16:creationId xmlns:a16="http://schemas.microsoft.com/office/drawing/2014/main" id="{B0BCFCBA-0DDF-19BB-FDBD-C17EB2F5D235}"/>
+              </a:ext>
+            </a:extLst>
+          </p:cNvPr>
+          <p:cNvSpPr>
+            <a:spLocks noGrp="1"/>
+          </p:cNvSpPr>
+          <p:nvPr>
+            <p:ph type="subTitle" idx="1"/>
+          </p:nvPr>
+        </p:nvSpPr>
+        <p:spPr>
+          <a:xfrm>
+            <a:off x="837397" y="1771651"/>
+            <a:ext cx="4072929" cy="4501134"/>
+          </a:xfrm>
+        </p:spPr>
+        <p:txBody>
+          <a:bodyPr vert="horz" lIns="91440" tIns="45720" rIns="91440" bIns="45720" rtlCol="0" anchor="t">
+            <a:normAutofit/>
+          </a:bodyPr>
+          <a:lstStyle/>
+          <a:p>
+            <a:pPr marL="457200" indent="-228600" algn="l">
+              <a:buFont typeface="Arial" panose="020B0604020202020204" pitchFamily="34" charset="0"/>
+              <a:buChar char="•"/>
+            </a:pPr>
+            <a:r>
+              <a:rPr lang="en-US" sz="2000" dirty="0"/>
+              <a:t>e</a:t>
+            </a:r>
+            <a:endParaRPr lang="en-US" sz="1800" dirty="0"/>
+          </a:p>
+        </p:txBody>
+      </p:sp>
+      <p:sp>
+        <p:nvSpPr>
+          <p:cNvPr id="4" name="Marcador de pie de página 3">
+            <a:extLst>
+              <a:ext uri="{FF2B5EF4-FFF2-40B4-BE49-F238E27FC236}">
+                <a16:creationId xmlns:a16="http://schemas.microsoft.com/office/drawing/2014/main" id="{44FC2B2D-D3F4-A2F3-5AEB-F392280F82B4}"/>
+              </a:ext>
+            </a:extLst>
+          </p:cNvPr>
+          <p:cNvSpPr>
+            <a:spLocks noGrp="1"/>
+          </p:cNvSpPr>
+          <p:nvPr>
+            <p:ph type="ftr" sz="quarter" idx="11"/>
+          </p:nvPr>
+        </p:nvSpPr>
+        <p:spPr>
+          <a:xfrm>
+            <a:off x="3848100" y="6356349"/>
+            <a:ext cx="4495800" cy="365125"/>
+          </a:xfrm>
+        </p:spPr>
+        <p:txBody>
+          <a:bodyPr/>
+          <a:lstStyle/>
+          <a:p>
+            <a:r>
+              <a:rPr lang="en-US" sz="1800" i="1" dirty="0">
+                <a:solidFill>
+                  <a:schemeClr val="accent1">
+                    <a:lumMod val="50000"/>
+                  </a:schemeClr>
+                </a:solidFill>
+              </a:rPr>
+              <a:t>Challenge “Developing a multi-object tracker”</a:t>
+            </a:r>
+            <a:endParaRPr lang="es-ES" sz="1800" i="1" dirty="0">
+              <a:solidFill>
+                <a:schemeClr val="accent1">
+                  <a:lumMod val="50000"/>
+                </a:schemeClr>
+              </a:solidFill>
+            </a:endParaRPr>
+          </a:p>
+        </p:txBody>
+      </p:sp>
+      <p:sp>
+        <p:nvSpPr>
+          <p:cNvPr id="6" name="Marcador de número de diapositiva 5">
+            <a:extLst>
+              <a:ext uri="{FF2B5EF4-FFF2-40B4-BE49-F238E27FC236}">
+                <a16:creationId xmlns:a16="http://schemas.microsoft.com/office/drawing/2014/main" id="{FB27849B-D49B-4080-5FE3-FD5282577E34}"/>
+              </a:ext>
+            </a:extLst>
+          </p:cNvPr>
+          <p:cNvSpPr>
+            <a:spLocks noGrp="1"/>
+          </p:cNvSpPr>
+          <p:nvPr>
+            <p:ph type="sldNum" sz="quarter" idx="12"/>
+          </p:nvPr>
+        </p:nvSpPr>
+        <p:spPr/>
+        <p:txBody>
+          <a:bodyPr/>
+          <a:lstStyle/>
+          <a:p>
+            <a:fld id="{3A9D7192-CCA7-4C02-8C6B-3F88F654490C}" type="slidenum">
+              <a:rPr lang="es-ES" sz="1600" b="1" i="1" smtClean="0">
+                <a:solidFill>
+                  <a:schemeClr val="accent1">
+                    <a:lumMod val="50000"/>
+                  </a:schemeClr>
+                </a:solidFill>
+              </a:rPr>
+              <a:t>14</a:t>
+            </a:fld>
+            <a:endParaRPr lang="es-ES" b="1" i="1" dirty="0">
+              <a:solidFill>
+                <a:schemeClr val="accent1">
+                  <a:lumMod val="50000"/>
+                </a:schemeClr>
+              </a:solidFill>
+            </a:endParaRPr>
+          </a:p>
+        </p:txBody>
+      </p:sp>
+    </p:spTree>
+    <p:extLst>
+      <p:ext uri="{BB962C8B-B14F-4D97-AF65-F5344CB8AC3E}">
+        <p14:creationId xmlns:p14="http://schemas.microsoft.com/office/powerpoint/2010/main" val="2542096238"/>
+      </p:ext>
+    </p:extLst>
+  </p:cSld>
+  <p:clrMapOvr>
+    <a:masterClrMapping/>
+  </p:clrMapOvr>
+</p:sld>
+</file>
+
+<file path=ppt/slides/slide15.xml><?xml version="1.0" encoding="utf-8"?>
+<p:sld xmlns:a="http://schemas.openxmlformats.org/drawingml/2006/main" xmlns:r="http://schemas.openxmlformats.org/officeDocument/2006/relationships" xmlns:p="http://schemas.openxmlformats.org/presentationml/2006/main">
+  <p:cSld>
+    <p:bg>
+      <p:bgPr>
+        <a:solidFill>
+          <a:schemeClr val="bg1"/>
+        </a:solidFill>
+        <a:effectLst/>
+      </p:bgPr>
+    </p:bg>
+    <p:spTree>
+      <p:nvGrpSpPr>
+        <p:cNvPr id="1" name=""/>
+        <p:cNvGrpSpPr/>
+        <p:nvPr/>
+      </p:nvGrpSpPr>
+      <p:grpSpPr>
+        <a:xfrm>
+          <a:off x="0" y="0"/>
+          <a:ext cx="0" cy="0"/>
+          <a:chOff x="0" y="0"/>
+          <a:chExt cx="0" cy="0"/>
+        </a:xfrm>
+      </p:grpSpPr>
+      <p:sp>
+        <p:nvSpPr>
+          <p:cNvPr id="2" name="Título 1">
+            <a:extLst>
+              <a:ext uri="{FF2B5EF4-FFF2-40B4-BE49-F238E27FC236}">
+                <a16:creationId xmlns:a16="http://schemas.microsoft.com/office/drawing/2014/main" id="{B7006F94-BBA3-B8CB-6962-6A7E8B6697EF}"/>
+              </a:ext>
+            </a:extLst>
+          </p:cNvPr>
+          <p:cNvSpPr>
+            <a:spLocks noGrp="1"/>
+          </p:cNvSpPr>
+          <p:nvPr>
+            <p:ph type="ctrTitle"/>
+          </p:nvPr>
+        </p:nvSpPr>
+        <p:spPr>
+          <a:xfrm>
+            <a:off x="837396" y="585216"/>
+            <a:ext cx="6363503" cy="666068"/>
+          </a:xfrm>
+        </p:spPr>
+        <p:txBody>
+          <a:bodyPr vert="horz" lIns="91440" tIns="45720" rIns="91440" bIns="45720" rtlCol="0" anchor="b">
+            <a:normAutofit/>
+          </a:bodyPr>
+          <a:lstStyle/>
+          <a:p>
+            <a:pPr algn="l"/>
+            <a:r>
+              <a:rPr lang="en-US" sz="3600" b="1" i="1" dirty="0">
+                <a:solidFill>
+                  <a:schemeClr val="accent1">
+                    <a:lumMod val="75000"/>
+                  </a:schemeClr>
+                </a:solidFill>
+              </a:rPr>
+              <a:t>References</a:t>
+            </a:r>
+          </a:p>
+        </p:txBody>
+      </p:sp>
+      <p:sp>
+        <p:nvSpPr>
+          <p:cNvPr id="3" name="Subtítulo 2">
+            <a:extLst>
+              <a:ext uri="{FF2B5EF4-FFF2-40B4-BE49-F238E27FC236}">
+                <a16:creationId xmlns:a16="http://schemas.microsoft.com/office/drawing/2014/main" id="{B0BCFCBA-0DDF-19BB-FDBD-C17EB2F5D235}"/>
+              </a:ext>
+            </a:extLst>
+          </p:cNvPr>
+          <p:cNvSpPr>
+            <a:spLocks noGrp="1"/>
+          </p:cNvSpPr>
+          <p:nvPr>
+            <p:ph type="subTitle" idx="1"/>
+          </p:nvPr>
+        </p:nvSpPr>
+        <p:spPr>
+          <a:xfrm>
+            <a:off x="837397" y="1771651"/>
+            <a:ext cx="4072929" cy="4501134"/>
+          </a:xfrm>
+        </p:spPr>
+        <p:txBody>
+          <a:bodyPr vert="horz" lIns="91440" tIns="45720" rIns="91440" bIns="45720" rtlCol="0" anchor="t">
+            <a:normAutofit/>
+          </a:bodyPr>
+          <a:lstStyle/>
+          <a:p>
+            <a:pPr marL="457200" indent="-228600" algn="l">
+              <a:buFont typeface="Arial" panose="020B0604020202020204" pitchFamily="34" charset="0"/>
+              <a:buChar char="•"/>
+            </a:pPr>
+            <a:r>
+              <a:rPr lang="en-US" sz="2000" dirty="0"/>
+              <a:t>e</a:t>
+            </a:r>
+            <a:endParaRPr lang="en-US" sz="1800" dirty="0"/>
+          </a:p>
+        </p:txBody>
+      </p:sp>
+      <p:sp>
+        <p:nvSpPr>
+          <p:cNvPr id="4" name="Marcador de pie de página 3">
+            <a:extLst>
+              <a:ext uri="{FF2B5EF4-FFF2-40B4-BE49-F238E27FC236}">
+                <a16:creationId xmlns:a16="http://schemas.microsoft.com/office/drawing/2014/main" id="{44FC2B2D-D3F4-A2F3-5AEB-F392280F82B4}"/>
+              </a:ext>
+            </a:extLst>
+          </p:cNvPr>
+          <p:cNvSpPr>
+            <a:spLocks noGrp="1"/>
+          </p:cNvSpPr>
+          <p:nvPr>
+            <p:ph type="ftr" sz="quarter" idx="11"/>
+          </p:nvPr>
+        </p:nvSpPr>
+        <p:spPr>
+          <a:xfrm>
+            <a:off x="3848100" y="6356349"/>
+            <a:ext cx="4495800" cy="365125"/>
+          </a:xfrm>
+        </p:spPr>
+        <p:txBody>
+          <a:bodyPr/>
+          <a:lstStyle/>
+          <a:p>
+            <a:r>
+              <a:rPr lang="en-US" sz="1800" i="1" dirty="0">
+                <a:solidFill>
+                  <a:schemeClr val="accent1">
+                    <a:lumMod val="50000"/>
+                  </a:schemeClr>
+                </a:solidFill>
+              </a:rPr>
+              <a:t>Challenge “Developing a multi-object tracker”</a:t>
+            </a:r>
+            <a:endParaRPr lang="es-ES" sz="1800" i="1" dirty="0">
+              <a:solidFill>
+                <a:schemeClr val="accent1">
+                  <a:lumMod val="50000"/>
+                </a:schemeClr>
+              </a:solidFill>
+            </a:endParaRPr>
+          </a:p>
+        </p:txBody>
+      </p:sp>
+      <p:sp>
+        <p:nvSpPr>
+          <p:cNvPr id="6" name="Marcador de número de diapositiva 5">
+            <a:extLst>
+              <a:ext uri="{FF2B5EF4-FFF2-40B4-BE49-F238E27FC236}">
+                <a16:creationId xmlns:a16="http://schemas.microsoft.com/office/drawing/2014/main" id="{FB27849B-D49B-4080-5FE3-FD5282577E34}"/>
+              </a:ext>
+            </a:extLst>
+          </p:cNvPr>
+          <p:cNvSpPr>
+            <a:spLocks noGrp="1"/>
+          </p:cNvSpPr>
+          <p:nvPr>
+            <p:ph type="sldNum" sz="quarter" idx="12"/>
+          </p:nvPr>
+        </p:nvSpPr>
+        <p:spPr/>
+        <p:txBody>
+          <a:bodyPr/>
+          <a:lstStyle/>
+          <a:p>
+            <a:fld id="{3A9D7192-CCA7-4C02-8C6B-3F88F654490C}" type="slidenum">
+              <a:rPr lang="es-ES" sz="1600" b="1" i="1" smtClean="0">
+                <a:solidFill>
+                  <a:schemeClr val="accent1">
+                    <a:lumMod val="50000"/>
+                  </a:schemeClr>
+                </a:solidFill>
+              </a:rPr>
+              <a:t>15</a:t>
+            </a:fld>
+            <a:endParaRPr lang="es-ES" b="1" i="1" dirty="0">
+              <a:solidFill>
+                <a:schemeClr val="accent1">
+                  <a:lumMod val="50000"/>
+                </a:schemeClr>
+              </a:solidFill>
+            </a:endParaRPr>
+          </a:p>
+        </p:txBody>
+      </p:sp>
     </p:spTree>
     <p:extLst>
       <p:ext uri="{BB962C8B-B14F-4D97-AF65-F5344CB8AC3E}">
@@ -5064,7 +7711,7 @@
 </p:sld>
 </file>
 
-<file path=ppt/slides/slide11.xml><?xml version="1.0" encoding="utf-8"?>
+<file path=ppt/slides/slide16.xml><?xml version="1.0" encoding="utf-8"?>
 <p:sld xmlns:a="http://schemas.openxmlformats.org/drawingml/2006/main" xmlns:r="http://schemas.openxmlformats.org/officeDocument/2006/relationships" xmlns:p="http://schemas.openxmlformats.org/presentationml/2006/main">
   <p:cSld>
     <p:spTree>
@@ -5156,7 +7803,7 @@
                   </a:schemeClr>
                 </a:solidFill>
               </a:rPr>
-              <a:t>11</a:t>
+              <a:t>16</a:t>
             </a:fld>
             <a:endParaRPr lang="es-ES" sz="1600" b="1" i="1" dirty="0">
               <a:solidFill>
@@ -5480,7 +8127,7 @@
 </file>
 
 <file path=ppt/slides/slide3.xml><?xml version="1.0" encoding="utf-8"?>
-<p:sld xmlns:a="http://schemas.openxmlformats.org/drawingml/2006/main" xmlns:r="http://schemas.openxmlformats.org/officeDocument/2006/relationships" xmlns:p="http://schemas.openxmlformats.org/presentationml/2006/main">
+<p:sld xmlns:a="http://schemas.openxmlformats.org/drawingml/2006/main" xmlns:r="http://schemas.openxmlformats.org/officeDocument/2006/relationships" xmlns:p="http://schemas.openxmlformats.org/presentationml/2006/main" show="0">
   <p:cSld>
     <p:bg>
       <p:bgPr>
@@ -5863,7 +8510,7 @@
         <p:spPr>
           <a:xfrm>
             <a:off x="837397" y="2162175"/>
-            <a:ext cx="4072929" cy="4110609"/>
+            <a:ext cx="4963328" cy="1345422"/>
           </a:xfrm>
         </p:spPr>
         <p:txBody>
@@ -5878,9 +8525,28 @@
             </a:pPr>
             <a:r>
               <a:rPr lang="en-US" sz="2000" dirty="0"/>
-              <a:t>e</a:t>
-            </a:r>
-            <a:endParaRPr lang="en-US" sz="1800" dirty="0"/>
+              <a:t>Optimal allocation algorithm</a:t>
+            </a:r>
+          </a:p>
+          <a:p>
+            <a:pPr marL="457200" indent="-228600" algn="l">
+              <a:buFont typeface="Arial" panose="020B0604020202020204" pitchFamily="34" charset="0"/>
+              <a:buChar char="•"/>
+            </a:pPr>
+            <a:r>
+              <a:rPr lang="en-US" sz="2000" dirty="0"/>
+              <a:t>Objective: Minimize cost</a:t>
+            </a:r>
+          </a:p>
+          <a:p>
+            <a:pPr marL="457200" indent="-228600" algn="l">
+              <a:buFont typeface="Arial" panose="020B0604020202020204" pitchFamily="34" charset="0"/>
+              <a:buChar char="•"/>
+            </a:pPr>
+            <a:r>
+              <a:rPr lang="en-US" sz="2000" dirty="0"/>
+              <a:t>Improves results significantly</a:t>
+            </a:r>
           </a:p>
         </p:txBody>
       </p:sp>
@@ -6042,6 +8708,431 @@
           </a:p>
         </p:txBody>
       </p:sp>
+      <p:pic>
+        <p:nvPicPr>
+          <p:cNvPr id="7" name="Imagen 6">
+            <a:extLst>
+              <a:ext uri="{FF2B5EF4-FFF2-40B4-BE49-F238E27FC236}">
+                <a16:creationId xmlns:a16="http://schemas.microsoft.com/office/drawing/2014/main" id="{72780E62-9249-C876-207F-1ACF97C32D6A}"/>
+              </a:ext>
+            </a:extLst>
+          </p:cNvPr>
+          <p:cNvPicPr>
+            <a:picLocks noChangeAspect="1"/>
+          </p:cNvPicPr>
+          <p:nvPr/>
+        </p:nvPicPr>
+        <p:blipFill rotWithShape="1">
+          <a:blip r:embed="rId2"/>
+          <a:srcRect r="77012"/>
+          <a:stretch/>
+        </p:blipFill>
+        <p:spPr>
+          <a:xfrm>
+            <a:off x="1628281" y="3977714"/>
+            <a:ext cx="1629270" cy="1629002"/>
+          </a:xfrm>
+          <a:prstGeom prst="rect">
+            <a:avLst/>
+          </a:prstGeom>
+        </p:spPr>
+      </p:pic>
+      <p:sp>
+        <p:nvSpPr>
+          <p:cNvPr id="9" name="CuadroTexto 8">
+            <a:extLst>
+              <a:ext uri="{FF2B5EF4-FFF2-40B4-BE49-F238E27FC236}">
+                <a16:creationId xmlns:a16="http://schemas.microsoft.com/office/drawing/2014/main" id="{C5959BFF-1713-ECC2-7A20-9035E227AC8A}"/>
+              </a:ext>
+            </a:extLst>
+          </p:cNvPr>
+          <p:cNvSpPr txBox="1"/>
+          <p:nvPr/>
+        </p:nvSpPr>
+        <p:spPr>
+          <a:xfrm>
+            <a:off x="7753350" y="5930679"/>
+            <a:ext cx="2562225" cy="246221"/>
+          </a:xfrm>
+          <a:prstGeom prst="rect">
+            <a:avLst/>
+          </a:prstGeom>
+          <a:noFill/>
+        </p:spPr>
+        <p:txBody>
+          <a:bodyPr wrap="square" rtlCol="0">
+            <a:spAutoFit/>
+          </a:bodyPr>
+          <a:lstStyle/>
+          <a:p>
+            <a:r>
+              <a:rPr lang="es-ES" sz="1000" dirty="0" err="1"/>
+              <a:t>Image</a:t>
+            </a:r>
+            <a:r>
+              <a:rPr lang="es-ES" sz="1000" dirty="0"/>
+              <a:t> </a:t>
+            </a:r>
+            <a:r>
+              <a:rPr lang="es-ES" sz="1000" dirty="0" err="1"/>
+              <a:t>credit</a:t>
+            </a:r>
+            <a:r>
+              <a:rPr lang="es-ES" sz="1000" dirty="0"/>
+              <a:t>: </a:t>
+            </a:r>
+            <a:r>
+              <a:rPr lang="es-ES" sz="1000" dirty="0" err="1"/>
+              <a:t>Aljosa</a:t>
+            </a:r>
+            <a:r>
+              <a:rPr lang="es-ES" sz="1000" dirty="0"/>
+              <a:t> </a:t>
+            </a:r>
+            <a:r>
+              <a:rPr lang="es-ES" sz="1000" dirty="0" err="1"/>
+              <a:t>Osep</a:t>
+            </a:r>
+            <a:r>
+              <a:rPr lang="es-ES" sz="1000" dirty="0"/>
+              <a:t>, TUM, </a:t>
+            </a:r>
+            <a:r>
+              <a:rPr lang="es-ES" sz="1000" dirty="0" err="1"/>
+              <a:t>Germany</a:t>
+            </a:r>
+            <a:endParaRPr lang="es-ES" sz="1000" dirty="0"/>
+          </a:p>
+        </p:txBody>
+      </p:sp>
+      <p:pic>
+        <p:nvPicPr>
+          <p:cNvPr id="11" name="Imagen 10">
+            <a:extLst>
+              <a:ext uri="{FF2B5EF4-FFF2-40B4-BE49-F238E27FC236}">
+                <a16:creationId xmlns:a16="http://schemas.microsoft.com/office/drawing/2014/main" id="{F5862776-6E71-794E-31A1-8CD22100342F}"/>
+              </a:ext>
+            </a:extLst>
+          </p:cNvPr>
+          <p:cNvPicPr>
+            <a:picLocks noChangeAspect="1"/>
+          </p:cNvPicPr>
+          <p:nvPr/>
+        </p:nvPicPr>
+        <p:blipFill rotWithShape="1">
+          <a:blip r:embed="rId2"/>
+          <a:srcRect l="53883" r="23129"/>
+          <a:stretch/>
+        </p:blipFill>
+        <p:spPr>
+          <a:xfrm>
+            <a:off x="6466981" y="3977714"/>
+            <a:ext cx="1629270" cy="1629002"/>
+          </a:xfrm>
+          <a:prstGeom prst="rect">
+            <a:avLst/>
+          </a:prstGeom>
+        </p:spPr>
+      </p:pic>
+      <p:sp>
+        <p:nvSpPr>
+          <p:cNvPr id="13" name="Rectángulo: esquinas redondeadas 12">
+            <a:extLst>
+              <a:ext uri="{FF2B5EF4-FFF2-40B4-BE49-F238E27FC236}">
+                <a16:creationId xmlns:a16="http://schemas.microsoft.com/office/drawing/2014/main" id="{DB15D19E-3B94-BDAE-4B05-E1DE3943778E}"/>
+              </a:ext>
+            </a:extLst>
+          </p:cNvPr>
+          <p:cNvSpPr/>
+          <p:nvPr/>
+        </p:nvSpPr>
+        <p:spPr>
+          <a:xfrm>
+            <a:off x="4142266" y="4432215"/>
+            <a:ext cx="1440000" cy="720000"/>
+          </a:xfrm>
+          <a:prstGeom prst="roundRect">
+            <a:avLst/>
+          </a:prstGeom>
+          <a:noFill/>
+          <a:ln w="28575"/>
+        </p:spPr>
+        <p:style>
+          <a:lnRef idx="2">
+            <a:schemeClr val="accent1">
+              <a:shade val="15000"/>
+            </a:schemeClr>
+          </a:lnRef>
+          <a:fillRef idx="1">
+            <a:schemeClr val="accent1"/>
+          </a:fillRef>
+          <a:effectRef idx="0">
+            <a:schemeClr val="accent1"/>
+          </a:effectRef>
+          <a:fontRef idx="minor">
+            <a:schemeClr val="lt1"/>
+          </a:fontRef>
+        </p:style>
+        <p:txBody>
+          <a:bodyPr rtlCol="0" anchor="ctr"/>
+          <a:lstStyle/>
+          <a:p>
+            <a:pPr algn="ctr"/>
+            <a:endParaRPr lang="es-ES"/>
+          </a:p>
+        </p:txBody>
+      </p:sp>
+      <p:sp>
+        <p:nvSpPr>
+          <p:cNvPr id="14" name="CuadroTexto 13">
+            <a:extLst>
+              <a:ext uri="{FF2B5EF4-FFF2-40B4-BE49-F238E27FC236}">
+                <a16:creationId xmlns:a16="http://schemas.microsoft.com/office/drawing/2014/main" id="{ECC73A5A-3379-9C14-22C1-7BB2C2312EE6}"/>
+              </a:ext>
+            </a:extLst>
+          </p:cNvPr>
+          <p:cNvSpPr txBox="1"/>
+          <p:nvPr/>
+        </p:nvSpPr>
+        <p:spPr>
+          <a:xfrm>
+            <a:off x="4181228" y="4499827"/>
+            <a:ext cx="1362075" cy="584775"/>
+          </a:xfrm>
+          <a:prstGeom prst="rect">
+            <a:avLst/>
+          </a:prstGeom>
+          <a:noFill/>
+        </p:spPr>
+        <p:txBody>
+          <a:bodyPr wrap="square" rtlCol="0">
+            <a:spAutoFit/>
+          </a:bodyPr>
+          <a:lstStyle/>
+          <a:p>
+            <a:pPr algn="ctr"/>
+            <a:r>
+              <a:rPr lang="es-ES" sz="1600" b="1" dirty="0" err="1"/>
+              <a:t>Hungarian</a:t>
+            </a:r>
+            <a:r>
+              <a:rPr lang="es-ES" sz="1600" b="1" dirty="0"/>
+              <a:t> </a:t>
+            </a:r>
+            <a:r>
+              <a:rPr lang="es-ES" sz="1600" b="1" dirty="0" err="1"/>
+              <a:t>Algorithm</a:t>
+            </a:r>
+            <a:endParaRPr lang="es-ES" sz="1600" b="1" dirty="0"/>
+          </a:p>
+        </p:txBody>
+      </p:sp>
+      <p:sp>
+        <p:nvSpPr>
+          <p:cNvPr id="15" name="Rectángulo: esquinas redondeadas 14">
+            <a:extLst>
+              <a:ext uri="{FF2B5EF4-FFF2-40B4-BE49-F238E27FC236}">
+                <a16:creationId xmlns:a16="http://schemas.microsoft.com/office/drawing/2014/main" id="{24C6F956-324B-DFBF-4077-351EE6075AB1}"/>
+              </a:ext>
+            </a:extLst>
+          </p:cNvPr>
+          <p:cNvSpPr/>
+          <p:nvPr/>
+        </p:nvSpPr>
+        <p:spPr>
+          <a:xfrm>
+            <a:off x="8980966" y="4432215"/>
+            <a:ext cx="1440000" cy="720000"/>
+          </a:xfrm>
+          <a:prstGeom prst="roundRect">
+            <a:avLst/>
+          </a:prstGeom>
+          <a:noFill/>
+          <a:ln w="28575"/>
+        </p:spPr>
+        <p:style>
+          <a:lnRef idx="2">
+            <a:schemeClr val="accent1">
+              <a:shade val="15000"/>
+            </a:schemeClr>
+          </a:lnRef>
+          <a:fillRef idx="1">
+            <a:schemeClr val="accent1"/>
+          </a:fillRef>
+          <a:effectRef idx="0">
+            <a:schemeClr val="accent1"/>
+          </a:effectRef>
+          <a:fontRef idx="minor">
+            <a:schemeClr val="lt1"/>
+          </a:fontRef>
+        </p:style>
+        <p:txBody>
+          <a:bodyPr rtlCol="0" anchor="ctr"/>
+          <a:lstStyle/>
+          <a:p>
+            <a:pPr algn="ctr"/>
+            <a:endParaRPr lang="es-ES"/>
+          </a:p>
+        </p:txBody>
+      </p:sp>
+      <p:sp>
+        <p:nvSpPr>
+          <p:cNvPr id="16" name="CuadroTexto 15">
+            <a:extLst>
+              <a:ext uri="{FF2B5EF4-FFF2-40B4-BE49-F238E27FC236}">
+                <a16:creationId xmlns:a16="http://schemas.microsoft.com/office/drawing/2014/main" id="{9D93FD8A-7068-BF40-9BAB-2E8372D7F090}"/>
+              </a:ext>
+            </a:extLst>
+          </p:cNvPr>
+          <p:cNvSpPr txBox="1"/>
+          <p:nvPr/>
+        </p:nvSpPr>
+        <p:spPr>
+          <a:xfrm>
+            <a:off x="9019928" y="4499827"/>
+            <a:ext cx="1362075" cy="584775"/>
+          </a:xfrm>
+          <a:prstGeom prst="rect">
+            <a:avLst/>
+          </a:prstGeom>
+          <a:noFill/>
+        </p:spPr>
+        <p:txBody>
+          <a:bodyPr wrap="square" rtlCol="0">
+            <a:spAutoFit/>
+          </a:bodyPr>
+          <a:lstStyle/>
+          <a:p>
+            <a:pPr algn="ctr"/>
+            <a:r>
+              <a:rPr lang="es-ES" sz="1600" b="1" dirty="0"/>
+              <a:t>Performance </a:t>
+            </a:r>
+            <a:r>
+              <a:rPr lang="es-ES" sz="1600" b="1" dirty="0" err="1"/>
+              <a:t>measures</a:t>
+            </a:r>
+            <a:endParaRPr lang="es-ES" sz="1600" b="1" dirty="0"/>
+          </a:p>
+        </p:txBody>
+      </p:sp>
+      <p:cxnSp>
+        <p:nvCxnSpPr>
+          <p:cNvPr id="17" name="Conector recto de flecha 16">
+            <a:extLst>
+              <a:ext uri="{FF2B5EF4-FFF2-40B4-BE49-F238E27FC236}">
+                <a16:creationId xmlns:a16="http://schemas.microsoft.com/office/drawing/2014/main" id="{FAAACA59-924D-65C5-AF39-98B9E0D3B713}"/>
+              </a:ext>
+            </a:extLst>
+          </p:cNvPr>
+          <p:cNvCxnSpPr/>
+          <p:nvPr/>
+        </p:nvCxnSpPr>
+        <p:spPr>
+          <a:xfrm>
+            <a:off x="3335475" y="4838700"/>
+            <a:ext cx="720000" cy="0"/>
+          </a:xfrm>
+          <a:prstGeom prst="straightConnector1">
+            <a:avLst/>
+          </a:prstGeom>
+          <a:ln w="38100">
+            <a:tailEnd type="triangle"/>
+          </a:ln>
+        </p:spPr>
+        <p:style>
+          <a:lnRef idx="1">
+            <a:schemeClr val="accent1"/>
+          </a:lnRef>
+          <a:fillRef idx="0">
+            <a:schemeClr val="accent1"/>
+          </a:fillRef>
+          <a:effectRef idx="0">
+            <a:schemeClr val="accent1"/>
+          </a:effectRef>
+          <a:fontRef idx="minor">
+            <a:schemeClr val="tx1"/>
+          </a:fontRef>
+        </p:style>
+      </p:cxnSp>
+      <p:cxnSp>
+        <p:nvCxnSpPr>
+          <p:cNvPr id="18" name="Conector recto de flecha 17">
+            <a:extLst>
+              <a:ext uri="{FF2B5EF4-FFF2-40B4-BE49-F238E27FC236}">
+                <a16:creationId xmlns:a16="http://schemas.microsoft.com/office/drawing/2014/main" id="{B674088B-B397-A300-5272-6BE9E6DED56A}"/>
+              </a:ext>
+            </a:extLst>
+          </p:cNvPr>
+          <p:cNvCxnSpPr/>
+          <p:nvPr/>
+        </p:nvCxnSpPr>
+        <p:spPr>
+          <a:xfrm>
+            <a:off x="5659800" y="4838700"/>
+            <a:ext cx="720000" cy="0"/>
+          </a:xfrm>
+          <a:prstGeom prst="straightConnector1">
+            <a:avLst/>
+          </a:prstGeom>
+          <a:ln w="38100">
+            <a:tailEnd type="triangle"/>
+          </a:ln>
+        </p:spPr>
+        <p:style>
+          <a:lnRef idx="1">
+            <a:schemeClr val="accent1"/>
+          </a:lnRef>
+          <a:fillRef idx="0">
+            <a:schemeClr val="accent1"/>
+          </a:fillRef>
+          <a:effectRef idx="0">
+            <a:schemeClr val="accent1"/>
+          </a:effectRef>
+          <a:fontRef idx="minor">
+            <a:schemeClr val="tx1"/>
+          </a:fontRef>
+        </p:style>
+      </p:cxnSp>
+      <p:cxnSp>
+        <p:nvCxnSpPr>
+          <p:cNvPr id="19" name="Conector recto de flecha 18">
+            <a:extLst>
+              <a:ext uri="{FF2B5EF4-FFF2-40B4-BE49-F238E27FC236}">
+                <a16:creationId xmlns:a16="http://schemas.microsoft.com/office/drawing/2014/main" id="{95DDF3FE-B3BF-3C5D-11D1-EC5ACF89E40F}"/>
+              </a:ext>
+            </a:extLst>
+          </p:cNvPr>
+          <p:cNvCxnSpPr/>
+          <p:nvPr/>
+        </p:nvCxnSpPr>
+        <p:spPr>
+          <a:xfrm>
+            <a:off x="8174175" y="4838700"/>
+            <a:ext cx="720000" cy="0"/>
+          </a:xfrm>
+          <a:prstGeom prst="straightConnector1">
+            <a:avLst/>
+          </a:prstGeom>
+          <a:ln w="38100">
+            <a:tailEnd type="triangle"/>
+          </a:ln>
+        </p:spPr>
+        <p:style>
+          <a:lnRef idx="1">
+            <a:schemeClr val="accent1"/>
+          </a:lnRef>
+          <a:fillRef idx="0">
+            <a:schemeClr val="accent1"/>
+          </a:fillRef>
+          <a:effectRef idx="0">
+            <a:schemeClr val="accent1"/>
+          </a:effectRef>
+          <a:fontRef idx="minor">
+            <a:schemeClr val="tx1"/>
+          </a:fontRef>
+        </p:style>
+      </p:cxnSp>
     </p:spTree>
     <p:extLst>
       <p:ext uri="{BB962C8B-B14F-4D97-AF65-F5344CB8AC3E}">
@@ -6141,7 +9232,7 @@
         <p:spPr>
           <a:xfrm>
             <a:off x="837397" y="2162175"/>
-            <a:ext cx="4072929" cy="4110609"/>
+            <a:ext cx="4334678" cy="970225"/>
           </a:xfrm>
         </p:spPr>
         <p:txBody>
@@ -6150,15 +9241,8 @@
           </a:bodyPr>
           <a:lstStyle/>
           <a:p>
-            <a:pPr marL="457200" indent="-228600" algn="l">
-              <a:buFont typeface="Arial" panose="020B0604020202020204" pitchFamily="34" charset="0"/>
-              <a:buChar char="•"/>
-            </a:pPr>
-            <a:r>
-              <a:rPr lang="en-US" sz="2000" dirty="0"/>
-              <a:t>e</a:t>
-            </a:r>
-            <a:endParaRPr lang="en-US" sz="1800" dirty="0"/>
+            <a:pPr marL="228600" algn="l"/>
+            <a:endParaRPr lang="en-US" sz="2000" dirty="0"/>
           </a:p>
         </p:txBody>
       </p:sp>
@@ -6278,6 +9362,16 @@
           <a:lstStyle/>
           <a:p>
             <a:r>
+              <a:rPr lang="es-ES" sz="2400" i="1" dirty="0" err="1">
+                <a:solidFill>
+                  <a:schemeClr val="accent1">
+                    <a:lumMod val="75000"/>
+                  </a:schemeClr>
+                </a:solidFill>
+              </a:rPr>
+              <a:t>Hungarian</a:t>
+            </a:r>
+            <a:r>
               <a:rPr lang="es-ES" sz="2400" i="1" dirty="0">
                 <a:solidFill>
                   <a:schemeClr val="accent1">
@@ -6285,7 +9379,7 @@
                   </a:schemeClr>
                 </a:solidFill>
               </a:rPr>
-              <a:t>Kalman </a:t>
+              <a:t> </a:t>
             </a:r>
             <a:r>
               <a:rPr lang="es-ES" sz="2400" i="1" dirty="0" err="1">
@@ -6295,7 +9389,7 @@
                   </a:schemeClr>
                 </a:solidFill>
               </a:rPr>
-              <a:t>Filter</a:t>
+              <a:t>algorithm</a:t>
             </a:r>
             <a:endParaRPr lang="en-US" sz="2400" i="1" dirty="0">
               <a:solidFill>
@@ -6310,10 +9404,78 @@
           </a:p>
         </p:txBody>
       </p:sp>
+      <p:sp>
+        <p:nvSpPr>
+          <p:cNvPr id="9" name="CuadroTexto 8">
+            <a:extLst>
+              <a:ext uri="{FF2B5EF4-FFF2-40B4-BE49-F238E27FC236}">
+                <a16:creationId xmlns:a16="http://schemas.microsoft.com/office/drawing/2014/main" id="{C5959BFF-1713-ECC2-7A20-9035E227AC8A}"/>
+              </a:ext>
+            </a:extLst>
+          </p:cNvPr>
+          <p:cNvSpPr txBox="1"/>
+          <p:nvPr/>
+        </p:nvSpPr>
+        <p:spPr>
+          <a:xfrm>
+            <a:off x="7753350" y="5930679"/>
+            <a:ext cx="2562225" cy="246221"/>
+          </a:xfrm>
+          <a:prstGeom prst="rect">
+            <a:avLst/>
+          </a:prstGeom>
+          <a:noFill/>
+        </p:spPr>
+        <p:txBody>
+          <a:bodyPr wrap="square" rtlCol="0">
+            <a:spAutoFit/>
+          </a:bodyPr>
+          <a:lstStyle/>
+          <a:p>
+            <a:r>
+              <a:rPr lang="es-ES" sz="1000" dirty="0" err="1"/>
+              <a:t>Image</a:t>
+            </a:r>
+            <a:r>
+              <a:rPr lang="es-ES" sz="1000" dirty="0"/>
+              <a:t> </a:t>
+            </a:r>
+            <a:r>
+              <a:rPr lang="es-ES" sz="1000" dirty="0" err="1"/>
+              <a:t>credit</a:t>
+            </a:r>
+            <a:r>
+              <a:rPr lang="es-ES" sz="1000" dirty="0"/>
+              <a:t>: </a:t>
+            </a:r>
+            <a:r>
+              <a:rPr lang="es-ES" sz="1000" dirty="0" err="1"/>
+              <a:t>Aljosa</a:t>
+            </a:r>
+            <a:r>
+              <a:rPr lang="es-ES" sz="1000" dirty="0"/>
+              <a:t> </a:t>
+            </a:r>
+            <a:r>
+              <a:rPr lang="es-ES" sz="1000" dirty="0" err="1"/>
+              <a:t>Osep</a:t>
+            </a:r>
+            <a:r>
+              <a:rPr lang="es-ES" sz="1000" dirty="0"/>
+              <a:t>, TUM, </a:t>
+            </a:r>
+            <a:r>
+              <a:rPr lang="es-ES" sz="1000" dirty="0" err="1"/>
+              <a:t>Germany</a:t>
+            </a:r>
+            <a:endParaRPr lang="es-ES" sz="1000" dirty="0"/>
+          </a:p>
+        </p:txBody>
+      </p:sp>
     </p:spTree>
     <p:extLst>
       <p:ext uri="{BB962C8B-B14F-4D97-AF65-F5344CB8AC3E}">
-        <p14:creationId xmlns:p14="http://schemas.microsoft.com/office/powerpoint/2010/main" val="334668061"/>
+        <p14:creationId xmlns:p14="http://schemas.microsoft.com/office/powerpoint/2010/main" val="2327482814"/>
       </p:ext>
     </p:extLst>
   </p:cSld>
@@ -6348,6 +9510,48 @@
           <a:chExt cx="0" cy="0"/>
         </a:xfrm>
       </p:grpSpPr>
+      <p:cxnSp>
+        <p:nvCxnSpPr>
+          <p:cNvPr id="29" name="Conector recto de flecha 28">
+            <a:extLst>
+              <a:ext uri="{FF2B5EF4-FFF2-40B4-BE49-F238E27FC236}">
+                <a16:creationId xmlns:a16="http://schemas.microsoft.com/office/drawing/2014/main" id="{3AA10377-9A28-2BF5-85FA-A0C1A231EF91}"/>
+              </a:ext>
+            </a:extLst>
+          </p:cNvPr>
+          <p:cNvCxnSpPr>
+            <a:cxnSpLocks/>
+          </p:cNvCxnSpPr>
+          <p:nvPr/>
+        </p:nvCxnSpPr>
+        <p:spPr>
+          <a:xfrm flipH="1" flipV="1">
+            <a:off x="8720794" y="5090392"/>
+            <a:ext cx="0" cy="720000"/>
+          </a:xfrm>
+          <a:prstGeom prst="straightConnector1">
+            <a:avLst/>
+          </a:prstGeom>
+          <a:ln w="19050">
+            <a:prstDash val="lgDash"/>
+            <a:tailEnd type="triangle"/>
+          </a:ln>
+        </p:spPr>
+        <p:style>
+          <a:lnRef idx="1">
+            <a:schemeClr val="accent1"/>
+          </a:lnRef>
+          <a:fillRef idx="0">
+            <a:schemeClr val="accent1"/>
+          </a:fillRef>
+          <a:effectRef idx="0">
+            <a:schemeClr val="accent1"/>
+          </a:effectRef>
+          <a:fontRef idx="minor">
+            <a:schemeClr val="tx1"/>
+          </a:fontRef>
+        </p:style>
+      </p:cxnSp>
       <p:sp>
         <p:nvSpPr>
           <p:cNvPr id="2" name="Título 1">
@@ -6385,7 +9589,7 @@
                   </a:schemeClr>
                 </a:solidFill>
               </a:rPr>
-              <a:t>Failed Experiments</a:t>
+              <a:t>Improvements in data association</a:t>
             </a:r>
           </a:p>
         </p:txBody>
@@ -6408,8 +9612,8 @@
         </p:nvSpPr>
         <p:spPr>
           <a:xfrm>
-            <a:off x="837397" y="2162175"/>
-            <a:ext cx="4072929" cy="4110609"/>
+            <a:off x="837397" y="2057560"/>
+            <a:ext cx="9992528" cy="1639984"/>
           </a:xfrm>
         </p:spPr>
         <p:txBody>
@@ -6424,9 +9628,38 @@
             </a:pPr>
             <a:r>
               <a:rPr lang="en-US" sz="2000" dirty="0"/>
-              <a:t>e</a:t>
-            </a:r>
-            <a:endParaRPr lang="en-US" sz="1800" dirty="0"/>
+              <a:t>Obtain an accurate estimate of the true state of a tracked object</a:t>
+            </a:r>
+          </a:p>
+          <a:p>
+            <a:pPr marL="457200" indent="-228600" algn="l">
+              <a:buFont typeface="Arial" panose="020B0604020202020204" pitchFamily="34" charset="0"/>
+              <a:buChar char="•"/>
+            </a:pPr>
+            <a:r>
+              <a:rPr lang="en-US" sz="2000" dirty="0"/>
+              <a:t>The Kalman filter needs several frames to adapt to the movement of the tracked object</a:t>
+            </a:r>
+          </a:p>
+          <a:p>
+            <a:pPr marL="914400" lvl="1" indent="-228600" algn="l">
+              <a:buFont typeface="Arial" panose="020B0604020202020204" pitchFamily="34" charset="0"/>
+              <a:buChar char="•"/>
+            </a:pPr>
+            <a:r>
+              <a:rPr lang="en-US" sz="1800" dirty="0"/>
+              <a:t>Not reliable at first initialization</a:t>
+            </a:r>
+          </a:p>
+          <a:p>
+            <a:pPr marL="914400" lvl="1" indent="-228600" algn="l">
+              <a:buFont typeface="Arial" panose="020B0604020202020204" pitchFamily="34" charset="0"/>
+              <a:buChar char="•"/>
+            </a:pPr>
+            <a:r>
+              <a:rPr lang="en-US" sz="1800" dirty="0"/>
+              <a:t>We have created the Warm-up parameter</a:t>
+            </a:r>
           </a:p>
         </p:txBody>
       </p:sp>
@@ -6546,6 +9779,16 @@
           <a:lstStyle/>
           <a:p>
             <a:r>
+              <a:rPr lang="es-ES" sz="2400" i="1" dirty="0">
+                <a:solidFill>
+                  <a:schemeClr val="accent1">
+                    <a:lumMod val="75000"/>
+                  </a:schemeClr>
+                </a:solidFill>
+              </a:rPr>
+              <a:t>Kalman </a:t>
+            </a:r>
+            <a:r>
               <a:rPr lang="es-ES" sz="2400" i="1" dirty="0" err="1">
                 <a:solidFill>
                   <a:schemeClr val="accent1">
@@ -6553,17 +9796,7 @@
                   </a:schemeClr>
                 </a:solidFill>
               </a:rPr>
-              <a:t>Mask</a:t>
-            </a:r>
-            <a:r>
-              <a:rPr lang="es-ES" sz="2400" i="1" dirty="0">
-                <a:solidFill>
-                  <a:schemeClr val="accent1">
-                    <a:lumMod val="75000"/>
-                  </a:schemeClr>
-                </a:solidFill>
-              </a:rPr>
-              <a:t> - RCNN</a:t>
+              <a:t>Filter</a:t>
             </a:r>
             <a:endParaRPr lang="en-US" sz="2400" i="1" dirty="0">
               <a:solidFill>
@@ -6578,10 +9811,919 @@
           </a:p>
         </p:txBody>
       </p:sp>
+      <p:sp>
+        <p:nvSpPr>
+          <p:cNvPr id="5" name="Rectángulo: esquinas redondeadas 4">
+            <a:extLst>
+              <a:ext uri="{FF2B5EF4-FFF2-40B4-BE49-F238E27FC236}">
+                <a16:creationId xmlns:a16="http://schemas.microsoft.com/office/drawing/2014/main" id="{21B0A35C-56B0-D895-1678-43F0C8715503}"/>
+              </a:ext>
+            </a:extLst>
+          </p:cNvPr>
+          <p:cNvSpPr/>
+          <p:nvPr/>
+        </p:nvSpPr>
+        <p:spPr>
+          <a:xfrm>
+            <a:off x="762000" y="4638675"/>
+            <a:ext cx="1440000" cy="720000"/>
+          </a:xfrm>
+          <a:prstGeom prst="roundRect">
+            <a:avLst/>
+          </a:prstGeom>
+          <a:noFill/>
+          <a:ln w="28575"/>
+        </p:spPr>
+        <p:style>
+          <a:lnRef idx="2">
+            <a:schemeClr val="accent1">
+              <a:shade val="15000"/>
+            </a:schemeClr>
+          </a:lnRef>
+          <a:fillRef idx="1">
+            <a:schemeClr val="accent1"/>
+          </a:fillRef>
+          <a:effectRef idx="0">
+            <a:schemeClr val="accent1"/>
+          </a:effectRef>
+          <a:fontRef idx="minor">
+            <a:schemeClr val="lt1"/>
+          </a:fontRef>
+        </p:style>
+        <p:txBody>
+          <a:bodyPr rtlCol="0" anchor="ctr"/>
+          <a:lstStyle/>
+          <a:p>
+            <a:pPr algn="ctr"/>
+            <a:endParaRPr lang="es-ES"/>
+          </a:p>
+        </p:txBody>
+      </p:sp>
+      <p:sp>
+        <p:nvSpPr>
+          <p:cNvPr id="9" name="Rectángulo: esquinas redondeadas 8">
+            <a:extLst>
+              <a:ext uri="{FF2B5EF4-FFF2-40B4-BE49-F238E27FC236}">
+                <a16:creationId xmlns:a16="http://schemas.microsoft.com/office/drawing/2014/main" id="{F74A3493-F9F1-1CFC-A314-92792D47FC75}"/>
+              </a:ext>
+            </a:extLst>
+          </p:cNvPr>
+          <p:cNvSpPr/>
+          <p:nvPr/>
+        </p:nvSpPr>
+        <p:spPr>
+          <a:xfrm>
+            <a:off x="3128100" y="4638675"/>
+            <a:ext cx="1440000" cy="720000"/>
+          </a:xfrm>
+          <a:prstGeom prst="roundRect">
+            <a:avLst/>
+          </a:prstGeom>
+          <a:noFill/>
+          <a:ln w="28575"/>
+        </p:spPr>
+        <p:style>
+          <a:lnRef idx="2">
+            <a:schemeClr val="accent1">
+              <a:shade val="15000"/>
+            </a:schemeClr>
+          </a:lnRef>
+          <a:fillRef idx="1">
+            <a:schemeClr val="accent1"/>
+          </a:fillRef>
+          <a:effectRef idx="0">
+            <a:schemeClr val="accent1"/>
+          </a:effectRef>
+          <a:fontRef idx="minor">
+            <a:schemeClr val="lt1"/>
+          </a:fontRef>
+        </p:style>
+        <p:txBody>
+          <a:bodyPr rtlCol="0" anchor="ctr"/>
+          <a:lstStyle/>
+          <a:p>
+            <a:pPr algn="ctr"/>
+            <a:endParaRPr lang="es-ES"/>
+          </a:p>
+        </p:txBody>
+      </p:sp>
+      <p:sp>
+        <p:nvSpPr>
+          <p:cNvPr id="10" name="CuadroTexto 9">
+            <a:extLst>
+              <a:ext uri="{FF2B5EF4-FFF2-40B4-BE49-F238E27FC236}">
+                <a16:creationId xmlns:a16="http://schemas.microsoft.com/office/drawing/2014/main" id="{4FFC5CB3-B853-FDB2-A578-9FBD75DDF8EF}"/>
+              </a:ext>
+            </a:extLst>
+          </p:cNvPr>
+          <p:cNvSpPr txBox="1"/>
+          <p:nvPr/>
+        </p:nvSpPr>
+        <p:spPr>
+          <a:xfrm>
+            <a:off x="3167062" y="4706287"/>
+            <a:ext cx="1362075" cy="584775"/>
+          </a:xfrm>
+          <a:prstGeom prst="rect">
+            <a:avLst/>
+          </a:prstGeom>
+          <a:noFill/>
+        </p:spPr>
+        <p:txBody>
+          <a:bodyPr wrap="square" rtlCol="0">
+            <a:spAutoFit/>
+          </a:bodyPr>
+          <a:lstStyle/>
+          <a:p>
+            <a:pPr algn="ctr"/>
+            <a:r>
+              <a:rPr lang="es-ES" sz="1600" b="1" dirty="0"/>
+              <a:t>Data </a:t>
+            </a:r>
+            <a:r>
+              <a:rPr lang="es-ES" sz="1600" b="1" dirty="0" err="1"/>
+              <a:t>Association</a:t>
+            </a:r>
+            <a:endParaRPr lang="es-ES" sz="1600" b="1" dirty="0"/>
+          </a:p>
+        </p:txBody>
+      </p:sp>
+      <p:cxnSp>
+        <p:nvCxnSpPr>
+          <p:cNvPr id="11" name="Conector recto de flecha 10">
+            <a:extLst>
+              <a:ext uri="{FF2B5EF4-FFF2-40B4-BE49-F238E27FC236}">
+                <a16:creationId xmlns:a16="http://schemas.microsoft.com/office/drawing/2014/main" id="{A34EA592-3DA9-CF43-CAF7-BC5B75916408}"/>
+              </a:ext>
+            </a:extLst>
+          </p:cNvPr>
+          <p:cNvCxnSpPr/>
+          <p:nvPr/>
+        </p:nvCxnSpPr>
+        <p:spPr>
+          <a:xfrm>
+            <a:off x="2306775" y="4972050"/>
+            <a:ext cx="720000" cy="0"/>
+          </a:xfrm>
+          <a:prstGeom prst="straightConnector1">
+            <a:avLst/>
+          </a:prstGeom>
+          <a:ln w="38100">
+            <a:tailEnd type="triangle"/>
+          </a:ln>
+        </p:spPr>
+        <p:style>
+          <a:lnRef idx="1">
+            <a:schemeClr val="accent1"/>
+          </a:lnRef>
+          <a:fillRef idx="0">
+            <a:schemeClr val="accent1"/>
+          </a:fillRef>
+          <a:effectRef idx="0">
+            <a:schemeClr val="accent1"/>
+          </a:effectRef>
+          <a:fontRef idx="minor">
+            <a:schemeClr val="tx1"/>
+          </a:fontRef>
+        </p:style>
+      </p:cxnSp>
+      <p:sp>
+        <p:nvSpPr>
+          <p:cNvPr id="12" name="Rectángulo: esquinas redondeadas 11">
+            <a:extLst>
+              <a:ext uri="{FF2B5EF4-FFF2-40B4-BE49-F238E27FC236}">
+                <a16:creationId xmlns:a16="http://schemas.microsoft.com/office/drawing/2014/main" id="{26534AA0-A372-30D8-2152-49CD4BFF083E}"/>
+              </a:ext>
+            </a:extLst>
+          </p:cNvPr>
+          <p:cNvSpPr/>
+          <p:nvPr/>
+        </p:nvSpPr>
+        <p:spPr>
+          <a:xfrm>
+            <a:off x="6244500" y="4252050"/>
+            <a:ext cx="1440000" cy="720000"/>
+          </a:xfrm>
+          <a:prstGeom prst="roundRect">
+            <a:avLst/>
+          </a:prstGeom>
+          <a:noFill/>
+          <a:ln w="28575"/>
+        </p:spPr>
+        <p:style>
+          <a:lnRef idx="2">
+            <a:schemeClr val="accent1">
+              <a:shade val="15000"/>
+            </a:schemeClr>
+          </a:lnRef>
+          <a:fillRef idx="1">
+            <a:schemeClr val="accent1"/>
+          </a:fillRef>
+          <a:effectRef idx="0">
+            <a:schemeClr val="accent1"/>
+          </a:effectRef>
+          <a:fontRef idx="minor">
+            <a:schemeClr val="lt1"/>
+          </a:fontRef>
+        </p:style>
+        <p:txBody>
+          <a:bodyPr rtlCol="0" anchor="ctr"/>
+          <a:lstStyle/>
+          <a:p>
+            <a:pPr algn="ctr"/>
+            <a:endParaRPr lang="es-ES"/>
+          </a:p>
+        </p:txBody>
+      </p:sp>
+      <p:sp>
+        <p:nvSpPr>
+          <p:cNvPr id="14" name="Rectángulo: esquinas redondeadas 13">
+            <a:extLst>
+              <a:ext uri="{FF2B5EF4-FFF2-40B4-BE49-F238E27FC236}">
+                <a16:creationId xmlns:a16="http://schemas.microsoft.com/office/drawing/2014/main" id="{B0AE45C3-7183-74FF-43D2-5E2BEB5D1652}"/>
+              </a:ext>
+            </a:extLst>
+          </p:cNvPr>
+          <p:cNvSpPr/>
+          <p:nvPr/>
+        </p:nvSpPr>
+        <p:spPr>
+          <a:xfrm>
+            <a:off x="9810750" y="4754925"/>
+            <a:ext cx="1440000" cy="720000"/>
+          </a:xfrm>
+          <a:prstGeom prst="roundRect">
+            <a:avLst/>
+          </a:prstGeom>
+          <a:noFill/>
+          <a:ln w="28575"/>
+        </p:spPr>
+        <p:style>
+          <a:lnRef idx="2">
+            <a:schemeClr val="accent1">
+              <a:shade val="15000"/>
+            </a:schemeClr>
+          </a:lnRef>
+          <a:fillRef idx="1">
+            <a:schemeClr val="accent1"/>
+          </a:fillRef>
+          <a:effectRef idx="0">
+            <a:schemeClr val="accent1"/>
+          </a:effectRef>
+          <a:fontRef idx="minor">
+            <a:schemeClr val="lt1"/>
+          </a:fontRef>
+        </p:style>
+        <p:txBody>
+          <a:bodyPr rtlCol="0" anchor="ctr"/>
+          <a:lstStyle/>
+          <a:p>
+            <a:pPr algn="ctr"/>
+            <a:endParaRPr lang="es-ES"/>
+          </a:p>
+        </p:txBody>
+      </p:sp>
+      <p:sp>
+        <p:nvSpPr>
+          <p:cNvPr id="15" name="CuadroTexto 14">
+            <a:extLst>
+              <a:ext uri="{FF2B5EF4-FFF2-40B4-BE49-F238E27FC236}">
+                <a16:creationId xmlns:a16="http://schemas.microsoft.com/office/drawing/2014/main" id="{8A0F43DD-42A7-1DA3-CAFB-6F0EB1A16D1D}"/>
+              </a:ext>
+            </a:extLst>
+          </p:cNvPr>
+          <p:cNvSpPr txBox="1"/>
+          <p:nvPr/>
+        </p:nvSpPr>
+        <p:spPr>
+          <a:xfrm>
+            <a:off x="9849712" y="4822537"/>
+            <a:ext cx="1362075" cy="584775"/>
+          </a:xfrm>
+          <a:prstGeom prst="rect">
+            <a:avLst/>
+          </a:prstGeom>
+          <a:noFill/>
+        </p:spPr>
+        <p:txBody>
+          <a:bodyPr wrap="square" rtlCol="0">
+            <a:spAutoFit/>
+          </a:bodyPr>
+          <a:lstStyle/>
+          <a:p>
+            <a:pPr algn="ctr"/>
+            <a:r>
+              <a:rPr lang="es-ES" sz="1600" b="1" dirty="0"/>
+              <a:t>Data </a:t>
+            </a:r>
+            <a:r>
+              <a:rPr lang="es-ES" sz="1600" b="1" dirty="0" err="1"/>
+              <a:t>Association</a:t>
+            </a:r>
+            <a:endParaRPr lang="es-ES" sz="1600" b="1" dirty="0"/>
+          </a:p>
+        </p:txBody>
+      </p:sp>
+      <p:cxnSp>
+        <p:nvCxnSpPr>
+          <p:cNvPr id="16" name="Conector recto de flecha 15">
+            <a:extLst>
+              <a:ext uri="{FF2B5EF4-FFF2-40B4-BE49-F238E27FC236}">
+                <a16:creationId xmlns:a16="http://schemas.microsoft.com/office/drawing/2014/main" id="{CF69DE30-E353-12B2-9ADE-5DEC45737F9F}"/>
+              </a:ext>
+            </a:extLst>
+          </p:cNvPr>
+          <p:cNvCxnSpPr>
+            <a:cxnSpLocks/>
+          </p:cNvCxnSpPr>
+          <p:nvPr/>
+        </p:nvCxnSpPr>
+        <p:spPr>
+          <a:xfrm>
+            <a:off x="7789275" y="4585425"/>
+            <a:ext cx="726075" cy="319012"/>
+          </a:xfrm>
+          <a:prstGeom prst="straightConnector1">
+            <a:avLst/>
+          </a:prstGeom>
+          <a:ln w="38100">
+            <a:tailEnd type="triangle"/>
+          </a:ln>
+        </p:spPr>
+        <p:style>
+          <a:lnRef idx="1">
+            <a:schemeClr val="accent1"/>
+          </a:lnRef>
+          <a:fillRef idx="0">
+            <a:schemeClr val="accent1"/>
+          </a:fillRef>
+          <a:effectRef idx="0">
+            <a:schemeClr val="accent1"/>
+          </a:effectRef>
+          <a:fontRef idx="minor">
+            <a:schemeClr val="tx1"/>
+          </a:fontRef>
+        </p:style>
+      </p:cxnSp>
+      <p:sp>
+        <p:nvSpPr>
+          <p:cNvPr id="17" name="Rectángulo: esquinas redondeadas 16">
+            <a:extLst>
+              <a:ext uri="{FF2B5EF4-FFF2-40B4-BE49-F238E27FC236}">
+                <a16:creationId xmlns:a16="http://schemas.microsoft.com/office/drawing/2014/main" id="{4F80A22B-2202-60A6-0D5A-ABFDC3B0A9B6}"/>
+              </a:ext>
+            </a:extLst>
+          </p:cNvPr>
+          <p:cNvSpPr/>
+          <p:nvPr/>
+        </p:nvSpPr>
+        <p:spPr>
+          <a:xfrm>
+            <a:off x="6249262" y="5251736"/>
+            <a:ext cx="1440000" cy="720000"/>
+          </a:xfrm>
+          <a:prstGeom prst="roundRect">
+            <a:avLst/>
+          </a:prstGeom>
+          <a:noFill/>
+          <a:ln w="28575"/>
+        </p:spPr>
+        <p:style>
+          <a:lnRef idx="2">
+            <a:schemeClr val="accent1">
+              <a:shade val="15000"/>
+            </a:schemeClr>
+          </a:lnRef>
+          <a:fillRef idx="1">
+            <a:schemeClr val="accent1"/>
+          </a:fillRef>
+          <a:effectRef idx="0">
+            <a:schemeClr val="accent1"/>
+          </a:effectRef>
+          <a:fontRef idx="minor">
+            <a:schemeClr val="lt1"/>
+          </a:fontRef>
+        </p:style>
+        <p:txBody>
+          <a:bodyPr rtlCol="0" anchor="ctr"/>
+          <a:lstStyle/>
+          <a:p>
+            <a:pPr algn="ctr"/>
+            <a:endParaRPr lang="es-ES"/>
+          </a:p>
+        </p:txBody>
+      </p:sp>
+      <p:cxnSp>
+        <p:nvCxnSpPr>
+          <p:cNvPr id="20" name="Conector recto de flecha 19">
+            <a:extLst>
+              <a:ext uri="{FF2B5EF4-FFF2-40B4-BE49-F238E27FC236}">
+                <a16:creationId xmlns:a16="http://schemas.microsoft.com/office/drawing/2014/main" id="{2C72D46E-FC06-47E4-8D08-51FA4EDE7757}"/>
+              </a:ext>
+            </a:extLst>
+          </p:cNvPr>
+          <p:cNvCxnSpPr>
+            <a:cxnSpLocks/>
+          </p:cNvCxnSpPr>
+          <p:nvPr/>
+        </p:nvCxnSpPr>
+        <p:spPr>
+          <a:xfrm flipV="1">
+            <a:off x="7848150" y="5289050"/>
+            <a:ext cx="667200" cy="322685"/>
+          </a:xfrm>
+          <a:prstGeom prst="straightConnector1">
+            <a:avLst/>
+          </a:prstGeom>
+          <a:ln w="38100">
+            <a:tailEnd type="triangle"/>
+          </a:ln>
+        </p:spPr>
+        <p:style>
+          <a:lnRef idx="1">
+            <a:schemeClr val="accent1"/>
+          </a:lnRef>
+          <a:fillRef idx="0">
+            <a:schemeClr val="accent1"/>
+          </a:fillRef>
+          <a:effectRef idx="0">
+            <a:schemeClr val="accent1"/>
+          </a:effectRef>
+          <a:fontRef idx="minor">
+            <a:schemeClr val="tx1"/>
+          </a:fontRef>
+        </p:style>
+      </p:cxnSp>
+      <p:cxnSp>
+        <p:nvCxnSpPr>
+          <p:cNvPr id="22" name="Conector recto de flecha 21">
+            <a:extLst>
+              <a:ext uri="{FF2B5EF4-FFF2-40B4-BE49-F238E27FC236}">
+                <a16:creationId xmlns:a16="http://schemas.microsoft.com/office/drawing/2014/main" id="{5CC488D3-DC8E-BD2D-DC26-13C01879E477}"/>
+              </a:ext>
+            </a:extLst>
+          </p:cNvPr>
+          <p:cNvCxnSpPr/>
+          <p:nvPr/>
+        </p:nvCxnSpPr>
+        <p:spPr>
+          <a:xfrm>
+            <a:off x="9005025" y="5114925"/>
+            <a:ext cx="720000" cy="0"/>
+          </a:xfrm>
+          <a:prstGeom prst="straightConnector1">
+            <a:avLst/>
+          </a:prstGeom>
+          <a:ln w="38100">
+            <a:tailEnd type="triangle"/>
+          </a:ln>
+        </p:spPr>
+        <p:style>
+          <a:lnRef idx="1">
+            <a:schemeClr val="accent1"/>
+          </a:lnRef>
+          <a:fillRef idx="0">
+            <a:schemeClr val="accent1"/>
+          </a:fillRef>
+          <a:effectRef idx="0">
+            <a:schemeClr val="accent1"/>
+          </a:effectRef>
+          <a:fontRef idx="minor">
+            <a:schemeClr val="tx1"/>
+          </a:fontRef>
+        </p:style>
+      </p:cxnSp>
+      <p:sp>
+        <p:nvSpPr>
+          <p:cNvPr id="23" name="Elipse 22">
+            <a:extLst>
+              <a:ext uri="{FF2B5EF4-FFF2-40B4-BE49-F238E27FC236}">
+                <a16:creationId xmlns:a16="http://schemas.microsoft.com/office/drawing/2014/main" id="{97EA9207-397A-45C2-EC4D-8FDB57FAC129}"/>
+              </a:ext>
+            </a:extLst>
+          </p:cNvPr>
+          <p:cNvSpPr/>
+          <p:nvPr/>
+        </p:nvSpPr>
+        <p:spPr>
+          <a:xfrm>
+            <a:off x="8540794" y="4916743"/>
+            <a:ext cx="360000" cy="360000"/>
+          </a:xfrm>
+          <a:prstGeom prst="ellipse">
+            <a:avLst/>
+          </a:prstGeom>
+          <a:noFill/>
+          <a:ln w="28575"/>
+        </p:spPr>
+        <p:style>
+          <a:lnRef idx="2">
+            <a:schemeClr val="accent1">
+              <a:shade val="15000"/>
+            </a:schemeClr>
+          </a:lnRef>
+          <a:fillRef idx="1">
+            <a:schemeClr val="accent1"/>
+          </a:fillRef>
+          <a:effectRef idx="0">
+            <a:schemeClr val="accent1"/>
+          </a:effectRef>
+          <a:fontRef idx="minor">
+            <a:schemeClr val="lt1"/>
+          </a:fontRef>
+        </p:style>
+        <p:txBody>
+          <a:bodyPr rtlCol="0" anchor="ctr"/>
+          <a:lstStyle/>
+          <a:p>
+            <a:pPr algn="ctr"/>
+            <a:endParaRPr lang="es-ES"/>
+          </a:p>
+        </p:txBody>
+      </p:sp>
+      <p:sp>
+        <p:nvSpPr>
+          <p:cNvPr id="24" name="Rectángulo 23">
+            <a:extLst>
+              <a:ext uri="{FF2B5EF4-FFF2-40B4-BE49-F238E27FC236}">
+                <a16:creationId xmlns:a16="http://schemas.microsoft.com/office/drawing/2014/main" id="{38B098A7-CE18-F2AD-323F-060B03E69260}"/>
+              </a:ext>
+            </a:extLst>
+          </p:cNvPr>
+          <p:cNvSpPr/>
+          <p:nvPr/>
+        </p:nvSpPr>
+        <p:spPr>
+          <a:xfrm>
+            <a:off x="466725" y="3724275"/>
+            <a:ext cx="4695825" cy="2466975"/>
+          </a:xfrm>
+          <a:prstGeom prst="rect">
+            <a:avLst/>
+          </a:prstGeom>
+          <a:noFill/>
+        </p:spPr>
+        <p:style>
+          <a:lnRef idx="2">
+            <a:schemeClr val="accent1">
+              <a:shade val="15000"/>
+            </a:schemeClr>
+          </a:lnRef>
+          <a:fillRef idx="1">
+            <a:schemeClr val="accent1"/>
+          </a:fillRef>
+          <a:effectRef idx="0">
+            <a:schemeClr val="accent1"/>
+          </a:effectRef>
+          <a:fontRef idx="minor">
+            <a:schemeClr val="lt1"/>
+          </a:fontRef>
+        </p:style>
+        <p:txBody>
+          <a:bodyPr rtlCol="0" anchor="ctr"/>
+          <a:lstStyle/>
+          <a:p>
+            <a:pPr algn="ctr"/>
+            <a:endParaRPr lang="es-ES"/>
+          </a:p>
+        </p:txBody>
+      </p:sp>
+      <p:sp>
+        <p:nvSpPr>
+          <p:cNvPr id="25" name="Rectángulo 24">
+            <a:extLst>
+              <a:ext uri="{FF2B5EF4-FFF2-40B4-BE49-F238E27FC236}">
+                <a16:creationId xmlns:a16="http://schemas.microsoft.com/office/drawing/2014/main" id="{09DB5749-DCA2-0EE6-BFFE-9F949E82781F}"/>
+              </a:ext>
+            </a:extLst>
+          </p:cNvPr>
+          <p:cNvSpPr/>
+          <p:nvPr/>
+        </p:nvSpPr>
+        <p:spPr>
+          <a:xfrm>
+            <a:off x="5995987" y="3724275"/>
+            <a:ext cx="5519738" cy="2466975"/>
+          </a:xfrm>
+          <a:prstGeom prst="rect">
+            <a:avLst/>
+          </a:prstGeom>
+          <a:noFill/>
+        </p:spPr>
+        <p:style>
+          <a:lnRef idx="2">
+            <a:schemeClr val="accent1">
+              <a:shade val="15000"/>
+            </a:schemeClr>
+          </a:lnRef>
+          <a:fillRef idx="1">
+            <a:schemeClr val="accent1"/>
+          </a:fillRef>
+          <a:effectRef idx="0">
+            <a:schemeClr val="accent1"/>
+          </a:effectRef>
+          <a:fontRef idx="minor">
+            <a:schemeClr val="lt1"/>
+          </a:fontRef>
+        </p:style>
+        <p:txBody>
+          <a:bodyPr rtlCol="0" anchor="ctr"/>
+          <a:lstStyle/>
+          <a:p>
+            <a:pPr algn="ctr"/>
+            <a:endParaRPr lang="es-ES"/>
+          </a:p>
+        </p:txBody>
+      </p:sp>
+      <p:sp>
+        <p:nvSpPr>
+          <p:cNvPr id="26" name="CuadroTexto 25">
+            <a:extLst>
+              <a:ext uri="{FF2B5EF4-FFF2-40B4-BE49-F238E27FC236}">
+                <a16:creationId xmlns:a16="http://schemas.microsoft.com/office/drawing/2014/main" id="{FA583A2D-8886-F914-B547-E5AB9B6561F1}"/>
+              </a:ext>
+            </a:extLst>
+          </p:cNvPr>
+          <p:cNvSpPr txBox="1"/>
+          <p:nvPr/>
+        </p:nvSpPr>
+        <p:spPr>
+          <a:xfrm>
+            <a:off x="3167062" y="3848100"/>
+            <a:ext cx="1738313" cy="369332"/>
+          </a:xfrm>
+          <a:prstGeom prst="rect">
+            <a:avLst/>
+          </a:prstGeom>
+          <a:noFill/>
+        </p:spPr>
+        <p:txBody>
+          <a:bodyPr wrap="square" rtlCol="0">
+            <a:spAutoFit/>
+          </a:bodyPr>
+          <a:lstStyle/>
+          <a:p>
+            <a:r>
+              <a:rPr lang="es-ES" dirty="0" err="1"/>
+              <a:t>Before</a:t>
+            </a:r>
+            <a:r>
+              <a:rPr lang="es-ES" dirty="0"/>
+              <a:t> </a:t>
+            </a:r>
+            <a:r>
+              <a:rPr lang="es-ES" dirty="0" err="1"/>
+              <a:t>Warm</a:t>
+            </a:r>
+            <a:r>
+              <a:rPr lang="es-ES" dirty="0"/>
+              <a:t>-up</a:t>
+            </a:r>
+          </a:p>
+        </p:txBody>
+      </p:sp>
+      <p:sp>
+        <p:nvSpPr>
+          <p:cNvPr id="27" name="CuadroTexto 26">
+            <a:extLst>
+              <a:ext uri="{FF2B5EF4-FFF2-40B4-BE49-F238E27FC236}">
+                <a16:creationId xmlns:a16="http://schemas.microsoft.com/office/drawing/2014/main" id="{A5E4AD12-6786-294D-CA3B-9414884210EE}"/>
+              </a:ext>
+            </a:extLst>
+          </p:cNvPr>
+          <p:cNvSpPr txBox="1"/>
+          <p:nvPr/>
+        </p:nvSpPr>
+        <p:spPr>
+          <a:xfrm>
+            <a:off x="9639300" y="3848100"/>
+            <a:ext cx="1714500" cy="369332"/>
+          </a:xfrm>
+          <a:prstGeom prst="rect">
+            <a:avLst/>
+          </a:prstGeom>
+          <a:noFill/>
+        </p:spPr>
+        <p:txBody>
+          <a:bodyPr wrap="square" rtlCol="0">
+            <a:spAutoFit/>
+          </a:bodyPr>
+          <a:lstStyle/>
+          <a:p>
+            <a:r>
+              <a:rPr lang="es-ES" dirty="0"/>
+              <a:t>After </a:t>
+            </a:r>
+            <a:r>
+              <a:rPr lang="es-ES" dirty="0" err="1"/>
+              <a:t>Warm</a:t>
+            </a:r>
+            <a:r>
+              <a:rPr lang="es-ES" dirty="0"/>
+              <a:t>-up</a:t>
+            </a:r>
+          </a:p>
+        </p:txBody>
+      </p:sp>
+      <p:sp>
+        <p:nvSpPr>
+          <p:cNvPr id="28" name="CuadroTexto 27">
+            <a:extLst>
+              <a:ext uri="{FF2B5EF4-FFF2-40B4-BE49-F238E27FC236}">
+                <a16:creationId xmlns:a16="http://schemas.microsoft.com/office/drawing/2014/main" id="{567EF1B4-D08C-B1BB-BFC2-86740B8B3CC3}"/>
+              </a:ext>
+            </a:extLst>
+          </p:cNvPr>
+          <p:cNvSpPr txBox="1"/>
+          <p:nvPr/>
+        </p:nvSpPr>
+        <p:spPr>
+          <a:xfrm>
+            <a:off x="8255362" y="5757572"/>
+            <a:ext cx="1123950" cy="369332"/>
+          </a:xfrm>
+          <a:prstGeom prst="rect">
+            <a:avLst/>
+          </a:prstGeom>
+          <a:noFill/>
+        </p:spPr>
+        <p:txBody>
+          <a:bodyPr wrap="square" rtlCol="0">
+            <a:spAutoFit/>
+          </a:bodyPr>
+          <a:lstStyle/>
+          <a:p>
+            <a:r>
+              <a:rPr lang="es-ES" dirty="0" err="1"/>
+              <a:t>weighing</a:t>
+            </a:r>
+            <a:endParaRPr lang="es-ES" dirty="0"/>
+          </a:p>
+        </p:txBody>
+      </p:sp>
+      <p:sp>
+        <p:nvSpPr>
+          <p:cNvPr id="31" name="CuadroTexto 30">
+            <a:extLst>
+              <a:ext uri="{FF2B5EF4-FFF2-40B4-BE49-F238E27FC236}">
+                <a16:creationId xmlns:a16="http://schemas.microsoft.com/office/drawing/2014/main" id="{21E6C98B-BE28-6533-18DA-0247E41F2033}"/>
+              </a:ext>
+            </a:extLst>
+          </p:cNvPr>
+          <p:cNvSpPr txBox="1"/>
+          <p:nvPr/>
+        </p:nvSpPr>
+        <p:spPr>
+          <a:xfrm>
+            <a:off x="6283462" y="4319662"/>
+            <a:ext cx="1362075" cy="584775"/>
+          </a:xfrm>
+          <a:prstGeom prst="rect">
+            <a:avLst/>
+          </a:prstGeom>
+          <a:noFill/>
+        </p:spPr>
+        <p:txBody>
+          <a:bodyPr wrap="square" rtlCol="0">
+            <a:spAutoFit/>
+          </a:bodyPr>
+          <a:lstStyle/>
+          <a:p>
+            <a:pPr algn="ctr"/>
+            <a:r>
+              <a:rPr lang="es-ES" sz="1600" b="1" dirty="0" err="1"/>
+              <a:t>Distance</a:t>
+            </a:r>
+            <a:r>
+              <a:rPr lang="es-ES" sz="1600" b="1" dirty="0"/>
+              <a:t> </a:t>
+            </a:r>
+            <a:r>
+              <a:rPr lang="es-ES" sz="1600" b="1" dirty="0" err="1"/>
+              <a:t>IoU</a:t>
+            </a:r>
+            <a:r>
+              <a:rPr lang="es-ES" sz="1600" b="1" dirty="0"/>
+              <a:t> </a:t>
+            </a:r>
+            <a:r>
+              <a:rPr lang="es-ES" sz="1600" b="1" dirty="0" err="1"/>
+              <a:t>tracks</a:t>
+            </a:r>
+            <a:endParaRPr lang="es-ES" sz="1600" b="1" dirty="0"/>
+          </a:p>
+        </p:txBody>
+      </p:sp>
+      <p:sp>
+        <p:nvSpPr>
+          <p:cNvPr id="32" name="CuadroTexto 31">
+            <a:extLst>
+              <a:ext uri="{FF2B5EF4-FFF2-40B4-BE49-F238E27FC236}">
+                <a16:creationId xmlns:a16="http://schemas.microsoft.com/office/drawing/2014/main" id="{2329B522-58FE-7853-FCAF-7E490EE54D59}"/>
+              </a:ext>
+            </a:extLst>
+          </p:cNvPr>
+          <p:cNvSpPr txBox="1"/>
+          <p:nvPr/>
+        </p:nvSpPr>
+        <p:spPr>
+          <a:xfrm>
+            <a:off x="6288224" y="5319348"/>
+            <a:ext cx="1362075" cy="646331"/>
+          </a:xfrm>
+          <a:prstGeom prst="rect">
+            <a:avLst/>
+          </a:prstGeom>
+          <a:noFill/>
+        </p:spPr>
+        <p:txBody>
+          <a:bodyPr wrap="square" rtlCol="0">
+            <a:spAutoFit/>
+          </a:bodyPr>
+          <a:lstStyle/>
+          <a:p>
+            <a:pPr algn="ctr"/>
+            <a:r>
+              <a:rPr lang="es-ES" sz="1200" b="1" dirty="0" err="1"/>
+              <a:t>Distance</a:t>
+            </a:r>
+            <a:r>
+              <a:rPr lang="es-ES" sz="1200" b="1" dirty="0"/>
+              <a:t> </a:t>
+            </a:r>
+            <a:r>
+              <a:rPr lang="es-ES" sz="1200" b="1" dirty="0" err="1"/>
+              <a:t>IoU</a:t>
+            </a:r>
+            <a:r>
+              <a:rPr lang="es-ES" sz="1200" b="1" dirty="0"/>
+              <a:t> Kalman </a:t>
+            </a:r>
+            <a:r>
+              <a:rPr lang="es-ES" sz="1200" b="1" dirty="0" err="1"/>
+              <a:t>estimations</a:t>
+            </a:r>
+            <a:endParaRPr lang="es-ES" sz="1200" b="1" dirty="0"/>
+          </a:p>
+        </p:txBody>
+      </p:sp>
+      <p:sp>
+        <p:nvSpPr>
+          <p:cNvPr id="33" name="CuadroTexto 32">
+            <a:extLst>
+              <a:ext uri="{FF2B5EF4-FFF2-40B4-BE49-F238E27FC236}">
+                <a16:creationId xmlns:a16="http://schemas.microsoft.com/office/drawing/2014/main" id="{C7341DA6-DB2A-DB7D-A7B7-011A879D246A}"/>
+              </a:ext>
+            </a:extLst>
+          </p:cNvPr>
+          <p:cNvSpPr txBox="1"/>
+          <p:nvPr/>
+        </p:nvSpPr>
+        <p:spPr>
+          <a:xfrm>
+            <a:off x="800962" y="4706287"/>
+            <a:ext cx="1362075" cy="584775"/>
+          </a:xfrm>
+          <a:prstGeom prst="rect">
+            <a:avLst/>
+          </a:prstGeom>
+          <a:noFill/>
+        </p:spPr>
+        <p:txBody>
+          <a:bodyPr wrap="square" rtlCol="0">
+            <a:spAutoFit/>
+          </a:bodyPr>
+          <a:lstStyle/>
+          <a:p>
+            <a:pPr algn="ctr"/>
+            <a:r>
+              <a:rPr lang="es-ES" sz="1600" b="1" dirty="0" err="1"/>
+              <a:t>Distance</a:t>
+            </a:r>
+            <a:r>
+              <a:rPr lang="es-ES" sz="1600" b="1" dirty="0"/>
+              <a:t> </a:t>
+            </a:r>
+            <a:r>
+              <a:rPr lang="es-ES" sz="1600" b="1" dirty="0" err="1"/>
+              <a:t>IoU</a:t>
+            </a:r>
+            <a:r>
+              <a:rPr lang="es-ES" sz="1600" b="1" dirty="0"/>
+              <a:t> </a:t>
+            </a:r>
+            <a:r>
+              <a:rPr lang="es-ES" sz="1600" b="1" dirty="0" err="1"/>
+              <a:t>tracks</a:t>
+            </a:r>
+            <a:endParaRPr lang="es-ES" sz="1600" b="1" dirty="0"/>
+          </a:p>
+        </p:txBody>
+      </p:sp>
     </p:spTree>
     <p:extLst>
       <p:ext uri="{BB962C8B-B14F-4D97-AF65-F5344CB8AC3E}">
-        <p14:creationId xmlns:p14="http://schemas.microsoft.com/office/powerpoint/2010/main" val="1728229218"/>
+        <p14:creationId xmlns:p14="http://schemas.microsoft.com/office/powerpoint/2010/main" val="334668061"/>
       </p:ext>
     </p:extLst>
   </p:cSld>
@@ -6616,6 +10758,48 @@
           <a:chExt cx="0" cy="0"/>
         </a:xfrm>
       </p:grpSpPr>
+      <p:cxnSp>
+        <p:nvCxnSpPr>
+          <p:cNvPr id="29" name="Conector recto de flecha 28">
+            <a:extLst>
+              <a:ext uri="{FF2B5EF4-FFF2-40B4-BE49-F238E27FC236}">
+                <a16:creationId xmlns:a16="http://schemas.microsoft.com/office/drawing/2014/main" id="{3AA10377-9A28-2BF5-85FA-A0C1A231EF91}"/>
+              </a:ext>
+            </a:extLst>
+          </p:cNvPr>
+          <p:cNvCxnSpPr>
+            <a:cxnSpLocks/>
+          </p:cNvCxnSpPr>
+          <p:nvPr/>
+        </p:nvCxnSpPr>
+        <p:spPr>
+          <a:xfrm flipH="1" flipV="1">
+            <a:off x="8720794" y="5090392"/>
+            <a:ext cx="0" cy="720000"/>
+          </a:xfrm>
+          <a:prstGeom prst="straightConnector1">
+            <a:avLst/>
+          </a:prstGeom>
+          <a:ln w="19050">
+            <a:prstDash val="lgDash"/>
+            <a:tailEnd type="triangle"/>
+          </a:ln>
+        </p:spPr>
+        <p:style>
+          <a:lnRef idx="1">
+            <a:schemeClr val="accent1"/>
+          </a:lnRef>
+          <a:fillRef idx="0">
+            <a:schemeClr val="accent1"/>
+          </a:fillRef>
+          <a:effectRef idx="0">
+            <a:schemeClr val="accent1"/>
+          </a:effectRef>
+          <a:fontRef idx="minor">
+            <a:schemeClr val="tx1"/>
+          </a:fontRef>
+        </p:style>
+      </p:cxnSp>
       <p:sp>
         <p:nvSpPr>
           <p:cNvPr id="2" name="Título 1">
@@ -6653,7 +10837,7 @@
                   </a:schemeClr>
                 </a:solidFill>
               </a:rPr>
-              <a:t>Failed Experiments</a:t>
+              <a:t>Improvements in data association</a:t>
             </a:r>
           </a:p>
         </p:txBody>
@@ -6676,8 +10860,8 @@
         </p:nvSpPr>
         <p:spPr>
           <a:xfrm>
-            <a:off x="837397" y="2162175"/>
-            <a:ext cx="4072929" cy="4110609"/>
+            <a:off x="837397" y="2057560"/>
+            <a:ext cx="9992528" cy="1639984"/>
           </a:xfrm>
         </p:spPr>
         <p:txBody>
@@ -6692,7 +10876,21 @@
             </a:pPr>
             <a:r>
               <a:rPr lang="en-US" sz="2000" dirty="0"/>
-              <a:t>e</a:t>
+              <a:t>After warm-up (filter is updated)</a:t>
+            </a:r>
+          </a:p>
+          <a:p>
+            <a:pPr marL="457200" indent="-228600" algn="l">
+              <a:buFont typeface="Arial" panose="020B0604020202020204" pitchFamily="34" charset="0"/>
+              <a:buChar char="•"/>
+            </a:pPr>
+            <a:r>
+              <a:rPr lang="en-US" sz="2000" dirty="0" err="1"/>
+              <a:t>IoU</a:t>
+            </a:r>
+            <a:r>
+              <a:rPr lang="en-US" sz="2000" dirty="0"/>
+              <a:t> distances are weighted (tracks and Kalman estimations)</a:t>
             </a:r>
             <a:endParaRPr lang="en-US" sz="1800" dirty="0"/>
           </a:p>
@@ -6821,7 +11019,17 @@
                   </a:schemeClr>
                 </a:solidFill>
               </a:rPr>
-              <a:t>Transformers (modelo)</a:t>
+              <a:t>Kalman </a:t>
+            </a:r>
+            <a:r>
+              <a:rPr lang="es-ES" sz="2400" i="1" dirty="0" err="1">
+                <a:solidFill>
+                  <a:schemeClr val="accent1">
+                    <a:lumMod val="75000"/>
+                  </a:schemeClr>
+                </a:solidFill>
+              </a:rPr>
+              <a:t>Filter</a:t>
             </a:r>
             <a:endParaRPr lang="en-US" sz="2400" i="1" dirty="0">
               <a:solidFill>
@@ -6836,10 +11044,1017 @@
           </a:p>
         </p:txBody>
       </p:sp>
+      <p:sp>
+        <p:nvSpPr>
+          <p:cNvPr id="12" name="Rectángulo: esquinas redondeadas 11">
+            <a:extLst>
+              <a:ext uri="{FF2B5EF4-FFF2-40B4-BE49-F238E27FC236}">
+                <a16:creationId xmlns:a16="http://schemas.microsoft.com/office/drawing/2014/main" id="{26534AA0-A372-30D8-2152-49CD4BFF083E}"/>
+              </a:ext>
+            </a:extLst>
+          </p:cNvPr>
+          <p:cNvSpPr/>
+          <p:nvPr/>
+        </p:nvSpPr>
+        <p:spPr>
+          <a:xfrm>
+            <a:off x="6244500" y="4252050"/>
+            <a:ext cx="1440000" cy="720000"/>
+          </a:xfrm>
+          <a:prstGeom prst="roundRect">
+            <a:avLst/>
+          </a:prstGeom>
+          <a:noFill/>
+          <a:ln w="28575"/>
+        </p:spPr>
+        <p:style>
+          <a:lnRef idx="2">
+            <a:schemeClr val="accent1">
+              <a:shade val="15000"/>
+            </a:schemeClr>
+          </a:lnRef>
+          <a:fillRef idx="1">
+            <a:schemeClr val="accent1"/>
+          </a:fillRef>
+          <a:effectRef idx="0">
+            <a:schemeClr val="accent1"/>
+          </a:effectRef>
+          <a:fontRef idx="minor">
+            <a:schemeClr val="lt1"/>
+          </a:fontRef>
+        </p:style>
+        <p:txBody>
+          <a:bodyPr rtlCol="0" anchor="ctr"/>
+          <a:lstStyle/>
+          <a:p>
+            <a:pPr algn="ctr"/>
+            <a:endParaRPr lang="es-ES"/>
+          </a:p>
+        </p:txBody>
+      </p:sp>
+      <p:sp>
+        <p:nvSpPr>
+          <p:cNvPr id="13" name="CuadroTexto 12">
+            <a:extLst>
+              <a:ext uri="{FF2B5EF4-FFF2-40B4-BE49-F238E27FC236}">
+                <a16:creationId xmlns:a16="http://schemas.microsoft.com/office/drawing/2014/main" id="{5D5E929C-2116-7292-B927-17706254F873}"/>
+              </a:ext>
+            </a:extLst>
+          </p:cNvPr>
+          <p:cNvSpPr txBox="1"/>
+          <p:nvPr/>
+        </p:nvSpPr>
+        <p:spPr>
+          <a:xfrm>
+            <a:off x="6283462" y="4319662"/>
+            <a:ext cx="1362075" cy="584775"/>
+          </a:xfrm>
+          <a:prstGeom prst="rect">
+            <a:avLst/>
+          </a:prstGeom>
+          <a:noFill/>
+        </p:spPr>
+        <p:txBody>
+          <a:bodyPr wrap="square" rtlCol="0">
+            <a:spAutoFit/>
+          </a:bodyPr>
+          <a:lstStyle/>
+          <a:p>
+            <a:pPr algn="ctr"/>
+            <a:r>
+              <a:rPr lang="es-ES" sz="1600" b="1" dirty="0" err="1"/>
+              <a:t>Distance</a:t>
+            </a:r>
+            <a:r>
+              <a:rPr lang="es-ES" sz="1600" b="1" dirty="0"/>
+              <a:t> </a:t>
+            </a:r>
+            <a:r>
+              <a:rPr lang="es-ES" sz="1600" b="1" dirty="0" err="1"/>
+              <a:t>IoU</a:t>
+            </a:r>
+            <a:r>
+              <a:rPr lang="es-ES" sz="1600" b="1" dirty="0"/>
+              <a:t> </a:t>
+            </a:r>
+            <a:r>
+              <a:rPr lang="es-ES" sz="1600" b="1" dirty="0" err="1"/>
+              <a:t>tracks</a:t>
+            </a:r>
+            <a:endParaRPr lang="es-ES" sz="1600" b="1" dirty="0"/>
+          </a:p>
+        </p:txBody>
+      </p:sp>
+      <p:sp>
+        <p:nvSpPr>
+          <p:cNvPr id="14" name="Rectángulo: esquinas redondeadas 13">
+            <a:extLst>
+              <a:ext uri="{FF2B5EF4-FFF2-40B4-BE49-F238E27FC236}">
+                <a16:creationId xmlns:a16="http://schemas.microsoft.com/office/drawing/2014/main" id="{B0AE45C3-7183-74FF-43D2-5E2BEB5D1652}"/>
+              </a:ext>
+            </a:extLst>
+          </p:cNvPr>
+          <p:cNvSpPr/>
+          <p:nvPr/>
+        </p:nvSpPr>
+        <p:spPr>
+          <a:xfrm>
+            <a:off x="9810750" y="4754925"/>
+            <a:ext cx="1440000" cy="720000"/>
+          </a:xfrm>
+          <a:prstGeom prst="roundRect">
+            <a:avLst/>
+          </a:prstGeom>
+          <a:noFill/>
+          <a:ln w="28575"/>
+        </p:spPr>
+        <p:style>
+          <a:lnRef idx="2">
+            <a:schemeClr val="accent1">
+              <a:shade val="15000"/>
+            </a:schemeClr>
+          </a:lnRef>
+          <a:fillRef idx="1">
+            <a:schemeClr val="accent1"/>
+          </a:fillRef>
+          <a:effectRef idx="0">
+            <a:schemeClr val="accent1"/>
+          </a:effectRef>
+          <a:fontRef idx="minor">
+            <a:schemeClr val="lt1"/>
+          </a:fontRef>
+        </p:style>
+        <p:txBody>
+          <a:bodyPr rtlCol="0" anchor="ctr"/>
+          <a:lstStyle/>
+          <a:p>
+            <a:pPr algn="ctr"/>
+            <a:endParaRPr lang="es-ES"/>
+          </a:p>
+        </p:txBody>
+      </p:sp>
+      <p:sp>
+        <p:nvSpPr>
+          <p:cNvPr id="15" name="CuadroTexto 14">
+            <a:extLst>
+              <a:ext uri="{FF2B5EF4-FFF2-40B4-BE49-F238E27FC236}">
+                <a16:creationId xmlns:a16="http://schemas.microsoft.com/office/drawing/2014/main" id="{8A0F43DD-42A7-1DA3-CAFB-6F0EB1A16D1D}"/>
+              </a:ext>
+            </a:extLst>
+          </p:cNvPr>
+          <p:cNvSpPr txBox="1"/>
+          <p:nvPr/>
+        </p:nvSpPr>
+        <p:spPr>
+          <a:xfrm>
+            <a:off x="9849712" y="4822537"/>
+            <a:ext cx="1362075" cy="584775"/>
+          </a:xfrm>
+          <a:prstGeom prst="rect">
+            <a:avLst/>
+          </a:prstGeom>
+          <a:noFill/>
+        </p:spPr>
+        <p:txBody>
+          <a:bodyPr wrap="square" rtlCol="0">
+            <a:spAutoFit/>
+          </a:bodyPr>
+          <a:lstStyle/>
+          <a:p>
+            <a:pPr algn="ctr"/>
+            <a:r>
+              <a:rPr lang="es-ES" sz="1600" b="1" dirty="0"/>
+              <a:t>Data </a:t>
+            </a:r>
+            <a:r>
+              <a:rPr lang="es-ES" sz="1600" b="1" dirty="0" err="1"/>
+              <a:t>Association</a:t>
+            </a:r>
+            <a:endParaRPr lang="es-ES" sz="1600" b="1" dirty="0"/>
+          </a:p>
+        </p:txBody>
+      </p:sp>
+      <p:cxnSp>
+        <p:nvCxnSpPr>
+          <p:cNvPr id="16" name="Conector recto de flecha 15">
+            <a:extLst>
+              <a:ext uri="{FF2B5EF4-FFF2-40B4-BE49-F238E27FC236}">
+                <a16:creationId xmlns:a16="http://schemas.microsoft.com/office/drawing/2014/main" id="{CF69DE30-E353-12B2-9ADE-5DEC45737F9F}"/>
+              </a:ext>
+            </a:extLst>
+          </p:cNvPr>
+          <p:cNvCxnSpPr>
+            <a:cxnSpLocks/>
+          </p:cNvCxnSpPr>
+          <p:nvPr/>
+        </p:nvCxnSpPr>
+        <p:spPr>
+          <a:xfrm>
+            <a:off x="7789275" y="4585425"/>
+            <a:ext cx="726075" cy="319012"/>
+          </a:xfrm>
+          <a:prstGeom prst="straightConnector1">
+            <a:avLst/>
+          </a:prstGeom>
+          <a:ln w="38100">
+            <a:tailEnd type="triangle"/>
+          </a:ln>
+        </p:spPr>
+        <p:style>
+          <a:lnRef idx="1">
+            <a:schemeClr val="accent1"/>
+          </a:lnRef>
+          <a:fillRef idx="0">
+            <a:schemeClr val="accent1"/>
+          </a:fillRef>
+          <a:effectRef idx="0">
+            <a:schemeClr val="accent1"/>
+          </a:effectRef>
+          <a:fontRef idx="minor">
+            <a:schemeClr val="tx1"/>
+          </a:fontRef>
+        </p:style>
+      </p:cxnSp>
+      <p:sp>
+        <p:nvSpPr>
+          <p:cNvPr id="17" name="Rectángulo: esquinas redondeadas 16">
+            <a:extLst>
+              <a:ext uri="{FF2B5EF4-FFF2-40B4-BE49-F238E27FC236}">
+                <a16:creationId xmlns:a16="http://schemas.microsoft.com/office/drawing/2014/main" id="{4F80A22B-2202-60A6-0D5A-ABFDC3B0A9B6}"/>
+              </a:ext>
+            </a:extLst>
+          </p:cNvPr>
+          <p:cNvSpPr/>
+          <p:nvPr/>
+        </p:nvSpPr>
+        <p:spPr>
+          <a:xfrm>
+            <a:off x="6249262" y="5251736"/>
+            <a:ext cx="1440000" cy="720000"/>
+          </a:xfrm>
+          <a:prstGeom prst="roundRect">
+            <a:avLst/>
+          </a:prstGeom>
+          <a:noFill/>
+          <a:ln w="28575"/>
+        </p:spPr>
+        <p:style>
+          <a:lnRef idx="2">
+            <a:schemeClr val="accent1">
+              <a:shade val="15000"/>
+            </a:schemeClr>
+          </a:lnRef>
+          <a:fillRef idx="1">
+            <a:schemeClr val="accent1"/>
+          </a:fillRef>
+          <a:effectRef idx="0">
+            <a:schemeClr val="accent1"/>
+          </a:effectRef>
+          <a:fontRef idx="minor">
+            <a:schemeClr val="lt1"/>
+          </a:fontRef>
+        </p:style>
+        <p:txBody>
+          <a:bodyPr rtlCol="0" anchor="ctr"/>
+          <a:lstStyle/>
+          <a:p>
+            <a:pPr algn="ctr"/>
+            <a:endParaRPr lang="es-ES"/>
+          </a:p>
+        </p:txBody>
+      </p:sp>
+      <p:sp>
+        <p:nvSpPr>
+          <p:cNvPr id="18" name="CuadroTexto 17">
+            <a:extLst>
+              <a:ext uri="{FF2B5EF4-FFF2-40B4-BE49-F238E27FC236}">
+                <a16:creationId xmlns:a16="http://schemas.microsoft.com/office/drawing/2014/main" id="{598A9D29-A97B-2D49-CC5D-F00C7D8E476D}"/>
+              </a:ext>
+            </a:extLst>
+          </p:cNvPr>
+          <p:cNvSpPr txBox="1"/>
+          <p:nvPr/>
+        </p:nvSpPr>
+        <p:spPr>
+          <a:xfrm>
+            <a:off x="6288224" y="5319348"/>
+            <a:ext cx="1362075" cy="646331"/>
+          </a:xfrm>
+          <a:prstGeom prst="rect">
+            <a:avLst/>
+          </a:prstGeom>
+          <a:noFill/>
+        </p:spPr>
+        <p:txBody>
+          <a:bodyPr wrap="square" rtlCol="0">
+            <a:spAutoFit/>
+          </a:bodyPr>
+          <a:lstStyle/>
+          <a:p>
+            <a:pPr algn="ctr"/>
+            <a:r>
+              <a:rPr lang="es-ES" sz="1200" b="1" dirty="0" err="1"/>
+              <a:t>Distance</a:t>
+            </a:r>
+            <a:r>
+              <a:rPr lang="es-ES" sz="1200" b="1" dirty="0"/>
+              <a:t> </a:t>
+            </a:r>
+            <a:r>
+              <a:rPr lang="es-ES" sz="1200" b="1" dirty="0" err="1"/>
+              <a:t>IoU</a:t>
+            </a:r>
+            <a:r>
+              <a:rPr lang="es-ES" sz="1200" b="1" dirty="0"/>
+              <a:t> Kalman </a:t>
+            </a:r>
+            <a:r>
+              <a:rPr lang="es-ES" sz="1200" b="1" dirty="0" err="1"/>
+              <a:t>estimations</a:t>
+            </a:r>
+            <a:endParaRPr lang="es-ES" sz="1200" b="1" dirty="0"/>
+          </a:p>
+        </p:txBody>
+      </p:sp>
+      <p:cxnSp>
+        <p:nvCxnSpPr>
+          <p:cNvPr id="20" name="Conector recto de flecha 19">
+            <a:extLst>
+              <a:ext uri="{FF2B5EF4-FFF2-40B4-BE49-F238E27FC236}">
+                <a16:creationId xmlns:a16="http://schemas.microsoft.com/office/drawing/2014/main" id="{2C72D46E-FC06-47E4-8D08-51FA4EDE7757}"/>
+              </a:ext>
+            </a:extLst>
+          </p:cNvPr>
+          <p:cNvCxnSpPr>
+            <a:cxnSpLocks/>
+          </p:cNvCxnSpPr>
+          <p:nvPr/>
+        </p:nvCxnSpPr>
+        <p:spPr>
+          <a:xfrm flipV="1">
+            <a:off x="7848150" y="5289050"/>
+            <a:ext cx="667200" cy="322685"/>
+          </a:xfrm>
+          <a:prstGeom prst="straightConnector1">
+            <a:avLst/>
+          </a:prstGeom>
+          <a:ln w="38100">
+            <a:tailEnd type="triangle"/>
+          </a:ln>
+        </p:spPr>
+        <p:style>
+          <a:lnRef idx="1">
+            <a:schemeClr val="accent1"/>
+          </a:lnRef>
+          <a:fillRef idx="0">
+            <a:schemeClr val="accent1"/>
+          </a:fillRef>
+          <a:effectRef idx="0">
+            <a:schemeClr val="accent1"/>
+          </a:effectRef>
+          <a:fontRef idx="minor">
+            <a:schemeClr val="tx1"/>
+          </a:fontRef>
+        </p:style>
+      </p:cxnSp>
+      <p:cxnSp>
+        <p:nvCxnSpPr>
+          <p:cNvPr id="22" name="Conector recto de flecha 21">
+            <a:extLst>
+              <a:ext uri="{FF2B5EF4-FFF2-40B4-BE49-F238E27FC236}">
+                <a16:creationId xmlns:a16="http://schemas.microsoft.com/office/drawing/2014/main" id="{5CC488D3-DC8E-BD2D-DC26-13C01879E477}"/>
+              </a:ext>
+            </a:extLst>
+          </p:cNvPr>
+          <p:cNvCxnSpPr/>
+          <p:nvPr/>
+        </p:nvCxnSpPr>
+        <p:spPr>
+          <a:xfrm>
+            <a:off x="9005025" y="5114925"/>
+            <a:ext cx="720000" cy="0"/>
+          </a:xfrm>
+          <a:prstGeom prst="straightConnector1">
+            <a:avLst/>
+          </a:prstGeom>
+          <a:ln w="38100">
+            <a:tailEnd type="triangle"/>
+          </a:ln>
+        </p:spPr>
+        <p:style>
+          <a:lnRef idx="1">
+            <a:schemeClr val="accent1"/>
+          </a:lnRef>
+          <a:fillRef idx="0">
+            <a:schemeClr val="accent1"/>
+          </a:fillRef>
+          <a:effectRef idx="0">
+            <a:schemeClr val="accent1"/>
+          </a:effectRef>
+          <a:fontRef idx="minor">
+            <a:schemeClr val="tx1"/>
+          </a:fontRef>
+        </p:style>
+      </p:cxnSp>
+      <p:sp>
+        <p:nvSpPr>
+          <p:cNvPr id="23" name="Elipse 22">
+            <a:extLst>
+              <a:ext uri="{FF2B5EF4-FFF2-40B4-BE49-F238E27FC236}">
+                <a16:creationId xmlns:a16="http://schemas.microsoft.com/office/drawing/2014/main" id="{97EA9207-397A-45C2-EC4D-8FDB57FAC129}"/>
+              </a:ext>
+            </a:extLst>
+          </p:cNvPr>
+          <p:cNvSpPr/>
+          <p:nvPr/>
+        </p:nvSpPr>
+        <p:spPr>
+          <a:xfrm>
+            <a:off x="8540794" y="4916743"/>
+            <a:ext cx="360000" cy="360000"/>
+          </a:xfrm>
+          <a:prstGeom prst="ellipse">
+            <a:avLst/>
+          </a:prstGeom>
+          <a:noFill/>
+          <a:ln w="28575"/>
+        </p:spPr>
+        <p:style>
+          <a:lnRef idx="2">
+            <a:schemeClr val="accent1">
+              <a:shade val="15000"/>
+            </a:schemeClr>
+          </a:lnRef>
+          <a:fillRef idx="1">
+            <a:schemeClr val="accent1"/>
+          </a:fillRef>
+          <a:effectRef idx="0">
+            <a:schemeClr val="accent1"/>
+          </a:effectRef>
+          <a:fontRef idx="minor">
+            <a:schemeClr val="lt1"/>
+          </a:fontRef>
+        </p:style>
+        <p:txBody>
+          <a:bodyPr rtlCol="0" anchor="ctr"/>
+          <a:lstStyle/>
+          <a:p>
+            <a:pPr algn="ctr"/>
+            <a:endParaRPr lang="es-ES"/>
+          </a:p>
+        </p:txBody>
+      </p:sp>
+      <p:sp>
+        <p:nvSpPr>
+          <p:cNvPr id="25" name="Rectángulo 24">
+            <a:extLst>
+              <a:ext uri="{FF2B5EF4-FFF2-40B4-BE49-F238E27FC236}">
+                <a16:creationId xmlns:a16="http://schemas.microsoft.com/office/drawing/2014/main" id="{09DB5749-DCA2-0EE6-BFFE-9F949E82781F}"/>
+              </a:ext>
+            </a:extLst>
+          </p:cNvPr>
+          <p:cNvSpPr/>
+          <p:nvPr/>
+        </p:nvSpPr>
+        <p:spPr>
+          <a:xfrm>
+            <a:off x="5995987" y="3724275"/>
+            <a:ext cx="5519738" cy="2466975"/>
+          </a:xfrm>
+          <a:prstGeom prst="rect">
+            <a:avLst/>
+          </a:prstGeom>
+          <a:noFill/>
+        </p:spPr>
+        <p:style>
+          <a:lnRef idx="2">
+            <a:schemeClr val="accent1">
+              <a:shade val="15000"/>
+            </a:schemeClr>
+          </a:lnRef>
+          <a:fillRef idx="1">
+            <a:schemeClr val="accent1"/>
+          </a:fillRef>
+          <a:effectRef idx="0">
+            <a:schemeClr val="accent1"/>
+          </a:effectRef>
+          <a:fontRef idx="minor">
+            <a:schemeClr val="lt1"/>
+          </a:fontRef>
+        </p:style>
+        <p:txBody>
+          <a:bodyPr rtlCol="0" anchor="ctr"/>
+          <a:lstStyle/>
+          <a:p>
+            <a:pPr algn="ctr"/>
+            <a:endParaRPr lang="es-ES"/>
+          </a:p>
+        </p:txBody>
+      </p:sp>
+      <p:sp>
+        <p:nvSpPr>
+          <p:cNvPr id="27" name="CuadroTexto 26">
+            <a:extLst>
+              <a:ext uri="{FF2B5EF4-FFF2-40B4-BE49-F238E27FC236}">
+                <a16:creationId xmlns:a16="http://schemas.microsoft.com/office/drawing/2014/main" id="{A5E4AD12-6786-294D-CA3B-9414884210EE}"/>
+              </a:ext>
+            </a:extLst>
+          </p:cNvPr>
+          <p:cNvSpPr txBox="1"/>
+          <p:nvPr/>
+        </p:nvSpPr>
+        <p:spPr>
+          <a:xfrm>
+            <a:off x="9639300" y="3848100"/>
+            <a:ext cx="1714500" cy="369332"/>
+          </a:xfrm>
+          <a:prstGeom prst="rect">
+            <a:avLst/>
+          </a:prstGeom>
+          <a:noFill/>
+        </p:spPr>
+        <p:txBody>
+          <a:bodyPr wrap="square" rtlCol="0">
+            <a:spAutoFit/>
+          </a:bodyPr>
+          <a:lstStyle/>
+          <a:p>
+            <a:r>
+              <a:rPr lang="es-ES" dirty="0"/>
+              <a:t>After </a:t>
+            </a:r>
+            <a:r>
+              <a:rPr lang="es-ES" dirty="0" err="1"/>
+              <a:t>Warm</a:t>
+            </a:r>
+            <a:r>
+              <a:rPr lang="es-ES" dirty="0"/>
+              <a:t>-up</a:t>
+            </a:r>
+          </a:p>
+        </p:txBody>
+      </p:sp>
+      <p:sp>
+        <p:nvSpPr>
+          <p:cNvPr id="28" name="CuadroTexto 27">
+            <a:extLst>
+              <a:ext uri="{FF2B5EF4-FFF2-40B4-BE49-F238E27FC236}">
+                <a16:creationId xmlns:a16="http://schemas.microsoft.com/office/drawing/2014/main" id="{567EF1B4-D08C-B1BB-BFC2-86740B8B3CC3}"/>
+              </a:ext>
+            </a:extLst>
+          </p:cNvPr>
+          <p:cNvSpPr txBox="1"/>
+          <p:nvPr/>
+        </p:nvSpPr>
+        <p:spPr>
+          <a:xfrm>
+            <a:off x="8255362" y="5757572"/>
+            <a:ext cx="1714500" cy="369332"/>
+          </a:xfrm>
+          <a:prstGeom prst="rect">
+            <a:avLst/>
+          </a:prstGeom>
+          <a:noFill/>
+        </p:spPr>
+        <p:txBody>
+          <a:bodyPr wrap="square" rtlCol="0">
+            <a:spAutoFit/>
+          </a:bodyPr>
+          <a:lstStyle/>
+          <a:p>
+            <a:r>
+              <a:rPr lang="es-ES" dirty="0" err="1"/>
+              <a:t>IoU</a:t>
+            </a:r>
+            <a:r>
+              <a:rPr lang="es-ES" dirty="0"/>
+              <a:t> </a:t>
+            </a:r>
+            <a:r>
+              <a:rPr lang="es-ES" dirty="0" err="1"/>
+              <a:t>weighted</a:t>
+            </a:r>
+            <a:endParaRPr lang="es-ES" dirty="0"/>
+          </a:p>
+        </p:txBody>
+      </p:sp>
+      <mc:AlternateContent xmlns:mc="http://schemas.openxmlformats.org/markup-compatibility/2006">
+        <mc:Choice xmlns:a14="http://schemas.microsoft.com/office/drawing/2010/main" Requires="a14">
+          <p:sp>
+            <p:nvSpPr>
+              <p:cNvPr id="19" name="CuadroTexto 18">
+                <a:extLst>
+                  <a:ext uri="{FF2B5EF4-FFF2-40B4-BE49-F238E27FC236}">
+                    <a16:creationId xmlns:a16="http://schemas.microsoft.com/office/drawing/2014/main" id="{E88A6A3E-21E3-BCFC-8E0F-19EB16F6E4A5}"/>
+                  </a:ext>
+                </a:extLst>
+              </p:cNvPr>
+              <p:cNvSpPr txBox="1"/>
+              <p:nvPr/>
+            </p:nvSpPr>
+            <p:spPr>
+              <a:xfrm>
+                <a:off x="1213174" y="2977971"/>
+                <a:ext cx="7791851" cy="369332"/>
+              </a:xfrm>
+              <a:prstGeom prst="rect">
+                <a:avLst/>
+              </a:prstGeom>
+              <a:noFill/>
+            </p:spPr>
+            <p:txBody>
+              <a:bodyPr wrap="square" rtlCol="0">
+                <a:spAutoFit/>
+              </a:bodyPr>
+              <a:lstStyle/>
+              <a:p>
+                <a14:m>
+                  <m:oMathPara xmlns:m="http://schemas.openxmlformats.org/officeDocument/2006/math">
+                    <m:oMathParaPr>
+                      <m:jc m:val="centerGroup"/>
+                    </m:oMathParaPr>
+                    <m:oMath xmlns:m="http://schemas.openxmlformats.org/officeDocument/2006/math">
+                      <m:r>
+                        <a:rPr lang="es-ES" b="1" i="1" smtClean="0">
+                          <a:latin typeface="Cambria Math" panose="02040503050406030204" pitchFamily="18" charset="0"/>
+                        </a:rPr>
+                        <m:t>𝑰𝒐𝑼</m:t>
+                      </m:r>
+                      <m:r>
+                        <a:rPr lang="es-ES" b="1" i="1" smtClean="0">
+                          <a:latin typeface="Cambria Math" panose="02040503050406030204" pitchFamily="18" charset="0"/>
+                        </a:rPr>
+                        <m:t> </m:t>
+                      </m:r>
+                      <m:r>
+                        <a:rPr lang="es-ES" b="1" i="1" smtClean="0">
+                          <a:latin typeface="Cambria Math" panose="02040503050406030204" pitchFamily="18" charset="0"/>
+                        </a:rPr>
+                        <m:t>𝒘𝒆𝒊𝒈𝒉𝒕𝒆𝒅</m:t>
+                      </m:r>
+                      <m:r>
+                        <a:rPr lang="es-ES" b="1" i="1" smtClean="0">
+                          <a:latin typeface="Cambria Math" panose="02040503050406030204" pitchFamily="18" charset="0"/>
+                        </a:rPr>
+                        <m:t>=</m:t>
+                      </m:r>
+                      <m:d>
+                        <m:dPr>
+                          <m:ctrlPr>
+                            <a:rPr lang="es-ES" b="1" i="1" smtClean="0">
+                              <a:latin typeface="Cambria Math" panose="02040503050406030204" pitchFamily="18" charset="0"/>
+                            </a:rPr>
+                          </m:ctrlPr>
+                        </m:dPr>
+                        <m:e>
+                          <m:r>
+                            <a:rPr lang="es-ES" b="1" i="1" smtClean="0">
+                              <a:latin typeface="Cambria Math" panose="02040503050406030204" pitchFamily="18" charset="0"/>
+                            </a:rPr>
+                            <m:t>𝟏</m:t>
+                          </m:r>
+                          <m:r>
+                            <a:rPr lang="es-ES" b="1" i="1" smtClean="0">
+                              <a:latin typeface="Cambria Math" panose="02040503050406030204" pitchFamily="18" charset="0"/>
+                            </a:rPr>
+                            <m:t>−</m:t>
+                          </m:r>
+                          <m:r>
+                            <a:rPr lang="es-ES" b="1" i="1" smtClean="0">
+                              <a:latin typeface="Cambria Math" panose="02040503050406030204" pitchFamily="18" charset="0"/>
+                            </a:rPr>
+                            <m:t>𝒗𝒂𝒍𝒖𝒆</m:t>
+                          </m:r>
+                        </m:e>
+                      </m:d>
+                      <m:r>
+                        <a:rPr lang="es-ES" b="1" i="1" smtClean="0">
+                          <a:latin typeface="Cambria Math" panose="02040503050406030204" pitchFamily="18" charset="0"/>
+                        </a:rPr>
+                        <m:t>∗</m:t>
+                      </m:r>
+                      <m:r>
+                        <a:rPr lang="es-ES" b="1" i="1" smtClean="0">
+                          <a:latin typeface="Cambria Math" panose="02040503050406030204" pitchFamily="18" charset="0"/>
+                        </a:rPr>
+                        <m:t>𝒕𝒓𝒂𝒄𝒌𝒔</m:t>
+                      </m:r>
+                      <m:r>
+                        <a:rPr lang="es-ES" b="1" i="1" smtClean="0">
+                          <a:latin typeface="Cambria Math" panose="02040503050406030204" pitchFamily="18" charset="0"/>
+                        </a:rPr>
+                        <m:t>+</m:t>
+                      </m:r>
+                      <m:r>
+                        <a:rPr lang="es-ES" b="1" i="1" smtClean="0">
+                          <a:latin typeface="Cambria Math" panose="02040503050406030204" pitchFamily="18" charset="0"/>
+                        </a:rPr>
+                        <m:t>𝒗𝒂𝒍𝒖𝒆</m:t>
+                      </m:r>
+                      <m:r>
+                        <a:rPr lang="es-ES" b="1" i="1" smtClean="0">
+                          <a:latin typeface="Cambria Math" panose="02040503050406030204" pitchFamily="18" charset="0"/>
+                        </a:rPr>
+                        <m:t>∗</m:t>
+                      </m:r>
+                      <m:r>
+                        <a:rPr lang="es-ES" b="1" i="1" smtClean="0">
+                          <a:latin typeface="Cambria Math" panose="02040503050406030204" pitchFamily="18" charset="0"/>
+                        </a:rPr>
+                        <m:t>𝒌𝒂𝒍𝒎𝒂𝒏</m:t>
+                      </m:r>
+                      <m:r>
+                        <a:rPr lang="es-ES" b="1" i="1" smtClean="0">
+                          <a:latin typeface="Cambria Math" panose="02040503050406030204" pitchFamily="18" charset="0"/>
+                        </a:rPr>
+                        <m:t> </m:t>
+                      </m:r>
+                      <m:r>
+                        <a:rPr lang="es-ES" b="1" i="1" smtClean="0">
+                          <a:latin typeface="Cambria Math" panose="02040503050406030204" pitchFamily="18" charset="0"/>
+                        </a:rPr>
+                        <m:t>𝒆𝒔𝒕𝒊𝒎𝒂𝒕𝒊𝒐𝒏𝒔</m:t>
+                      </m:r>
+                      <m:r>
+                        <a:rPr lang="es-ES" b="0" i="1" smtClean="0">
+                          <a:latin typeface="Cambria Math" panose="02040503050406030204" pitchFamily="18" charset="0"/>
+                        </a:rPr>
+                        <m:t> </m:t>
+                      </m:r>
+                    </m:oMath>
+                  </m:oMathPara>
+                </a14:m>
+                <a:endParaRPr lang="es-ES" dirty="0"/>
+              </a:p>
+            </p:txBody>
+          </p:sp>
+        </mc:Choice>
+        <mc:Fallback>
+          <p:sp>
+            <p:nvSpPr>
+              <p:cNvPr id="19" name="CuadroTexto 18">
+                <a:extLst>
+                  <a:ext uri="{FF2B5EF4-FFF2-40B4-BE49-F238E27FC236}">
+                    <a16:creationId xmlns:a16="http://schemas.microsoft.com/office/drawing/2014/main" id="{E88A6A3E-21E3-BCFC-8E0F-19EB16F6E4A5}"/>
+                  </a:ext>
+                </a:extLst>
+              </p:cNvPr>
+              <p:cNvSpPr txBox="1">
+                <a:spLocks noRot="1" noChangeAspect="1" noMove="1" noResize="1" noEditPoints="1" noAdjustHandles="1" noChangeArrowheads="1" noChangeShapeType="1" noTextEdit="1"/>
+              </p:cNvSpPr>
+              <p:nvPr/>
+            </p:nvSpPr>
+            <p:spPr>
+              <a:xfrm>
+                <a:off x="1213174" y="2977971"/>
+                <a:ext cx="7791851" cy="369332"/>
+              </a:xfrm>
+              <a:prstGeom prst="rect">
+                <a:avLst/>
+              </a:prstGeom>
+              <a:blipFill>
+                <a:blip r:embed="rId2"/>
+                <a:stretch>
+                  <a:fillRect b="-15000"/>
+                </a:stretch>
+              </a:blipFill>
+            </p:spPr>
+            <p:txBody>
+              <a:bodyPr/>
+              <a:lstStyle/>
+              <a:p>
+                <a:r>
+                  <a:rPr lang="es-ES">
+                    <a:noFill/>
+                  </a:rPr>
+                  <a:t> </a:t>
+                </a:r>
+              </a:p>
+            </p:txBody>
+          </p:sp>
+        </mc:Fallback>
+      </mc:AlternateContent>
+      <mc:AlternateContent xmlns:mc="http://schemas.openxmlformats.org/markup-compatibility/2006">
+        <mc:Choice xmlns:a14="http://schemas.microsoft.com/office/drawing/2010/main" Requires="a14">
+          <p:sp>
+            <p:nvSpPr>
+              <p:cNvPr id="21" name="CuadroTexto 20">
+                <a:extLst>
+                  <a:ext uri="{FF2B5EF4-FFF2-40B4-BE49-F238E27FC236}">
+                    <a16:creationId xmlns:a16="http://schemas.microsoft.com/office/drawing/2014/main" id="{7EF6005C-DEF9-9E17-0B4C-429E53AC9382}"/>
+                  </a:ext>
+                </a:extLst>
+              </p:cNvPr>
+              <p:cNvSpPr txBox="1"/>
+              <p:nvPr/>
+            </p:nvSpPr>
+            <p:spPr>
+              <a:xfrm>
+                <a:off x="1300616" y="3694800"/>
+                <a:ext cx="3776870" cy="572914"/>
+              </a:xfrm>
+              <a:prstGeom prst="rect">
+                <a:avLst/>
+              </a:prstGeom>
+              <a:noFill/>
+            </p:spPr>
+            <p:txBody>
+              <a:bodyPr wrap="square" rtlCol="0">
+                <a:spAutoFit/>
+              </a:bodyPr>
+              <a:lstStyle/>
+              <a:p>
+                <a14:m>
+                  <m:oMathPara xmlns:m="http://schemas.openxmlformats.org/officeDocument/2006/math">
+                    <m:oMathParaPr>
+                      <m:jc m:val="centerGroup"/>
+                    </m:oMathParaPr>
+                    <m:oMath xmlns:m="http://schemas.openxmlformats.org/officeDocument/2006/math">
+                      <m:r>
+                        <a:rPr lang="es-ES" sz="1400" b="0" i="1" smtClean="0">
+                          <a:latin typeface="Cambria Math" panose="02040503050406030204" pitchFamily="18" charset="0"/>
+                        </a:rPr>
+                        <m:t>𝑣𝑎𝑙𝑢𝑒</m:t>
+                      </m:r>
+                      <m:r>
+                        <a:rPr lang="es-ES" sz="1400" b="0" i="1" smtClean="0">
+                          <a:latin typeface="Cambria Math" panose="02040503050406030204" pitchFamily="18" charset="0"/>
+                        </a:rPr>
+                        <m:t>= </m:t>
+                      </m:r>
+                      <m:d>
+                        <m:dPr>
+                          <m:begChr m:val="{"/>
+                          <m:endChr m:val=""/>
+                          <m:ctrlPr>
+                            <a:rPr lang="es-ES" sz="1400" b="0" i="1" smtClean="0">
+                              <a:latin typeface="Cambria Math" panose="02040503050406030204" pitchFamily="18" charset="0"/>
+                            </a:rPr>
+                          </m:ctrlPr>
+                        </m:dPr>
+                        <m:e>
+                          <m:eqArr>
+                            <m:eqArrPr>
+                              <m:ctrlPr>
+                                <a:rPr lang="es-ES" sz="1400" b="0" i="1" smtClean="0">
+                                  <a:latin typeface="Cambria Math" panose="02040503050406030204" pitchFamily="18" charset="0"/>
+                                </a:rPr>
+                              </m:ctrlPr>
+                            </m:eqArrPr>
+                            <m:e>
+                              <m:r>
+                                <a:rPr lang="es-ES" sz="1400" b="0" i="1" smtClean="0">
+                                  <a:latin typeface="Cambria Math" panose="02040503050406030204" pitchFamily="18" charset="0"/>
+                                </a:rPr>
+                                <m:t>0.9 </m:t>
+                              </m:r>
+                              <m:r>
+                                <a:rPr lang="es-ES" sz="1400" b="0" i="1" smtClean="0">
+                                  <a:latin typeface="Cambria Math" panose="02040503050406030204" pitchFamily="18" charset="0"/>
+                                </a:rPr>
+                                <m:t>𝑖𝑓</m:t>
+                              </m:r>
+                              <m:r>
+                                <a:rPr lang="es-ES" sz="1400" b="0" i="1" smtClean="0">
+                                  <a:latin typeface="Cambria Math" panose="02040503050406030204" pitchFamily="18" charset="0"/>
+                                </a:rPr>
+                                <m:t> </m:t>
+                              </m:r>
+                              <m:r>
+                                <a:rPr lang="es-ES" sz="1400" b="0" i="1" smtClean="0">
+                                  <a:latin typeface="Cambria Math" panose="02040503050406030204" pitchFamily="18" charset="0"/>
+                                </a:rPr>
+                                <m:t>𝑓𝑟𝑎𝑚𝑒</m:t>
+                              </m:r>
+                              <m:r>
+                                <a:rPr lang="es-ES" sz="1400" b="0" i="1" smtClean="0">
+                                  <a:latin typeface="Cambria Math" panose="02040503050406030204" pitchFamily="18" charset="0"/>
+                                </a:rPr>
+                                <m:t>≥</m:t>
+                              </m:r>
+                              <m:r>
+                                <a:rPr lang="es-ES" sz="1400" b="0" i="1" smtClean="0">
+                                  <a:latin typeface="Cambria Math" panose="02040503050406030204" pitchFamily="18" charset="0"/>
+                                </a:rPr>
+                                <m:t>𝑖𝑛𝑡</m:t>
+                              </m:r>
+                              <m:r>
+                                <a:rPr lang="es-ES" sz="1400" b="0" i="1" smtClean="0">
+                                  <a:latin typeface="Cambria Math" panose="02040503050406030204" pitchFamily="18" charset="0"/>
+                                </a:rPr>
+                                <m:t>(1.5∗</m:t>
+                              </m:r>
+                              <m:r>
+                                <a:rPr lang="es-ES" sz="1400" b="0" i="1" smtClean="0">
+                                  <a:latin typeface="Cambria Math" panose="02040503050406030204" pitchFamily="18" charset="0"/>
+                                </a:rPr>
+                                <m:t>𝑤𝑎𝑟𝑚𝑈𝑝</m:t>
+                              </m:r>
+                              <m:r>
+                                <a:rPr lang="es-ES" sz="1400" b="0" i="1" smtClean="0">
+                                  <a:latin typeface="Cambria Math" panose="02040503050406030204" pitchFamily="18" charset="0"/>
+                                </a:rPr>
+                                <m:t>) </m:t>
+                              </m:r>
+                            </m:e>
+                            <m:e>
+                              <m:r>
+                                <a:rPr lang="es-ES" sz="1400" b="0" i="1" smtClean="0">
+                                  <a:latin typeface="Cambria Math" panose="02040503050406030204" pitchFamily="18" charset="0"/>
+                                </a:rPr>
+                                <m:t>0.5 </m:t>
+                              </m:r>
+                              <m:r>
+                                <a:rPr lang="es-ES" sz="1400" b="0" i="1" smtClean="0">
+                                  <a:latin typeface="Cambria Math" panose="02040503050406030204" pitchFamily="18" charset="0"/>
+                                </a:rPr>
+                                <m:t>𝑒𝑙𝑖𝑓</m:t>
+                              </m:r>
+                              <m:r>
+                                <a:rPr lang="es-ES" sz="1400" b="0" i="1" smtClean="0">
+                                  <a:latin typeface="Cambria Math" panose="02040503050406030204" pitchFamily="18" charset="0"/>
+                                </a:rPr>
+                                <m:t> </m:t>
+                              </m:r>
+                              <m:r>
+                                <a:rPr lang="es-ES" sz="1400" b="0" i="1" smtClean="0">
+                                  <a:latin typeface="Cambria Math" panose="02040503050406030204" pitchFamily="18" charset="0"/>
+                                </a:rPr>
+                                <m:t>𝑓𝑟𝑎𝑚𝑒</m:t>
+                              </m:r>
+                              <m:r>
+                                <a:rPr lang="es-ES" sz="1400" b="0" i="1" smtClean="0">
+                                  <a:latin typeface="Cambria Math" panose="02040503050406030204" pitchFamily="18" charset="0"/>
+                                </a:rPr>
+                                <m:t>≥</m:t>
+                              </m:r>
+                              <m:r>
+                                <a:rPr lang="es-ES" sz="1400" b="0" i="1" smtClean="0">
+                                  <a:latin typeface="Cambria Math" panose="02040503050406030204" pitchFamily="18" charset="0"/>
+                                </a:rPr>
+                                <m:t>𝑤𝑎𝑟𝑚𝑈𝑝</m:t>
+                              </m:r>
+                            </m:e>
+                          </m:eqArr>
+                        </m:e>
+                      </m:d>
+                    </m:oMath>
+                  </m:oMathPara>
+                </a14:m>
+                <a:endParaRPr lang="es-ES" dirty="0"/>
+              </a:p>
+            </p:txBody>
+          </p:sp>
+        </mc:Choice>
+        <mc:Fallback>
+          <p:sp>
+            <p:nvSpPr>
+              <p:cNvPr id="21" name="CuadroTexto 20">
+                <a:extLst>
+                  <a:ext uri="{FF2B5EF4-FFF2-40B4-BE49-F238E27FC236}">
+                    <a16:creationId xmlns:a16="http://schemas.microsoft.com/office/drawing/2014/main" id="{7EF6005C-DEF9-9E17-0B4C-429E53AC9382}"/>
+                  </a:ext>
+                </a:extLst>
+              </p:cNvPr>
+              <p:cNvSpPr txBox="1">
+                <a:spLocks noRot="1" noChangeAspect="1" noMove="1" noResize="1" noEditPoints="1" noAdjustHandles="1" noChangeArrowheads="1" noChangeShapeType="1" noTextEdit="1"/>
+              </p:cNvSpPr>
+              <p:nvPr/>
+            </p:nvSpPr>
+            <p:spPr>
+              <a:xfrm>
+                <a:off x="1300616" y="3694800"/>
+                <a:ext cx="3776870" cy="572914"/>
+              </a:xfrm>
+              <a:prstGeom prst="rect">
+                <a:avLst/>
+              </a:prstGeom>
+              <a:blipFill>
+                <a:blip r:embed="rId3"/>
+                <a:stretch>
+                  <a:fillRect l="-1452" t="-179787" b="-264894"/>
+                </a:stretch>
+              </a:blipFill>
+            </p:spPr>
+            <p:txBody>
+              <a:bodyPr/>
+              <a:lstStyle/>
+              <a:p>
+                <a:r>
+                  <a:rPr lang="es-ES">
+                    <a:noFill/>
+                  </a:rPr>
+                  <a:t> </a:t>
+                </a:r>
+              </a:p>
+            </p:txBody>
+          </p:sp>
+        </mc:Fallback>
+      </mc:AlternateContent>
     </p:spTree>
     <p:extLst>
       <p:ext uri="{BB962C8B-B14F-4D97-AF65-F5344CB8AC3E}">
-        <p14:creationId xmlns:p14="http://schemas.microsoft.com/office/powerpoint/2010/main" val="3499446601"/>
+        <p14:creationId xmlns:p14="http://schemas.microsoft.com/office/powerpoint/2010/main" val="2943905644"/>
       </p:ext>
     </p:extLst>
   </p:cSld>
@@ -6911,7 +12126,7 @@
                   </a:schemeClr>
                 </a:solidFill>
               </a:rPr>
-              <a:t>Failed Experiments</a:t>
+              <a:t>Improvements in data association</a:t>
             </a:r>
           </a:p>
         </p:txBody>
@@ -6934,8 +12149,8 @@
         </p:nvSpPr>
         <p:spPr>
           <a:xfrm>
-            <a:off x="837397" y="2162175"/>
-            <a:ext cx="4072929" cy="4110609"/>
+            <a:off x="837398" y="2162175"/>
+            <a:ext cx="6487328" cy="584531"/>
           </a:xfrm>
         </p:spPr>
         <p:txBody>
@@ -6949,10 +12164,38 @@
               <a:buChar char="•"/>
             </a:pPr>
             <a:r>
-              <a:rPr lang="en-US" sz="2000" dirty="0"/>
-              <a:t>e</a:t>
-            </a:r>
-            <a:endParaRPr lang="en-US" sz="1800" dirty="0"/>
+              <a:rPr lang="es-ES" sz="2000" dirty="0" err="1"/>
+              <a:t>Tests</a:t>
+            </a:r>
+            <a:r>
+              <a:rPr lang="es-ES" sz="2000" dirty="0"/>
+              <a:t> </a:t>
+            </a:r>
+            <a:r>
+              <a:rPr lang="es-ES" sz="2000" dirty="0" err="1"/>
+              <a:t>with</a:t>
+            </a:r>
+            <a:r>
+              <a:rPr lang="es-ES" sz="2000" dirty="0"/>
+              <a:t> </a:t>
+            </a:r>
+            <a:r>
+              <a:rPr lang="es-ES" sz="2000" dirty="0" err="1"/>
+              <a:t>differents</a:t>
+            </a:r>
+            <a:r>
+              <a:rPr lang="es-ES" sz="2000" dirty="0"/>
+              <a:t> </a:t>
+            </a:r>
+            <a:r>
+              <a:rPr lang="es-ES" sz="2000" dirty="0" err="1"/>
+              <a:t>Warm</a:t>
+            </a:r>
+            <a:r>
+              <a:rPr lang="es-ES" sz="2000" dirty="0"/>
+              <a:t>-ups</a:t>
+            </a:r>
+            <a:endParaRPr lang="en-US" sz="2000" dirty="0"/>
           </a:p>
         </p:txBody>
       </p:sp>
@@ -7058,7 +12301,7 @@
         <p:spPr>
           <a:xfrm>
             <a:off x="837396" y="1251284"/>
-            <a:ext cx="4495800" cy="738664"/>
+            <a:ext cx="3457575" cy="461665"/>
           </a:xfrm>
           <a:prstGeom prst="rect">
             <a:avLst/>
@@ -7071,6 +12314,16 @@
           </a:bodyPr>
           <a:lstStyle/>
           <a:p>
+            <a:r>
+              <a:rPr lang="es-ES" sz="2400" i="1" dirty="0">
+                <a:solidFill>
+                  <a:schemeClr val="accent1">
+                    <a:lumMod val="75000"/>
+                  </a:schemeClr>
+                </a:solidFill>
+              </a:rPr>
+              <a:t>Kalman </a:t>
+            </a:r>
             <a:r>
               <a:rPr lang="es-ES" sz="2400" i="1" dirty="0" err="1">
                 <a:solidFill>
@@ -7079,7 +12332,7 @@
                   </a:schemeClr>
                 </a:solidFill>
               </a:rPr>
-              <a:t>Ground-truth</a:t>
+              <a:t>Filter</a:t>
             </a:r>
             <a:r>
               <a:rPr lang="es-ES" sz="2400" i="1" dirty="0">
@@ -7089,61 +12342,299 @@
                   </a:schemeClr>
                 </a:solidFill>
               </a:rPr>
-              <a:t> in </a:t>
-            </a:r>
-            <a:r>
-              <a:rPr lang="es-ES" sz="2400" i="1" dirty="0" err="1">
+              <a:t>. </a:t>
+            </a:r>
+            <a:endParaRPr lang="es-ES" dirty="0"/>
+          </a:p>
+        </p:txBody>
+      </p:sp>
+      <p:pic>
+        <p:nvPicPr>
+          <p:cNvPr id="5" name="Imagen 4">
+            <a:extLst>
+              <a:ext uri="{FF2B5EF4-FFF2-40B4-BE49-F238E27FC236}">
+                <a16:creationId xmlns:a16="http://schemas.microsoft.com/office/drawing/2014/main" id="{9BB6F1E6-D389-1DD3-1AD9-341451A57FD0}"/>
+              </a:ext>
+            </a:extLst>
+          </p:cNvPr>
+          <p:cNvPicPr>
+            <a:picLocks noChangeAspect="1"/>
+          </p:cNvPicPr>
+          <p:nvPr/>
+        </p:nvPicPr>
+        <p:blipFill>
+          <a:blip r:embed="rId3">
+            <a:extLst>
+              <a:ext uri="{28A0092B-C50C-407E-A947-70E740481C1C}">
+                <a14:useLocalDpi xmlns:a14="http://schemas.microsoft.com/office/drawing/2010/main" val="0"/>
+              </a:ext>
+            </a:extLst>
+          </a:blip>
+          <a:srcRect/>
+          <a:stretch>
+            <a:fillRect/>
+          </a:stretch>
+        </p:blipFill>
+        <p:spPr bwMode="auto">
+          <a:xfrm>
+            <a:off x="1133792" y="2623842"/>
+            <a:ext cx="3599815" cy="2698750"/>
+          </a:xfrm>
+          <a:prstGeom prst="rect">
+            <a:avLst/>
+          </a:prstGeom>
+          <a:noFill/>
+          <a:ln>
+            <a:noFill/>
+          </a:ln>
+        </p:spPr>
+      </p:pic>
+      <p:sp>
+        <p:nvSpPr>
+          <p:cNvPr id="7" name="CuadroTexto 6">
+            <a:extLst>
+              <a:ext uri="{FF2B5EF4-FFF2-40B4-BE49-F238E27FC236}">
+                <a16:creationId xmlns:a16="http://schemas.microsoft.com/office/drawing/2014/main" id="{189D8761-D4D5-1241-F759-37F299C0E89D}"/>
+              </a:ext>
+            </a:extLst>
+          </p:cNvPr>
+          <p:cNvSpPr txBox="1"/>
+          <p:nvPr/>
+        </p:nvSpPr>
+        <p:spPr>
+          <a:xfrm>
+            <a:off x="6096000" y="3848408"/>
+            <a:ext cx="4019550" cy="1200329"/>
+          </a:xfrm>
+          <a:prstGeom prst="rect">
+            <a:avLst/>
+          </a:prstGeom>
+          <a:noFill/>
+        </p:spPr>
+        <p:txBody>
+          <a:bodyPr wrap="square" rtlCol="0">
+            <a:spAutoFit/>
+          </a:bodyPr>
+          <a:lstStyle/>
+          <a:p>
+            <a:r>
+              <a:rPr lang="en-US" dirty="0"/>
+              <a:t>The result of MOTA without the Kalman filter is 66.7%</a:t>
+            </a:r>
+          </a:p>
+          <a:p>
+            <a:pPr marL="285750" indent="-285750">
+              <a:buFont typeface="Arial" panose="020B0604020202020204" pitchFamily="34" charset="0"/>
+              <a:buChar char="•"/>
+            </a:pPr>
+            <a:r>
+              <a:rPr lang="en-US" dirty="0"/>
+              <a:t>It is the same result as using the filter with a warm-up equal to 4</a:t>
+            </a:r>
+            <a:endParaRPr lang="es-ES" dirty="0"/>
+          </a:p>
+        </p:txBody>
+      </p:sp>
+      <p:sp>
+        <p:nvSpPr>
+          <p:cNvPr id="9" name="Rectángulo: esquinas redondeadas 8">
+            <a:extLst>
+              <a:ext uri="{FF2B5EF4-FFF2-40B4-BE49-F238E27FC236}">
+                <a16:creationId xmlns:a16="http://schemas.microsoft.com/office/drawing/2014/main" id="{D37BEFC5-85AD-9F5D-EF7D-B14CDD48793D}"/>
+              </a:ext>
+            </a:extLst>
+          </p:cNvPr>
+          <p:cNvSpPr/>
+          <p:nvPr/>
+        </p:nvSpPr>
+        <p:spPr>
+          <a:xfrm>
+            <a:off x="2514600" y="2623840"/>
+            <a:ext cx="1974843" cy="2795598"/>
+          </a:xfrm>
+          <a:prstGeom prst="roundRect">
+            <a:avLst/>
+          </a:prstGeom>
+          <a:noFill/>
+          <a:ln w="38100"/>
+        </p:spPr>
+        <p:style>
+          <a:lnRef idx="2">
+            <a:schemeClr val="accent1">
+              <a:shade val="15000"/>
+            </a:schemeClr>
+          </a:lnRef>
+          <a:fillRef idx="1">
+            <a:schemeClr val="accent1"/>
+          </a:fillRef>
+          <a:effectRef idx="0">
+            <a:schemeClr val="accent1"/>
+          </a:effectRef>
+          <a:fontRef idx="minor">
+            <a:schemeClr val="lt1"/>
+          </a:fontRef>
+        </p:style>
+        <p:txBody>
+          <a:bodyPr rtlCol="0" anchor="ctr"/>
+          <a:lstStyle/>
+          <a:p>
+            <a:pPr algn="ctr"/>
+            <a:endParaRPr lang="es-ES"/>
+          </a:p>
+        </p:txBody>
+      </p:sp>
+      <p:sp>
+        <p:nvSpPr>
+          <p:cNvPr id="10" name="CuadroTexto 9">
+            <a:extLst>
+              <a:ext uri="{FF2B5EF4-FFF2-40B4-BE49-F238E27FC236}">
+                <a16:creationId xmlns:a16="http://schemas.microsoft.com/office/drawing/2014/main" id="{0AE8BC8F-A2AF-1DDF-3620-F693E8EAB080}"/>
+              </a:ext>
+            </a:extLst>
+          </p:cNvPr>
+          <p:cNvSpPr txBox="1"/>
+          <p:nvPr/>
+        </p:nvSpPr>
+        <p:spPr>
+          <a:xfrm>
+            <a:off x="2918123" y="5422050"/>
+            <a:ext cx="1590370" cy="369332"/>
+          </a:xfrm>
+          <a:prstGeom prst="rect">
+            <a:avLst/>
+          </a:prstGeom>
+          <a:noFill/>
+        </p:spPr>
+        <p:txBody>
+          <a:bodyPr wrap="square" rtlCol="0">
+            <a:spAutoFit/>
+          </a:bodyPr>
+          <a:lstStyle/>
+          <a:p>
+            <a:r>
+              <a:rPr lang="es-ES" dirty="0" err="1">
                 <a:solidFill>
-                  <a:schemeClr val="accent1">
-                    <a:lumMod val="75000"/>
-                  </a:schemeClr>
+                  <a:schemeClr val="accent1"/>
                 </a:solidFill>
               </a:rPr>
-              <a:t>the</a:t>
-            </a:r>
-            <a:r>
-              <a:rPr lang="es-ES" sz="2400" i="1" dirty="0">
+              <a:t>Best</a:t>
+            </a:r>
+            <a:r>
+              <a:rPr lang="es-ES" dirty="0">
                 <a:solidFill>
-                  <a:schemeClr val="accent1">
-                    <a:lumMod val="75000"/>
-                  </a:schemeClr>
+                  <a:schemeClr val="accent1"/>
                 </a:solidFill>
               </a:rPr>
               <a:t> </a:t>
             </a:r>
             <a:r>
-              <a:rPr lang="es-ES" sz="2400" i="1" dirty="0" err="1">
+              <a:rPr lang="es-ES" dirty="0" err="1">
                 <a:solidFill>
-                  <a:schemeClr val="accent1">
-                    <a:lumMod val="75000"/>
-                  </a:schemeClr>
+                  <a:schemeClr val="accent1"/>
                 </a:solidFill>
               </a:rPr>
-              <a:t>segmentation</a:t>
-            </a:r>
-            <a:endParaRPr lang="en-US" sz="2400" i="1" dirty="0">
+              <a:t>results</a:t>
+            </a:r>
+            <a:endParaRPr lang="es-ES" dirty="0">
               <a:solidFill>
-                <a:schemeClr val="accent1">
-                  <a:lumMod val="75000"/>
-                </a:schemeClr>
+                <a:schemeClr val="accent1"/>
               </a:solidFill>
             </a:endParaRPr>
           </a:p>
-          <a:p>
+        </p:txBody>
+      </p:sp>
+      <p:sp>
+        <p:nvSpPr>
+          <p:cNvPr id="11" name="CuadroTexto 10">
+            <a:extLst>
+              <a:ext uri="{FF2B5EF4-FFF2-40B4-BE49-F238E27FC236}">
+                <a16:creationId xmlns:a16="http://schemas.microsoft.com/office/drawing/2014/main" id="{44D46526-4C5B-3552-CCF0-8FA15584E111}"/>
+              </a:ext>
+            </a:extLst>
+          </p:cNvPr>
+          <p:cNvSpPr txBox="1"/>
+          <p:nvPr/>
+        </p:nvSpPr>
+        <p:spPr>
+          <a:xfrm>
+            <a:off x="6096000" y="2782669"/>
+            <a:ext cx="3886200" cy="646331"/>
+          </a:xfrm>
+          <a:prstGeom prst="rect">
+            <a:avLst/>
+          </a:prstGeom>
+          <a:noFill/>
+        </p:spPr>
+        <p:txBody>
+          <a:bodyPr wrap="square" rtlCol="0">
+            <a:spAutoFit/>
+          </a:bodyPr>
+          <a:lstStyle/>
+          <a:p>
+            <a:r>
+              <a:rPr lang="en-US" dirty="0"/>
+              <a:t>A Warm-up greater than or equal to 4 is necessary</a:t>
+            </a:r>
             <a:endParaRPr lang="es-ES" dirty="0"/>
           </a:p>
         </p:txBody>
       </p:sp>
+      <p:cxnSp>
+        <p:nvCxnSpPr>
+          <p:cNvPr id="12" name="Conector recto de flecha 11">
+            <a:extLst>
+              <a:ext uri="{FF2B5EF4-FFF2-40B4-BE49-F238E27FC236}">
+                <a16:creationId xmlns:a16="http://schemas.microsoft.com/office/drawing/2014/main" id="{182BD2D0-9AEE-079F-8376-CDC8DFC43C8A}"/>
+              </a:ext>
+            </a:extLst>
+          </p:cNvPr>
+          <p:cNvCxnSpPr>
+            <a:cxnSpLocks/>
+          </p:cNvCxnSpPr>
+          <p:nvPr/>
+        </p:nvCxnSpPr>
+        <p:spPr>
+          <a:xfrm flipV="1">
+            <a:off x="4656000" y="3248025"/>
+            <a:ext cx="1373325" cy="600383"/>
+          </a:xfrm>
+          <a:prstGeom prst="straightConnector1">
+            <a:avLst/>
+          </a:prstGeom>
+          <a:ln w="38100">
+            <a:tailEnd type="triangle"/>
+          </a:ln>
+        </p:spPr>
+        <p:style>
+          <a:lnRef idx="1">
+            <a:schemeClr val="accent1"/>
+          </a:lnRef>
+          <a:fillRef idx="0">
+            <a:schemeClr val="accent1"/>
+          </a:fillRef>
+          <a:effectRef idx="0">
+            <a:schemeClr val="accent1"/>
+          </a:effectRef>
+          <a:fontRef idx="minor">
+            <a:schemeClr val="tx1"/>
+          </a:fontRef>
+        </p:style>
+      </p:cxnSp>
     </p:spTree>
     <p:extLst>
       <p:ext uri="{BB962C8B-B14F-4D97-AF65-F5344CB8AC3E}">
-        <p14:creationId xmlns:p14="http://schemas.microsoft.com/office/powerpoint/2010/main" val="905100564"/>
+        <p14:creationId xmlns:p14="http://schemas.microsoft.com/office/powerpoint/2010/main" val="1889186754"/>
       </p:ext>
     </p:extLst>
   </p:cSld>
   <p:clrMapOvr>
     <a:masterClrMapping/>
   </p:clrMapOvr>
+  <p:extLst>
+    <p:ext uri="{6950BFC3-D8DA-4A85-94F7-54DA5524770B}">
+      <p188:commentRel xmlns:p188="http://schemas.microsoft.com/office/powerpoint/2018/8/main" r:id="rId2"/>
+    </p:ext>
+  </p:extLst>
 </p:sld>
 </file>
 
@@ -7191,7 +12682,7 @@
         <p:spPr>
           <a:xfrm>
             <a:off x="837396" y="585216"/>
-            <a:ext cx="6363503" cy="666068"/>
+            <a:ext cx="8697129" cy="666068"/>
           </a:xfrm>
         </p:spPr>
         <p:txBody>
@@ -7209,7 +12700,7 @@
                   </a:schemeClr>
                 </a:solidFill>
               </a:rPr>
-              <a:t>Conclusion</a:t>
+              <a:t>Improvements in tracker creation and deletion</a:t>
             </a:r>
           </a:p>
         </p:txBody>
@@ -7232,8 +12723,8 @@
         </p:nvSpPr>
         <p:spPr>
           <a:xfrm>
-            <a:off x="837397" y="1771651"/>
-            <a:ext cx="4072929" cy="4501134"/>
+            <a:off x="837396" y="2162175"/>
+            <a:ext cx="5258603" cy="4110609"/>
           </a:xfrm>
         </p:spPr>
         <p:txBody>
@@ -7247,10 +12738,84 @@
               <a:buChar char="•"/>
             </a:pPr>
             <a:r>
-              <a:rPr lang="en-US" sz="2000" dirty="0"/>
-              <a:t>e</a:t>
-            </a:r>
-            <a:endParaRPr lang="en-US" sz="1800" dirty="0"/>
+              <a:rPr lang="en-US" dirty="0"/>
+              <a:t>Tracker Creation: Patient Init</a:t>
+            </a:r>
+          </a:p>
+          <a:p>
+            <a:pPr marL="914400" lvl="1" indent="-228600" algn="l">
+              <a:buFont typeface="Arial" panose="020B0604020202020204" pitchFamily="34" charset="0"/>
+              <a:buChar char="•"/>
+            </a:pPr>
+            <a:r>
+              <a:rPr lang="en-US" sz="1800" dirty="0"/>
+              <a:t>Wait to initialize the tracker</a:t>
+            </a:r>
+          </a:p>
+          <a:p>
+            <a:pPr marL="1371600" lvl="2" indent="-228600" algn="l">
+              <a:buFont typeface="Arial" panose="020B0604020202020204" pitchFamily="34" charset="0"/>
+              <a:buChar char="•"/>
+            </a:pPr>
+            <a:r>
+              <a:rPr lang="en-US" sz="1600" dirty="0"/>
+              <a:t>Robustness to objects </a:t>
+            </a:r>
+            <a:r>
+              <a:rPr lang="en-US" sz="1600" dirty="0" err="1"/>
+              <a:t>misdetected</a:t>
+            </a:r>
+            <a:r>
+              <a:rPr lang="en-US" sz="1600" dirty="0"/>
+              <a:t> by the object detector</a:t>
+            </a:r>
+          </a:p>
+          <a:p>
+            <a:pPr marL="1371600" lvl="2" indent="-228600" algn="l">
+              <a:buFont typeface="Arial" panose="020B0604020202020204" pitchFamily="34" charset="0"/>
+              <a:buChar char="•"/>
+            </a:pPr>
+            <a:endParaRPr lang="en-US" sz="1600" dirty="0"/>
+          </a:p>
+          <a:p>
+            <a:pPr marL="457200" indent="-228600" algn="l">
+              <a:buFont typeface="Arial" panose="020B0604020202020204" pitchFamily="34" charset="0"/>
+              <a:buChar char="•"/>
+            </a:pPr>
+            <a:r>
+              <a:rPr lang="en-US" dirty="0"/>
+              <a:t>Tracker Deletion: Patient Remove</a:t>
+            </a:r>
+          </a:p>
+          <a:p>
+            <a:pPr marL="914400" lvl="1" indent="-228600" algn="l">
+              <a:buFont typeface="Arial" panose="020B0604020202020204" pitchFamily="34" charset="0"/>
+              <a:buChar char="•"/>
+            </a:pPr>
+            <a:r>
+              <a:rPr lang="en-US" sz="1800" dirty="0"/>
+              <a:t>Save the tracker some frames</a:t>
+            </a:r>
+          </a:p>
+          <a:p>
+            <a:pPr marL="1371600" lvl="2" indent="-228600" algn="l">
+              <a:buFont typeface="Arial" panose="020B0604020202020204" pitchFamily="34" charset="0"/>
+              <a:buChar char="•"/>
+            </a:pPr>
+            <a:r>
+              <a:rPr lang="en-US" sz="1600" dirty="0"/>
+              <a:t>Robustness to small occlusions</a:t>
+            </a:r>
+          </a:p>
+          <a:p>
+            <a:pPr marL="1371600" lvl="2" indent="-228600" algn="l">
+              <a:buFont typeface="Arial" panose="020B0604020202020204" pitchFamily="34" charset="0"/>
+              <a:buChar char="•"/>
+            </a:pPr>
+            <a:r>
+              <a:rPr lang="en-US" sz="1600" dirty="0"/>
+              <a:t>Robustness to non-identification of an object from the object detector in a frame​</a:t>
+            </a:r>
           </a:p>
         </p:txBody>
       </p:sp>
@@ -7341,10 +12906,251 @@
           </a:p>
         </p:txBody>
       </p:sp>
+      <p:sp>
+        <p:nvSpPr>
+          <p:cNvPr id="8" name="CuadroTexto 7">
+            <a:extLst>
+              <a:ext uri="{FF2B5EF4-FFF2-40B4-BE49-F238E27FC236}">
+                <a16:creationId xmlns:a16="http://schemas.microsoft.com/office/drawing/2014/main" id="{E0BEB5F1-7BDC-9D3B-C5C4-5EFE09EC0539}"/>
+              </a:ext>
+            </a:extLst>
+          </p:cNvPr>
+          <p:cNvSpPr txBox="1"/>
+          <p:nvPr/>
+        </p:nvSpPr>
+        <p:spPr>
+          <a:xfrm>
+            <a:off x="837396" y="1251284"/>
+            <a:ext cx="3457575" cy="738664"/>
+          </a:xfrm>
+          <a:prstGeom prst="rect">
+            <a:avLst/>
+          </a:prstGeom>
+          <a:noFill/>
+        </p:spPr>
+        <p:txBody>
+          <a:bodyPr wrap="square" rtlCol="0">
+            <a:spAutoFit/>
+          </a:bodyPr>
+          <a:lstStyle/>
+          <a:p>
+            <a:r>
+              <a:rPr lang="es-ES" sz="2400" i="1" dirty="0" err="1">
+                <a:solidFill>
+                  <a:schemeClr val="accent1">
+                    <a:lumMod val="75000"/>
+                  </a:schemeClr>
+                </a:solidFill>
+              </a:rPr>
+              <a:t>Patient</a:t>
+            </a:r>
+            <a:r>
+              <a:rPr lang="es-ES" sz="2400" i="1" dirty="0">
+                <a:solidFill>
+                  <a:schemeClr val="accent1">
+                    <a:lumMod val="75000"/>
+                  </a:schemeClr>
+                </a:solidFill>
+              </a:rPr>
+              <a:t> </a:t>
+            </a:r>
+            <a:r>
+              <a:rPr lang="es-ES" sz="2400" i="1" dirty="0" err="1">
+                <a:solidFill>
+                  <a:schemeClr val="accent1">
+                    <a:lumMod val="75000"/>
+                  </a:schemeClr>
+                </a:solidFill>
+              </a:rPr>
+              <a:t>Init</a:t>
+            </a:r>
+            <a:r>
+              <a:rPr lang="es-ES" sz="2400" i="1" dirty="0">
+                <a:solidFill>
+                  <a:schemeClr val="accent1">
+                    <a:lumMod val="75000"/>
+                  </a:schemeClr>
+                </a:solidFill>
+              </a:rPr>
+              <a:t> / </a:t>
+            </a:r>
+            <a:r>
+              <a:rPr lang="es-ES" sz="2400" i="1" dirty="0" err="1">
+                <a:solidFill>
+                  <a:schemeClr val="accent1">
+                    <a:lumMod val="75000"/>
+                  </a:schemeClr>
+                </a:solidFill>
+              </a:rPr>
+              <a:t>Remove</a:t>
+            </a:r>
+            <a:endParaRPr lang="en-US" sz="2400" i="1" dirty="0">
+              <a:solidFill>
+                <a:schemeClr val="accent1">
+                  <a:lumMod val="75000"/>
+                </a:schemeClr>
+              </a:solidFill>
+            </a:endParaRPr>
+          </a:p>
+          <a:p>
+            <a:endParaRPr lang="es-ES" dirty="0"/>
+          </a:p>
+        </p:txBody>
+      </p:sp>
+      <p:sp>
+        <p:nvSpPr>
+          <p:cNvPr id="5" name="CuadroTexto 4">
+            <a:extLst>
+              <a:ext uri="{FF2B5EF4-FFF2-40B4-BE49-F238E27FC236}">
+                <a16:creationId xmlns:a16="http://schemas.microsoft.com/office/drawing/2014/main" id="{26A3C5CB-229A-C8AC-0BD8-72D45FA6252F}"/>
+              </a:ext>
+            </a:extLst>
+          </p:cNvPr>
+          <p:cNvSpPr txBox="1"/>
+          <p:nvPr/>
+        </p:nvSpPr>
+        <p:spPr>
+          <a:xfrm>
+            <a:off x="7439023" y="2749034"/>
+            <a:ext cx="3914775" cy="369332"/>
+          </a:xfrm>
+          <a:prstGeom prst="rect">
+            <a:avLst/>
+          </a:prstGeom>
+          <a:noFill/>
+        </p:spPr>
+        <p:txBody>
+          <a:bodyPr wrap="square" rtlCol="0">
+            <a:spAutoFit/>
+          </a:bodyPr>
+          <a:lstStyle/>
+          <a:p>
+            <a:r>
+              <a:rPr lang="en-US" dirty="0"/>
+              <a:t>Avoid false acceptances in trackers</a:t>
+            </a:r>
+            <a:endParaRPr lang="es-ES" dirty="0"/>
+          </a:p>
+        </p:txBody>
+      </p:sp>
+      <p:sp>
+        <p:nvSpPr>
+          <p:cNvPr id="7" name="CuadroTexto 6">
+            <a:extLst>
+              <a:ext uri="{FF2B5EF4-FFF2-40B4-BE49-F238E27FC236}">
+                <a16:creationId xmlns:a16="http://schemas.microsoft.com/office/drawing/2014/main" id="{1F6EF55D-F35E-2703-CF2A-9F6310B497F5}"/>
+              </a:ext>
+            </a:extLst>
+          </p:cNvPr>
+          <p:cNvSpPr txBox="1"/>
+          <p:nvPr/>
+        </p:nvSpPr>
+        <p:spPr>
+          <a:xfrm>
+            <a:off x="7439023" y="4431450"/>
+            <a:ext cx="3514725" cy="369332"/>
+          </a:xfrm>
+          <a:prstGeom prst="rect">
+            <a:avLst/>
+          </a:prstGeom>
+          <a:noFill/>
+        </p:spPr>
+        <p:txBody>
+          <a:bodyPr wrap="square" rtlCol="0">
+            <a:spAutoFit/>
+          </a:bodyPr>
+          <a:lstStyle/>
+          <a:p>
+            <a:r>
+              <a:rPr lang="en-US" dirty="0"/>
+              <a:t>Avoid false rejections in trackers</a:t>
+            </a:r>
+            <a:endParaRPr lang="es-ES" dirty="0"/>
+          </a:p>
+        </p:txBody>
+      </p:sp>
+      <p:cxnSp>
+        <p:nvCxnSpPr>
+          <p:cNvPr id="10" name="Conector recto de flecha 9">
+            <a:extLst>
+              <a:ext uri="{FF2B5EF4-FFF2-40B4-BE49-F238E27FC236}">
+                <a16:creationId xmlns:a16="http://schemas.microsoft.com/office/drawing/2014/main" id="{308541AE-4F36-F399-B619-65D1DEA6889F}"/>
+              </a:ext>
+            </a:extLst>
+          </p:cNvPr>
+          <p:cNvCxnSpPr/>
+          <p:nvPr/>
+        </p:nvCxnSpPr>
+        <p:spPr>
+          <a:xfrm>
+            <a:off x="6181725" y="2933700"/>
+            <a:ext cx="933450" cy="0"/>
+          </a:xfrm>
+          <a:prstGeom prst="straightConnector1">
+            <a:avLst/>
+          </a:prstGeom>
+          <a:ln w="38100">
+            <a:tailEnd type="triangle"/>
+          </a:ln>
+        </p:spPr>
+        <p:style>
+          <a:lnRef idx="1">
+            <a:schemeClr val="accent1"/>
+          </a:lnRef>
+          <a:fillRef idx="0">
+            <a:schemeClr val="accent1"/>
+          </a:fillRef>
+          <a:effectRef idx="0">
+            <a:schemeClr val="accent1"/>
+          </a:effectRef>
+          <a:fontRef idx="minor">
+            <a:schemeClr val="tx1"/>
+          </a:fontRef>
+        </p:style>
+      </p:cxnSp>
+      <p:cxnSp>
+        <p:nvCxnSpPr>
+          <p:cNvPr id="11" name="Conector recto de flecha 10">
+            <a:extLst>
+              <a:ext uri="{FF2B5EF4-FFF2-40B4-BE49-F238E27FC236}">
+                <a16:creationId xmlns:a16="http://schemas.microsoft.com/office/drawing/2014/main" id="{A4A52875-6062-C064-6DAC-8703BC40EC3E}"/>
+              </a:ext>
+            </a:extLst>
+          </p:cNvPr>
+          <p:cNvCxnSpPr/>
+          <p:nvPr/>
+        </p:nvCxnSpPr>
+        <p:spPr>
+          <a:xfrm>
+            <a:off x="6181725" y="4629150"/>
+            <a:ext cx="933450" cy="0"/>
+          </a:xfrm>
+          <a:prstGeom prst="straightConnector1">
+            <a:avLst/>
+          </a:prstGeom>
+          <a:ln w="38100">
+            <a:tailEnd type="triangle"/>
+          </a:ln>
+        </p:spPr>
+        <p:style>
+          <a:lnRef idx="1">
+            <a:schemeClr val="accent1"/>
+          </a:lnRef>
+          <a:fillRef idx="0">
+            <a:schemeClr val="accent1"/>
+          </a:fillRef>
+          <a:effectRef idx="0">
+            <a:schemeClr val="accent1"/>
+          </a:effectRef>
+          <a:fontRef idx="minor">
+            <a:schemeClr val="tx1"/>
+          </a:fontRef>
+        </p:style>
+      </p:cxnSp>
     </p:spTree>
     <p:extLst>
       <p:ext uri="{BB962C8B-B14F-4D97-AF65-F5344CB8AC3E}">
-        <p14:creationId xmlns:p14="http://schemas.microsoft.com/office/powerpoint/2010/main" val="2542096238"/>
+        <p14:creationId xmlns:p14="http://schemas.microsoft.com/office/powerpoint/2010/main" val="741952523"/>
       </p:ext>
     </p:extLst>
   </p:cSld>

--- a/dlvsp_challenge_material/challenge.pptx
+++ b/dlvsp_challenge_material/challenge.pptx
@@ -17,9 +17,9 @@
     <p:sldId id="271" r:id="rId8"/>
     <p:sldId id="272" r:id="rId9"/>
     <p:sldId id="259" r:id="rId10"/>
-    <p:sldId id="277" r:id="rId11"/>
-    <p:sldId id="276" r:id="rId12"/>
-    <p:sldId id="270" r:id="rId13"/>
+    <p:sldId id="276" r:id="rId11"/>
+    <p:sldId id="270" r:id="rId12"/>
+    <p:sldId id="277" r:id="rId13"/>
     <p:sldId id="265" r:id="rId14"/>
     <p:sldId id="266" r:id="rId15"/>
     <p:sldId id="267" r:id="rId16"/>
@@ -139,7 +139,7 @@
 <file path=ppt/revisionInfo.xml><?xml version="1.0" encoding="utf-8"?>
 <p1510:revInfo xmlns:a="http://schemas.openxmlformats.org/drawingml/2006/main" xmlns:r="http://schemas.openxmlformats.org/officeDocument/2006/relationships" xmlns:p1510="http://schemas.microsoft.com/office/powerpoint/2015/10/main">
   <p1510:revLst>
-    <p1510:client id="{9F907DD6-5DB9-4FF1-A1B9-D6F9E9573827}" v="735" dt="2024-01-18T14:55:54.681"/>
+    <p1510:client id="{9F907DD6-5DB9-4FF1-A1B9-D6F9E9573827}" v="737" dt="2024-01-18T16:17:12.620"/>
   </p1510:revLst>
 </p1510:revInfo>
 </file>
@@ -149,7 +149,7 @@
   <pc:docChgLst>
     <pc:chgData name="manuel otero gonzalez" userId="a18c11e375a04417" providerId="LiveId" clId="{9F907DD6-5DB9-4FF1-A1B9-D6F9E9573827}"/>
     <pc:docChg chg="undo custSel addSld delSld modSld sldOrd">
-      <pc:chgData name="manuel otero gonzalez" userId="a18c11e375a04417" providerId="LiveId" clId="{9F907DD6-5DB9-4FF1-A1B9-D6F9E9573827}" dt="2024-01-18T14:58:27.689" v="3343" actId="27636"/>
+      <pc:chgData name="manuel otero gonzalez" userId="a18c11e375a04417" providerId="LiveId" clId="{9F907DD6-5DB9-4FF1-A1B9-D6F9E9573827}" dt="2024-01-18T16:18:56.867" v="3408" actId="114"/>
       <pc:docMkLst>
         <pc:docMk/>
       </pc:docMkLst>
@@ -248,7 +248,7 @@
         </pc:spChg>
       </pc:sldChg>
       <pc:sldChg chg="addSp delSp modSp add mod modAnim delDesignElem">
-        <pc:chgData name="manuel otero gonzalez" userId="a18c11e375a04417" providerId="LiveId" clId="{9F907DD6-5DB9-4FF1-A1B9-D6F9E9573827}" dt="2024-01-18T14:58:12.592" v="3328" actId="33524"/>
+        <pc:chgData name="manuel otero gonzalez" userId="a18c11e375a04417" providerId="LiveId" clId="{9F907DD6-5DB9-4FF1-A1B9-D6F9E9573827}" dt="2024-01-18T16:16:11.830" v="3387" actId="14100"/>
         <pc:sldMkLst>
           <pc:docMk/>
           <pc:sldMk cId="1616369767" sldId="258"/>
@@ -262,7 +262,7 @@
           </ac:spMkLst>
         </pc:spChg>
         <pc:spChg chg="mod">
-          <ac:chgData name="manuel otero gonzalez" userId="a18c11e375a04417" providerId="LiveId" clId="{9F907DD6-5DB9-4FF1-A1B9-D6F9E9573827}" dt="2024-01-18T14:58:12.592" v="3328" actId="33524"/>
+          <ac:chgData name="manuel otero gonzalez" userId="a18c11e375a04417" providerId="LiveId" clId="{9F907DD6-5DB9-4FF1-A1B9-D6F9E9573827}" dt="2024-01-18T16:16:11.830" v="3387" actId="14100"/>
           <ac:spMkLst>
             <pc:docMk/>
             <pc:sldMk cId="1616369767" sldId="258"/>
@@ -923,7 +923,7 @@
         </pc:spChg>
       </pc:sldChg>
       <pc:sldChg chg="addSp modSp add mod">
-        <pc:chgData name="manuel otero gonzalez" userId="a18c11e375a04417" providerId="LiveId" clId="{9F907DD6-5DB9-4FF1-A1B9-D6F9E9573827}" dt="2024-01-17T21:03:44.532" v="1303" actId="1076"/>
+        <pc:chgData name="manuel otero gonzalez" userId="a18c11e375a04417" providerId="LiveId" clId="{9F907DD6-5DB9-4FF1-A1B9-D6F9E9573827}" dt="2024-01-18T16:18:56.867" v="3408" actId="114"/>
         <pc:sldMkLst>
           <pc:docMk/>
           <pc:sldMk cId="741952523" sldId="271"/>
@@ -937,7 +937,7 @@
           </ac:spMkLst>
         </pc:spChg>
         <pc:spChg chg="mod">
-          <ac:chgData name="manuel otero gonzalez" userId="a18c11e375a04417" providerId="LiveId" clId="{9F907DD6-5DB9-4FF1-A1B9-D6F9E9573827}" dt="2024-01-17T20:45:09.615" v="1067" actId="403"/>
+          <ac:chgData name="manuel otero gonzalez" userId="a18c11e375a04417" providerId="LiveId" clId="{9F907DD6-5DB9-4FF1-A1B9-D6F9E9573827}" dt="2024-01-18T16:18:25.921" v="3401" actId="14100"/>
           <ac:spMkLst>
             <pc:docMk/>
             <pc:sldMk cId="741952523" sldId="271"/>
@@ -945,7 +945,7 @@
           </ac:spMkLst>
         </pc:spChg>
         <pc:spChg chg="add mod">
-          <ac:chgData name="manuel otero gonzalez" userId="a18c11e375a04417" providerId="LiveId" clId="{9F907DD6-5DB9-4FF1-A1B9-D6F9E9573827}" dt="2024-01-17T20:45:18.802" v="1068" actId="1076"/>
+          <ac:chgData name="manuel otero gonzalez" userId="a18c11e375a04417" providerId="LiveId" clId="{9F907DD6-5DB9-4FF1-A1B9-D6F9E9573827}" dt="2024-01-18T16:18:52.174" v="3407" actId="114"/>
           <ac:spMkLst>
             <pc:docMk/>
             <pc:sldMk cId="741952523" sldId="271"/>
@@ -953,7 +953,7 @@
           </ac:spMkLst>
         </pc:spChg>
         <pc:spChg chg="add mod">
-          <ac:chgData name="manuel otero gonzalez" userId="a18c11e375a04417" providerId="LiveId" clId="{9F907DD6-5DB9-4FF1-A1B9-D6F9E9573827}" dt="2024-01-17T20:45:23.615" v="1069" actId="1076"/>
+          <ac:chgData name="manuel otero gonzalez" userId="a18c11e375a04417" providerId="LiveId" clId="{9F907DD6-5DB9-4FF1-A1B9-D6F9E9573827}" dt="2024-01-18T16:18:56.867" v="3408" actId="114"/>
           <ac:spMkLst>
             <pc:docMk/>
             <pc:sldMk cId="741952523" sldId="271"/>
@@ -969,7 +969,7 @@
           </ac:spMkLst>
         </pc:spChg>
         <pc:cxnChg chg="add mod">
-          <ac:chgData name="manuel otero gonzalez" userId="a18c11e375a04417" providerId="LiveId" clId="{9F907DD6-5DB9-4FF1-A1B9-D6F9E9573827}" dt="2024-01-17T20:45:39.769" v="1071" actId="1582"/>
+          <ac:chgData name="manuel otero gonzalez" userId="a18c11e375a04417" providerId="LiveId" clId="{9F907DD6-5DB9-4FF1-A1B9-D6F9E9573827}" dt="2024-01-18T16:18:44.048" v="3406" actId="1076"/>
           <ac:cxnSpMkLst>
             <pc:docMk/>
             <pc:sldMk cId="741952523" sldId="271"/>
@@ -977,7 +977,7 @@
           </ac:cxnSpMkLst>
         </pc:cxnChg>
         <pc:cxnChg chg="add mod">
-          <ac:chgData name="manuel otero gonzalez" userId="a18c11e375a04417" providerId="LiveId" clId="{9F907DD6-5DB9-4FF1-A1B9-D6F9E9573827}" dt="2024-01-17T20:45:54.755" v="1136" actId="1036"/>
+          <ac:chgData name="manuel otero gonzalez" userId="a18c11e375a04417" providerId="LiveId" clId="{9F907DD6-5DB9-4FF1-A1B9-D6F9E9573827}" dt="2024-01-18T16:18:44.048" v="3406" actId="1076"/>
           <ac:cxnSpMkLst>
             <pc:docMk/>
             <pc:sldMk cId="741952523" sldId="271"/>
@@ -1110,7 +1110,7 @@
         </pc:extLst>
       </pc:sldChg>
       <pc:sldChg chg="addSp modSp add mod addCm">
-        <pc:chgData name="manuel otero gonzalez" userId="a18c11e375a04417" providerId="LiveId" clId="{9F907DD6-5DB9-4FF1-A1B9-D6F9E9573827}" dt="2024-01-18T14:49:25.499" v="3066" actId="20577"/>
+        <pc:chgData name="manuel otero gonzalez" userId="a18c11e375a04417" providerId="LiveId" clId="{9F907DD6-5DB9-4FF1-A1B9-D6F9E9573827}" dt="2024-01-18T16:17:47.796" v="3396" actId="14100"/>
         <pc:sldMkLst>
           <pc:docMk/>
           <pc:sldMk cId="1889186754" sldId="273"/>
@@ -1124,7 +1124,7 @@
           </ac:spMkLst>
         </pc:spChg>
         <pc:spChg chg="add mod">
-          <ac:chgData name="manuel otero gonzalez" userId="a18c11e375a04417" providerId="LiveId" clId="{9F907DD6-5DB9-4FF1-A1B9-D6F9E9573827}" dt="2024-01-17T21:28:54.418" v="1979" actId="20577"/>
+          <ac:chgData name="manuel otero gonzalez" userId="a18c11e375a04417" providerId="LiveId" clId="{9F907DD6-5DB9-4FF1-A1B9-D6F9E9573827}" dt="2024-01-18T16:17:47.796" v="3396" actId="14100"/>
           <ac:spMkLst>
             <pc:docMk/>
             <pc:sldMk cId="1889186754" sldId="273"/>
@@ -1156,7 +1156,7 @@
           </ac:spMkLst>
         </pc:spChg>
         <pc:spChg chg="add mod">
-          <ac:chgData name="manuel otero gonzalez" userId="a18c11e375a04417" providerId="LiveId" clId="{9F907DD6-5DB9-4FF1-A1B9-D6F9E9573827}" dt="2024-01-17T21:28:01.646" v="1934" actId="20577"/>
+          <ac:chgData name="manuel otero gonzalez" userId="a18c11e375a04417" providerId="LiveId" clId="{9F907DD6-5DB9-4FF1-A1B9-D6F9E9573827}" dt="2024-01-18T16:17:38.292" v="3395" actId="14100"/>
           <ac:spMkLst>
             <pc:docMk/>
             <pc:sldMk cId="1889186754" sldId="273"/>
@@ -1549,8 +1549,8 @@
           </ac:cxnSpMkLst>
         </pc:cxnChg>
       </pc:sldChg>
-      <pc:sldChg chg="addSp delSp modSp add mod ord">
-        <pc:chgData name="manuel otero gonzalez" userId="a18c11e375a04417" providerId="LiveId" clId="{9F907DD6-5DB9-4FF1-A1B9-D6F9E9573827}" dt="2024-01-18T14:53:45.581" v="3174" actId="478"/>
+      <pc:sldChg chg="addSp delSp modSp add mod ord modShow">
+        <pc:chgData name="manuel otero gonzalez" userId="a18c11e375a04417" providerId="LiveId" clId="{9F907DD6-5DB9-4FF1-A1B9-D6F9E9573827}" dt="2024-01-18T16:15:07.092" v="3346"/>
         <pc:sldMkLst>
           <pc:docMk/>
           <pc:sldMk cId="593357164" sldId="277"/>
@@ -5999,7 +5999,7 @@
         <p:spPr>
           <a:xfrm>
             <a:off x="837396" y="585216"/>
-            <a:ext cx="6363503" cy="666068"/>
+            <a:ext cx="9473416" cy="666068"/>
           </a:xfrm>
         </p:spPr>
         <p:txBody>
@@ -6017,7 +6017,7 @@
                   </a:schemeClr>
                 </a:solidFill>
               </a:rPr>
-              <a:t>Improvements in data association</a:t>
+              <a:t>Selection of the best hyperparameters and results</a:t>
             </a:r>
           </a:p>
         </p:txBody>
@@ -6040,8 +6040,8 @@
         </p:nvSpPr>
         <p:spPr>
           <a:xfrm>
-            <a:off x="837398" y="2162175"/>
-            <a:ext cx="6487328" cy="584531"/>
+            <a:off x="837397" y="2162176"/>
+            <a:ext cx="3791754" cy="3638550"/>
           </a:xfrm>
         </p:spPr>
         <p:txBody>
@@ -6055,54 +6055,82 @@
               <a:buChar char="•"/>
             </a:pPr>
             <a:r>
-              <a:rPr lang="es-ES" sz="2000" dirty="0" err="1"/>
-              <a:t>Tests</a:t>
-            </a:r>
-            <a:r>
-              <a:rPr lang="es-ES" sz="2000" dirty="0"/>
+              <a:rPr lang="en-US" dirty="0"/>
+              <a:t>Hungarian A</a:t>
+            </a:r>
+            <a:r>
+              <a:rPr lang="en-US" sz="2400" dirty="0"/>
+              <a:t>lgorithm</a:t>
+            </a:r>
+            <a:r>
+              <a:rPr lang="en-US" dirty="0"/>
               <a:t> </a:t>
             </a:r>
-            <a:r>
-              <a:rPr lang="es-ES" sz="2000" dirty="0" err="1"/>
-              <a:t>with</a:t>
-            </a:r>
-            <a:r>
-              <a:rPr lang="es-ES" sz="2000" dirty="0"/>
-              <a:t> </a:t>
-            </a:r>
-            <a:r>
-              <a:rPr lang="es-ES" sz="2000" dirty="0" err="1"/>
-              <a:t>differents</a:t>
-            </a:r>
-            <a:r>
-              <a:rPr lang="es-ES" sz="2000" dirty="0"/>
-              <a:t> </a:t>
-            </a:r>
-            <a:r>
-              <a:rPr lang="el-GR" sz="2000" dirty="0"/>
+          </a:p>
+          <a:p>
+            <a:pPr marL="457200" indent="-228600" algn="l">
+              <a:buFont typeface="Arial" panose="020B0604020202020204" pitchFamily="34" charset="0"/>
+              <a:buChar char="•"/>
+            </a:pPr>
+            <a:r>
+              <a:rPr lang="en-US" dirty="0"/>
+              <a:t>Warm-Up -&gt; 4</a:t>
+            </a:r>
+          </a:p>
+          <a:p>
+            <a:pPr marL="457200" indent="-228600" algn="l">
+              <a:buFont typeface="Arial" panose="020B0604020202020204" pitchFamily="34" charset="0"/>
+              <a:buChar char="•"/>
+            </a:pPr>
+            <a:r>
+              <a:rPr lang="en-US" dirty="0"/>
+              <a:t>Patient Init -&gt; 0</a:t>
+            </a:r>
+          </a:p>
+          <a:p>
+            <a:pPr marL="457200" indent="-228600" algn="l">
+              <a:buFont typeface="Arial" panose="020B0604020202020204" pitchFamily="34" charset="0"/>
+              <a:buChar char="•"/>
+            </a:pPr>
+            <a:r>
+              <a:rPr lang="en-US" dirty="0"/>
+              <a:t>Patient Remove -&gt; 10</a:t>
+            </a:r>
+          </a:p>
+          <a:p>
+            <a:pPr marL="457200" indent="-228600" algn="l">
+              <a:buFont typeface="Arial" panose="020B0604020202020204" pitchFamily="34" charset="0"/>
+              <a:buChar char="•"/>
+            </a:pPr>
+            <a:r>
+              <a:rPr lang="el-GR" dirty="0"/>
               <a:t>Δ</a:t>
             </a:r>
             <a:r>
-              <a:rPr lang="es-ES" sz="2000" dirty="0"/>
-              <a:t>t (</a:t>
-            </a:r>
-            <a:r>
-              <a:rPr lang="es-ES" sz="2000" dirty="0" err="1"/>
-              <a:t>less</a:t>
-            </a:r>
-            <a:r>
-              <a:rPr lang="es-ES" sz="2000" dirty="0"/>
-              <a:t> </a:t>
-            </a:r>
-            <a:r>
-              <a:rPr lang="es-ES" sz="2000" dirty="0" err="1"/>
-              <a:t>than</a:t>
-            </a:r>
-            <a:r>
-              <a:rPr lang="es-ES" sz="2000" dirty="0"/>
-              <a:t> 1)</a:t>
-            </a:r>
-            <a:endParaRPr lang="en-US" sz="2000" dirty="0"/>
+              <a:rPr lang="es-ES" dirty="0"/>
+              <a:t>t </a:t>
+            </a:r>
+            <a:r>
+              <a:rPr lang="en-US" dirty="0"/>
+              <a:t>Kalman -&gt; 1</a:t>
+            </a:r>
+          </a:p>
+          <a:p>
+            <a:pPr marL="457200" indent="-228600" algn="l">
+              <a:buFont typeface="Arial" panose="020B0604020202020204" pitchFamily="34" charset="0"/>
+              <a:buChar char="•"/>
+            </a:pPr>
+            <a:r>
+              <a:rPr lang="en-US" dirty="0"/>
+              <a:t>NMS -&gt; 0.35</a:t>
+            </a:r>
+          </a:p>
+          <a:p>
+            <a:pPr marL="457200" indent="-228600" algn="l">
+              <a:buFont typeface="Arial" panose="020B0604020202020204" pitchFamily="34" charset="0"/>
+              <a:buChar char="•"/>
+            </a:pPr>
+            <a:endParaRPr lang="en-US" sz="1600" dirty="0"/>
           </a:p>
         </p:txBody>
       </p:sp>
@@ -6152,42 +6180,6 @@
           </a:p>
         </p:txBody>
       </p:sp>
-      <p:pic>
-        <p:nvPicPr>
-          <p:cNvPr id="14" name="Imagen 13" descr="Gráfico, Gráfico de barras, Histograma&#10;&#10;Descripción generada automáticamente">
-            <a:extLst>
-              <a:ext uri="{FF2B5EF4-FFF2-40B4-BE49-F238E27FC236}">
-                <a16:creationId xmlns:a16="http://schemas.microsoft.com/office/drawing/2014/main" id="{2479CB98-6506-FFDC-411F-AF1767A44362}"/>
-              </a:ext>
-            </a:extLst>
-          </p:cNvPr>
-          <p:cNvPicPr>
-            <a:picLocks noChangeAspect="1"/>
-          </p:cNvPicPr>
-          <p:nvPr/>
-        </p:nvPicPr>
-        <p:blipFill>
-          <a:blip r:embed="rId2">
-            <a:extLst>
-              <a:ext uri="{28A0092B-C50C-407E-A947-70E740481C1C}">
-                <a14:useLocalDpi xmlns:a14="http://schemas.microsoft.com/office/drawing/2010/main" val="0"/>
-              </a:ext>
-            </a:extLst>
-          </a:blip>
-          <a:stretch>
-            <a:fillRect/>
-          </a:stretch>
-        </p:blipFill>
-        <p:spPr>
-          <a:xfrm>
-            <a:off x="1186804" y="2719438"/>
-            <a:ext cx="4320000" cy="3240000"/>
-          </a:xfrm>
-          <a:prstGeom prst="rect">
-            <a:avLst/>
-          </a:prstGeom>
-        </p:spPr>
-      </p:pic>
       <p:sp>
         <p:nvSpPr>
           <p:cNvPr id="6" name="Marcador de número de diapositiva 5">
@@ -6218,475 +6210,6 @@
                 </a:solidFill>
               </a:rPr>
               <a:t>10</a:t>
-            </a:fld>
-            <a:endParaRPr lang="es-ES" b="1" i="1" dirty="0">
-              <a:solidFill>
-                <a:schemeClr val="accent1">
-                  <a:lumMod val="50000"/>
-                </a:schemeClr>
-              </a:solidFill>
-            </a:endParaRPr>
-          </a:p>
-        </p:txBody>
-      </p:sp>
-      <p:sp>
-        <p:nvSpPr>
-          <p:cNvPr id="8" name="CuadroTexto 7">
-            <a:extLst>
-              <a:ext uri="{FF2B5EF4-FFF2-40B4-BE49-F238E27FC236}">
-                <a16:creationId xmlns:a16="http://schemas.microsoft.com/office/drawing/2014/main" id="{E0BEB5F1-7BDC-9D3B-C5C4-5EFE09EC0539}"/>
-              </a:ext>
-            </a:extLst>
-          </p:cNvPr>
-          <p:cNvSpPr txBox="1"/>
-          <p:nvPr/>
-        </p:nvSpPr>
-        <p:spPr>
-          <a:xfrm>
-            <a:off x="837396" y="1251284"/>
-            <a:ext cx="3671097" cy="461665"/>
-          </a:xfrm>
-          <a:prstGeom prst="rect">
-            <a:avLst/>
-          </a:prstGeom>
-          <a:noFill/>
-        </p:spPr>
-        <p:txBody>
-          <a:bodyPr wrap="square" rtlCol="0">
-            <a:spAutoFit/>
-          </a:bodyPr>
-          <a:lstStyle/>
-          <a:p>
-            <a:r>
-              <a:rPr lang="es-ES" sz="2400" i="1" dirty="0">
-                <a:solidFill>
-                  <a:schemeClr val="accent1">
-                    <a:lumMod val="75000"/>
-                  </a:schemeClr>
-                </a:solidFill>
-              </a:rPr>
-              <a:t>Kalman </a:t>
-            </a:r>
-            <a:r>
-              <a:rPr lang="es-ES" sz="2400" i="1" dirty="0" err="1">
-                <a:solidFill>
-                  <a:schemeClr val="accent1">
-                    <a:lumMod val="75000"/>
-                  </a:schemeClr>
-                </a:solidFill>
-              </a:rPr>
-              <a:t>Filter</a:t>
-            </a:r>
-            <a:r>
-              <a:rPr lang="es-ES" sz="2400" i="1" dirty="0">
-                <a:solidFill>
-                  <a:schemeClr val="accent1">
-                    <a:lumMod val="75000"/>
-                  </a:schemeClr>
-                </a:solidFill>
-              </a:rPr>
-              <a:t>. </a:t>
-            </a:r>
-            <a:r>
-              <a:rPr lang="el-GR" sz="2400" i="1" dirty="0">
-                <a:solidFill>
-                  <a:schemeClr val="accent1">
-                    <a:lumMod val="75000"/>
-                  </a:schemeClr>
-                </a:solidFill>
-              </a:rPr>
-              <a:t>Δ</a:t>
-            </a:r>
-            <a:r>
-              <a:rPr lang="es-ES" sz="2400" i="1" dirty="0">
-                <a:solidFill>
-                  <a:schemeClr val="accent1">
-                    <a:lumMod val="75000"/>
-                  </a:schemeClr>
-                </a:solidFill>
-              </a:rPr>
-              <a:t>t de Kalman </a:t>
-            </a:r>
-            <a:endParaRPr lang="es-ES" dirty="0"/>
-          </a:p>
-        </p:txBody>
-      </p:sp>
-      <p:sp>
-        <p:nvSpPr>
-          <p:cNvPr id="9" name="Rectángulo: esquinas redondeadas 8">
-            <a:extLst>
-              <a:ext uri="{FF2B5EF4-FFF2-40B4-BE49-F238E27FC236}">
-                <a16:creationId xmlns:a16="http://schemas.microsoft.com/office/drawing/2014/main" id="{D37BEFC5-85AD-9F5D-EF7D-B14CDD48793D}"/>
-              </a:ext>
-            </a:extLst>
-          </p:cNvPr>
-          <p:cNvSpPr/>
-          <p:nvPr/>
-        </p:nvSpPr>
-        <p:spPr>
-          <a:xfrm>
-            <a:off x="4426804" y="3066433"/>
-            <a:ext cx="864000" cy="2736000"/>
-          </a:xfrm>
-          <a:prstGeom prst="roundRect">
-            <a:avLst/>
-          </a:prstGeom>
-          <a:noFill/>
-          <a:ln w="38100"/>
-        </p:spPr>
-        <p:style>
-          <a:lnRef idx="2">
-            <a:schemeClr val="accent1">
-              <a:shade val="15000"/>
-            </a:schemeClr>
-          </a:lnRef>
-          <a:fillRef idx="1">
-            <a:schemeClr val="accent1"/>
-          </a:fillRef>
-          <a:effectRef idx="0">
-            <a:schemeClr val="accent1"/>
-          </a:effectRef>
-          <a:fontRef idx="minor">
-            <a:schemeClr val="lt1"/>
-          </a:fontRef>
-        </p:style>
-        <p:txBody>
-          <a:bodyPr rtlCol="0" anchor="ctr"/>
-          <a:lstStyle/>
-          <a:p>
-            <a:pPr algn="ctr"/>
-            <a:endParaRPr lang="es-ES"/>
-          </a:p>
-        </p:txBody>
-      </p:sp>
-      <p:sp>
-        <p:nvSpPr>
-          <p:cNvPr id="10" name="CuadroTexto 9">
-            <a:extLst>
-              <a:ext uri="{FF2B5EF4-FFF2-40B4-BE49-F238E27FC236}">
-                <a16:creationId xmlns:a16="http://schemas.microsoft.com/office/drawing/2014/main" id="{0AE8BC8F-A2AF-1DDF-3620-F693E8EAB080}"/>
-              </a:ext>
-            </a:extLst>
-          </p:cNvPr>
-          <p:cNvSpPr txBox="1"/>
-          <p:nvPr/>
-        </p:nvSpPr>
-        <p:spPr>
-          <a:xfrm>
-            <a:off x="4426804" y="5774772"/>
-            <a:ext cx="1590370" cy="369332"/>
-          </a:xfrm>
-          <a:prstGeom prst="rect">
-            <a:avLst/>
-          </a:prstGeom>
-          <a:noFill/>
-        </p:spPr>
-        <p:txBody>
-          <a:bodyPr wrap="square" rtlCol="0">
-            <a:spAutoFit/>
-          </a:bodyPr>
-          <a:lstStyle/>
-          <a:p>
-            <a:r>
-              <a:rPr lang="es-ES" dirty="0" err="1">
-                <a:solidFill>
-                  <a:schemeClr val="accent1"/>
-                </a:solidFill>
-              </a:rPr>
-              <a:t>Best</a:t>
-            </a:r>
-            <a:r>
-              <a:rPr lang="es-ES" dirty="0">
-                <a:solidFill>
-                  <a:schemeClr val="accent1"/>
-                </a:solidFill>
-              </a:rPr>
-              <a:t> </a:t>
-            </a:r>
-            <a:r>
-              <a:rPr lang="es-ES" dirty="0" err="1">
-                <a:solidFill>
-                  <a:schemeClr val="accent1"/>
-                </a:solidFill>
-              </a:rPr>
-              <a:t>result</a:t>
-            </a:r>
-            <a:endParaRPr lang="es-ES" dirty="0">
-              <a:solidFill>
-                <a:schemeClr val="accent1"/>
-              </a:solidFill>
-            </a:endParaRPr>
-          </a:p>
-        </p:txBody>
-      </p:sp>
-    </p:spTree>
-    <p:extLst>
-      <p:ext uri="{BB962C8B-B14F-4D97-AF65-F5344CB8AC3E}">
-        <p14:creationId xmlns:p14="http://schemas.microsoft.com/office/powerpoint/2010/main" val="593357164"/>
-      </p:ext>
-    </p:extLst>
-  </p:cSld>
-  <p:clrMapOvr>
-    <a:masterClrMapping/>
-  </p:clrMapOvr>
-</p:sld>
-</file>
-
-<file path=ppt/slides/slide11.xml><?xml version="1.0" encoding="utf-8"?>
-<p:sld xmlns:a="http://schemas.openxmlformats.org/drawingml/2006/main" xmlns:r="http://schemas.openxmlformats.org/officeDocument/2006/relationships" xmlns:p="http://schemas.openxmlformats.org/presentationml/2006/main">
-  <p:cSld>
-    <p:bg>
-      <p:bgPr>
-        <a:solidFill>
-          <a:schemeClr val="bg1"/>
-        </a:solidFill>
-        <a:effectLst/>
-      </p:bgPr>
-    </p:bg>
-    <p:spTree>
-      <p:nvGrpSpPr>
-        <p:cNvPr id="1" name=""/>
-        <p:cNvGrpSpPr/>
-        <p:nvPr/>
-      </p:nvGrpSpPr>
-      <p:grpSpPr>
-        <a:xfrm>
-          <a:off x="0" y="0"/>
-          <a:ext cx="0" cy="0"/>
-          <a:chOff x="0" y="0"/>
-          <a:chExt cx="0" cy="0"/>
-        </a:xfrm>
-      </p:grpSpPr>
-      <p:sp>
-        <p:nvSpPr>
-          <p:cNvPr id="2" name="Título 1">
-            <a:extLst>
-              <a:ext uri="{FF2B5EF4-FFF2-40B4-BE49-F238E27FC236}">
-                <a16:creationId xmlns:a16="http://schemas.microsoft.com/office/drawing/2014/main" id="{B7006F94-BBA3-B8CB-6962-6A7E8B6697EF}"/>
-              </a:ext>
-            </a:extLst>
-          </p:cNvPr>
-          <p:cNvSpPr>
-            <a:spLocks noGrp="1"/>
-          </p:cNvSpPr>
-          <p:nvPr>
-            <p:ph type="ctrTitle"/>
-          </p:nvPr>
-        </p:nvSpPr>
-        <p:spPr>
-          <a:xfrm>
-            <a:off x="837396" y="585216"/>
-            <a:ext cx="9473416" cy="666068"/>
-          </a:xfrm>
-        </p:spPr>
-        <p:txBody>
-          <a:bodyPr vert="horz" lIns="91440" tIns="45720" rIns="91440" bIns="45720" rtlCol="0" anchor="b">
-            <a:normAutofit/>
-          </a:bodyPr>
-          <a:lstStyle/>
-          <a:p>
-            <a:pPr algn="l"/>
-            <a:r>
-              <a:rPr lang="en-US" sz="3600" b="1" i="1" dirty="0">
-                <a:solidFill>
-                  <a:schemeClr val="accent1">
-                    <a:lumMod val="75000"/>
-                  </a:schemeClr>
-                </a:solidFill>
-              </a:rPr>
-              <a:t>Selection of the best hyperparameters and results</a:t>
-            </a:r>
-          </a:p>
-        </p:txBody>
-      </p:sp>
-      <p:sp>
-        <p:nvSpPr>
-          <p:cNvPr id="3" name="Subtítulo 2">
-            <a:extLst>
-              <a:ext uri="{FF2B5EF4-FFF2-40B4-BE49-F238E27FC236}">
-                <a16:creationId xmlns:a16="http://schemas.microsoft.com/office/drawing/2014/main" id="{B0BCFCBA-0DDF-19BB-FDBD-C17EB2F5D235}"/>
-              </a:ext>
-            </a:extLst>
-          </p:cNvPr>
-          <p:cNvSpPr>
-            <a:spLocks noGrp="1"/>
-          </p:cNvSpPr>
-          <p:nvPr>
-            <p:ph type="subTitle" idx="1"/>
-          </p:nvPr>
-        </p:nvSpPr>
-        <p:spPr>
-          <a:xfrm>
-            <a:off x="837397" y="2162176"/>
-            <a:ext cx="3791754" cy="3638550"/>
-          </a:xfrm>
-        </p:spPr>
-        <p:txBody>
-          <a:bodyPr vert="horz" lIns="91440" tIns="45720" rIns="91440" bIns="45720" rtlCol="0" anchor="t">
-            <a:normAutofit/>
-          </a:bodyPr>
-          <a:lstStyle/>
-          <a:p>
-            <a:pPr marL="457200" indent="-228600" algn="l">
-              <a:buFont typeface="Arial" panose="020B0604020202020204" pitchFamily="34" charset="0"/>
-              <a:buChar char="•"/>
-            </a:pPr>
-            <a:r>
-              <a:rPr lang="en-US" dirty="0"/>
-              <a:t>Hungarian A</a:t>
-            </a:r>
-            <a:r>
-              <a:rPr lang="en-US" sz="2400" dirty="0"/>
-              <a:t>lgorithm</a:t>
-            </a:r>
-            <a:r>
-              <a:rPr lang="en-US" dirty="0"/>
-              <a:t> </a:t>
-            </a:r>
-          </a:p>
-          <a:p>
-            <a:pPr marL="457200" indent="-228600" algn="l">
-              <a:buFont typeface="Arial" panose="020B0604020202020204" pitchFamily="34" charset="0"/>
-              <a:buChar char="•"/>
-            </a:pPr>
-            <a:r>
-              <a:rPr lang="en-US" dirty="0"/>
-              <a:t>Warm-Up -&gt; 4</a:t>
-            </a:r>
-          </a:p>
-          <a:p>
-            <a:pPr marL="457200" indent="-228600" algn="l">
-              <a:buFont typeface="Arial" panose="020B0604020202020204" pitchFamily="34" charset="0"/>
-              <a:buChar char="•"/>
-            </a:pPr>
-            <a:r>
-              <a:rPr lang="en-US" dirty="0"/>
-              <a:t>Patient Init -&gt; 0</a:t>
-            </a:r>
-          </a:p>
-          <a:p>
-            <a:pPr marL="457200" indent="-228600" algn="l">
-              <a:buFont typeface="Arial" panose="020B0604020202020204" pitchFamily="34" charset="0"/>
-              <a:buChar char="•"/>
-            </a:pPr>
-            <a:r>
-              <a:rPr lang="en-US" dirty="0"/>
-              <a:t>Patient Remove -&gt; 10</a:t>
-            </a:r>
-          </a:p>
-          <a:p>
-            <a:pPr marL="457200" indent="-228600" algn="l">
-              <a:buFont typeface="Arial" panose="020B0604020202020204" pitchFamily="34" charset="0"/>
-              <a:buChar char="•"/>
-            </a:pPr>
-            <a:r>
-              <a:rPr lang="el-GR" dirty="0"/>
-              <a:t>Δ</a:t>
-            </a:r>
-            <a:r>
-              <a:rPr lang="es-ES" dirty="0"/>
-              <a:t>t </a:t>
-            </a:r>
-            <a:r>
-              <a:rPr lang="en-US" dirty="0"/>
-              <a:t>Kalman -&gt; 1</a:t>
-            </a:r>
-          </a:p>
-          <a:p>
-            <a:pPr marL="457200" indent="-228600" algn="l">
-              <a:buFont typeface="Arial" panose="020B0604020202020204" pitchFamily="34" charset="0"/>
-              <a:buChar char="•"/>
-            </a:pPr>
-            <a:r>
-              <a:rPr lang="en-US" dirty="0"/>
-              <a:t>NMS -&gt; 0.35</a:t>
-            </a:r>
-          </a:p>
-          <a:p>
-            <a:pPr marL="457200" indent="-228600" algn="l">
-              <a:buFont typeface="Arial" panose="020B0604020202020204" pitchFamily="34" charset="0"/>
-              <a:buChar char="•"/>
-            </a:pPr>
-            <a:endParaRPr lang="en-US" sz="1600" dirty="0"/>
-          </a:p>
-        </p:txBody>
-      </p:sp>
-      <p:sp>
-        <p:nvSpPr>
-          <p:cNvPr id="4" name="Marcador de pie de página 3">
-            <a:extLst>
-              <a:ext uri="{FF2B5EF4-FFF2-40B4-BE49-F238E27FC236}">
-                <a16:creationId xmlns:a16="http://schemas.microsoft.com/office/drawing/2014/main" id="{44FC2B2D-D3F4-A2F3-5AEB-F392280F82B4}"/>
-              </a:ext>
-            </a:extLst>
-          </p:cNvPr>
-          <p:cNvSpPr>
-            <a:spLocks noGrp="1"/>
-          </p:cNvSpPr>
-          <p:nvPr>
-            <p:ph type="ftr" sz="quarter" idx="11"/>
-          </p:nvPr>
-        </p:nvSpPr>
-        <p:spPr>
-          <a:xfrm>
-            <a:off x="3848100" y="6356349"/>
-            <a:ext cx="4495800" cy="365125"/>
-          </a:xfrm>
-        </p:spPr>
-        <p:txBody>
-          <a:bodyPr/>
-          <a:lstStyle/>
-          <a:p>
-            <a:r>
-              <a:rPr lang="en-US" sz="1800" i="1" dirty="0">
-                <a:solidFill>
-                  <a:schemeClr val="accent1">
-                    <a:lumMod val="50000"/>
-                  </a:schemeClr>
-                </a:solidFill>
-              </a:rPr>
-              <a:t>Challenge “Developing a multi-object tracker”</a:t>
-            </a:r>
-            <a:endParaRPr lang="es-ES" sz="1800" i="1" dirty="0">
-              <a:solidFill>
-                <a:schemeClr val="accent1">
-                  <a:lumMod val="50000"/>
-                </a:schemeClr>
-              </a:solidFill>
-            </a:endParaRPr>
-          </a:p>
-        </p:txBody>
-      </p:sp>
-      <p:sp>
-        <p:nvSpPr>
-          <p:cNvPr id="6" name="Marcador de número de diapositiva 5">
-            <a:extLst>
-              <a:ext uri="{FF2B5EF4-FFF2-40B4-BE49-F238E27FC236}">
-                <a16:creationId xmlns:a16="http://schemas.microsoft.com/office/drawing/2014/main" id="{FB27849B-D49B-4080-5FE3-FD5282577E34}"/>
-              </a:ext>
-            </a:extLst>
-          </p:cNvPr>
-          <p:cNvSpPr>
-            <a:spLocks noGrp="1"/>
-          </p:cNvSpPr>
-          <p:nvPr>
-            <p:ph type="sldNum" sz="quarter" idx="12"/>
-          </p:nvPr>
-        </p:nvSpPr>
-        <p:spPr/>
-        <p:txBody>
-          <a:bodyPr/>
-          <a:lstStyle/>
-          <a:p>
-            <a:fld id="{3A9D7192-CCA7-4C02-8C6B-3F88F654490C}" type="slidenum">
-              <a:rPr lang="es-ES" sz="1600" b="1" i="1" smtClean="0">
-                <a:solidFill>
-                  <a:schemeClr val="accent1">
-                    <a:lumMod val="50000"/>
-                  </a:schemeClr>
-                </a:solidFill>
-              </a:rPr>
-              <a:t>11</a:t>
             </a:fld>
             <a:endParaRPr lang="es-ES" b="1" i="1" dirty="0">
               <a:solidFill>
@@ -6951,7 +6474,7 @@
 </p:sld>
 </file>
 
-<file path=ppt/slides/slide12.xml><?xml version="1.0" encoding="utf-8"?>
+<file path=ppt/slides/slide11.xml><?xml version="1.0" encoding="utf-8"?>
 <p:sld xmlns:a="http://schemas.openxmlformats.org/drawingml/2006/main" xmlns:r="http://schemas.openxmlformats.org/officeDocument/2006/relationships" xmlns:p="http://schemas.openxmlformats.org/presentationml/2006/main">
   <p:cSld>
     <p:bg>
@@ -7133,6 +6656,293 @@
                   </a:schemeClr>
                 </a:solidFill>
               </a:rPr>
+              <a:t>11</a:t>
+            </a:fld>
+            <a:endParaRPr lang="es-ES" b="1" i="1" dirty="0">
+              <a:solidFill>
+                <a:schemeClr val="accent1">
+                  <a:lumMod val="50000"/>
+                </a:schemeClr>
+              </a:solidFill>
+            </a:endParaRPr>
+          </a:p>
+        </p:txBody>
+      </p:sp>
+    </p:spTree>
+    <p:extLst>
+      <p:ext uri="{BB962C8B-B14F-4D97-AF65-F5344CB8AC3E}">
+        <p14:creationId xmlns:p14="http://schemas.microsoft.com/office/powerpoint/2010/main" val="3231352675"/>
+      </p:ext>
+    </p:extLst>
+  </p:cSld>
+  <p:clrMapOvr>
+    <a:masterClrMapping/>
+  </p:clrMapOvr>
+</p:sld>
+</file>
+
+<file path=ppt/slides/slide12.xml><?xml version="1.0" encoding="utf-8"?>
+<p:sld xmlns:a="http://schemas.openxmlformats.org/drawingml/2006/main" xmlns:r="http://schemas.openxmlformats.org/officeDocument/2006/relationships" xmlns:p="http://schemas.openxmlformats.org/presentationml/2006/main" show="0">
+  <p:cSld>
+    <p:bg>
+      <p:bgPr>
+        <a:solidFill>
+          <a:schemeClr val="bg1"/>
+        </a:solidFill>
+        <a:effectLst/>
+      </p:bgPr>
+    </p:bg>
+    <p:spTree>
+      <p:nvGrpSpPr>
+        <p:cNvPr id="1" name=""/>
+        <p:cNvGrpSpPr/>
+        <p:nvPr/>
+      </p:nvGrpSpPr>
+      <p:grpSpPr>
+        <a:xfrm>
+          <a:off x="0" y="0"/>
+          <a:ext cx="0" cy="0"/>
+          <a:chOff x="0" y="0"/>
+          <a:chExt cx="0" cy="0"/>
+        </a:xfrm>
+      </p:grpSpPr>
+      <p:sp>
+        <p:nvSpPr>
+          <p:cNvPr id="2" name="Título 1">
+            <a:extLst>
+              <a:ext uri="{FF2B5EF4-FFF2-40B4-BE49-F238E27FC236}">
+                <a16:creationId xmlns:a16="http://schemas.microsoft.com/office/drawing/2014/main" id="{B7006F94-BBA3-B8CB-6962-6A7E8B6697EF}"/>
+              </a:ext>
+            </a:extLst>
+          </p:cNvPr>
+          <p:cNvSpPr>
+            <a:spLocks noGrp="1"/>
+          </p:cNvSpPr>
+          <p:nvPr>
+            <p:ph type="ctrTitle"/>
+          </p:nvPr>
+        </p:nvSpPr>
+        <p:spPr>
+          <a:xfrm>
+            <a:off x="837396" y="585216"/>
+            <a:ext cx="6363503" cy="666068"/>
+          </a:xfrm>
+        </p:spPr>
+        <p:txBody>
+          <a:bodyPr vert="horz" lIns="91440" tIns="45720" rIns="91440" bIns="45720" rtlCol="0" anchor="b">
+            <a:normAutofit/>
+          </a:bodyPr>
+          <a:lstStyle/>
+          <a:p>
+            <a:pPr algn="l"/>
+            <a:r>
+              <a:rPr lang="en-US" sz="3600" b="1" i="1" dirty="0">
+                <a:solidFill>
+                  <a:schemeClr val="accent1">
+                    <a:lumMod val="75000"/>
+                  </a:schemeClr>
+                </a:solidFill>
+              </a:rPr>
+              <a:t>Improvements in data association</a:t>
+            </a:r>
+          </a:p>
+        </p:txBody>
+      </p:sp>
+      <p:sp>
+        <p:nvSpPr>
+          <p:cNvPr id="3" name="Subtítulo 2">
+            <a:extLst>
+              <a:ext uri="{FF2B5EF4-FFF2-40B4-BE49-F238E27FC236}">
+                <a16:creationId xmlns:a16="http://schemas.microsoft.com/office/drawing/2014/main" id="{B0BCFCBA-0DDF-19BB-FDBD-C17EB2F5D235}"/>
+              </a:ext>
+            </a:extLst>
+          </p:cNvPr>
+          <p:cNvSpPr>
+            <a:spLocks noGrp="1"/>
+          </p:cNvSpPr>
+          <p:nvPr>
+            <p:ph type="subTitle" idx="1"/>
+          </p:nvPr>
+        </p:nvSpPr>
+        <p:spPr>
+          <a:xfrm>
+            <a:off x="837398" y="2162175"/>
+            <a:ext cx="6487328" cy="584531"/>
+          </a:xfrm>
+        </p:spPr>
+        <p:txBody>
+          <a:bodyPr vert="horz" lIns="91440" tIns="45720" rIns="91440" bIns="45720" rtlCol="0" anchor="t">
+            <a:normAutofit/>
+          </a:bodyPr>
+          <a:lstStyle/>
+          <a:p>
+            <a:pPr marL="457200" indent="-228600" algn="l">
+              <a:buFont typeface="Arial" panose="020B0604020202020204" pitchFamily="34" charset="0"/>
+              <a:buChar char="•"/>
+            </a:pPr>
+            <a:r>
+              <a:rPr lang="es-ES" sz="2000" dirty="0" err="1"/>
+              <a:t>Tests</a:t>
+            </a:r>
+            <a:r>
+              <a:rPr lang="es-ES" sz="2000" dirty="0"/>
+              <a:t> </a:t>
+            </a:r>
+            <a:r>
+              <a:rPr lang="es-ES" sz="2000" dirty="0" err="1"/>
+              <a:t>with</a:t>
+            </a:r>
+            <a:r>
+              <a:rPr lang="es-ES" sz="2000" dirty="0"/>
+              <a:t> </a:t>
+            </a:r>
+            <a:r>
+              <a:rPr lang="es-ES" sz="2000" dirty="0" err="1"/>
+              <a:t>differents</a:t>
+            </a:r>
+            <a:r>
+              <a:rPr lang="es-ES" sz="2000" dirty="0"/>
+              <a:t> </a:t>
+            </a:r>
+            <a:r>
+              <a:rPr lang="el-GR" sz="2000" dirty="0"/>
+              <a:t>Δ</a:t>
+            </a:r>
+            <a:r>
+              <a:rPr lang="es-ES" sz="2000" dirty="0"/>
+              <a:t>t (</a:t>
+            </a:r>
+            <a:r>
+              <a:rPr lang="es-ES" sz="2000" dirty="0" err="1"/>
+              <a:t>less</a:t>
+            </a:r>
+            <a:r>
+              <a:rPr lang="es-ES" sz="2000" dirty="0"/>
+              <a:t> </a:t>
+            </a:r>
+            <a:r>
+              <a:rPr lang="es-ES" sz="2000" dirty="0" err="1"/>
+              <a:t>than</a:t>
+            </a:r>
+            <a:r>
+              <a:rPr lang="es-ES" sz="2000" dirty="0"/>
+              <a:t> 1)</a:t>
+            </a:r>
+            <a:endParaRPr lang="en-US" sz="2000" dirty="0"/>
+          </a:p>
+        </p:txBody>
+      </p:sp>
+      <p:sp>
+        <p:nvSpPr>
+          <p:cNvPr id="4" name="Marcador de pie de página 3">
+            <a:extLst>
+              <a:ext uri="{FF2B5EF4-FFF2-40B4-BE49-F238E27FC236}">
+                <a16:creationId xmlns:a16="http://schemas.microsoft.com/office/drawing/2014/main" id="{44FC2B2D-D3F4-A2F3-5AEB-F392280F82B4}"/>
+              </a:ext>
+            </a:extLst>
+          </p:cNvPr>
+          <p:cNvSpPr>
+            <a:spLocks noGrp="1"/>
+          </p:cNvSpPr>
+          <p:nvPr>
+            <p:ph type="ftr" sz="quarter" idx="11"/>
+          </p:nvPr>
+        </p:nvSpPr>
+        <p:spPr>
+          <a:xfrm>
+            <a:off x="3848100" y="6356349"/>
+            <a:ext cx="4495800" cy="365125"/>
+          </a:xfrm>
+        </p:spPr>
+        <p:txBody>
+          <a:bodyPr/>
+          <a:lstStyle/>
+          <a:p>
+            <a:r>
+              <a:rPr lang="en-US" sz="1800" i="1" dirty="0">
+                <a:solidFill>
+                  <a:schemeClr val="accent1">
+                    <a:lumMod val="50000"/>
+                  </a:schemeClr>
+                </a:solidFill>
+              </a:rPr>
+              <a:t>Challenge “Developing a multi-object tracker”</a:t>
+            </a:r>
+            <a:endParaRPr lang="es-ES" sz="1800" i="1" dirty="0">
+              <a:solidFill>
+                <a:schemeClr val="accent1">
+                  <a:lumMod val="50000"/>
+                </a:schemeClr>
+              </a:solidFill>
+            </a:endParaRPr>
+          </a:p>
+        </p:txBody>
+      </p:sp>
+      <p:pic>
+        <p:nvPicPr>
+          <p:cNvPr id="14" name="Imagen 13" descr="Gráfico, Gráfico de barras, Histograma&#10;&#10;Descripción generada automáticamente">
+            <a:extLst>
+              <a:ext uri="{FF2B5EF4-FFF2-40B4-BE49-F238E27FC236}">
+                <a16:creationId xmlns:a16="http://schemas.microsoft.com/office/drawing/2014/main" id="{2479CB98-6506-FFDC-411F-AF1767A44362}"/>
+              </a:ext>
+            </a:extLst>
+          </p:cNvPr>
+          <p:cNvPicPr>
+            <a:picLocks noChangeAspect="1"/>
+          </p:cNvPicPr>
+          <p:nvPr/>
+        </p:nvPicPr>
+        <p:blipFill>
+          <a:blip r:embed="rId2">
+            <a:extLst>
+              <a:ext uri="{28A0092B-C50C-407E-A947-70E740481C1C}">
+                <a14:useLocalDpi xmlns:a14="http://schemas.microsoft.com/office/drawing/2010/main" val="0"/>
+              </a:ext>
+            </a:extLst>
+          </a:blip>
+          <a:stretch>
+            <a:fillRect/>
+          </a:stretch>
+        </p:blipFill>
+        <p:spPr>
+          <a:xfrm>
+            <a:off x="1186804" y="2719438"/>
+            <a:ext cx="4320000" cy="3240000"/>
+          </a:xfrm>
+          <a:prstGeom prst="rect">
+            <a:avLst/>
+          </a:prstGeom>
+        </p:spPr>
+      </p:pic>
+      <p:sp>
+        <p:nvSpPr>
+          <p:cNvPr id="6" name="Marcador de número de diapositiva 5">
+            <a:extLst>
+              <a:ext uri="{FF2B5EF4-FFF2-40B4-BE49-F238E27FC236}">
+                <a16:creationId xmlns:a16="http://schemas.microsoft.com/office/drawing/2014/main" id="{FB27849B-D49B-4080-5FE3-FD5282577E34}"/>
+              </a:ext>
+            </a:extLst>
+          </p:cNvPr>
+          <p:cNvSpPr>
+            <a:spLocks noGrp="1"/>
+          </p:cNvSpPr>
+          <p:nvPr>
+            <p:ph type="sldNum" sz="quarter" idx="12"/>
+          </p:nvPr>
+        </p:nvSpPr>
+        <p:spPr/>
+        <p:txBody>
+          <a:bodyPr/>
+          <a:lstStyle/>
+          <a:p>
+            <a:fld id="{3A9D7192-CCA7-4C02-8C6B-3F88F654490C}" type="slidenum">
+              <a:rPr lang="es-ES" sz="1600" b="1" i="1" smtClean="0">
+                <a:solidFill>
+                  <a:schemeClr val="accent1">
+                    <a:lumMod val="50000"/>
+                  </a:schemeClr>
+                </a:solidFill>
+              </a:rPr>
               <a:t>12</a:t>
             </a:fld>
             <a:endParaRPr lang="es-ES" b="1" i="1" dirty="0">
@@ -7145,10 +6955,200 @@
           </a:p>
         </p:txBody>
       </p:sp>
+      <p:sp>
+        <p:nvSpPr>
+          <p:cNvPr id="8" name="CuadroTexto 7">
+            <a:extLst>
+              <a:ext uri="{FF2B5EF4-FFF2-40B4-BE49-F238E27FC236}">
+                <a16:creationId xmlns:a16="http://schemas.microsoft.com/office/drawing/2014/main" id="{E0BEB5F1-7BDC-9D3B-C5C4-5EFE09EC0539}"/>
+              </a:ext>
+            </a:extLst>
+          </p:cNvPr>
+          <p:cNvSpPr txBox="1"/>
+          <p:nvPr/>
+        </p:nvSpPr>
+        <p:spPr>
+          <a:xfrm>
+            <a:off x="837396" y="1251284"/>
+            <a:ext cx="3671097" cy="461665"/>
+          </a:xfrm>
+          <a:prstGeom prst="rect">
+            <a:avLst/>
+          </a:prstGeom>
+          <a:noFill/>
+        </p:spPr>
+        <p:txBody>
+          <a:bodyPr wrap="square" rtlCol="0">
+            <a:spAutoFit/>
+          </a:bodyPr>
+          <a:lstStyle/>
+          <a:p>
+            <a:r>
+              <a:rPr lang="es-ES" sz="2400" i="1" dirty="0">
+                <a:solidFill>
+                  <a:schemeClr val="accent1">
+                    <a:lumMod val="75000"/>
+                  </a:schemeClr>
+                </a:solidFill>
+              </a:rPr>
+              <a:t>Kalman </a:t>
+            </a:r>
+            <a:r>
+              <a:rPr lang="es-ES" sz="2400" i="1" dirty="0" err="1">
+                <a:solidFill>
+                  <a:schemeClr val="accent1">
+                    <a:lumMod val="75000"/>
+                  </a:schemeClr>
+                </a:solidFill>
+              </a:rPr>
+              <a:t>Filter</a:t>
+            </a:r>
+            <a:r>
+              <a:rPr lang="es-ES" sz="2400" i="1" dirty="0">
+                <a:solidFill>
+                  <a:schemeClr val="accent1">
+                    <a:lumMod val="75000"/>
+                  </a:schemeClr>
+                </a:solidFill>
+              </a:rPr>
+              <a:t>. </a:t>
+            </a:r>
+            <a:r>
+              <a:rPr lang="el-GR" sz="2400" i="1" dirty="0">
+                <a:solidFill>
+                  <a:schemeClr val="accent1">
+                    <a:lumMod val="75000"/>
+                  </a:schemeClr>
+                </a:solidFill>
+              </a:rPr>
+              <a:t>Δ</a:t>
+            </a:r>
+            <a:r>
+              <a:rPr lang="es-ES" sz="2400" i="1" dirty="0">
+                <a:solidFill>
+                  <a:schemeClr val="accent1">
+                    <a:lumMod val="75000"/>
+                  </a:schemeClr>
+                </a:solidFill>
+              </a:rPr>
+              <a:t>t de Kalman </a:t>
+            </a:r>
+            <a:endParaRPr lang="es-ES" dirty="0"/>
+          </a:p>
+        </p:txBody>
+      </p:sp>
+      <p:sp>
+        <p:nvSpPr>
+          <p:cNvPr id="9" name="Rectángulo: esquinas redondeadas 8">
+            <a:extLst>
+              <a:ext uri="{FF2B5EF4-FFF2-40B4-BE49-F238E27FC236}">
+                <a16:creationId xmlns:a16="http://schemas.microsoft.com/office/drawing/2014/main" id="{D37BEFC5-85AD-9F5D-EF7D-B14CDD48793D}"/>
+              </a:ext>
+            </a:extLst>
+          </p:cNvPr>
+          <p:cNvSpPr/>
+          <p:nvPr/>
+        </p:nvSpPr>
+        <p:spPr>
+          <a:xfrm>
+            <a:off x="4426804" y="3066433"/>
+            <a:ext cx="864000" cy="2736000"/>
+          </a:xfrm>
+          <a:prstGeom prst="roundRect">
+            <a:avLst/>
+          </a:prstGeom>
+          <a:noFill/>
+          <a:ln w="38100"/>
+        </p:spPr>
+        <p:style>
+          <a:lnRef idx="2">
+            <a:schemeClr val="accent1">
+              <a:shade val="15000"/>
+            </a:schemeClr>
+          </a:lnRef>
+          <a:fillRef idx="1">
+            <a:schemeClr val="accent1"/>
+          </a:fillRef>
+          <a:effectRef idx="0">
+            <a:schemeClr val="accent1"/>
+          </a:effectRef>
+          <a:fontRef idx="minor">
+            <a:schemeClr val="lt1"/>
+          </a:fontRef>
+        </p:style>
+        <p:txBody>
+          <a:bodyPr rtlCol="0" anchor="ctr"/>
+          <a:lstStyle/>
+          <a:p>
+            <a:pPr algn="ctr"/>
+            <a:endParaRPr lang="es-ES"/>
+          </a:p>
+        </p:txBody>
+      </p:sp>
+      <p:sp>
+        <p:nvSpPr>
+          <p:cNvPr id="10" name="CuadroTexto 9">
+            <a:extLst>
+              <a:ext uri="{FF2B5EF4-FFF2-40B4-BE49-F238E27FC236}">
+                <a16:creationId xmlns:a16="http://schemas.microsoft.com/office/drawing/2014/main" id="{0AE8BC8F-A2AF-1DDF-3620-F693E8EAB080}"/>
+              </a:ext>
+            </a:extLst>
+          </p:cNvPr>
+          <p:cNvSpPr txBox="1"/>
+          <p:nvPr/>
+        </p:nvSpPr>
+        <p:spPr>
+          <a:xfrm>
+            <a:off x="4426804" y="5774772"/>
+            <a:ext cx="1590370" cy="369332"/>
+          </a:xfrm>
+          <a:prstGeom prst="rect">
+            <a:avLst/>
+          </a:prstGeom>
+          <a:noFill/>
+        </p:spPr>
+        <p:txBody>
+          <a:bodyPr wrap="square" rtlCol="0">
+            <a:spAutoFit/>
+          </a:bodyPr>
+          <a:lstStyle/>
+          <a:p>
+            <a:r>
+              <a:rPr lang="es-ES" dirty="0" err="1">
+                <a:solidFill>
+                  <a:schemeClr val="accent1"/>
+                </a:solidFill>
+              </a:rPr>
+              <a:t>Best</a:t>
+            </a:r>
+            <a:r>
+              <a:rPr lang="es-ES" dirty="0">
+                <a:solidFill>
+                  <a:schemeClr val="accent1"/>
+                </a:solidFill>
+              </a:rPr>
+              <a:t> </a:t>
+            </a:r>
+            <a:r>
+              <a:rPr lang="es-ES" dirty="0" err="1">
+                <a:solidFill>
+                  <a:schemeClr val="accent1"/>
+                </a:solidFill>
+              </a:rPr>
+              <a:t>result</a:t>
+            </a:r>
+            <a:endParaRPr lang="es-ES" dirty="0">
+              <a:solidFill>
+                <a:schemeClr val="accent1"/>
+              </a:solidFill>
+            </a:endParaRPr>
+          </a:p>
+        </p:txBody>
+      </p:sp>
     </p:spTree>
     <p:extLst>
       <p:ext uri="{BB962C8B-B14F-4D97-AF65-F5344CB8AC3E}">
-        <p14:creationId xmlns:p14="http://schemas.microsoft.com/office/powerpoint/2010/main" val="3231352675"/>
+        <p14:creationId xmlns:p14="http://schemas.microsoft.com/office/powerpoint/2010/main" val="593357164"/>
       </p:ext>
     </p:extLst>
   </p:cSld>
@@ -8268,8 +8268,8 @@
         </p:nvSpPr>
         <p:spPr>
           <a:xfrm>
-            <a:off x="411479" y="2066925"/>
-            <a:ext cx="5027296" cy="4205859"/>
+            <a:off x="411479" y="1847851"/>
+            <a:ext cx="5027296" cy="4424934"/>
           </a:xfrm>
         </p:spPr>
         <p:txBody>
@@ -8293,7 +8293,7 @@
               <a:buChar char="•"/>
             </a:pPr>
             <a:r>
-              <a:rPr lang="en-US" sz="1800" dirty="0"/>
+              <a:rPr lang="en-US" dirty="0"/>
               <a:t>Hungarian algorithm</a:t>
             </a:r>
           </a:p>
@@ -8303,8 +8303,18 @@
               <a:buChar char="•"/>
             </a:pPr>
             <a:r>
-              <a:rPr lang="en-US" sz="1800" dirty="0"/>
+              <a:rPr lang="en-US" dirty="0"/>
               <a:t>Kalman Filter</a:t>
+            </a:r>
+          </a:p>
+          <a:p>
+            <a:pPr marL="457200" indent="-228600" algn="l">
+              <a:buFont typeface="Arial" panose="020B0604020202020204" pitchFamily="34" charset="0"/>
+              <a:buChar char="•"/>
+            </a:pPr>
+            <a:r>
+              <a:rPr lang="en-US" dirty="0"/>
+              <a:t>Improvements in tracker creation and deletion</a:t>
             </a:r>
           </a:p>
           <a:p>
@@ -8313,14 +8323,19 @@
               <a:buChar char="•"/>
             </a:pPr>
             <a:r>
-              <a:rPr lang="en-US" sz="1800" dirty="0"/>
-              <a:t>Kalman </a:t>
-            </a:r>
-            <a:r>
-              <a:rPr lang="en-US" sz="1800" dirty="0" err="1"/>
-              <a:t>Δt</a:t>
-            </a:r>
-            <a:endParaRPr lang="en-US" sz="1800" dirty="0"/>
+              <a:rPr lang="en-US" dirty="0"/>
+              <a:t>Patient Init </a:t>
+            </a:r>
+          </a:p>
+          <a:p>
+            <a:pPr marL="914400" lvl="1" indent="-228600" algn="l">
+              <a:buFont typeface="Arial" panose="020B0604020202020204" pitchFamily="34" charset="0"/>
+              <a:buChar char="•"/>
+            </a:pPr>
+            <a:r>
+              <a:rPr lang="en-US" dirty="0"/>
+              <a:t>Patient Remove</a:t>
+            </a:r>
           </a:p>
           <a:p>
             <a:pPr marL="457200" indent="-228600" algn="l">
@@ -8329,16 +8344,6 @@
             </a:pPr>
             <a:r>
               <a:rPr lang="en-US" dirty="0"/>
-              <a:t>Improvements in tracker creation and deletion</a:t>
-            </a:r>
-          </a:p>
-          <a:p>
-            <a:pPr marL="457200" indent="-228600" algn="l">
-              <a:buFont typeface="Arial" panose="020B0604020202020204" pitchFamily="34" charset="0"/>
-              <a:buChar char="•"/>
-            </a:pPr>
-            <a:r>
-              <a:rPr lang="en-US" dirty="0"/>
               <a:t>Improvements in object detection</a:t>
             </a:r>
           </a:p>
@@ -8348,26 +8353,26 @@
               <a:buChar char="•"/>
             </a:pPr>
             <a:r>
-              <a:rPr lang="es-ES" sz="1800" dirty="0"/>
+              <a:rPr lang="es-ES" dirty="0"/>
               <a:t>Fine-</a:t>
             </a:r>
             <a:r>
-              <a:rPr lang="es-ES" sz="1800" dirty="0" err="1"/>
+              <a:rPr lang="es-ES" dirty="0" err="1"/>
               <a:t>tuning</a:t>
             </a:r>
             <a:r>
-              <a:rPr lang="es-ES" sz="1800" dirty="0"/>
+              <a:rPr lang="es-ES" dirty="0"/>
               <a:t> </a:t>
             </a:r>
             <a:r>
-              <a:rPr lang="es-ES" sz="1800" dirty="0" err="1"/>
+              <a:rPr lang="es-ES" dirty="0" err="1"/>
               <a:t>Faster</a:t>
             </a:r>
             <a:r>
-              <a:rPr lang="es-ES" sz="1800" dirty="0"/>
+              <a:rPr lang="es-ES" dirty="0"/>
               <a:t> R-CNN. NMS</a:t>
             </a:r>
-            <a:endParaRPr lang="en-US" dirty="0"/>
+            <a:endParaRPr lang="en-US" sz="2400" dirty="0"/>
           </a:p>
           <a:p>
             <a:pPr marL="457200" indent="-228600" algn="l">
@@ -12195,7 +12200,7 @@
         <p:spPr>
           <a:xfrm>
             <a:off x="6096000" y="3848408"/>
-            <a:ext cx="4019550" cy="1200329"/>
+            <a:ext cx="4495800" cy="1323439"/>
           </a:xfrm>
           <a:prstGeom prst="rect">
             <a:avLst/>
@@ -12209,8 +12214,20 @@
           <a:lstStyle/>
           <a:p>
             <a:r>
-              <a:rPr lang="en-US" dirty="0"/>
-              <a:t>The result of MOTA without the Kalman filter is 66.7%</a:t>
+              <a:rPr lang="en-US" sz="2000" dirty="0"/>
+              <a:t>The result of MOTA </a:t>
+            </a:r>
+            <a:r>
+              <a:rPr lang="en-US" sz="2000" b="1" dirty="0"/>
+              <a:t>without</a:t>
+            </a:r>
+            <a:r>
+              <a:rPr lang="en-US" sz="2000" dirty="0"/>
+              <a:t> the Kalman filter is </a:t>
+            </a:r>
+            <a:r>
+              <a:rPr lang="en-US" sz="2000" i="1" dirty="0"/>
+              <a:t>66.7%</a:t>
             </a:r>
           </a:p>
           <a:p>
@@ -12219,10 +12236,10 @@
               <a:buChar char="•"/>
             </a:pPr>
             <a:r>
-              <a:rPr lang="en-US" dirty="0"/>
+              <a:rPr lang="en-US" sz="2000" dirty="0"/>
               <a:t>It is the same result as using the filter with a warm-up equal to 4</a:t>
             </a:r>
-            <a:endParaRPr lang="es-ES" dirty="0"/>
+            <a:endParaRPr lang="es-ES" sz="2000" dirty="0"/>
           </a:p>
         </p:txBody>
       </p:sp>
@@ -12348,8 +12365,8 @@
         </p:nvSpPr>
         <p:spPr>
           <a:xfrm>
-            <a:off x="6096000" y="2782669"/>
-            <a:ext cx="3886200" cy="646331"/>
+            <a:off x="6095999" y="2782669"/>
+            <a:ext cx="4247535" cy="707886"/>
           </a:xfrm>
           <a:prstGeom prst="rect">
             <a:avLst/>
@@ -12363,10 +12380,10 @@
           <a:lstStyle/>
           <a:p>
             <a:r>
-              <a:rPr lang="en-US" dirty="0"/>
+              <a:rPr lang="en-US" sz="2000" dirty="0"/>
               <a:t>A Warm-up greater than or equal to 4 is necessary</a:t>
             </a:r>
-            <a:endParaRPr lang="es-ES" dirty="0"/>
+            <a:endParaRPr lang="es-ES" sz="2000" dirty="0"/>
           </a:p>
         </p:txBody>
       </p:sp>
@@ -12515,7 +12532,7 @@
         <p:spPr>
           <a:xfrm>
             <a:off x="837396" y="2162175"/>
-            <a:ext cx="5258603" cy="4110609"/>
+            <a:ext cx="5601504" cy="4110609"/>
           </a:xfrm>
         </p:spPr>
         <p:txBody>
@@ -12539,7 +12556,7 @@
               <a:buChar char="•"/>
             </a:pPr>
             <a:r>
-              <a:rPr lang="en-US" sz="1800" dirty="0"/>
+              <a:rPr lang="en-US" dirty="0"/>
               <a:t>Wait to initialize the tracker</a:t>
             </a:r>
           </a:p>
@@ -12549,15 +12566,15 @@
               <a:buChar char="•"/>
             </a:pPr>
             <a:r>
-              <a:rPr lang="en-US" sz="1600" dirty="0"/>
+              <a:rPr lang="en-US" dirty="0"/>
               <a:t>Robustness to objects </a:t>
             </a:r>
             <a:r>
-              <a:rPr lang="en-US" sz="1600" dirty="0" err="1"/>
+              <a:rPr lang="en-US" dirty="0" err="1"/>
               <a:t>misdetected</a:t>
             </a:r>
             <a:r>
-              <a:rPr lang="en-US" sz="1600" dirty="0"/>
+              <a:rPr lang="en-US" dirty="0"/>
               <a:t> by the object detector</a:t>
             </a:r>
           </a:p>
@@ -12584,7 +12601,7 @@
               <a:buChar char="•"/>
             </a:pPr>
             <a:r>
-              <a:rPr lang="en-US" sz="1800" dirty="0"/>
+              <a:rPr lang="en-US" dirty="0"/>
               <a:t>Save the tracker some frames</a:t>
             </a:r>
           </a:p>
@@ -12594,7 +12611,7 @@
               <a:buChar char="•"/>
             </a:pPr>
             <a:r>
-              <a:rPr lang="en-US" sz="1600" dirty="0"/>
+              <a:rPr lang="en-US" dirty="0"/>
               <a:t>Robustness to small occlusions</a:t>
             </a:r>
           </a:p>
@@ -12604,8 +12621,12 @@
               <a:buChar char="•"/>
             </a:pPr>
             <a:r>
+              <a:rPr lang="en-US" dirty="0"/>
+              <a:t>Robustness to non-identification of an object from the object detector in a frame</a:t>
+            </a:r>
+            <a:r>
               <a:rPr lang="en-US" sz="1600" dirty="0"/>
-              <a:t>Robustness to non-identification of an object from the object detector in a frame​</a:t>
+              <a:t>​</a:t>
             </a:r>
           </a:p>
         </p:txBody>
@@ -12818,7 +12839,15 @@
           <a:p>
             <a:r>
               <a:rPr lang="en-US" dirty="0"/>
-              <a:t>Avoid false acceptances in trackers</a:t>
+              <a:t>Avoid </a:t>
+            </a:r>
+            <a:r>
+              <a:rPr lang="en-US" i="1" dirty="0"/>
+              <a:t>false acceptances </a:t>
+            </a:r>
+            <a:r>
+              <a:rPr lang="en-US" dirty="0"/>
+              <a:t>in trackers</a:t>
             </a:r>
             <a:endParaRPr lang="es-ES" dirty="0"/>
           </a:p>
@@ -12854,7 +12883,15 @@
           <a:p>
             <a:r>
               <a:rPr lang="en-US" dirty="0"/>
-              <a:t>Avoid false rejections in trackers</a:t>
+              <a:t>Avoid </a:t>
+            </a:r>
+            <a:r>
+              <a:rPr lang="en-US" i="1" dirty="0"/>
+              <a:t>false rejections </a:t>
+            </a:r>
+            <a:r>
+              <a:rPr lang="en-US" dirty="0"/>
+              <a:t>in trackers</a:t>
             </a:r>
             <a:endParaRPr lang="es-ES" dirty="0"/>
           </a:p>
@@ -12874,8 +12911,8 @@
         </p:nvCxnSpPr>
         <p:spPr>
           <a:xfrm>
-            <a:off x="6181725" y="2933700"/>
-            <a:ext cx="933450" cy="0"/>
+            <a:off x="6438900" y="2933700"/>
+            <a:ext cx="792000" cy="0"/>
           </a:xfrm>
           <a:prstGeom prst="straightConnector1">
             <a:avLst/>
@@ -12913,8 +12950,8 @@
         </p:nvCxnSpPr>
         <p:spPr>
           <a:xfrm>
-            <a:off x="6181725" y="4629150"/>
-            <a:ext cx="933450" cy="0"/>
+            <a:off x="6438900" y="4629150"/>
+            <a:ext cx="792000" cy="0"/>
           </a:xfrm>
           <a:prstGeom prst="straightConnector1">
             <a:avLst/>

--- a/dlvsp_challenge_material/challenge.pptx
+++ b/dlvsp_challenge_material/challenge.pptx
@@ -5,7 +5,7 @@
     <p:sldMasterId id="2147483660" r:id="rId1"/>
   </p:sldMasterIdLst>
   <p:notesMasterIdLst>
-    <p:notesMasterId r:id="rId18"/>
+    <p:notesMasterId r:id="rId22"/>
   </p:notesMasterIdLst>
   <p:sldIdLst>
     <p:sldId id="256" r:id="rId2"/>
@@ -16,14 +16,18 @@
     <p:sldId id="273" r:id="rId7"/>
     <p:sldId id="271" r:id="rId8"/>
     <p:sldId id="272" r:id="rId9"/>
-    <p:sldId id="259" r:id="rId10"/>
-    <p:sldId id="276" r:id="rId11"/>
-    <p:sldId id="270" r:id="rId12"/>
-    <p:sldId id="277" r:id="rId13"/>
-    <p:sldId id="265" r:id="rId14"/>
-    <p:sldId id="266" r:id="rId15"/>
-    <p:sldId id="267" r:id="rId16"/>
-    <p:sldId id="269" r:id="rId17"/>
+    <p:sldId id="279" r:id="rId10"/>
+    <p:sldId id="280" r:id="rId11"/>
+    <p:sldId id="281" r:id="rId12"/>
+    <p:sldId id="276" r:id="rId13"/>
+    <p:sldId id="283" r:id="rId14"/>
+    <p:sldId id="284" r:id="rId15"/>
+    <p:sldId id="285" r:id="rId16"/>
+    <p:sldId id="277" r:id="rId17"/>
+    <p:sldId id="265" r:id="rId18"/>
+    <p:sldId id="266" r:id="rId19"/>
+    <p:sldId id="267" r:id="rId20"/>
+    <p:sldId id="269" r:id="rId21"/>
   </p:sldIdLst>
   <p:sldSz cx="12192000" cy="6858000"/>
   <p:notesSz cx="6858000" cy="9144000"/>
@@ -1787,7 +1791,7 @@
           <a:p>
             <a:fld id="{BF0745E0-287F-4811-919A-B8D88E64FCE2}" type="datetimeFigureOut">
               <a:rPr lang="es-ES" smtClean="0"/>
-              <a:t>18/01/2024</a:t>
+              <a:t>18/1/24</a:t>
             </a:fld>
             <a:endParaRPr lang="es-ES"/>
           </a:p>
@@ -2185,7 +2189,7 @@
           <a:p>
             <a:fld id="{B5AAF0E3-F7CD-437D-BF66-5E1033AEBC48}" type="datetime1">
               <a:rPr lang="es-ES" smtClean="0"/>
-              <a:t>18/01/2024</a:t>
+              <a:t>18/1/24</a:t>
             </a:fld>
             <a:endParaRPr lang="es-ES"/>
           </a:p>
@@ -2359,7 +2363,7 @@
           <a:p>
             <a:fld id="{B507EBA1-D7D2-4F60-9D54-61EC349CA8DE}" type="datetime1">
               <a:rPr lang="es-ES" smtClean="0"/>
-              <a:t>18/01/2024</a:t>
+              <a:t>18/1/24</a:t>
             </a:fld>
             <a:endParaRPr lang="es-ES"/>
           </a:p>
@@ -2543,7 +2547,7 @@
           <a:p>
             <a:fld id="{2FEB8FAF-BF8A-4DE1-ACE5-1EBB59EC9DE2}" type="datetime1">
               <a:rPr lang="es-ES" smtClean="0"/>
-              <a:t>18/01/2024</a:t>
+              <a:t>18/1/24</a:t>
             </a:fld>
             <a:endParaRPr lang="es-ES"/>
           </a:p>
@@ -2717,7 +2721,7 @@
           <a:p>
             <a:fld id="{15639B18-1B06-4784-BD05-48EBB3BC68EA}" type="datetime1">
               <a:rPr lang="es-ES" smtClean="0"/>
-              <a:t>18/01/2024</a:t>
+              <a:t>18/1/24</a:t>
             </a:fld>
             <a:endParaRPr lang="es-ES"/>
           </a:p>
@@ -2967,7 +2971,7 @@
           <a:p>
             <a:fld id="{18998221-6E39-4105-80B7-54C031657DE4}" type="datetime1">
               <a:rPr lang="es-ES" smtClean="0"/>
-              <a:t>18/01/2024</a:t>
+              <a:t>18/1/24</a:t>
             </a:fld>
             <a:endParaRPr lang="es-ES"/>
           </a:p>
@@ -3203,7 +3207,7 @@
           <a:p>
             <a:fld id="{97CEEE29-6110-4B34-B7E1-DD63067A4027}" type="datetime1">
               <a:rPr lang="es-ES" smtClean="0"/>
-              <a:t>18/01/2024</a:t>
+              <a:t>18/1/24</a:t>
             </a:fld>
             <a:endParaRPr lang="es-ES"/>
           </a:p>
@@ -3574,7 +3578,7 @@
           <a:p>
             <a:fld id="{1E21A8AA-F696-4A43-8363-E87AE06C7E1E}" type="datetime1">
               <a:rPr lang="es-ES" smtClean="0"/>
-              <a:t>18/01/2024</a:t>
+              <a:t>18/1/24</a:t>
             </a:fld>
             <a:endParaRPr lang="es-ES"/>
           </a:p>
@@ -3696,7 +3700,7 @@
           <a:p>
             <a:fld id="{AAD9F745-2A02-45FD-8087-CD6CD447360D}" type="datetime1">
               <a:rPr lang="es-ES" smtClean="0"/>
-              <a:t>18/01/2024</a:t>
+              <a:t>18/1/24</a:t>
             </a:fld>
             <a:endParaRPr lang="es-ES"/>
           </a:p>
@@ -3795,7 +3799,7 @@
           <a:p>
             <a:fld id="{E37B116B-9D0F-4308-A663-0DA0D858F171}" type="datetime1">
               <a:rPr lang="es-ES" smtClean="0"/>
-              <a:t>18/01/2024</a:t>
+              <a:t>18/1/24</a:t>
             </a:fld>
             <a:endParaRPr lang="es-ES"/>
           </a:p>
@@ -4076,7 +4080,7 @@
           <a:p>
             <a:fld id="{808CA993-B55A-4034-B95E-6BAFACC33099}" type="datetime1">
               <a:rPr lang="es-ES" smtClean="0"/>
-              <a:t>18/01/2024</a:t>
+              <a:t>18/1/24</a:t>
             </a:fld>
             <a:endParaRPr lang="es-ES"/>
           </a:p>
@@ -4337,7 +4341,7 @@
           <a:p>
             <a:fld id="{EEB41C2B-BC1C-4545-B815-3B3F24199EE6}" type="datetime1">
               <a:rPr lang="es-ES" smtClean="0"/>
-              <a:t>18/01/2024</a:t>
+              <a:t>18/1/24</a:t>
             </a:fld>
             <a:endParaRPr lang="es-ES"/>
           </a:p>
@@ -4554,7 +4558,7 @@
           <a:p>
             <a:fld id="{0DF8A29A-D450-4515-9700-7126FF361962}" type="datetime1">
               <a:rPr lang="es-ES" smtClean="0"/>
-              <a:t>18/01/2024</a:t>
+              <a:t>18/1/24</a:t>
             </a:fld>
             <a:endParaRPr lang="es-ES"/>
           </a:p>
@@ -5958,17 +5962,15 @@
 <file path=ppt/slides/slide10.xml><?xml version="1.0" encoding="utf-8"?>
 <p:sld xmlns:a="http://schemas.openxmlformats.org/drawingml/2006/main" xmlns:r="http://schemas.openxmlformats.org/officeDocument/2006/relationships" xmlns:p="http://schemas.openxmlformats.org/presentationml/2006/main">
   <p:cSld>
-    <p:bg>
-      <p:bgPr>
-        <a:solidFill>
-          <a:schemeClr val="bg1"/>
-        </a:solidFill>
-        <a:effectLst/>
-      </p:bgPr>
-    </p:bg>
     <p:spTree>
       <p:nvGrpSpPr>
-        <p:cNvPr id="1" name=""/>
+        <p:cNvPr id="1" name="">
+          <a:extLst>
+            <a:ext uri="{FF2B5EF4-FFF2-40B4-BE49-F238E27FC236}">
+              <a16:creationId xmlns:a16="http://schemas.microsoft.com/office/drawing/2014/main" id="{5965B597-B5F8-CF63-DC02-05C02A3003AB}"/>
+            </a:ext>
+          </a:extLst>
+        </p:cNvPr>
         <p:cNvGrpSpPr/>
         <p:nvPr/>
       </p:nvGrpSpPr>
@@ -5985,7 +5987,7 @@
           <p:cNvPr id="2" name="Título 1">
             <a:extLst>
               <a:ext uri="{FF2B5EF4-FFF2-40B4-BE49-F238E27FC236}">
-                <a16:creationId xmlns:a16="http://schemas.microsoft.com/office/drawing/2014/main" id="{B7006F94-BBA3-B8CB-6962-6A7E8B6697EF}"/>
+                <a16:creationId xmlns:a16="http://schemas.microsoft.com/office/drawing/2014/main" id="{B18823F9-CE79-E8EB-5D25-8FB5095DCC0C}"/>
               </a:ext>
             </a:extLst>
           </p:cNvPr>
@@ -5999,12 +6001,12 @@
         <p:spPr>
           <a:xfrm>
             <a:off x="837396" y="585216"/>
-            <a:ext cx="9473416" cy="666068"/>
+            <a:ext cx="6363503" cy="666068"/>
           </a:xfrm>
         </p:spPr>
         <p:txBody>
           <a:bodyPr vert="horz" lIns="91440" tIns="45720" rIns="91440" bIns="45720" rtlCol="0" anchor="b">
-            <a:normAutofit/>
+            <a:normAutofit fontScale="90000"/>
           </a:bodyPr>
           <a:lstStyle/>
           <a:p>
@@ -6017,7 +6019,7 @@
                   </a:schemeClr>
                 </a:solidFill>
               </a:rPr>
-              <a:t>Selection of the best hyperparameters and results</a:t>
+              <a:t>Improvements in data association</a:t>
             </a:r>
           </a:p>
         </p:txBody>
@@ -6027,7 +6029,7 @@
           <p:cNvPr id="3" name="Subtítulo 2">
             <a:extLst>
               <a:ext uri="{FF2B5EF4-FFF2-40B4-BE49-F238E27FC236}">
-                <a16:creationId xmlns:a16="http://schemas.microsoft.com/office/drawing/2014/main" id="{B0BCFCBA-0DDF-19BB-FDBD-C17EB2F5D235}"/>
+                <a16:creationId xmlns:a16="http://schemas.microsoft.com/office/drawing/2014/main" id="{06431D74-D6FA-8AB2-2CA0-864D2DA9A285}"/>
               </a:ext>
             </a:extLst>
           </p:cNvPr>
@@ -6040,8 +6042,8 @@
         </p:nvSpPr>
         <p:spPr>
           <a:xfrm>
-            <a:off x="837397" y="2162176"/>
-            <a:ext cx="3791754" cy="3638550"/>
+            <a:off x="837396" y="2457450"/>
+            <a:ext cx="8845446" cy="3586734"/>
           </a:xfrm>
         </p:spPr>
         <p:txBody>
@@ -6055,16 +6057,8 @@
               <a:buChar char="•"/>
             </a:pPr>
             <a:r>
-              <a:rPr lang="en-US" dirty="0"/>
-              <a:t>Hungarian A</a:t>
-            </a:r>
-            <a:r>
-              <a:rPr lang="en-US" sz="2400" dirty="0"/>
-              <a:t>lgorithm</a:t>
-            </a:r>
-            <a:r>
-              <a:rPr lang="en-US" dirty="0"/>
-              <a:t> </a:t>
+              <a:rPr lang="en-US" sz="2000" dirty="0"/>
+              <a:t>Hard to implement since a lot of computations are made. </a:t>
             </a:r>
           </a:p>
           <a:p>
@@ -6073,8 +6067,8 @@
               <a:buChar char="•"/>
             </a:pPr>
             <a:r>
-              <a:rPr lang="en-US" dirty="0"/>
-              <a:t>Warm-Up -&gt; 4</a:t>
+              <a:rPr lang="en-US" sz="2000" dirty="0"/>
+              <a:t>Lots of loops to iterate between tracks, bounding boxes, N features stored for each track... not optimal!</a:t>
             </a:r>
           </a:p>
           <a:p>
@@ -6083,8 +6077,16 @@
               <a:buChar char="•"/>
             </a:pPr>
             <a:r>
-              <a:rPr lang="en-US" dirty="0"/>
-              <a:t>Patient Init -&gt; 0</a:t>
+              <a:rPr lang="en-US" sz="2000" dirty="0"/>
+              <a:t>Functional programming (map –reduce) to reduce computation overhead. Along with vectorial operations in </a:t>
+            </a:r>
+            <a:r>
+              <a:rPr lang="en-US" sz="2000" dirty="0" err="1"/>
+              <a:t>PyTorch</a:t>
+            </a:r>
+            <a:r>
+              <a:rPr lang="en-US" sz="2000" dirty="0"/>
+              <a:t>.</a:t>
             </a:r>
           </a:p>
           <a:p>
@@ -6093,44 +6095,23 @@
               <a:buChar char="•"/>
             </a:pPr>
             <a:r>
-              <a:rPr lang="en-US" dirty="0"/>
-              <a:t>Patient Remove -&gt; 10</a:t>
-            </a:r>
-          </a:p>
-          <a:p>
-            <a:pPr marL="457200" indent="-228600" algn="l">
+              <a:rPr lang="en-US" sz="2000" dirty="0"/>
+              <a:t>At first, just to process MOT16-05 sequence it would last 40 mins! After introducing functional programming, roughly 1 min 10 sec.</a:t>
+            </a:r>
+          </a:p>
+          <a:p>
+            <a:pPr marL="571500" indent="-342900" algn="l">
               <a:buFont typeface="Arial" panose="020B0604020202020204" pitchFamily="34" charset="0"/>
               <a:buChar char="•"/>
             </a:pPr>
             <a:r>
-              <a:rPr lang="el-GR" dirty="0"/>
-              <a:t>Δ</a:t>
-            </a:r>
-            <a:r>
-              <a:rPr lang="es-ES" dirty="0"/>
-              <a:t>t </a:t>
-            </a:r>
-            <a:r>
-              <a:rPr lang="en-US" dirty="0"/>
-              <a:t>Kalman -&gt; 1</a:t>
-            </a:r>
-          </a:p>
-          <a:p>
-            <a:pPr marL="457200" indent="-228600" algn="l">
-              <a:buFont typeface="Arial" panose="020B0604020202020204" pitchFamily="34" charset="0"/>
-              <a:buChar char="•"/>
-            </a:pPr>
-            <a:r>
-              <a:rPr lang="en-US" dirty="0"/>
-              <a:t>NMS -&gt; 0.35</a:t>
-            </a:r>
-          </a:p>
-          <a:p>
-            <a:pPr marL="457200" indent="-228600" algn="l">
-              <a:buFont typeface="Arial" panose="020B0604020202020204" pitchFamily="34" charset="0"/>
-              <a:buChar char="•"/>
-            </a:pPr>
-            <a:endParaRPr lang="en-US" sz="1600" dirty="0"/>
+              <a:rPr lang="en-US" sz="2000" dirty="0"/>
+              <a:t>Update the cost matrix:</a:t>
+            </a:r>
+          </a:p>
+          <a:p>
+            <a:pPr marL="228600" algn="l"/>
+            <a:endParaRPr lang="en-US" sz="2000" dirty="0"/>
           </a:p>
         </p:txBody>
       </p:sp>
@@ -6139,7 +6120,7 @@
           <p:cNvPr id="4" name="Marcador de pie de página 3">
             <a:extLst>
               <a:ext uri="{FF2B5EF4-FFF2-40B4-BE49-F238E27FC236}">
-                <a16:creationId xmlns:a16="http://schemas.microsoft.com/office/drawing/2014/main" id="{44FC2B2D-D3F4-A2F3-5AEB-F392280F82B4}"/>
+                <a16:creationId xmlns:a16="http://schemas.microsoft.com/office/drawing/2014/main" id="{DA497BB8-365A-6C1A-3E59-ECB9B62216DB}"/>
               </a:ext>
             </a:extLst>
           </p:cNvPr>
@@ -6185,7 +6166,7 @@
           <p:cNvPr id="6" name="Marcador de número de diapositiva 5">
             <a:extLst>
               <a:ext uri="{FF2B5EF4-FFF2-40B4-BE49-F238E27FC236}">
-                <a16:creationId xmlns:a16="http://schemas.microsoft.com/office/drawing/2014/main" id="{FB27849B-D49B-4080-5FE3-FD5282577E34}"/>
+                <a16:creationId xmlns:a16="http://schemas.microsoft.com/office/drawing/2014/main" id="{339CF4F9-D15A-F685-A746-8334CAB0AA84}"/>
               </a:ext>
             </a:extLst>
           </p:cNvPr>
@@ -6223,10 +6204,10 @@
       </p:sp>
       <p:sp>
         <p:nvSpPr>
-          <p:cNvPr id="9" name="CuadroTexto 8">
+          <p:cNvPr id="8" name="CuadroTexto 7">
             <a:extLst>
               <a:ext uri="{FF2B5EF4-FFF2-40B4-BE49-F238E27FC236}">
-                <a16:creationId xmlns:a16="http://schemas.microsoft.com/office/drawing/2014/main" id="{FA66E61E-190F-D95E-4D98-486C1BCC0475}"/>
+                <a16:creationId xmlns:a16="http://schemas.microsoft.com/office/drawing/2014/main" id="{75B07075-3939-6A2E-9680-E510122A9FF5}"/>
               </a:ext>
             </a:extLst>
           </p:cNvPr>
@@ -6236,7 +6217,7 @@
         <p:spPr>
           <a:xfrm>
             <a:off x="837396" y="1251284"/>
-            <a:ext cx="3457575" cy="738664"/>
+            <a:ext cx="4495800" cy="1107996"/>
           </a:xfrm>
           <a:prstGeom prst="rect">
             <a:avLst/>
@@ -6249,6 +6230,16 @@
           </a:bodyPr>
           <a:lstStyle/>
           <a:p>
+            <a:r>
+              <a:rPr lang="es-ES" sz="2400" i="1" dirty="0">
+                <a:solidFill>
+                  <a:schemeClr val="accent1">
+                    <a:lumMod val="75000"/>
+                  </a:schemeClr>
+                </a:solidFill>
+              </a:rPr>
+              <a:t>Deep </a:t>
+            </a:r>
             <a:r>
               <a:rPr lang="es-ES" sz="2400" i="1" dirty="0" err="1">
                 <a:solidFill>
@@ -6257,7 +6248,67 @@
                   </a:schemeClr>
                 </a:solidFill>
               </a:rPr>
-              <a:t>Conclusion</a:t>
+              <a:t>Features</a:t>
+            </a:r>
+            <a:r>
+              <a:rPr lang="es-ES" sz="2400" i="1" dirty="0">
+                <a:solidFill>
+                  <a:schemeClr val="accent1">
+                    <a:lumMod val="75000"/>
+                  </a:schemeClr>
+                </a:solidFill>
+              </a:rPr>
+              <a:t> – </a:t>
+            </a:r>
+            <a:r>
+              <a:rPr lang="es-ES" sz="2400" i="1" dirty="0" err="1">
+                <a:solidFill>
+                  <a:schemeClr val="accent1">
+                    <a:lumMod val="75000"/>
+                  </a:schemeClr>
+                </a:solidFill>
+              </a:rPr>
+              <a:t>Details</a:t>
+            </a:r>
+            <a:r>
+              <a:rPr lang="es-ES" sz="2400" i="1" dirty="0">
+                <a:solidFill>
+                  <a:schemeClr val="accent1">
+                    <a:lumMod val="75000"/>
+                  </a:schemeClr>
+                </a:solidFill>
+              </a:rPr>
+              <a:t> </a:t>
+            </a:r>
+            <a:r>
+              <a:rPr lang="es-ES" sz="2400" i="1" dirty="0" err="1">
+                <a:solidFill>
+                  <a:schemeClr val="accent1">
+                    <a:lumMod val="75000"/>
+                  </a:schemeClr>
+                </a:solidFill>
+              </a:rPr>
+              <a:t>on</a:t>
+            </a:r>
+            <a:r>
+              <a:rPr lang="es-ES" sz="2400" i="1" dirty="0">
+                <a:solidFill>
+                  <a:schemeClr val="accent1">
+                    <a:lumMod val="75000"/>
+                  </a:schemeClr>
+                </a:solidFill>
+              </a:rPr>
+              <a:t>  </a:t>
+            </a:r>
+            <a:r>
+              <a:rPr lang="es-ES" sz="2400" i="1" dirty="0" err="1">
+                <a:solidFill>
+                  <a:schemeClr val="accent1">
+                    <a:lumMod val="75000"/>
+                  </a:schemeClr>
+                </a:solidFill>
+              </a:rPr>
+              <a:t>implementation</a:t>
             </a:r>
             <a:endParaRPr lang="en-US" sz="2400" i="1" dirty="0">
               <a:solidFill>
@@ -6272,199 +6323,247 @@
           </a:p>
         </p:txBody>
       </p:sp>
-      <p:sp>
-        <p:nvSpPr>
-          <p:cNvPr id="12" name="Cerrar llave 11">
-            <a:extLst>
-              <a:ext uri="{FF2B5EF4-FFF2-40B4-BE49-F238E27FC236}">
-                <a16:creationId xmlns:a16="http://schemas.microsoft.com/office/drawing/2014/main" id="{562A711A-1366-CD9E-83C5-9472BAF07642}"/>
-              </a:ext>
-            </a:extLst>
-          </p:cNvPr>
-          <p:cNvSpPr/>
-          <p:nvPr/>
-        </p:nvSpPr>
-        <p:spPr>
-          <a:xfrm>
-            <a:off x="4246753" y="1989948"/>
-            <a:ext cx="432000" cy="3240000"/>
-          </a:xfrm>
-          <a:prstGeom prst="rightBrace">
-            <a:avLst/>
-          </a:prstGeom>
-          <a:noFill/>
-          <a:ln w="38100"/>
-        </p:spPr>
-        <p:style>
-          <a:lnRef idx="1">
-            <a:schemeClr val="accent1"/>
-          </a:lnRef>
-          <a:fillRef idx="0">
-            <a:schemeClr val="accent1"/>
-          </a:fillRef>
-          <a:effectRef idx="0">
-            <a:schemeClr val="accent1"/>
-          </a:effectRef>
-          <a:fontRef idx="minor">
-            <a:schemeClr val="tx1"/>
-          </a:fontRef>
-        </p:style>
-        <p:txBody>
-          <a:bodyPr rtlCol="0" anchor="ctr"/>
-          <a:lstStyle/>
-          <a:p>
-            <a:pPr algn="ctr"/>
-            <a:endParaRPr lang="es-ES"/>
-          </a:p>
-        </p:txBody>
-      </p:sp>
-      <p:grpSp>
-        <p:nvGrpSpPr>
-          <p:cNvPr id="24" name="Grupo 23">
-            <a:extLst>
-              <a:ext uri="{FF2B5EF4-FFF2-40B4-BE49-F238E27FC236}">
-                <a16:creationId xmlns:a16="http://schemas.microsoft.com/office/drawing/2014/main" id="{7FCE9C8B-B521-6FE3-BCB2-15FAE598E0D2}"/>
-              </a:ext>
-            </a:extLst>
-          </p:cNvPr>
-          <p:cNvGrpSpPr/>
-          <p:nvPr/>
-        </p:nvGrpSpPr>
-        <p:grpSpPr>
-          <a:xfrm>
-            <a:off x="5012933" y="2784502"/>
-            <a:ext cx="6480000" cy="1620000"/>
-            <a:chOff x="6079733" y="4352924"/>
-            <a:chExt cx="5693168" cy="1538288"/>
-          </a:xfrm>
-        </p:grpSpPr>
-        <p:pic>
-          <p:nvPicPr>
-            <p:cNvPr id="21" name="Imagen 20" descr="Tabla&#10;&#10;Descripción generada automáticamente">
-              <a:extLst>
-                <a:ext uri="{FF2B5EF4-FFF2-40B4-BE49-F238E27FC236}">
-                  <a16:creationId xmlns:a16="http://schemas.microsoft.com/office/drawing/2014/main" id="{65C64102-76DB-6D09-389A-DCECCD266E0D}"/>
-                </a:ext>
-              </a:extLst>
-            </p:cNvPr>
-            <p:cNvPicPr>
-              <a:picLocks noChangeAspect="1"/>
-            </p:cNvPicPr>
-            <p:nvPr/>
-          </p:nvPicPr>
-          <p:blipFill rotWithShape="1">
-            <a:blip r:embed="rId2">
-              <a:extLst>
-                <a:ext uri="{28A0092B-C50C-407E-A947-70E740481C1C}">
-                  <a14:useLocalDpi xmlns:a14="http://schemas.microsoft.com/office/drawing/2010/main" val="0"/>
-                </a:ext>
-              </a:extLst>
-            </a:blip>
-            <a:srcRect l="30619" t="10773"/>
-            <a:stretch/>
-          </p:blipFill>
-          <p:spPr>
-            <a:xfrm>
-              <a:off x="6816529" y="4352925"/>
-              <a:ext cx="4956372" cy="1538287"/>
-            </a:xfrm>
-            <a:prstGeom prst="rect">
-              <a:avLst/>
-            </a:prstGeom>
-          </p:spPr>
-        </p:pic>
-        <p:pic>
-          <p:nvPicPr>
-            <p:cNvPr id="23" name="Imagen 22" descr="Tabla&#10;&#10;Descripción generada automáticamente">
-              <a:extLst>
-                <a:ext uri="{FF2B5EF4-FFF2-40B4-BE49-F238E27FC236}">
-                  <a16:creationId xmlns:a16="http://schemas.microsoft.com/office/drawing/2014/main" id="{5921E998-5BA1-4232-692C-F338005B6457}"/>
-                </a:ext>
-              </a:extLst>
-            </p:cNvPr>
-            <p:cNvPicPr>
-              <a:picLocks noChangeAspect="1"/>
-            </p:cNvPicPr>
-            <p:nvPr/>
-          </p:nvPicPr>
-          <p:blipFill rotWithShape="1">
-            <a:blip r:embed="rId2">
-              <a:extLst>
-                <a:ext uri="{28A0092B-C50C-407E-A947-70E740481C1C}">
-                  <a14:useLocalDpi xmlns:a14="http://schemas.microsoft.com/office/drawing/2010/main" val="0"/>
-                </a:ext>
-              </a:extLst>
-            </a:blip>
-            <a:srcRect t="10773" r="89686"/>
-            <a:stretch/>
-          </p:blipFill>
-          <p:spPr>
-            <a:xfrm>
-              <a:off x="6079733" y="4352924"/>
-              <a:ext cx="736796" cy="1538287"/>
-            </a:xfrm>
-            <a:prstGeom prst="rect">
-              <a:avLst/>
-            </a:prstGeom>
-          </p:spPr>
-        </p:pic>
-      </p:grpSp>
-      <p:sp>
-        <p:nvSpPr>
-          <p:cNvPr id="25" name="Elipse 24">
-            <a:extLst>
-              <a:ext uri="{FF2B5EF4-FFF2-40B4-BE49-F238E27FC236}">
-                <a16:creationId xmlns:a16="http://schemas.microsoft.com/office/drawing/2014/main" id="{82907B92-7905-37FB-1F1C-351E7EFB3A40}"/>
-              </a:ext>
-            </a:extLst>
-          </p:cNvPr>
-          <p:cNvSpPr/>
-          <p:nvPr/>
-        </p:nvSpPr>
-        <p:spPr>
-          <a:xfrm>
-            <a:off x="10310812" y="4114679"/>
-            <a:ext cx="576000" cy="360000"/>
-          </a:xfrm>
-          <a:prstGeom prst="ellipse">
-            <a:avLst/>
-          </a:prstGeom>
-          <a:noFill/>
-          <a:ln w="28575">
-            <a:solidFill>
-              <a:srgbClr val="FF0000"/>
-            </a:solidFill>
-          </a:ln>
-        </p:spPr>
-        <p:style>
-          <a:lnRef idx="2">
-            <a:schemeClr val="accent1">
-              <a:shade val="15000"/>
-            </a:schemeClr>
-          </a:lnRef>
-          <a:fillRef idx="1">
-            <a:schemeClr val="accent1"/>
-          </a:fillRef>
-          <a:effectRef idx="0">
-            <a:schemeClr val="accent1"/>
-          </a:effectRef>
-          <a:fontRef idx="minor">
-            <a:schemeClr val="lt1"/>
-          </a:fontRef>
-        </p:style>
-        <p:txBody>
-          <a:bodyPr rtlCol="0" anchor="ctr"/>
-          <a:lstStyle/>
-          <a:p>
-            <a:pPr algn="ctr"/>
-            <a:endParaRPr lang="es-ES"/>
-          </a:p>
-        </p:txBody>
-      </p:sp>
+      <mc:AlternateContent xmlns:mc="http://schemas.openxmlformats.org/markup-compatibility/2006" xmlns:a14="http://schemas.microsoft.com/office/drawing/2010/main">
+        <mc:Choice Requires="a14">
+          <p:sp>
+            <p:nvSpPr>
+              <p:cNvPr id="5" name="CuadroTexto 4">
+                <a:extLst>
+                  <a:ext uri="{FF2B5EF4-FFF2-40B4-BE49-F238E27FC236}">
+                    <a16:creationId xmlns:a16="http://schemas.microsoft.com/office/drawing/2014/main" id="{FD5BF87F-8119-D201-C75A-B7EB0C725BCA}"/>
+                  </a:ext>
+                </a:extLst>
+              </p:cNvPr>
+              <p:cNvSpPr txBox="1"/>
+              <p:nvPr/>
+            </p:nvSpPr>
+            <p:spPr>
+              <a:xfrm>
+                <a:off x="1542758" y="5507475"/>
+                <a:ext cx="9106483" cy="369332"/>
+              </a:xfrm>
+              <a:prstGeom prst="rect">
+                <a:avLst/>
+              </a:prstGeom>
+              <a:noFill/>
+            </p:spPr>
+            <p:txBody>
+              <a:bodyPr wrap="square" rtlCol="0">
+                <a:spAutoFit/>
+              </a:bodyPr>
+              <a:lstStyle/>
+              <a:p>
+                <a14:m>
+                  <m:oMath xmlns:m="http://schemas.openxmlformats.org/officeDocument/2006/math">
+                    <m:r>
+                      <a:rPr lang="es-ES" b="1" i="1" smtClean="0">
+                        <a:latin typeface="Cambria Math" panose="02040503050406030204" pitchFamily="18" charset="0"/>
+                      </a:rPr>
+                      <m:t>𝑭𝒊𝒏𝒂𝒍</m:t>
+                    </m:r>
+                    <m:r>
+                      <a:rPr lang="es-ES" b="1" i="1" smtClean="0">
+                        <a:latin typeface="Cambria Math" panose="02040503050406030204" pitchFamily="18" charset="0"/>
+                      </a:rPr>
+                      <m:t> </m:t>
+                    </m:r>
+                    <m:r>
+                      <a:rPr lang="es-ES" b="1" i="1" smtClean="0">
+                        <a:latin typeface="Cambria Math" panose="02040503050406030204" pitchFamily="18" charset="0"/>
+                      </a:rPr>
+                      <m:t>𝑪𝒐𝒔𝒕</m:t>
+                    </m:r>
+                    <m:r>
+                      <a:rPr lang="es-ES" b="1" i="1" smtClean="0">
+                        <a:latin typeface="Cambria Math" panose="02040503050406030204" pitchFamily="18" charset="0"/>
+                      </a:rPr>
+                      <m:t>=</m:t>
+                    </m:r>
+                    <m:d>
+                      <m:dPr>
+                        <m:ctrlPr>
+                          <a:rPr lang="es-ES" b="1" i="1" smtClean="0">
+                            <a:latin typeface="Cambria Math" panose="02040503050406030204" pitchFamily="18" charset="0"/>
+                          </a:rPr>
+                        </m:ctrlPr>
+                      </m:dPr>
+                      <m:e>
+                        <m:r>
+                          <a:rPr lang="el-GR" b="1" i="1">
+                            <a:latin typeface="Cambria Math" panose="02040503050406030204" pitchFamily="18" charset="0"/>
+                          </a:rPr>
+                          <m:t>𝝀</m:t>
+                        </m:r>
+                      </m:e>
+                    </m:d>
+                    <m:r>
+                      <a:rPr lang="es-ES" b="1" i="1" smtClean="0">
+                        <a:latin typeface="Cambria Math" panose="02040503050406030204" pitchFamily="18" charset="0"/>
+                      </a:rPr>
+                      <m:t>·</m:t>
+                    </m:r>
+                    <m:r>
+                      <a:rPr lang="es-ES" b="1" i="1">
+                        <a:latin typeface="Cambria Math" panose="02040503050406030204" pitchFamily="18" charset="0"/>
+                      </a:rPr>
+                      <m:t>𝑰𝒐𝑼</m:t>
+                    </m:r>
+                    <m:r>
+                      <a:rPr lang="es-ES" b="1" i="1">
+                        <a:latin typeface="Cambria Math" panose="02040503050406030204" pitchFamily="18" charset="0"/>
+                      </a:rPr>
+                      <m:t> </m:t>
+                    </m:r>
+                    <m:r>
+                      <a:rPr lang="es-ES" b="1" i="1">
+                        <a:latin typeface="Cambria Math" panose="02040503050406030204" pitchFamily="18" charset="0"/>
+                      </a:rPr>
+                      <m:t>𝒘𝒆𝒊𝒈𝒉𝒕𝒆𝒅</m:t>
+                    </m:r>
+                    <m:r>
+                      <a:rPr lang="es-ES" b="1" i="1" smtClean="0">
+                        <a:latin typeface="Cambria Math" panose="02040503050406030204" pitchFamily="18" charset="0"/>
+                      </a:rPr>
+                      <m:t>+</m:t>
+                    </m:r>
+                    <m:d>
+                      <m:dPr>
+                        <m:ctrlPr>
+                          <a:rPr lang="es-ES" b="1" i="1" smtClean="0">
+                            <a:latin typeface="Cambria Math" panose="02040503050406030204" pitchFamily="18" charset="0"/>
+                          </a:rPr>
+                        </m:ctrlPr>
+                      </m:dPr>
+                      <m:e>
+                        <m:r>
+                          <a:rPr lang="es-ES" b="1" i="1" smtClean="0">
+                            <a:latin typeface="Cambria Math" panose="02040503050406030204" pitchFamily="18" charset="0"/>
+                          </a:rPr>
+                          <m:t>𝟏</m:t>
+                        </m:r>
+                        <m:r>
+                          <a:rPr lang="es-ES" b="1" i="1" smtClean="0">
+                            <a:latin typeface="Cambria Math" panose="02040503050406030204" pitchFamily="18" charset="0"/>
+                          </a:rPr>
+                          <m:t>−</m:t>
+                        </m:r>
+                        <m:r>
+                          <a:rPr lang="el-GR" b="1" i="1">
+                            <a:latin typeface="Cambria Math" panose="02040503050406030204" pitchFamily="18" charset="0"/>
+                          </a:rPr>
+                          <m:t>𝝀</m:t>
+                        </m:r>
+                      </m:e>
+                    </m:d>
+                    <m:r>
+                      <a:rPr lang="es-ES" b="1" i="1" smtClean="0">
+                        <a:latin typeface="Cambria Math" panose="02040503050406030204" pitchFamily="18" charset="0"/>
+                      </a:rPr>
+                      <m:t>·</m:t>
+                    </m:r>
+                    <m:r>
+                      <a:rPr lang="es-ES" b="1" i="1" smtClean="0">
+                        <a:latin typeface="Cambria Math" panose="02040503050406030204" pitchFamily="18" charset="0"/>
+                      </a:rPr>
+                      <m:t>𝑫𝒆𝒆𝒑</m:t>
+                    </m:r>
+                    <m:r>
+                      <a:rPr lang="es-ES" b="1" i="1" smtClean="0">
+                        <a:latin typeface="Cambria Math" panose="02040503050406030204" pitchFamily="18" charset="0"/>
+                      </a:rPr>
+                      <m:t> </m:t>
+                    </m:r>
+                    <m:r>
+                      <a:rPr lang="es-ES" b="1" i="1" smtClean="0">
+                        <a:latin typeface="Cambria Math" panose="02040503050406030204" pitchFamily="18" charset="0"/>
+                      </a:rPr>
+                      <m:t>𝑭𝒆𝒂𝒕𝒖𝒓𝒆𝒔</m:t>
+                    </m:r>
+                    <m:r>
+                      <a:rPr lang="es-ES" b="1" i="1" smtClean="0">
+                        <a:latin typeface="Cambria Math" panose="02040503050406030204" pitchFamily="18" charset="0"/>
+                      </a:rPr>
+                      <m:t> </m:t>
+                    </m:r>
+                    <m:r>
+                      <a:rPr lang="es-ES" b="1" i="1" smtClean="0">
+                        <a:latin typeface="Cambria Math" panose="02040503050406030204" pitchFamily="18" charset="0"/>
+                      </a:rPr>
+                      <m:t>𝑪𝒐𝒔𝒕</m:t>
+                    </m:r>
+                  </m:oMath>
+                </a14:m>
+                <a:r>
+                  <a:rPr lang="es-ES" dirty="0"/>
+                  <a:t>                 with </a:t>
+                </a:r>
+                <a14:m>
+                  <m:oMath xmlns:m="http://schemas.openxmlformats.org/officeDocument/2006/math">
+                    <m:r>
+                      <a:rPr lang="el-GR" b="1" i="1">
+                        <a:latin typeface="Cambria Math" panose="02040503050406030204" pitchFamily="18" charset="0"/>
+                      </a:rPr>
+                      <m:t>𝝀</m:t>
+                    </m:r>
+                  </m:oMath>
+                </a14:m>
+                <a:r>
+                  <a:rPr lang="es-ES" dirty="0"/>
+                  <a:t> = 0.4 </a:t>
+                </a:r>
+              </a:p>
+            </p:txBody>
+          </p:sp>
+        </mc:Choice>
+        <mc:Fallback xmlns="">
+          <p:sp>
+            <p:nvSpPr>
+              <p:cNvPr id="5" name="CuadroTexto 4">
+                <a:extLst>
+                  <a:ext uri="{FF2B5EF4-FFF2-40B4-BE49-F238E27FC236}">
+                    <a16:creationId xmlns:a16="http://schemas.microsoft.com/office/drawing/2014/main" id="{FD5BF87F-8119-D201-C75A-B7EB0C725BCA}"/>
+                  </a:ext>
+                </a:extLst>
+              </p:cNvPr>
+              <p:cNvSpPr txBox="1">
+                <a:spLocks noRot="1" noChangeAspect="1" noMove="1" noResize="1" noEditPoints="1" noAdjustHandles="1" noChangeArrowheads="1" noChangeShapeType="1" noTextEdit="1"/>
+              </p:cNvSpPr>
+              <p:nvPr/>
+            </p:nvSpPr>
+            <p:spPr>
+              <a:xfrm>
+                <a:off x="1542758" y="5507475"/>
+                <a:ext cx="9106483" cy="369332"/>
+              </a:xfrm>
+              <a:prstGeom prst="rect">
+                <a:avLst/>
+              </a:prstGeom>
+              <a:blipFill>
+                <a:blip r:embed="rId2"/>
+                <a:stretch>
+                  <a:fillRect t="-6667" b="-26667"/>
+                </a:stretch>
+              </a:blipFill>
+            </p:spPr>
+            <p:txBody>
+              <a:bodyPr/>
+              <a:lstStyle/>
+              <a:p>
+                <a:r>
+                  <a:rPr lang="en-GB">
+                    <a:noFill/>
+                  </a:rPr>
+                  <a:t> </a:t>
+                </a:r>
+              </a:p>
+            </p:txBody>
+          </p:sp>
+        </mc:Fallback>
+      </mc:AlternateContent>
     </p:spTree>
     <p:extLst>
       <p:ext uri="{BB962C8B-B14F-4D97-AF65-F5344CB8AC3E}">
-        <p14:creationId xmlns:p14="http://schemas.microsoft.com/office/powerpoint/2010/main" val="517190721"/>
+        <p14:creationId xmlns:p14="http://schemas.microsoft.com/office/powerpoint/2010/main" val="1534369436"/>
       </p:ext>
     </p:extLst>
   </p:cSld>
@@ -6477,14 +6576,6 @@
 <file path=ppt/slides/slide11.xml><?xml version="1.0" encoding="utf-8"?>
 <p:sld xmlns:a="http://schemas.openxmlformats.org/drawingml/2006/main" xmlns:r="http://schemas.openxmlformats.org/officeDocument/2006/relationships" xmlns:p="http://schemas.openxmlformats.org/presentationml/2006/main">
   <p:cSld>
-    <p:bg>
-      <p:bgPr>
-        <a:solidFill>
-          <a:schemeClr val="bg1"/>
-        </a:solidFill>
-        <a:effectLst/>
-      </p:bgPr>
-    </p:bg>
     <p:spTree>
       <p:nvGrpSpPr>
         <p:cNvPr id="1" name=""/>
@@ -6517,8 +6608,8 @@
         </p:nvSpPr>
         <p:spPr>
           <a:xfrm>
-            <a:off x="837396" y="585216"/>
-            <a:ext cx="6363503" cy="666068"/>
+            <a:off x="837396" y="314848"/>
+            <a:ext cx="8045347" cy="666068"/>
           </a:xfrm>
         </p:spPr>
         <p:txBody>
@@ -6536,7 +6627,7 @@
                   </a:schemeClr>
                 </a:solidFill>
               </a:rPr>
-              <a:t>References</a:t>
+              <a:t>Improvements in object detection</a:t>
             </a:r>
           </a:p>
         </p:txBody>
@@ -6559,13 +6650,13 @@
         </p:nvSpPr>
         <p:spPr>
           <a:xfrm>
-            <a:off x="837397" y="1771651"/>
-            <a:ext cx="4072929" cy="4501134"/>
+            <a:off x="837396" y="1500869"/>
+            <a:ext cx="10421153" cy="1928132"/>
           </a:xfrm>
         </p:spPr>
         <p:txBody>
           <a:bodyPr vert="horz" lIns="91440" tIns="45720" rIns="91440" bIns="45720" rtlCol="0" anchor="t">
-            <a:normAutofit/>
+            <a:normAutofit fontScale="92500" lnSpcReduction="10000"/>
           </a:bodyPr>
           <a:lstStyle/>
           <a:p>
@@ -6575,9 +6666,85 @@
             </a:pPr>
             <a:r>
               <a:rPr lang="en-US" sz="2000" dirty="0"/>
-              <a:t>e</a:t>
-            </a:r>
-            <a:endParaRPr lang="en-US" sz="1800" dirty="0"/>
+              <a:t>Not-Successful:</a:t>
+            </a:r>
+          </a:p>
+          <a:p>
+            <a:pPr marL="914400" lvl="1" indent="-228600" algn="l">
+              <a:buFont typeface="Arial" panose="020B0604020202020204" pitchFamily="34" charset="0"/>
+              <a:buChar char="•"/>
+            </a:pPr>
+            <a:r>
+              <a:rPr lang="en-US" sz="1600" dirty="0"/>
+              <a:t>Faster – </a:t>
+            </a:r>
+            <a:r>
+              <a:rPr lang="en-US" sz="1600" dirty="0">
+                <a:hlinkClick r:id="rId2"/>
+              </a:rPr>
+              <a:t>RCNN model </a:t>
+            </a:r>
+            <a:r>
+              <a:rPr lang="en-US" sz="1600" dirty="0"/>
+              <a:t>finetuning – No improvement achieved, already performs well</a:t>
+            </a:r>
+          </a:p>
+          <a:p>
+            <a:pPr marL="914400" lvl="1" indent="-228600" algn="l">
+              <a:buFont typeface="Arial" panose="020B0604020202020204" pitchFamily="34" charset="0"/>
+              <a:buChar char="•"/>
+            </a:pPr>
+            <a:r>
+              <a:rPr lang="en-US" sz="1600" dirty="0"/>
+              <a:t>Mask – </a:t>
+            </a:r>
+            <a:r>
+              <a:rPr lang="en-US" sz="1600" dirty="0">
+                <a:hlinkClick r:id="rId2"/>
+              </a:rPr>
+              <a:t>RCNN model </a:t>
+            </a:r>
+            <a:r>
+              <a:rPr lang="en-US" sz="1600" dirty="0"/>
+              <a:t>finetuning - Synthetic Mask creation using bounding boxes, not good with occluded objects</a:t>
+            </a:r>
+          </a:p>
+          <a:p>
+            <a:pPr marL="914400" lvl="1" indent="-228600" algn="l">
+              <a:buFont typeface="Arial" panose="020B0604020202020204" pitchFamily="34" charset="0"/>
+              <a:buChar char="•"/>
+            </a:pPr>
+            <a:r>
+              <a:rPr lang="en-US" sz="1600" dirty="0"/>
+              <a:t>DINO (SOTA object detector based on transformers) – Hard to run, the instructions for fine-tuning are not clear on the </a:t>
+            </a:r>
+            <a:r>
+              <a:rPr lang="en-US" sz="1600" dirty="0">
+                <a:hlinkClick r:id="rId3"/>
+              </a:rPr>
+              <a:t>GitHub repository</a:t>
+            </a:r>
+            <a:endParaRPr lang="en-US" sz="1600" dirty="0"/>
+          </a:p>
+          <a:p>
+            <a:pPr marL="457200" indent="-228600" algn="l">
+              <a:buFont typeface="Arial" panose="020B0604020202020204" pitchFamily="34" charset="0"/>
+              <a:buChar char="•"/>
+            </a:pPr>
+            <a:r>
+              <a:rPr lang="en-US" sz="2000" dirty="0"/>
+              <a:t>Successful:</a:t>
+            </a:r>
+          </a:p>
+          <a:p>
+            <a:pPr marL="914400" lvl="1" indent="-228600" algn="l">
+              <a:buFont typeface="Arial" panose="020B0604020202020204" pitchFamily="34" charset="0"/>
+              <a:buChar char="•"/>
+            </a:pPr>
+            <a:r>
+              <a:rPr lang="en-US" sz="1600" dirty="0"/>
+              <a:t>Search for an optimal NMS</a:t>
+            </a:r>
           </a:p>
         </p:txBody>
       </p:sp>
@@ -6668,10 +6835,719 @@
           </a:p>
         </p:txBody>
       </p:sp>
+      <p:sp>
+        <p:nvSpPr>
+          <p:cNvPr id="8" name="CuadroTexto 7">
+            <a:extLst>
+              <a:ext uri="{FF2B5EF4-FFF2-40B4-BE49-F238E27FC236}">
+                <a16:creationId xmlns:a16="http://schemas.microsoft.com/office/drawing/2014/main" id="{E0BEB5F1-7BDC-9D3B-C5C4-5EFE09EC0539}"/>
+              </a:ext>
+            </a:extLst>
+          </p:cNvPr>
+          <p:cNvSpPr txBox="1"/>
+          <p:nvPr/>
+        </p:nvSpPr>
+        <p:spPr>
+          <a:xfrm>
+            <a:off x="837395" y="980916"/>
+            <a:ext cx="5767511" cy="738664"/>
+          </a:xfrm>
+          <a:prstGeom prst="rect">
+            <a:avLst/>
+          </a:prstGeom>
+          <a:noFill/>
+        </p:spPr>
+        <p:txBody>
+          <a:bodyPr wrap="square" rtlCol="0">
+            <a:spAutoFit/>
+          </a:bodyPr>
+          <a:lstStyle/>
+          <a:p>
+            <a:r>
+              <a:rPr lang="es-ES" sz="2400" i="1" dirty="0" err="1">
+                <a:solidFill>
+                  <a:schemeClr val="accent1">
+                    <a:lumMod val="75000"/>
+                  </a:schemeClr>
+                </a:solidFill>
+              </a:rPr>
+              <a:t>Models</a:t>
+            </a:r>
+            <a:r>
+              <a:rPr lang="es-ES" sz="2400" i="1" dirty="0">
+                <a:solidFill>
+                  <a:schemeClr val="accent1">
+                    <a:lumMod val="75000"/>
+                  </a:schemeClr>
+                </a:solidFill>
+              </a:rPr>
+              <a:t> Fine-</a:t>
+            </a:r>
+            <a:r>
+              <a:rPr lang="es-ES" sz="2400" i="1" dirty="0" err="1">
+                <a:solidFill>
+                  <a:schemeClr val="accent1">
+                    <a:lumMod val="75000"/>
+                  </a:schemeClr>
+                </a:solidFill>
+              </a:rPr>
+              <a:t>tuning</a:t>
+            </a:r>
+            <a:r>
+              <a:rPr lang="es-ES" sz="2400" i="1" dirty="0">
+                <a:solidFill>
+                  <a:schemeClr val="accent1">
+                    <a:lumMod val="75000"/>
+                  </a:schemeClr>
+                </a:solidFill>
+              </a:rPr>
+              <a:t> &amp; NMS </a:t>
+            </a:r>
+            <a:r>
+              <a:rPr lang="es-ES" sz="2400" i="1" dirty="0" err="1">
+                <a:solidFill>
+                  <a:schemeClr val="accent1">
+                    <a:lumMod val="75000"/>
+                  </a:schemeClr>
+                </a:solidFill>
+              </a:rPr>
+              <a:t>parameter</a:t>
+            </a:r>
+            <a:endParaRPr lang="en-US" sz="2400" i="1" dirty="0">
+              <a:solidFill>
+                <a:schemeClr val="accent1">
+                  <a:lumMod val="75000"/>
+                </a:schemeClr>
+              </a:solidFill>
+            </a:endParaRPr>
+          </a:p>
+          <a:p>
+            <a:endParaRPr lang="es-ES" dirty="0"/>
+          </a:p>
+        </p:txBody>
+      </p:sp>
+      <p:graphicFrame>
+        <p:nvGraphicFramePr>
+          <p:cNvPr id="5" name="Tabla 4">
+            <a:extLst>
+              <a:ext uri="{FF2B5EF4-FFF2-40B4-BE49-F238E27FC236}">
+                <a16:creationId xmlns:a16="http://schemas.microsoft.com/office/drawing/2014/main" id="{F124B9A1-D120-3919-D364-7C01660E5279}"/>
+              </a:ext>
+            </a:extLst>
+          </p:cNvPr>
+          <p:cNvGraphicFramePr>
+            <a:graphicFrameLocks noGrp="1"/>
+          </p:cNvGraphicFramePr>
+          <p:nvPr/>
+        </p:nvGraphicFramePr>
+        <p:xfrm>
+          <a:off x="1828800" y="3534408"/>
+          <a:ext cx="8711291" cy="2225040"/>
+        </p:xfrm>
+        <a:graphic>
+          <a:graphicData uri="http://schemas.openxmlformats.org/drawingml/2006/table">
+            <a:tbl>
+              <a:tblPr firstRow="1" bandRow="1">
+                <a:tableStyleId>{5C22544A-7EE6-4342-B048-85BDC9FD1C3A}</a:tableStyleId>
+              </a:tblPr>
+              <a:tblGrid>
+                <a:gridCol w="1459866">
+                  <a:extLst>
+                    <a:ext uri="{9D8B030D-6E8A-4147-A177-3AD203B41FA5}">
+                      <a16:colId xmlns:a16="http://schemas.microsoft.com/office/drawing/2014/main" val="1029726022"/>
+                    </a:ext>
+                  </a:extLst>
+                </a:gridCol>
+                <a:gridCol w="1450285">
+                  <a:extLst>
+                    <a:ext uri="{9D8B030D-6E8A-4147-A177-3AD203B41FA5}">
+                      <a16:colId xmlns:a16="http://schemas.microsoft.com/office/drawing/2014/main" val="3899631044"/>
+                    </a:ext>
+                  </a:extLst>
+                </a:gridCol>
+                <a:gridCol w="1450285">
+                  <a:extLst>
+                    <a:ext uri="{9D8B030D-6E8A-4147-A177-3AD203B41FA5}">
+                      <a16:colId xmlns:a16="http://schemas.microsoft.com/office/drawing/2014/main" val="1690401174"/>
+                    </a:ext>
+                  </a:extLst>
+                </a:gridCol>
+                <a:gridCol w="1450285">
+                  <a:extLst>
+                    <a:ext uri="{9D8B030D-6E8A-4147-A177-3AD203B41FA5}">
+                      <a16:colId xmlns:a16="http://schemas.microsoft.com/office/drawing/2014/main" val="1495500859"/>
+                    </a:ext>
+                  </a:extLst>
+                </a:gridCol>
+                <a:gridCol w="1450285">
+                  <a:extLst>
+                    <a:ext uri="{9D8B030D-6E8A-4147-A177-3AD203B41FA5}">
+                      <a16:colId xmlns:a16="http://schemas.microsoft.com/office/drawing/2014/main" val="3172406324"/>
+                    </a:ext>
+                  </a:extLst>
+                </a:gridCol>
+                <a:gridCol w="1450285">
+                  <a:extLst>
+                    <a:ext uri="{9D8B030D-6E8A-4147-A177-3AD203B41FA5}">
+                      <a16:colId xmlns:a16="http://schemas.microsoft.com/office/drawing/2014/main" val="4232899922"/>
+                    </a:ext>
+                  </a:extLst>
+                </a:gridCol>
+              </a:tblGrid>
+              <a:tr h="370840">
+                <a:tc>
+                  <a:txBody>
+                    <a:bodyPr/>
+                    <a:lstStyle/>
+                    <a:p>
+                      <a:pPr algn="ctr"/>
+                      <a:r>
+                        <a:rPr lang="en-GB" dirty="0"/>
+                        <a:t>NMS</a:t>
+                      </a:r>
+                    </a:p>
+                  </a:txBody>
+                  <a:tcPr/>
+                </a:tc>
+                <a:tc>
+                  <a:txBody>
+                    <a:bodyPr/>
+                    <a:lstStyle/>
+                    <a:p>
+                      <a:pPr algn="ctr"/>
+                      <a:r>
+                        <a:rPr lang="en-GB" dirty="0"/>
+                        <a:t>AP Score (%)</a:t>
+                      </a:r>
+                    </a:p>
+                  </a:txBody>
+                  <a:tcPr/>
+                </a:tc>
+                <a:tc>
+                  <a:txBody>
+                    <a:bodyPr/>
+                    <a:lstStyle/>
+                    <a:p>
+                      <a:pPr algn="ctr"/>
+                      <a:r>
+                        <a:rPr lang="en-GB" dirty="0"/>
+                        <a:t>Precision(%)</a:t>
+                      </a:r>
+                    </a:p>
+                  </a:txBody>
+                  <a:tcPr/>
+                </a:tc>
+                <a:tc>
+                  <a:txBody>
+                    <a:bodyPr/>
+                    <a:lstStyle/>
+                    <a:p>
+                      <a:pPr algn="ctr"/>
+                      <a:r>
+                        <a:rPr lang="en-GB" dirty="0"/>
+                        <a:t>Recall(%)</a:t>
+                      </a:r>
+                    </a:p>
+                  </a:txBody>
+                  <a:tcPr/>
+                </a:tc>
+                <a:tc>
+                  <a:txBody>
+                    <a:bodyPr/>
+                    <a:lstStyle/>
+                    <a:p>
+                      <a:pPr algn="ctr"/>
+                      <a:r>
+                        <a:rPr lang="en-GB" dirty="0"/>
+                        <a:t>TP</a:t>
+                      </a:r>
+                    </a:p>
+                  </a:txBody>
+                  <a:tcPr/>
+                </a:tc>
+                <a:tc>
+                  <a:txBody>
+                    <a:bodyPr/>
+                    <a:lstStyle/>
+                    <a:p>
+                      <a:pPr algn="ctr"/>
+                      <a:r>
+                        <a:rPr lang="en-GB" dirty="0"/>
+                        <a:t>FP</a:t>
+                      </a:r>
+                    </a:p>
+                  </a:txBody>
+                  <a:tcPr/>
+                </a:tc>
+                <a:extLst>
+                  <a:ext uri="{0D108BD9-81ED-4DB2-BD59-A6C34878D82A}">
+                    <a16:rowId xmlns:a16="http://schemas.microsoft.com/office/drawing/2014/main" val="2781027805"/>
+                  </a:ext>
+                </a:extLst>
+              </a:tr>
+              <a:tr h="370840">
+                <a:tc>
+                  <a:txBody>
+                    <a:bodyPr/>
+                    <a:lstStyle/>
+                    <a:p>
+                      <a:pPr algn="ctr"/>
+                      <a:r>
+                        <a:rPr lang="en-GB" dirty="0"/>
+                        <a:t>0.2</a:t>
+                      </a:r>
+                    </a:p>
+                  </a:txBody>
+                  <a:tcPr/>
+                </a:tc>
+                <a:tc>
+                  <a:txBody>
+                    <a:bodyPr/>
+                    <a:lstStyle/>
+                    <a:p>
+                      <a:pPr algn="ctr"/>
+                      <a:r>
+                        <a:rPr lang="en-GB" dirty="0"/>
+                        <a:t>82.47</a:t>
+                      </a:r>
+                    </a:p>
+                  </a:txBody>
+                  <a:tcPr/>
+                </a:tc>
+                <a:tc>
+                  <a:txBody>
+                    <a:bodyPr/>
+                    <a:lstStyle/>
+                    <a:p>
+                      <a:pPr algn="ctr"/>
+                      <a:r>
+                        <a:rPr lang="en-GB" dirty="0"/>
+                        <a:t>93.75</a:t>
+                      </a:r>
+                    </a:p>
+                  </a:txBody>
+                  <a:tcPr/>
+                </a:tc>
+                <a:tc>
+                  <a:txBody>
+                    <a:bodyPr/>
+                    <a:lstStyle/>
+                    <a:p>
+                      <a:pPr algn="ctr"/>
+                      <a:r>
+                        <a:rPr lang="en-GB" dirty="0"/>
+                        <a:t>86.86</a:t>
+                      </a:r>
+                    </a:p>
+                  </a:txBody>
+                  <a:tcPr/>
+                </a:tc>
+                <a:tc>
+                  <a:txBody>
+                    <a:bodyPr/>
+                    <a:lstStyle/>
+                    <a:p>
+                      <a:pPr algn="ctr"/>
+                      <a:r>
+                        <a:rPr lang="en-GB" dirty="0"/>
+                        <a:t>74483</a:t>
+                      </a:r>
+                    </a:p>
+                  </a:txBody>
+                  <a:tcPr/>
+                </a:tc>
+                <a:tc>
+                  <a:txBody>
+                    <a:bodyPr/>
+                    <a:lstStyle/>
+                    <a:p>
+                      <a:pPr algn="ctr"/>
+                      <a:r>
+                        <a:rPr lang="en-GB" dirty="0"/>
+                        <a:t>4964</a:t>
+                      </a:r>
+                    </a:p>
+                  </a:txBody>
+                  <a:tcPr/>
+                </a:tc>
+                <a:extLst>
+                  <a:ext uri="{0D108BD9-81ED-4DB2-BD59-A6C34878D82A}">
+                    <a16:rowId xmlns:a16="http://schemas.microsoft.com/office/drawing/2014/main" val="1167112551"/>
+                  </a:ext>
+                </a:extLst>
+              </a:tr>
+              <a:tr h="370840">
+                <a:tc>
+                  <a:txBody>
+                    <a:bodyPr/>
+                    <a:lstStyle/>
+                    <a:p>
+                      <a:pPr algn="ctr"/>
+                      <a:r>
+                        <a:rPr lang="en-GB" dirty="0"/>
+                        <a:t>0.25</a:t>
+                      </a:r>
+                    </a:p>
+                  </a:txBody>
+                  <a:tcPr/>
+                </a:tc>
+                <a:tc>
+                  <a:txBody>
+                    <a:bodyPr/>
+                    <a:lstStyle/>
+                    <a:p>
+                      <a:pPr algn="ctr"/>
+                      <a:r>
+                        <a:rPr lang="en-GB" dirty="0"/>
+                        <a:t>83.17</a:t>
+                      </a:r>
+                    </a:p>
+                  </a:txBody>
+                  <a:tcPr/>
+                </a:tc>
+                <a:tc>
+                  <a:txBody>
+                    <a:bodyPr/>
+                    <a:lstStyle/>
+                    <a:p>
+                      <a:pPr algn="ctr"/>
+                      <a:r>
+                        <a:rPr lang="en-GB" dirty="0"/>
+                        <a:t>93.01</a:t>
+                      </a:r>
+                    </a:p>
+                  </a:txBody>
+                  <a:tcPr/>
+                </a:tc>
+                <a:tc>
+                  <a:txBody>
+                    <a:bodyPr/>
+                    <a:lstStyle/>
+                    <a:p>
+                      <a:pPr algn="ctr"/>
+                      <a:r>
+                        <a:rPr lang="en-GB" dirty="0"/>
+                        <a:t>89.67</a:t>
+                      </a:r>
+                    </a:p>
+                  </a:txBody>
+                  <a:tcPr/>
+                </a:tc>
+                <a:tc>
+                  <a:txBody>
+                    <a:bodyPr/>
+                    <a:lstStyle/>
+                    <a:p>
+                      <a:pPr algn="ctr"/>
+                      <a:r>
+                        <a:rPr lang="en-GB" dirty="0"/>
+                        <a:t>75784</a:t>
+                      </a:r>
+                    </a:p>
+                  </a:txBody>
+                  <a:tcPr/>
+                </a:tc>
+                <a:tc>
+                  <a:txBody>
+                    <a:bodyPr/>
+                    <a:lstStyle/>
+                    <a:p>
+                      <a:pPr algn="ctr"/>
+                      <a:r>
+                        <a:rPr lang="en-GB" dirty="0"/>
+                        <a:t>5276</a:t>
+                      </a:r>
+                    </a:p>
+                  </a:txBody>
+                  <a:tcPr/>
+                </a:tc>
+                <a:extLst>
+                  <a:ext uri="{0D108BD9-81ED-4DB2-BD59-A6C34878D82A}">
+                    <a16:rowId xmlns:a16="http://schemas.microsoft.com/office/drawing/2014/main" val="3006758999"/>
+                  </a:ext>
+                </a:extLst>
+              </a:tr>
+              <a:tr h="370840">
+                <a:tc>
+                  <a:txBody>
+                    <a:bodyPr/>
+                    <a:lstStyle/>
+                    <a:p>
+                      <a:pPr algn="ctr"/>
+                      <a:r>
+                        <a:rPr lang="en-GB" dirty="0"/>
+                        <a:t>0.3</a:t>
+                      </a:r>
+                    </a:p>
+                  </a:txBody>
+                  <a:tcPr/>
+                </a:tc>
+                <a:tc>
+                  <a:txBody>
+                    <a:bodyPr/>
+                    <a:lstStyle/>
+                    <a:p>
+                      <a:pPr algn="ctr"/>
+                      <a:r>
+                        <a:rPr lang="en-GB" dirty="0"/>
+                        <a:t>86.08</a:t>
+                      </a:r>
+                    </a:p>
+                  </a:txBody>
+                  <a:tcPr/>
+                </a:tc>
+                <a:tc>
+                  <a:txBody>
+                    <a:bodyPr/>
+                    <a:lstStyle/>
+                    <a:p>
+                      <a:pPr algn="ctr"/>
+                      <a:r>
+                        <a:rPr lang="en-GB" dirty="0"/>
+                        <a:t>92.25</a:t>
+                      </a:r>
+                    </a:p>
+                  </a:txBody>
+                  <a:tcPr/>
+                </a:tc>
+                <a:tc>
+                  <a:txBody>
+                    <a:bodyPr/>
+                    <a:lstStyle/>
+                    <a:p>
+                      <a:pPr algn="ctr"/>
+                      <a:r>
+                        <a:rPr lang="en-GB" dirty="0"/>
+                        <a:t>91.67</a:t>
+                      </a:r>
+                    </a:p>
+                  </a:txBody>
+                  <a:tcPr/>
+                </a:tc>
+                <a:tc>
+                  <a:txBody>
+                    <a:bodyPr/>
+                    <a:lstStyle/>
+                    <a:p>
+                      <a:pPr algn="ctr"/>
+                      <a:r>
+                        <a:rPr lang="en-GB" dirty="0"/>
+                        <a:t>78607</a:t>
+                      </a:r>
+                    </a:p>
+                  </a:txBody>
+                  <a:tcPr/>
+                </a:tc>
+                <a:tc>
+                  <a:txBody>
+                    <a:bodyPr/>
+                    <a:lstStyle/>
+                    <a:p>
+                      <a:pPr algn="ctr"/>
+                      <a:r>
+                        <a:rPr lang="en-GB" dirty="0"/>
+                        <a:t>6598</a:t>
+                      </a:r>
+                    </a:p>
+                  </a:txBody>
+                  <a:tcPr/>
+                </a:tc>
+                <a:extLst>
+                  <a:ext uri="{0D108BD9-81ED-4DB2-BD59-A6C34878D82A}">
+                    <a16:rowId xmlns:a16="http://schemas.microsoft.com/office/drawing/2014/main" val="366989319"/>
+                  </a:ext>
+                </a:extLst>
+              </a:tr>
+              <a:tr h="370840">
+                <a:tc>
+                  <a:txBody>
+                    <a:bodyPr/>
+                    <a:lstStyle/>
+                    <a:p>
+                      <a:pPr algn="ctr"/>
+                      <a:r>
+                        <a:rPr lang="en-GB" dirty="0"/>
+                        <a:t>0.36</a:t>
+                      </a:r>
+                    </a:p>
+                  </a:txBody>
+                  <a:tcPr/>
+                </a:tc>
+                <a:tc>
+                  <a:txBody>
+                    <a:bodyPr/>
+                    <a:lstStyle/>
+                    <a:p>
+                      <a:pPr algn="ctr"/>
+                      <a:r>
+                        <a:rPr lang="en-GB" dirty="0"/>
+                        <a:t>86.8</a:t>
+                      </a:r>
+                    </a:p>
+                  </a:txBody>
+                  <a:tcPr/>
+                </a:tc>
+                <a:tc>
+                  <a:txBody>
+                    <a:bodyPr/>
+                    <a:lstStyle/>
+                    <a:p>
+                      <a:pPr algn="ctr"/>
+                      <a:r>
+                        <a:rPr lang="en-GB" dirty="0"/>
+                        <a:t>91.25</a:t>
+                      </a:r>
+                    </a:p>
+                  </a:txBody>
+                  <a:tcPr/>
+                </a:tc>
+                <a:tc>
+                  <a:txBody>
+                    <a:bodyPr/>
+                    <a:lstStyle/>
+                    <a:p>
+                      <a:pPr algn="ctr"/>
+                      <a:r>
+                        <a:rPr lang="en-GB" dirty="0"/>
+                        <a:t>93.3</a:t>
+                      </a:r>
+                    </a:p>
+                  </a:txBody>
+                  <a:tcPr/>
+                </a:tc>
+                <a:tc>
+                  <a:txBody>
+                    <a:bodyPr/>
+                    <a:lstStyle/>
+                    <a:p>
+                      <a:pPr algn="ctr"/>
+                      <a:r>
+                        <a:rPr lang="en-GB" dirty="0"/>
+                        <a:t>79832</a:t>
+                      </a:r>
+                    </a:p>
+                  </a:txBody>
+                  <a:tcPr/>
+                </a:tc>
+                <a:tc>
+                  <a:txBody>
+                    <a:bodyPr/>
+                    <a:lstStyle/>
+                    <a:p>
+                      <a:pPr algn="ctr"/>
+                      <a:r>
+                        <a:rPr lang="en-GB" dirty="0"/>
+                        <a:t>7655</a:t>
+                      </a:r>
+                    </a:p>
+                  </a:txBody>
+                  <a:tcPr/>
+                </a:tc>
+                <a:extLst>
+                  <a:ext uri="{0D108BD9-81ED-4DB2-BD59-A6C34878D82A}">
+                    <a16:rowId xmlns:a16="http://schemas.microsoft.com/office/drawing/2014/main" val="1212673409"/>
+                  </a:ext>
+                </a:extLst>
+              </a:tr>
+              <a:tr h="370840">
+                <a:tc>
+                  <a:txBody>
+                    <a:bodyPr/>
+                    <a:lstStyle/>
+                    <a:p>
+                      <a:pPr algn="ctr"/>
+                      <a:r>
+                        <a:rPr lang="en-GB" dirty="0"/>
+                        <a:t>0.4</a:t>
+                      </a:r>
+                    </a:p>
+                  </a:txBody>
+                  <a:tcPr/>
+                </a:tc>
+                <a:tc>
+                  <a:txBody>
+                    <a:bodyPr/>
+                    <a:lstStyle/>
+                    <a:p>
+                      <a:pPr algn="ctr"/>
+                      <a:r>
+                        <a:rPr lang="en-GB" dirty="0"/>
+                        <a:t>87.0</a:t>
+                      </a:r>
+                    </a:p>
+                  </a:txBody>
+                  <a:tcPr/>
+                </a:tc>
+                <a:tc>
+                  <a:txBody>
+                    <a:bodyPr/>
+                    <a:lstStyle/>
+                    <a:p>
+                      <a:pPr algn="ctr"/>
+                      <a:r>
+                        <a:rPr lang="en-GB" dirty="0"/>
+                        <a:t>89.9</a:t>
+                      </a:r>
+                    </a:p>
+                  </a:txBody>
+                  <a:tcPr/>
+                </a:tc>
+                <a:tc>
+                  <a:txBody>
+                    <a:bodyPr/>
+                    <a:lstStyle/>
+                    <a:p>
+                      <a:pPr algn="ctr"/>
+                      <a:r>
+                        <a:rPr lang="en-GB" dirty="0"/>
+                        <a:t>94.17</a:t>
+                      </a:r>
+                    </a:p>
+                  </a:txBody>
+                  <a:tcPr/>
+                </a:tc>
+                <a:tc>
+                  <a:txBody>
+                    <a:bodyPr/>
+                    <a:lstStyle/>
+                    <a:p>
+                      <a:pPr algn="ctr"/>
+                      <a:r>
+                        <a:rPr lang="en-GB" dirty="0"/>
+                        <a:t>80753</a:t>
+                      </a:r>
+                    </a:p>
+                  </a:txBody>
+                  <a:tcPr/>
+                </a:tc>
+                <a:tc>
+                  <a:txBody>
+                    <a:bodyPr/>
+                    <a:lstStyle/>
+                    <a:p>
+                      <a:pPr algn="ctr"/>
+                      <a:r>
+                        <a:rPr lang="en-GB" dirty="0"/>
+                        <a:t>9067</a:t>
+                      </a:r>
+                    </a:p>
+                  </a:txBody>
+                  <a:tcPr/>
+                </a:tc>
+                <a:extLst>
+                  <a:ext uri="{0D108BD9-81ED-4DB2-BD59-A6C34878D82A}">
+                    <a16:rowId xmlns:a16="http://schemas.microsoft.com/office/drawing/2014/main" val="2459594326"/>
+                  </a:ext>
+                </a:extLst>
+              </a:tr>
+            </a:tbl>
+          </a:graphicData>
+        </a:graphic>
+      </p:graphicFrame>
     </p:spTree>
     <p:extLst>
       <p:ext uri="{BB962C8B-B14F-4D97-AF65-F5344CB8AC3E}">
-        <p14:creationId xmlns:p14="http://schemas.microsoft.com/office/powerpoint/2010/main" val="3231352675"/>
+        <p14:creationId xmlns:p14="http://schemas.microsoft.com/office/powerpoint/2010/main" val="1995814279"/>
       </p:ext>
     </p:extLst>
   </p:cSld>
@@ -6682,16 +7558,8 @@
 </file>
 
 <file path=ppt/slides/slide12.xml><?xml version="1.0" encoding="utf-8"?>
-<p:sld xmlns:a="http://schemas.openxmlformats.org/drawingml/2006/main" xmlns:r="http://schemas.openxmlformats.org/officeDocument/2006/relationships" xmlns:p="http://schemas.openxmlformats.org/presentationml/2006/main" show="0">
+<p:sld xmlns:a="http://schemas.openxmlformats.org/drawingml/2006/main" xmlns:r="http://schemas.openxmlformats.org/officeDocument/2006/relationships" xmlns:p="http://schemas.openxmlformats.org/presentationml/2006/main">
   <p:cSld>
-    <p:bg>
-      <p:bgPr>
-        <a:solidFill>
-          <a:schemeClr val="bg1"/>
-        </a:solidFill>
-        <a:effectLst/>
-      </p:bgPr>
-    </p:bg>
     <p:spTree>
       <p:nvGrpSpPr>
         <p:cNvPr id="1" name=""/>
@@ -6725,12 +7593,12 @@
         <p:spPr>
           <a:xfrm>
             <a:off x="837396" y="585216"/>
-            <a:ext cx="6363503" cy="666068"/>
+            <a:ext cx="9473416" cy="666068"/>
           </a:xfrm>
         </p:spPr>
         <p:txBody>
           <a:bodyPr vert="horz" lIns="91440" tIns="45720" rIns="91440" bIns="45720" rtlCol="0" anchor="b">
-            <a:normAutofit/>
+            <a:normAutofit fontScale="90000"/>
           </a:bodyPr>
           <a:lstStyle/>
           <a:p>
@@ -6743,7 +7611,7 @@
                   </a:schemeClr>
                 </a:solidFill>
               </a:rPr>
-              <a:t>Improvements in data association</a:t>
+              <a:t>Selection of the best hyperparameters and results</a:t>
             </a:r>
           </a:p>
         </p:txBody>
@@ -6766,8 +7634,8 @@
         </p:nvSpPr>
         <p:spPr>
           <a:xfrm>
-            <a:off x="837398" y="2162175"/>
-            <a:ext cx="6487328" cy="584531"/>
+            <a:off x="837397" y="2162176"/>
+            <a:ext cx="3791754" cy="3638550"/>
           </a:xfrm>
         </p:spPr>
         <p:txBody>
@@ -6781,54 +7649,92 @@
               <a:buChar char="•"/>
             </a:pPr>
             <a:r>
-              <a:rPr lang="es-ES" sz="2000" dirty="0" err="1"/>
-              <a:t>Tests</a:t>
-            </a:r>
-            <a:r>
-              <a:rPr lang="es-ES" sz="2000" dirty="0"/>
+              <a:rPr lang="en-US" dirty="0"/>
+              <a:t>Hungarian A</a:t>
+            </a:r>
+            <a:r>
+              <a:rPr lang="en-US" sz="2400" dirty="0"/>
+              <a:t>lgorithm</a:t>
+            </a:r>
+            <a:r>
+              <a:rPr lang="en-US" dirty="0"/>
               <a:t> </a:t>
             </a:r>
-            <a:r>
-              <a:rPr lang="es-ES" sz="2000" dirty="0" err="1"/>
-              <a:t>with</a:t>
-            </a:r>
-            <a:r>
-              <a:rPr lang="es-ES" sz="2000" dirty="0"/>
-              <a:t> </a:t>
-            </a:r>
-            <a:r>
-              <a:rPr lang="es-ES" sz="2000" dirty="0" err="1"/>
-              <a:t>differents</a:t>
-            </a:r>
-            <a:r>
-              <a:rPr lang="es-ES" sz="2000" dirty="0"/>
-              <a:t> </a:t>
-            </a:r>
-            <a:r>
-              <a:rPr lang="el-GR" sz="2000" dirty="0"/>
+          </a:p>
+          <a:p>
+            <a:pPr marL="457200" indent="-228600" algn="l">
+              <a:buFont typeface="Arial" panose="020B0604020202020204" pitchFamily="34" charset="0"/>
+              <a:buChar char="•"/>
+            </a:pPr>
+            <a:r>
+              <a:rPr lang="en-US" dirty="0"/>
+              <a:t>Warm-Up -&gt; 4</a:t>
+            </a:r>
+          </a:p>
+          <a:p>
+            <a:pPr marL="457200" indent="-228600" algn="l">
+              <a:buFont typeface="Arial" panose="020B0604020202020204" pitchFamily="34" charset="0"/>
+              <a:buChar char="•"/>
+            </a:pPr>
+            <a:r>
+              <a:rPr lang="en-US" dirty="0"/>
+              <a:t>Patient Init -&gt; 0</a:t>
+            </a:r>
+          </a:p>
+          <a:p>
+            <a:pPr marL="457200" indent="-228600" algn="l">
+              <a:buFont typeface="Arial" panose="020B0604020202020204" pitchFamily="34" charset="0"/>
+              <a:buChar char="•"/>
+            </a:pPr>
+            <a:r>
+              <a:rPr lang="en-US" dirty="0"/>
+              <a:t>Patient Remove -&gt; 10</a:t>
+            </a:r>
+          </a:p>
+          <a:p>
+            <a:pPr marL="457200" indent="-228600" algn="l">
+              <a:buFont typeface="Arial" panose="020B0604020202020204" pitchFamily="34" charset="0"/>
+              <a:buChar char="•"/>
+            </a:pPr>
+            <a:r>
+              <a:rPr lang="el-GR" dirty="0"/>
               <a:t>Δ</a:t>
             </a:r>
             <a:r>
-              <a:rPr lang="es-ES" sz="2000" dirty="0"/>
-              <a:t>t (</a:t>
-            </a:r>
-            <a:r>
-              <a:rPr lang="es-ES" sz="2000" dirty="0" err="1"/>
-              <a:t>less</a:t>
-            </a:r>
-            <a:r>
-              <a:rPr lang="es-ES" sz="2000" dirty="0"/>
-              <a:t> </a:t>
-            </a:r>
-            <a:r>
-              <a:rPr lang="es-ES" sz="2000" dirty="0" err="1"/>
-              <a:t>than</a:t>
-            </a:r>
-            <a:r>
-              <a:rPr lang="es-ES" sz="2000" dirty="0"/>
-              <a:t> 1)</a:t>
-            </a:r>
-            <a:endParaRPr lang="en-US" sz="2000" dirty="0"/>
+              <a:rPr lang="es-ES" dirty="0"/>
+              <a:t>t </a:t>
+            </a:r>
+            <a:r>
+              <a:rPr lang="en-US" dirty="0"/>
+              <a:t>Kalman -&gt; 1</a:t>
+            </a:r>
+          </a:p>
+          <a:p>
+            <a:pPr marL="457200" indent="-228600" algn="l">
+              <a:buFont typeface="Arial" panose="020B0604020202020204" pitchFamily="34" charset="0"/>
+              <a:buChar char="•"/>
+            </a:pPr>
+            <a:r>
+              <a:rPr lang="en-US" dirty="0"/>
+              <a:t>Deep Features</a:t>
+            </a:r>
+          </a:p>
+          <a:p>
+            <a:pPr marL="457200" indent="-228600" algn="l">
+              <a:buFont typeface="Arial" panose="020B0604020202020204" pitchFamily="34" charset="0"/>
+              <a:buChar char="•"/>
+            </a:pPr>
+            <a:r>
+              <a:rPr lang="en-US" dirty="0"/>
+              <a:t>NMS -&gt; 0.36</a:t>
+            </a:r>
+          </a:p>
+          <a:p>
+            <a:pPr marL="457200" indent="-228600" algn="l">
+              <a:buFont typeface="Arial" panose="020B0604020202020204" pitchFamily="34" charset="0"/>
+              <a:buChar char="•"/>
+            </a:pPr>
+            <a:endParaRPr lang="en-US" sz="1600" dirty="0"/>
           </a:p>
         </p:txBody>
       </p:sp>
@@ -6878,42 +7784,6 @@
           </a:p>
         </p:txBody>
       </p:sp>
-      <p:pic>
-        <p:nvPicPr>
-          <p:cNvPr id="14" name="Imagen 13" descr="Gráfico, Gráfico de barras, Histograma&#10;&#10;Descripción generada automáticamente">
-            <a:extLst>
-              <a:ext uri="{FF2B5EF4-FFF2-40B4-BE49-F238E27FC236}">
-                <a16:creationId xmlns:a16="http://schemas.microsoft.com/office/drawing/2014/main" id="{2479CB98-6506-FFDC-411F-AF1767A44362}"/>
-              </a:ext>
-            </a:extLst>
-          </p:cNvPr>
-          <p:cNvPicPr>
-            <a:picLocks noChangeAspect="1"/>
-          </p:cNvPicPr>
-          <p:nvPr/>
-        </p:nvPicPr>
-        <p:blipFill>
-          <a:blip r:embed="rId2">
-            <a:extLst>
-              <a:ext uri="{28A0092B-C50C-407E-A947-70E740481C1C}">
-                <a14:useLocalDpi xmlns:a14="http://schemas.microsoft.com/office/drawing/2010/main" val="0"/>
-              </a:ext>
-            </a:extLst>
-          </a:blip>
-          <a:stretch>
-            <a:fillRect/>
-          </a:stretch>
-        </p:blipFill>
-        <p:spPr>
-          <a:xfrm>
-            <a:off x="1186804" y="2719438"/>
-            <a:ext cx="4320000" cy="3240000"/>
-          </a:xfrm>
-          <a:prstGeom prst="rect">
-            <a:avLst/>
-          </a:prstGeom>
-        </p:spPr>
-      </p:pic>
       <p:sp>
         <p:nvSpPr>
           <p:cNvPr id="6" name="Marcador de número de diapositiva 5">
@@ -6957,10 +7827,10 @@
       </p:sp>
       <p:sp>
         <p:nvSpPr>
-          <p:cNvPr id="8" name="CuadroTexto 7">
+          <p:cNvPr id="9" name="CuadroTexto 8">
             <a:extLst>
               <a:ext uri="{FF2B5EF4-FFF2-40B4-BE49-F238E27FC236}">
-                <a16:creationId xmlns:a16="http://schemas.microsoft.com/office/drawing/2014/main" id="{E0BEB5F1-7BDC-9D3B-C5C4-5EFE09EC0539}"/>
+                <a16:creationId xmlns:a16="http://schemas.microsoft.com/office/drawing/2014/main" id="{FA66E61E-190F-D95E-4D98-486C1BCC0475}"/>
               </a:ext>
             </a:extLst>
           </p:cNvPr>
@@ -6970,7 +7840,7 @@
         <p:spPr>
           <a:xfrm>
             <a:off x="837396" y="1251284"/>
-            <a:ext cx="3671097" cy="461665"/>
+            <a:ext cx="3457575" cy="738664"/>
           </a:xfrm>
           <a:prstGeom prst="rect">
             <a:avLst/>
@@ -6991,58 +7861,27 @@
                   </a:schemeClr>
                 </a:solidFill>
               </a:rPr>
-              <a:t>Kalman </a:t>
-            </a:r>
-            <a:r>
-              <a:rPr lang="es-ES" sz="2400" i="1" dirty="0" err="1">
-                <a:solidFill>
-                  <a:schemeClr val="accent1">
-                    <a:lumMod val="75000"/>
-                  </a:schemeClr>
-                </a:solidFill>
-              </a:rPr>
-              <a:t>Filter</a:t>
-            </a:r>
-            <a:r>
-              <a:rPr lang="es-ES" sz="2400" i="1" dirty="0">
-                <a:solidFill>
-                  <a:schemeClr val="accent1">
-                    <a:lumMod val="75000"/>
-                  </a:schemeClr>
-                </a:solidFill>
-              </a:rPr>
-              <a:t>. </a:t>
-            </a:r>
-            <a:r>
-              <a:rPr lang="el-GR" sz="2400" i="1" dirty="0">
-                <a:solidFill>
-                  <a:schemeClr val="accent1">
-                    <a:lumMod val="75000"/>
-                  </a:schemeClr>
-                </a:solidFill>
-              </a:rPr>
-              <a:t>Δ</a:t>
-            </a:r>
-            <a:r>
-              <a:rPr lang="es-ES" sz="2400" i="1" dirty="0">
-                <a:solidFill>
-                  <a:schemeClr val="accent1">
-                    <a:lumMod val="75000"/>
-                  </a:schemeClr>
-                </a:solidFill>
-              </a:rPr>
-              <a:t>t de Kalman </a:t>
-            </a:r>
+              <a:t>Final Set-up</a:t>
+            </a:r>
+            <a:endParaRPr lang="en-US" sz="2400" i="1" dirty="0">
+              <a:solidFill>
+                <a:schemeClr val="accent1">
+                  <a:lumMod val="75000"/>
+                </a:schemeClr>
+              </a:solidFill>
+            </a:endParaRPr>
+          </a:p>
+          <a:p>
             <a:endParaRPr lang="es-ES" dirty="0"/>
           </a:p>
         </p:txBody>
       </p:sp>
       <p:sp>
         <p:nvSpPr>
-          <p:cNvPr id="9" name="Rectángulo: esquinas redondeadas 8">
+          <p:cNvPr id="12" name="Cerrar llave 11">
             <a:extLst>
               <a:ext uri="{FF2B5EF4-FFF2-40B4-BE49-F238E27FC236}">
-                <a16:creationId xmlns:a16="http://schemas.microsoft.com/office/drawing/2014/main" id="{D37BEFC5-85AD-9F5D-EF7D-B14CDD48793D}"/>
+                <a16:creationId xmlns:a16="http://schemas.microsoft.com/office/drawing/2014/main" id="{562A711A-1366-CD9E-83C5-9472BAF07642}"/>
               </a:ext>
             </a:extLst>
           </p:cNvPr>
@@ -7051,14 +7890,94 @@
         </p:nvSpPr>
         <p:spPr>
           <a:xfrm>
-            <a:off x="4426804" y="3066433"/>
-            <a:ext cx="864000" cy="2736000"/>
-          </a:xfrm>
-          <a:prstGeom prst="roundRect">
+            <a:off x="4246753" y="1989948"/>
+            <a:ext cx="432000" cy="3240000"/>
+          </a:xfrm>
+          <a:prstGeom prst="rightBrace">
             <a:avLst/>
           </a:prstGeom>
           <a:noFill/>
           <a:ln w="38100"/>
+        </p:spPr>
+        <p:style>
+          <a:lnRef idx="1">
+            <a:schemeClr val="accent1"/>
+          </a:lnRef>
+          <a:fillRef idx="0">
+            <a:schemeClr val="accent1"/>
+          </a:fillRef>
+          <a:effectRef idx="0">
+            <a:schemeClr val="accent1"/>
+          </a:effectRef>
+          <a:fontRef idx="minor">
+            <a:schemeClr val="tx1"/>
+          </a:fontRef>
+        </p:style>
+        <p:txBody>
+          <a:bodyPr rtlCol="0" anchor="ctr"/>
+          <a:lstStyle/>
+          <a:p>
+            <a:pPr algn="ctr"/>
+            <a:endParaRPr lang="es-ES"/>
+          </a:p>
+        </p:txBody>
+      </p:sp>
+      <p:pic>
+        <p:nvPicPr>
+          <p:cNvPr id="5" name="Imagen 4">
+            <a:extLst>
+              <a:ext uri="{FF2B5EF4-FFF2-40B4-BE49-F238E27FC236}">
+                <a16:creationId xmlns:a16="http://schemas.microsoft.com/office/drawing/2014/main" id="{168106EE-6195-C86F-02F1-46B0304B12AA}"/>
+              </a:ext>
+            </a:extLst>
+          </p:cNvPr>
+          <p:cNvPicPr>
+            <a:picLocks noChangeAspect="1"/>
+          </p:cNvPicPr>
+          <p:nvPr/>
+        </p:nvPicPr>
+        <p:blipFill>
+          <a:blip r:embed="rId2"/>
+          <a:stretch>
+            <a:fillRect/>
+          </a:stretch>
+        </p:blipFill>
+        <p:spPr>
+          <a:xfrm>
+            <a:off x="4874078" y="2688668"/>
+            <a:ext cx="6939644" cy="1842560"/>
+          </a:xfrm>
+          <a:prstGeom prst="rect">
+            <a:avLst/>
+          </a:prstGeom>
+        </p:spPr>
+      </p:pic>
+      <p:sp>
+        <p:nvSpPr>
+          <p:cNvPr id="25" name="Elipse 24">
+            <a:extLst>
+              <a:ext uri="{FF2B5EF4-FFF2-40B4-BE49-F238E27FC236}">
+                <a16:creationId xmlns:a16="http://schemas.microsoft.com/office/drawing/2014/main" id="{82907B92-7905-37FB-1F1C-351E7EFB3A40}"/>
+              </a:ext>
+            </a:extLst>
+          </p:cNvPr>
+          <p:cNvSpPr/>
+          <p:nvPr/>
+        </p:nvSpPr>
+        <p:spPr>
+          <a:xfrm>
+            <a:off x="10858500" y="4277964"/>
+            <a:ext cx="495300" cy="360000"/>
+          </a:xfrm>
+          <a:prstGeom prst="ellipse">
+            <a:avLst/>
+          </a:prstGeom>
+          <a:noFill/>
+          <a:ln w="28575">
+            <a:solidFill>
+              <a:srgbClr val="FF0000"/>
+            </a:solidFill>
+          </a:ln>
         </p:spPr>
         <p:style>
           <a:lnRef idx="2">
@@ -7085,70 +8004,10 @@
           </a:p>
         </p:txBody>
       </p:sp>
-      <p:sp>
-        <p:nvSpPr>
-          <p:cNvPr id="10" name="CuadroTexto 9">
-            <a:extLst>
-              <a:ext uri="{FF2B5EF4-FFF2-40B4-BE49-F238E27FC236}">
-                <a16:creationId xmlns:a16="http://schemas.microsoft.com/office/drawing/2014/main" id="{0AE8BC8F-A2AF-1DDF-3620-F693E8EAB080}"/>
-              </a:ext>
-            </a:extLst>
-          </p:cNvPr>
-          <p:cNvSpPr txBox="1"/>
-          <p:nvPr/>
-        </p:nvSpPr>
-        <p:spPr>
-          <a:xfrm>
-            <a:off x="4426804" y="5774772"/>
-            <a:ext cx="1590370" cy="369332"/>
-          </a:xfrm>
-          <a:prstGeom prst="rect">
-            <a:avLst/>
-          </a:prstGeom>
-          <a:noFill/>
-        </p:spPr>
-        <p:txBody>
-          <a:bodyPr wrap="square" rtlCol="0">
-            <a:spAutoFit/>
-          </a:bodyPr>
-          <a:lstStyle/>
-          <a:p>
-            <a:r>
-              <a:rPr lang="es-ES" dirty="0" err="1">
-                <a:solidFill>
-                  <a:schemeClr val="accent1"/>
-                </a:solidFill>
-              </a:rPr>
-              <a:t>Best</a:t>
-            </a:r>
-            <a:r>
-              <a:rPr lang="es-ES" dirty="0">
-                <a:solidFill>
-                  <a:schemeClr val="accent1"/>
-                </a:solidFill>
-              </a:rPr>
-              <a:t> </a:t>
-            </a:r>
-            <a:r>
-              <a:rPr lang="es-ES" dirty="0" err="1">
-                <a:solidFill>
-                  <a:schemeClr val="accent1"/>
-                </a:solidFill>
-              </a:rPr>
-              <a:t>result</a:t>
-            </a:r>
-            <a:endParaRPr lang="es-ES" dirty="0">
-              <a:solidFill>
-                <a:schemeClr val="accent1"/>
-              </a:solidFill>
-            </a:endParaRPr>
-          </a:p>
-        </p:txBody>
-      </p:sp>
     </p:spTree>
     <p:extLst>
       <p:ext uri="{BB962C8B-B14F-4D97-AF65-F5344CB8AC3E}">
-        <p14:creationId xmlns:p14="http://schemas.microsoft.com/office/powerpoint/2010/main" val="593357164"/>
+        <p14:creationId xmlns:p14="http://schemas.microsoft.com/office/powerpoint/2010/main" val="517190721"/>
       </p:ext>
     </p:extLst>
   </p:cSld>
@@ -7159,19 +8018,17 @@
 </file>
 
 <file path=ppt/slides/slide13.xml><?xml version="1.0" encoding="utf-8"?>
-<p:sld xmlns:a="http://schemas.openxmlformats.org/drawingml/2006/main" xmlns:r="http://schemas.openxmlformats.org/officeDocument/2006/relationships" xmlns:p="http://schemas.openxmlformats.org/presentationml/2006/main" show="0">
+<p:sld xmlns:a="http://schemas.openxmlformats.org/drawingml/2006/main" xmlns:r="http://schemas.openxmlformats.org/officeDocument/2006/relationships" xmlns:p="http://schemas.openxmlformats.org/presentationml/2006/main">
   <p:cSld>
-    <p:bg>
-      <p:bgPr>
-        <a:solidFill>
-          <a:schemeClr val="bg1"/>
-        </a:solidFill>
-        <a:effectLst/>
-      </p:bgPr>
-    </p:bg>
     <p:spTree>
       <p:nvGrpSpPr>
-        <p:cNvPr id="1" name=""/>
+        <p:cNvPr id="1" name="">
+          <a:extLst>
+            <a:ext uri="{FF2B5EF4-FFF2-40B4-BE49-F238E27FC236}">
+              <a16:creationId xmlns:a16="http://schemas.microsoft.com/office/drawing/2014/main" id="{DAFA2CCF-BDB3-8D40-6161-C5C92740A0AF}"/>
+            </a:ext>
+          </a:extLst>
+        </p:cNvPr>
         <p:cNvGrpSpPr/>
         <p:nvPr/>
       </p:nvGrpSpPr>
@@ -7188,7 +8045,7 @@
           <p:cNvPr id="2" name="Título 1">
             <a:extLst>
               <a:ext uri="{FF2B5EF4-FFF2-40B4-BE49-F238E27FC236}">
-                <a16:creationId xmlns:a16="http://schemas.microsoft.com/office/drawing/2014/main" id="{B7006F94-BBA3-B8CB-6962-6A7E8B6697EF}"/>
+                <a16:creationId xmlns:a16="http://schemas.microsoft.com/office/drawing/2014/main" id="{61222FBA-82F7-2F50-FDF3-2B67133CEC59}"/>
               </a:ext>
             </a:extLst>
           </p:cNvPr>
@@ -7202,7 +8059,7 @@
         <p:spPr>
           <a:xfrm>
             <a:off x="837396" y="585216"/>
-            <a:ext cx="6363503" cy="666068"/>
+            <a:ext cx="9473416" cy="666068"/>
           </a:xfrm>
         </p:spPr>
         <p:txBody>
@@ -7220,7 +8077,7 @@
                   </a:schemeClr>
                 </a:solidFill>
               </a:rPr>
-              <a:t>Failed Experiments</a:t>
+              <a:t>Conclusions</a:t>
             </a:r>
           </a:p>
         </p:txBody>
@@ -7230,7 +8087,7 @@
           <p:cNvPr id="3" name="Subtítulo 2">
             <a:extLst>
               <a:ext uri="{FF2B5EF4-FFF2-40B4-BE49-F238E27FC236}">
-                <a16:creationId xmlns:a16="http://schemas.microsoft.com/office/drawing/2014/main" id="{B0BCFCBA-0DDF-19BB-FDBD-C17EB2F5D235}"/>
+                <a16:creationId xmlns:a16="http://schemas.microsoft.com/office/drawing/2014/main" id="{EADCE542-4EC7-EADE-225C-A7E9E1D8A497}"/>
               </a:ext>
             </a:extLst>
           </p:cNvPr>
@@ -7243,13 +8100,13 @@
         </p:nvSpPr>
         <p:spPr>
           <a:xfrm>
-            <a:off x="837397" y="2162175"/>
-            <a:ext cx="4072929" cy="4110609"/>
+            <a:off x="837397" y="1363436"/>
+            <a:ext cx="9367960" cy="4437290"/>
           </a:xfrm>
         </p:spPr>
         <p:txBody>
           <a:bodyPr vert="horz" lIns="91440" tIns="45720" rIns="91440" bIns="45720" rtlCol="0" anchor="t">
-            <a:normAutofit/>
+            <a:normAutofit lnSpcReduction="10000"/>
           </a:bodyPr>
           <a:lstStyle/>
           <a:p>
@@ -7258,10 +8115,76 @@
               <a:buChar char="•"/>
             </a:pPr>
             <a:r>
-              <a:rPr lang="en-US" sz="2000" dirty="0"/>
-              <a:t>e</a:t>
-            </a:r>
-            <a:endParaRPr lang="en-US" sz="1800" dirty="0"/>
+              <a:rPr lang="en-US" dirty="0"/>
+              <a:t>The Hungarian algorithm was the steppingstone for our tracker. </a:t>
+            </a:r>
+          </a:p>
+          <a:p>
+            <a:pPr marL="457200" indent="-228600" algn="l">
+              <a:buFont typeface="Arial" panose="020B0604020202020204" pitchFamily="34" charset="0"/>
+              <a:buChar char="•"/>
+            </a:pPr>
+            <a:r>
+              <a:rPr lang="en-US" dirty="0"/>
+              <a:t>Kalman filter was hard to optimize, sometimes even counter-intuitive in the way it behaved</a:t>
+            </a:r>
+          </a:p>
+          <a:p>
+            <a:pPr marL="457200" indent="-228600" algn="l">
+              <a:buFont typeface="Arial" panose="020B0604020202020204" pitchFamily="34" charset="0"/>
+              <a:buChar char="•"/>
+            </a:pPr>
+            <a:r>
+              <a:rPr lang="en-US" dirty="0"/>
+              <a:t>Patience for removing and adding tracks can help with the FP and FN, but in a marginal way</a:t>
+            </a:r>
+          </a:p>
+          <a:p>
+            <a:pPr marL="457200" indent="-228600" algn="l">
+              <a:buFont typeface="Arial" panose="020B0604020202020204" pitchFamily="34" charset="0"/>
+              <a:buChar char="•"/>
+            </a:pPr>
+            <a:r>
+              <a:rPr lang="en-US" dirty="0"/>
+              <a:t>Hyper-parameter tuning is a costly job, but rewarding if done right</a:t>
+            </a:r>
+          </a:p>
+          <a:p>
+            <a:pPr marL="457200" indent="-228600" algn="l">
+              <a:buFont typeface="Arial" panose="020B0604020202020204" pitchFamily="34" charset="0"/>
+              <a:buChar char="•"/>
+            </a:pPr>
+            <a:r>
+              <a:rPr lang="en-US" dirty="0"/>
+              <a:t>Optimizing computational resources can give a lot of benefits: less time running, more time for experiments!</a:t>
+            </a:r>
+          </a:p>
+          <a:p>
+            <a:pPr marL="457200" indent="-228600" algn="l">
+              <a:buFont typeface="Arial" panose="020B0604020202020204" pitchFamily="34" charset="0"/>
+              <a:buChar char="•"/>
+            </a:pPr>
+            <a:r>
+              <a:rPr lang="en-US" dirty="0"/>
+              <a:t>Deep Features works well, but we expected to work better…</a:t>
+            </a:r>
+          </a:p>
+          <a:p>
+            <a:pPr marL="457200" indent="-228600" algn="l">
+              <a:buFont typeface="Arial" panose="020B0604020202020204" pitchFamily="34" charset="0"/>
+              <a:buChar char="•"/>
+            </a:pPr>
+            <a:r>
+              <a:rPr lang="en-US" dirty="0"/>
+              <a:t>Although results are not what we would have expected, we had fun developing the tracker!</a:t>
+            </a:r>
+          </a:p>
+          <a:p>
+            <a:pPr marL="457200" indent="-228600" algn="l">
+              <a:buFont typeface="Arial" panose="020B0604020202020204" pitchFamily="34" charset="0"/>
+              <a:buChar char="•"/>
+            </a:pPr>
+            <a:endParaRPr lang="en-US" dirty="0"/>
           </a:p>
         </p:txBody>
       </p:sp>
@@ -7270,7 +8193,7 @@
           <p:cNvPr id="4" name="Marcador de pie de página 3">
             <a:extLst>
               <a:ext uri="{FF2B5EF4-FFF2-40B4-BE49-F238E27FC236}">
-                <a16:creationId xmlns:a16="http://schemas.microsoft.com/office/drawing/2014/main" id="{44FC2B2D-D3F4-A2F3-5AEB-F392280F82B4}"/>
+                <a16:creationId xmlns:a16="http://schemas.microsoft.com/office/drawing/2014/main" id="{55FDC7A9-C0D8-0338-F6CE-7977CD798C70}"/>
               </a:ext>
             </a:extLst>
           </p:cNvPr>
@@ -7316,7 +8239,7 @@
           <p:cNvPr id="6" name="Marcador de número de diapositiva 5">
             <a:extLst>
               <a:ext uri="{FF2B5EF4-FFF2-40B4-BE49-F238E27FC236}">
-                <a16:creationId xmlns:a16="http://schemas.microsoft.com/office/drawing/2014/main" id="{FB27849B-D49B-4080-5FE3-FD5282577E34}"/>
+                <a16:creationId xmlns:a16="http://schemas.microsoft.com/office/drawing/2014/main" id="{5A87CD9F-8DAD-D23C-E289-742BE7B553D8}"/>
               </a:ext>
             </a:extLst>
           </p:cNvPr>
@@ -7352,71 +8275,10 @@
           </a:p>
         </p:txBody>
       </p:sp>
-      <p:sp>
-        <p:nvSpPr>
-          <p:cNvPr id="8" name="CuadroTexto 7">
-            <a:extLst>
-              <a:ext uri="{FF2B5EF4-FFF2-40B4-BE49-F238E27FC236}">
-                <a16:creationId xmlns:a16="http://schemas.microsoft.com/office/drawing/2014/main" id="{E0BEB5F1-7BDC-9D3B-C5C4-5EFE09EC0539}"/>
-              </a:ext>
-            </a:extLst>
-          </p:cNvPr>
-          <p:cNvSpPr txBox="1"/>
-          <p:nvPr/>
-        </p:nvSpPr>
-        <p:spPr>
-          <a:xfrm>
-            <a:off x="837396" y="1251284"/>
-            <a:ext cx="3457575" cy="738664"/>
-          </a:xfrm>
-          <a:prstGeom prst="rect">
-            <a:avLst/>
-          </a:prstGeom>
-          <a:noFill/>
-        </p:spPr>
-        <p:txBody>
-          <a:bodyPr wrap="square" rtlCol="0">
-            <a:spAutoFit/>
-          </a:bodyPr>
-          <a:lstStyle/>
-          <a:p>
-            <a:r>
-              <a:rPr lang="es-ES" sz="2400" i="1" dirty="0" err="1">
-                <a:solidFill>
-                  <a:schemeClr val="accent1">
-                    <a:lumMod val="75000"/>
-                  </a:schemeClr>
-                </a:solidFill>
-              </a:rPr>
-              <a:t>Mask</a:t>
-            </a:r>
-            <a:r>
-              <a:rPr lang="es-ES" sz="2400" i="1" dirty="0">
-                <a:solidFill>
-                  <a:schemeClr val="accent1">
-                    <a:lumMod val="75000"/>
-                  </a:schemeClr>
-                </a:solidFill>
-              </a:rPr>
-              <a:t> - RCNN</a:t>
-            </a:r>
-            <a:endParaRPr lang="en-US" sz="2400" i="1" dirty="0">
-              <a:solidFill>
-                <a:schemeClr val="accent1">
-                  <a:lumMod val="75000"/>
-                </a:schemeClr>
-              </a:solidFill>
-            </a:endParaRPr>
-          </a:p>
-          <a:p>
-            <a:endParaRPr lang="es-ES" dirty="0"/>
-          </a:p>
-        </p:txBody>
-      </p:sp>
     </p:spTree>
     <p:extLst>
       <p:ext uri="{BB962C8B-B14F-4D97-AF65-F5344CB8AC3E}">
-        <p14:creationId xmlns:p14="http://schemas.microsoft.com/office/powerpoint/2010/main" val="1728229218"/>
+        <p14:creationId xmlns:p14="http://schemas.microsoft.com/office/powerpoint/2010/main" val="3141339521"/>
       </p:ext>
     </p:extLst>
   </p:cSld>
@@ -7427,19 +8289,17 @@
 </file>
 
 <file path=ppt/slides/slide14.xml><?xml version="1.0" encoding="utf-8"?>
-<p:sld xmlns:a="http://schemas.openxmlformats.org/drawingml/2006/main" xmlns:r="http://schemas.openxmlformats.org/officeDocument/2006/relationships" xmlns:p="http://schemas.openxmlformats.org/presentationml/2006/main" show="0">
+<p:sld xmlns:a="http://schemas.openxmlformats.org/drawingml/2006/main" xmlns:r="http://schemas.openxmlformats.org/officeDocument/2006/relationships" xmlns:p="http://schemas.openxmlformats.org/presentationml/2006/main">
   <p:cSld>
-    <p:bg>
-      <p:bgPr>
-        <a:solidFill>
-          <a:schemeClr val="bg1"/>
-        </a:solidFill>
-        <a:effectLst/>
-      </p:bgPr>
-    </p:bg>
     <p:spTree>
       <p:nvGrpSpPr>
-        <p:cNvPr id="1" name=""/>
+        <p:cNvPr id="1" name="">
+          <a:extLst>
+            <a:ext uri="{FF2B5EF4-FFF2-40B4-BE49-F238E27FC236}">
+              <a16:creationId xmlns:a16="http://schemas.microsoft.com/office/drawing/2014/main" id="{B8216B91-8220-7520-B265-EFE7EBF28927}"/>
+            </a:ext>
+          </a:extLst>
+        </p:cNvPr>
         <p:cNvGrpSpPr/>
         <p:nvPr/>
       </p:nvGrpSpPr>
@@ -7456,7 +8316,7 @@
           <p:cNvPr id="2" name="Título 1">
             <a:extLst>
               <a:ext uri="{FF2B5EF4-FFF2-40B4-BE49-F238E27FC236}">
-                <a16:creationId xmlns:a16="http://schemas.microsoft.com/office/drawing/2014/main" id="{B7006F94-BBA3-B8CB-6962-6A7E8B6697EF}"/>
+                <a16:creationId xmlns:a16="http://schemas.microsoft.com/office/drawing/2014/main" id="{03AF0334-5A99-078C-9110-E7A84676CE6E}"/>
               </a:ext>
             </a:extLst>
           </p:cNvPr>
@@ -7469,8 +8329,8 @@
         </p:nvSpPr>
         <p:spPr>
           <a:xfrm>
-            <a:off x="837396" y="585216"/>
-            <a:ext cx="6363503" cy="666068"/>
+            <a:off x="1524000" y="2598074"/>
+            <a:ext cx="9144000" cy="666068"/>
           </a:xfrm>
         </p:spPr>
         <p:txBody>
@@ -7479,7 +8339,6 @@
           </a:bodyPr>
           <a:lstStyle/>
           <a:p>
-            <a:pPr algn="l"/>
             <a:r>
               <a:rPr lang="en-US" sz="3600" b="1" i="1" dirty="0">
                 <a:solidFill>
@@ -7488,48 +8347,8 @@
                   </a:schemeClr>
                 </a:solidFill>
               </a:rPr>
-              <a:t>Failed Experiments</a:t>
-            </a:r>
-          </a:p>
-        </p:txBody>
-      </p:sp>
-      <p:sp>
-        <p:nvSpPr>
-          <p:cNvPr id="3" name="Subtítulo 2">
-            <a:extLst>
-              <a:ext uri="{FF2B5EF4-FFF2-40B4-BE49-F238E27FC236}">
-                <a16:creationId xmlns:a16="http://schemas.microsoft.com/office/drawing/2014/main" id="{B0BCFCBA-0DDF-19BB-FDBD-C17EB2F5D235}"/>
-              </a:ext>
-            </a:extLst>
-          </p:cNvPr>
-          <p:cNvSpPr>
-            <a:spLocks noGrp="1"/>
-          </p:cNvSpPr>
-          <p:nvPr>
-            <p:ph type="subTitle" idx="1"/>
-          </p:nvPr>
-        </p:nvSpPr>
-        <p:spPr>
-          <a:xfrm>
-            <a:off x="837397" y="2162175"/>
-            <a:ext cx="4072929" cy="4110609"/>
-          </a:xfrm>
-        </p:spPr>
-        <p:txBody>
-          <a:bodyPr vert="horz" lIns="91440" tIns="45720" rIns="91440" bIns="45720" rtlCol="0" anchor="t">
-            <a:normAutofit/>
-          </a:bodyPr>
-          <a:lstStyle/>
-          <a:p>
-            <a:pPr marL="457200" indent="-228600" algn="l">
-              <a:buFont typeface="Arial" panose="020B0604020202020204" pitchFamily="34" charset="0"/>
-              <a:buChar char="•"/>
-            </a:pPr>
-            <a:r>
-              <a:rPr lang="en-US" sz="2000" dirty="0"/>
-              <a:t>e</a:t>
-            </a:r>
-            <a:endParaRPr lang="en-US" sz="1800" dirty="0"/>
+              <a:t>Thank you for your attention!</a:t>
+            </a:r>
           </a:p>
         </p:txBody>
       </p:sp>
@@ -7538,7 +8357,7 @@
           <p:cNvPr id="4" name="Marcador de pie de página 3">
             <a:extLst>
               <a:ext uri="{FF2B5EF4-FFF2-40B4-BE49-F238E27FC236}">
-                <a16:creationId xmlns:a16="http://schemas.microsoft.com/office/drawing/2014/main" id="{44FC2B2D-D3F4-A2F3-5AEB-F392280F82B4}"/>
+                <a16:creationId xmlns:a16="http://schemas.microsoft.com/office/drawing/2014/main" id="{8031AC0B-0560-B41E-9ACE-96C2614968A0}"/>
               </a:ext>
             </a:extLst>
           </p:cNvPr>
@@ -7584,7 +8403,7 @@
           <p:cNvPr id="6" name="Marcador de número de diapositiva 5">
             <a:extLst>
               <a:ext uri="{FF2B5EF4-FFF2-40B4-BE49-F238E27FC236}">
-                <a16:creationId xmlns:a16="http://schemas.microsoft.com/office/drawing/2014/main" id="{FB27849B-D49B-4080-5FE3-FD5282577E34}"/>
+                <a16:creationId xmlns:a16="http://schemas.microsoft.com/office/drawing/2014/main" id="{F04B5150-6893-5BB1-BDF3-C6ACDF14697B}"/>
               </a:ext>
             </a:extLst>
           </p:cNvPr>
@@ -7620,61 +8439,10 @@
           </a:p>
         </p:txBody>
       </p:sp>
-      <p:sp>
-        <p:nvSpPr>
-          <p:cNvPr id="8" name="CuadroTexto 7">
-            <a:extLst>
-              <a:ext uri="{FF2B5EF4-FFF2-40B4-BE49-F238E27FC236}">
-                <a16:creationId xmlns:a16="http://schemas.microsoft.com/office/drawing/2014/main" id="{E0BEB5F1-7BDC-9D3B-C5C4-5EFE09EC0539}"/>
-              </a:ext>
-            </a:extLst>
-          </p:cNvPr>
-          <p:cNvSpPr txBox="1"/>
-          <p:nvPr/>
-        </p:nvSpPr>
-        <p:spPr>
-          <a:xfrm>
-            <a:off x="837396" y="1251284"/>
-            <a:ext cx="3457575" cy="738664"/>
-          </a:xfrm>
-          <a:prstGeom prst="rect">
-            <a:avLst/>
-          </a:prstGeom>
-          <a:noFill/>
-        </p:spPr>
-        <p:txBody>
-          <a:bodyPr wrap="square" rtlCol="0">
-            <a:spAutoFit/>
-          </a:bodyPr>
-          <a:lstStyle/>
-          <a:p>
-            <a:r>
-              <a:rPr lang="es-ES" sz="2400" i="1" dirty="0">
-                <a:solidFill>
-                  <a:schemeClr val="accent1">
-                    <a:lumMod val="75000"/>
-                  </a:schemeClr>
-                </a:solidFill>
-              </a:rPr>
-              <a:t>Transformers (modelo)</a:t>
-            </a:r>
-            <a:endParaRPr lang="en-US" sz="2400" i="1" dirty="0">
-              <a:solidFill>
-                <a:schemeClr val="accent1">
-                  <a:lumMod val="75000"/>
-                </a:schemeClr>
-              </a:solidFill>
-            </a:endParaRPr>
-          </a:p>
-          <a:p>
-            <a:endParaRPr lang="es-ES" dirty="0"/>
-          </a:p>
-        </p:txBody>
-      </p:sp>
     </p:spTree>
     <p:extLst>
       <p:ext uri="{BB962C8B-B14F-4D97-AF65-F5344CB8AC3E}">
-        <p14:creationId xmlns:p14="http://schemas.microsoft.com/office/powerpoint/2010/main" val="3499446601"/>
+        <p14:creationId xmlns:p14="http://schemas.microsoft.com/office/powerpoint/2010/main" val="1509056712"/>
       </p:ext>
     </p:extLst>
   </p:cSld>
@@ -7685,16 +8453,8 @@
 </file>
 
 <file path=ppt/slides/slide15.xml><?xml version="1.0" encoding="utf-8"?>
-<p:sld xmlns:a="http://schemas.openxmlformats.org/drawingml/2006/main" xmlns:r="http://schemas.openxmlformats.org/officeDocument/2006/relationships" xmlns:p="http://schemas.openxmlformats.org/presentationml/2006/main" show="0">
+<p:sld xmlns:a="http://schemas.openxmlformats.org/drawingml/2006/main" xmlns:r="http://schemas.openxmlformats.org/officeDocument/2006/relationships" xmlns:p="http://schemas.openxmlformats.org/presentationml/2006/main">
   <p:cSld>
-    <p:bg>
-      <p:bgPr>
-        <a:solidFill>
-          <a:schemeClr val="bg1"/>
-        </a:solidFill>
-        <a:effectLst/>
-      </p:bgPr>
-    </p:bg>
     <p:spTree>
       <p:nvGrpSpPr>
         <p:cNvPr id="1" name=""/>
@@ -7711,6 +8471,169 @@
       </p:grpSpPr>
       <p:sp>
         <p:nvSpPr>
+          <p:cNvPr id="3" name="Subtítulo 2">
+            <a:extLst>
+              <a:ext uri="{FF2B5EF4-FFF2-40B4-BE49-F238E27FC236}">
+                <a16:creationId xmlns:a16="http://schemas.microsoft.com/office/drawing/2014/main" id="{B0BCFCBA-0DDF-19BB-FDBD-C17EB2F5D235}"/>
+              </a:ext>
+            </a:extLst>
+          </p:cNvPr>
+          <p:cNvSpPr>
+            <a:spLocks noGrp="1"/>
+          </p:cNvSpPr>
+          <p:nvPr>
+            <p:ph type="subTitle" idx="1"/>
+          </p:nvPr>
+        </p:nvSpPr>
+        <p:spPr>
+          <a:xfrm>
+            <a:off x="837396" y="1771651"/>
+            <a:ext cx="11000817" cy="4501134"/>
+          </a:xfrm>
+        </p:spPr>
+        <p:txBody>
+          <a:bodyPr vert="horz" lIns="91440" tIns="45720" rIns="91440" bIns="45720" rtlCol="0" anchor="t">
+            <a:normAutofit/>
+          </a:bodyPr>
+          <a:lstStyle/>
+          <a:p>
+            <a:pPr marL="457200" indent="-228600" algn="l">
+              <a:buFont typeface="Arial" panose="020B0604020202020204" pitchFamily="34" charset="0"/>
+              <a:buChar char="•"/>
+            </a:pPr>
+            <a:r>
+              <a:rPr lang="es-ES" sz="1800" dirty="0"/>
+              <a:t>X. </a:t>
+            </a:r>
+            <a:r>
+              <a:rPr lang="es-ES" sz="1800" dirty="0" err="1"/>
+              <a:t>Hou</a:t>
+            </a:r>
+            <a:r>
+              <a:rPr lang="es-ES" sz="1800" dirty="0"/>
+              <a:t>, et al, "</a:t>
+            </a:r>
+            <a:r>
+              <a:rPr lang="es-ES" sz="1800" dirty="0" err="1"/>
+              <a:t>Vehicle</a:t>
+            </a:r>
+            <a:r>
+              <a:rPr lang="es-ES" sz="1800" dirty="0"/>
+              <a:t> Tracking </a:t>
+            </a:r>
+            <a:r>
+              <a:rPr lang="es-ES" sz="1800" dirty="0" err="1"/>
+              <a:t>Using</a:t>
+            </a:r>
+            <a:r>
+              <a:rPr lang="es-ES" sz="1800" dirty="0"/>
+              <a:t> Deep SORT </a:t>
+            </a:r>
+            <a:r>
+              <a:rPr lang="es-ES" sz="1800" dirty="0" err="1"/>
+              <a:t>with</a:t>
+            </a:r>
+            <a:r>
+              <a:rPr lang="es-ES" sz="1800" dirty="0"/>
+              <a:t> Low </a:t>
+            </a:r>
+            <a:r>
+              <a:rPr lang="es-ES" sz="1800" dirty="0" err="1"/>
+              <a:t>Confidence</a:t>
+            </a:r>
+            <a:r>
+              <a:rPr lang="es-ES" sz="1800" dirty="0"/>
+              <a:t> </a:t>
+            </a:r>
+            <a:r>
+              <a:rPr lang="es-ES" sz="1800" dirty="0" err="1"/>
+              <a:t>Track</a:t>
+            </a:r>
+            <a:r>
+              <a:rPr lang="es-ES" sz="1800" dirty="0"/>
+              <a:t> </a:t>
+            </a:r>
+            <a:r>
+              <a:rPr lang="es-ES" sz="1800" dirty="0" err="1"/>
+              <a:t>Filtering</a:t>
+            </a:r>
+            <a:r>
+              <a:rPr lang="es-ES" sz="1800" dirty="0"/>
+              <a:t>," AVSS 2019</a:t>
+            </a:r>
+            <a:r>
+              <a:rPr lang="en-GB" sz="1800" dirty="0"/>
+              <a:t> </a:t>
+            </a:r>
+          </a:p>
+          <a:p>
+            <a:pPr marL="457200" indent="-228600" algn="l">
+              <a:buFont typeface="Arial" panose="020B0604020202020204" pitchFamily="34" charset="0"/>
+              <a:buChar char="•"/>
+            </a:pPr>
+            <a:r>
+              <a:rPr lang="en-US" sz="1800" dirty="0" err="1"/>
+              <a:t>Wojke</a:t>
+            </a:r>
+            <a:r>
+              <a:rPr lang="en-US" sz="1800" dirty="0"/>
+              <a:t>, et al, “</a:t>
+            </a:r>
+            <a:r>
+              <a:rPr lang="es-ES" sz="1800" dirty="0"/>
+              <a:t>Simple Online and </a:t>
+            </a:r>
+            <a:r>
+              <a:rPr lang="es-ES" sz="1800" dirty="0" err="1"/>
+              <a:t>Realtime</a:t>
+            </a:r>
+            <a:r>
+              <a:rPr lang="es-ES" sz="1800" dirty="0"/>
+              <a:t> Tracking </a:t>
+            </a:r>
+            <a:r>
+              <a:rPr lang="es-ES" sz="1800" dirty="0" err="1"/>
+              <a:t>with</a:t>
+            </a:r>
+            <a:r>
+              <a:rPr lang="es-ES" sz="1800" dirty="0"/>
+              <a:t> a Deep </a:t>
+            </a:r>
+            <a:r>
+              <a:rPr lang="es-ES" sz="1800" dirty="0" err="1"/>
+              <a:t>Association</a:t>
+            </a:r>
+            <a:r>
+              <a:rPr lang="es-ES" sz="1800" dirty="0"/>
+              <a:t> </a:t>
+            </a:r>
+            <a:r>
+              <a:rPr lang="es-ES" sz="1800" dirty="0" err="1"/>
+              <a:t>Metric</a:t>
+            </a:r>
+            <a:r>
+              <a:rPr lang="es-ES" sz="1800" dirty="0"/>
+              <a:t>”, 21 Mar 2017</a:t>
+            </a:r>
+          </a:p>
+          <a:p>
+            <a:pPr marL="457200" indent="-228600" algn="l">
+              <a:buFont typeface="Arial" panose="020B0604020202020204" pitchFamily="34" charset="0"/>
+              <a:buChar char="•"/>
+            </a:pPr>
+            <a:endParaRPr lang="es-ES" sz="1800" dirty="0"/>
+          </a:p>
+          <a:p>
+            <a:pPr marL="457200" indent="-228600" algn="l">
+              <a:buFont typeface="Arial" panose="020B0604020202020204" pitchFamily="34" charset="0"/>
+              <a:buChar char="•"/>
+            </a:pPr>
+            <a:endParaRPr lang="en-US" sz="1800" dirty="0"/>
+          </a:p>
+        </p:txBody>
+      </p:sp>
+      <p:sp>
+        <p:nvSpPr>
           <p:cNvPr id="2" name="Título 1">
             <a:extLst>
               <a:ext uri="{FF2B5EF4-FFF2-40B4-BE49-F238E27FC236}">
@@ -7746,48 +8669,8 @@
                   </a:schemeClr>
                 </a:solidFill>
               </a:rPr>
-              <a:t>Failed Experiments</a:t>
-            </a:r>
-          </a:p>
-        </p:txBody>
-      </p:sp>
-      <p:sp>
-        <p:nvSpPr>
-          <p:cNvPr id="3" name="Subtítulo 2">
-            <a:extLst>
-              <a:ext uri="{FF2B5EF4-FFF2-40B4-BE49-F238E27FC236}">
-                <a16:creationId xmlns:a16="http://schemas.microsoft.com/office/drawing/2014/main" id="{B0BCFCBA-0DDF-19BB-FDBD-C17EB2F5D235}"/>
-              </a:ext>
-            </a:extLst>
-          </p:cNvPr>
-          <p:cNvSpPr>
-            <a:spLocks noGrp="1"/>
-          </p:cNvSpPr>
-          <p:nvPr>
-            <p:ph type="subTitle" idx="1"/>
-          </p:nvPr>
-        </p:nvSpPr>
-        <p:spPr>
-          <a:xfrm>
-            <a:off x="837397" y="2162175"/>
-            <a:ext cx="4072929" cy="4110609"/>
-          </a:xfrm>
-        </p:spPr>
-        <p:txBody>
-          <a:bodyPr vert="horz" lIns="91440" tIns="45720" rIns="91440" bIns="45720" rtlCol="0" anchor="t">
-            <a:normAutofit/>
-          </a:bodyPr>
-          <a:lstStyle/>
-          <a:p>
-            <a:pPr marL="457200" indent="-228600" algn="l">
-              <a:buFont typeface="Arial" panose="020B0604020202020204" pitchFamily="34" charset="0"/>
-              <a:buChar char="•"/>
-            </a:pPr>
-            <a:r>
-              <a:rPr lang="en-US" sz="2000" dirty="0"/>
-              <a:t>e</a:t>
-            </a:r>
-            <a:endParaRPr lang="en-US" sz="1800" dirty="0"/>
+              <a:t>References</a:t>
+            </a:r>
           </a:p>
         </p:txBody>
       </p:sp>
@@ -7878,101 +8761,10 @@
           </a:p>
         </p:txBody>
       </p:sp>
-      <p:sp>
-        <p:nvSpPr>
-          <p:cNvPr id="8" name="CuadroTexto 7">
-            <a:extLst>
-              <a:ext uri="{FF2B5EF4-FFF2-40B4-BE49-F238E27FC236}">
-                <a16:creationId xmlns:a16="http://schemas.microsoft.com/office/drawing/2014/main" id="{E0BEB5F1-7BDC-9D3B-C5C4-5EFE09EC0539}"/>
-              </a:ext>
-            </a:extLst>
-          </p:cNvPr>
-          <p:cNvSpPr txBox="1"/>
-          <p:nvPr/>
-        </p:nvSpPr>
-        <p:spPr>
-          <a:xfrm>
-            <a:off x="837396" y="1251284"/>
-            <a:ext cx="4495800" cy="738664"/>
-          </a:xfrm>
-          <a:prstGeom prst="rect">
-            <a:avLst/>
-          </a:prstGeom>
-          <a:noFill/>
-        </p:spPr>
-        <p:txBody>
-          <a:bodyPr wrap="square" rtlCol="0">
-            <a:spAutoFit/>
-          </a:bodyPr>
-          <a:lstStyle/>
-          <a:p>
-            <a:r>
-              <a:rPr lang="es-ES" sz="2400" i="1" dirty="0" err="1">
-                <a:solidFill>
-                  <a:schemeClr val="accent1">
-                    <a:lumMod val="75000"/>
-                  </a:schemeClr>
-                </a:solidFill>
-              </a:rPr>
-              <a:t>Ground-truth</a:t>
-            </a:r>
-            <a:r>
-              <a:rPr lang="es-ES" sz="2400" i="1" dirty="0">
-                <a:solidFill>
-                  <a:schemeClr val="accent1">
-                    <a:lumMod val="75000"/>
-                  </a:schemeClr>
-                </a:solidFill>
-              </a:rPr>
-              <a:t> in </a:t>
-            </a:r>
-            <a:r>
-              <a:rPr lang="es-ES" sz="2400" i="1" dirty="0" err="1">
-                <a:solidFill>
-                  <a:schemeClr val="accent1">
-                    <a:lumMod val="75000"/>
-                  </a:schemeClr>
-                </a:solidFill>
-              </a:rPr>
-              <a:t>the</a:t>
-            </a:r>
-            <a:r>
-              <a:rPr lang="es-ES" sz="2400" i="1" dirty="0">
-                <a:solidFill>
-                  <a:schemeClr val="accent1">
-                    <a:lumMod val="75000"/>
-                  </a:schemeClr>
-                </a:solidFill>
-              </a:rPr>
-              <a:t> </a:t>
-            </a:r>
-            <a:r>
-              <a:rPr lang="es-ES" sz="2400" i="1" dirty="0" err="1">
-                <a:solidFill>
-                  <a:schemeClr val="accent1">
-                    <a:lumMod val="75000"/>
-                  </a:schemeClr>
-                </a:solidFill>
-              </a:rPr>
-              <a:t>segmentation</a:t>
-            </a:r>
-            <a:endParaRPr lang="en-US" sz="2400" i="1" dirty="0">
-              <a:solidFill>
-                <a:schemeClr val="accent1">
-                  <a:lumMod val="75000"/>
-                </a:schemeClr>
-              </a:solidFill>
-            </a:endParaRPr>
-          </a:p>
-          <a:p>
-            <a:endParaRPr lang="es-ES" dirty="0"/>
-          </a:p>
-        </p:txBody>
-      </p:sp>
     </p:spTree>
     <p:extLst>
       <p:ext uri="{BB962C8B-B14F-4D97-AF65-F5344CB8AC3E}">
-        <p14:creationId xmlns:p14="http://schemas.microsoft.com/office/powerpoint/2010/main" val="905100564"/>
+        <p14:creationId xmlns:p14="http://schemas.microsoft.com/office/powerpoint/2010/main" val="3773478077"/>
       </p:ext>
     </p:extLst>
   </p:cSld>
@@ -8031,7 +8823,7 @@
         </p:spPr>
         <p:txBody>
           <a:bodyPr vert="horz" lIns="91440" tIns="45720" rIns="91440" bIns="45720" rtlCol="0" anchor="b">
-            <a:normAutofit/>
+            <a:normAutofit fontScale="90000"/>
           </a:bodyPr>
           <a:lstStyle/>
           <a:p>
@@ -8044,7 +8836,7 @@
                   </a:schemeClr>
                 </a:solidFill>
               </a:rPr>
-              <a:t>Conclusion</a:t>
+              <a:t>Improvements in data association</a:t>
             </a:r>
           </a:p>
         </p:txBody>
@@ -8067,8 +8859,8 @@
         </p:nvSpPr>
         <p:spPr>
           <a:xfrm>
-            <a:off x="837397" y="1771651"/>
-            <a:ext cx="4072929" cy="4501134"/>
+            <a:off x="837398" y="2162175"/>
+            <a:ext cx="6487328" cy="584531"/>
           </a:xfrm>
         </p:spPr>
         <p:txBody>
@@ -8082,10 +8874,54 @@
               <a:buChar char="•"/>
             </a:pPr>
             <a:r>
-              <a:rPr lang="en-US" sz="2000" dirty="0"/>
-              <a:t>e</a:t>
-            </a:r>
-            <a:endParaRPr lang="en-US" sz="1800" dirty="0"/>
+              <a:rPr lang="es-ES" sz="2000" dirty="0" err="1"/>
+              <a:t>Tests</a:t>
+            </a:r>
+            <a:r>
+              <a:rPr lang="es-ES" sz="2000" dirty="0"/>
+              <a:t> </a:t>
+            </a:r>
+            <a:r>
+              <a:rPr lang="es-ES" sz="2000" dirty="0" err="1"/>
+              <a:t>with</a:t>
+            </a:r>
+            <a:r>
+              <a:rPr lang="es-ES" sz="2000" dirty="0"/>
+              <a:t> </a:t>
+            </a:r>
+            <a:r>
+              <a:rPr lang="es-ES" sz="2000" dirty="0" err="1"/>
+              <a:t>differents</a:t>
+            </a:r>
+            <a:r>
+              <a:rPr lang="es-ES" sz="2000" dirty="0"/>
+              <a:t> </a:t>
+            </a:r>
+            <a:r>
+              <a:rPr lang="el-GR" sz="2000" dirty="0"/>
+              <a:t>Δ</a:t>
+            </a:r>
+            <a:r>
+              <a:rPr lang="es-ES" sz="2000" dirty="0"/>
+              <a:t>t (</a:t>
+            </a:r>
+            <a:r>
+              <a:rPr lang="es-ES" sz="2000" dirty="0" err="1"/>
+              <a:t>less</a:t>
+            </a:r>
+            <a:r>
+              <a:rPr lang="es-ES" sz="2000" dirty="0"/>
+              <a:t> </a:t>
+            </a:r>
+            <a:r>
+              <a:rPr lang="es-ES" sz="2000" dirty="0" err="1"/>
+              <a:t>than</a:t>
+            </a:r>
+            <a:r>
+              <a:rPr lang="es-ES" sz="2000" dirty="0"/>
+              <a:t> 1)</a:t>
+            </a:r>
+            <a:endParaRPr lang="en-US" sz="2000" dirty="0"/>
           </a:p>
         </p:txBody>
       </p:sp>
@@ -8135,6 +8971,42 @@
           </a:p>
         </p:txBody>
       </p:sp>
+      <p:pic>
+        <p:nvPicPr>
+          <p:cNvPr id="14" name="Imagen 13" descr="Gráfico, Gráfico de barras, Histograma&#10;&#10;Descripción generada automáticamente">
+            <a:extLst>
+              <a:ext uri="{FF2B5EF4-FFF2-40B4-BE49-F238E27FC236}">
+                <a16:creationId xmlns:a16="http://schemas.microsoft.com/office/drawing/2014/main" id="{2479CB98-6506-FFDC-411F-AF1767A44362}"/>
+              </a:ext>
+            </a:extLst>
+          </p:cNvPr>
+          <p:cNvPicPr>
+            <a:picLocks noChangeAspect="1"/>
+          </p:cNvPicPr>
+          <p:nvPr/>
+        </p:nvPicPr>
+        <p:blipFill>
+          <a:blip r:embed="rId2">
+            <a:extLst>
+              <a:ext uri="{28A0092B-C50C-407E-A947-70E740481C1C}">
+                <a14:useLocalDpi xmlns:a14="http://schemas.microsoft.com/office/drawing/2010/main" val="0"/>
+              </a:ext>
+            </a:extLst>
+          </a:blip>
+          <a:stretch>
+            <a:fillRect/>
+          </a:stretch>
+        </p:blipFill>
+        <p:spPr>
+          <a:xfrm>
+            <a:off x="1186804" y="2719438"/>
+            <a:ext cx="4320000" cy="3240000"/>
+          </a:xfrm>
+          <a:prstGeom prst="rect">
+            <a:avLst/>
+          </a:prstGeom>
+        </p:spPr>
+      </p:pic>
       <p:sp>
         <p:nvSpPr>
           <p:cNvPr id="6" name="Marcador de número de diapositiva 5">
@@ -8176,10 +9048,1024 @@
           </a:p>
         </p:txBody>
       </p:sp>
+      <p:sp>
+        <p:nvSpPr>
+          <p:cNvPr id="8" name="CuadroTexto 7">
+            <a:extLst>
+              <a:ext uri="{FF2B5EF4-FFF2-40B4-BE49-F238E27FC236}">
+                <a16:creationId xmlns:a16="http://schemas.microsoft.com/office/drawing/2014/main" id="{E0BEB5F1-7BDC-9D3B-C5C4-5EFE09EC0539}"/>
+              </a:ext>
+            </a:extLst>
+          </p:cNvPr>
+          <p:cNvSpPr txBox="1"/>
+          <p:nvPr/>
+        </p:nvSpPr>
+        <p:spPr>
+          <a:xfrm>
+            <a:off x="837396" y="1251284"/>
+            <a:ext cx="3671097" cy="461665"/>
+          </a:xfrm>
+          <a:prstGeom prst="rect">
+            <a:avLst/>
+          </a:prstGeom>
+          <a:noFill/>
+        </p:spPr>
+        <p:txBody>
+          <a:bodyPr wrap="square" rtlCol="0">
+            <a:spAutoFit/>
+          </a:bodyPr>
+          <a:lstStyle/>
+          <a:p>
+            <a:r>
+              <a:rPr lang="es-ES" sz="2400" i="1" dirty="0">
+                <a:solidFill>
+                  <a:schemeClr val="accent1">
+                    <a:lumMod val="75000"/>
+                  </a:schemeClr>
+                </a:solidFill>
+              </a:rPr>
+              <a:t>Kalman </a:t>
+            </a:r>
+            <a:r>
+              <a:rPr lang="es-ES" sz="2400" i="1" dirty="0" err="1">
+                <a:solidFill>
+                  <a:schemeClr val="accent1">
+                    <a:lumMod val="75000"/>
+                  </a:schemeClr>
+                </a:solidFill>
+              </a:rPr>
+              <a:t>Filter</a:t>
+            </a:r>
+            <a:r>
+              <a:rPr lang="es-ES" sz="2400" i="1" dirty="0">
+                <a:solidFill>
+                  <a:schemeClr val="accent1">
+                    <a:lumMod val="75000"/>
+                  </a:schemeClr>
+                </a:solidFill>
+              </a:rPr>
+              <a:t>. </a:t>
+            </a:r>
+            <a:r>
+              <a:rPr lang="el-GR" sz="2400" i="1" dirty="0">
+                <a:solidFill>
+                  <a:schemeClr val="accent1">
+                    <a:lumMod val="75000"/>
+                  </a:schemeClr>
+                </a:solidFill>
+              </a:rPr>
+              <a:t>Δ</a:t>
+            </a:r>
+            <a:r>
+              <a:rPr lang="es-ES" sz="2400" i="1" dirty="0">
+                <a:solidFill>
+                  <a:schemeClr val="accent1">
+                    <a:lumMod val="75000"/>
+                  </a:schemeClr>
+                </a:solidFill>
+              </a:rPr>
+              <a:t>t de Kalman </a:t>
+            </a:r>
+            <a:endParaRPr lang="es-ES" dirty="0"/>
+          </a:p>
+        </p:txBody>
+      </p:sp>
+      <p:sp>
+        <p:nvSpPr>
+          <p:cNvPr id="9" name="Rectángulo: esquinas redondeadas 8">
+            <a:extLst>
+              <a:ext uri="{FF2B5EF4-FFF2-40B4-BE49-F238E27FC236}">
+                <a16:creationId xmlns:a16="http://schemas.microsoft.com/office/drawing/2014/main" id="{D37BEFC5-85AD-9F5D-EF7D-B14CDD48793D}"/>
+              </a:ext>
+            </a:extLst>
+          </p:cNvPr>
+          <p:cNvSpPr/>
+          <p:nvPr/>
+        </p:nvSpPr>
+        <p:spPr>
+          <a:xfrm>
+            <a:off x="4426804" y="3066433"/>
+            <a:ext cx="864000" cy="2736000"/>
+          </a:xfrm>
+          <a:prstGeom prst="roundRect">
+            <a:avLst/>
+          </a:prstGeom>
+          <a:noFill/>
+          <a:ln w="38100"/>
+        </p:spPr>
+        <p:style>
+          <a:lnRef idx="2">
+            <a:schemeClr val="accent1">
+              <a:shade val="15000"/>
+            </a:schemeClr>
+          </a:lnRef>
+          <a:fillRef idx="1">
+            <a:schemeClr val="accent1"/>
+          </a:fillRef>
+          <a:effectRef idx="0">
+            <a:schemeClr val="accent1"/>
+          </a:effectRef>
+          <a:fontRef idx="minor">
+            <a:schemeClr val="lt1"/>
+          </a:fontRef>
+        </p:style>
+        <p:txBody>
+          <a:bodyPr rtlCol="0" anchor="ctr"/>
+          <a:lstStyle/>
+          <a:p>
+            <a:pPr algn="ctr"/>
+            <a:endParaRPr lang="es-ES"/>
+          </a:p>
+        </p:txBody>
+      </p:sp>
+      <p:sp>
+        <p:nvSpPr>
+          <p:cNvPr id="10" name="CuadroTexto 9">
+            <a:extLst>
+              <a:ext uri="{FF2B5EF4-FFF2-40B4-BE49-F238E27FC236}">
+                <a16:creationId xmlns:a16="http://schemas.microsoft.com/office/drawing/2014/main" id="{0AE8BC8F-A2AF-1DDF-3620-F693E8EAB080}"/>
+              </a:ext>
+            </a:extLst>
+          </p:cNvPr>
+          <p:cNvSpPr txBox="1"/>
+          <p:nvPr/>
+        </p:nvSpPr>
+        <p:spPr>
+          <a:xfrm>
+            <a:off x="4426804" y="5774772"/>
+            <a:ext cx="1590370" cy="369332"/>
+          </a:xfrm>
+          <a:prstGeom prst="rect">
+            <a:avLst/>
+          </a:prstGeom>
+          <a:noFill/>
+        </p:spPr>
+        <p:txBody>
+          <a:bodyPr wrap="square" rtlCol="0">
+            <a:spAutoFit/>
+          </a:bodyPr>
+          <a:lstStyle/>
+          <a:p>
+            <a:r>
+              <a:rPr lang="es-ES" dirty="0" err="1">
+                <a:solidFill>
+                  <a:schemeClr val="accent1"/>
+                </a:solidFill>
+              </a:rPr>
+              <a:t>Best</a:t>
+            </a:r>
+            <a:r>
+              <a:rPr lang="es-ES" dirty="0">
+                <a:solidFill>
+                  <a:schemeClr val="accent1"/>
+                </a:solidFill>
+              </a:rPr>
+              <a:t> </a:t>
+            </a:r>
+            <a:r>
+              <a:rPr lang="es-ES" dirty="0" err="1">
+                <a:solidFill>
+                  <a:schemeClr val="accent1"/>
+                </a:solidFill>
+              </a:rPr>
+              <a:t>result</a:t>
+            </a:r>
+            <a:endParaRPr lang="es-ES" dirty="0">
+              <a:solidFill>
+                <a:schemeClr val="accent1"/>
+              </a:solidFill>
+            </a:endParaRPr>
+          </a:p>
+        </p:txBody>
+      </p:sp>
     </p:spTree>
     <p:extLst>
       <p:ext uri="{BB962C8B-B14F-4D97-AF65-F5344CB8AC3E}">
-        <p14:creationId xmlns:p14="http://schemas.microsoft.com/office/powerpoint/2010/main" val="2542096238"/>
+        <p14:creationId xmlns:p14="http://schemas.microsoft.com/office/powerpoint/2010/main" val="593357164"/>
+      </p:ext>
+    </p:extLst>
+  </p:cSld>
+  <p:clrMapOvr>
+    <a:masterClrMapping/>
+  </p:clrMapOvr>
+</p:sld>
+</file>
+
+<file path=ppt/slides/slide17.xml><?xml version="1.0" encoding="utf-8"?>
+<p:sld xmlns:a="http://schemas.openxmlformats.org/drawingml/2006/main" xmlns:r="http://schemas.openxmlformats.org/officeDocument/2006/relationships" xmlns:p="http://schemas.openxmlformats.org/presentationml/2006/main" show="0">
+  <p:cSld>
+    <p:bg>
+      <p:bgPr>
+        <a:solidFill>
+          <a:schemeClr val="bg1"/>
+        </a:solidFill>
+        <a:effectLst/>
+      </p:bgPr>
+    </p:bg>
+    <p:spTree>
+      <p:nvGrpSpPr>
+        <p:cNvPr id="1" name=""/>
+        <p:cNvGrpSpPr/>
+        <p:nvPr/>
+      </p:nvGrpSpPr>
+      <p:grpSpPr>
+        <a:xfrm>
+          <a:off x="0" y="0"/>
+          <a:ext cx="0" cy="0"/>
+          <a:chOff x="0" y="0"/>
+          <a:chExt cx="0" cy="0"/>
+        </a:xfrm>
+      </p:grpSpPr>
+      <p:sp>
+        <p:nvSpPr>
+          <p:cNvPr id="2" name="Título 1">
+            <a:extLst>
+              <a:ext uri="{FF2B5EF4-FFF2-40B4-BE49-F238E27FC236}">
+                <a16:creationId xmlns:a16="http://schemas.microsoft.com/office/drawing/2014/main" id="{B7006F94-BBA3-B8CB-6962-6A7E8B6697EF}"/>
+              </a:ext>
+            </a:extLst>
+          </p:cNvPr>
+          <p:cNvSpPr>
+            <a:spLocks noGrp="1"/>
+          </p:cNvSpPr>
+          <p:nvPr>
+            <p:ph type="ctrTitle"/>
+          </p:nvPr>
+        </p:nvSpPr>
+        <p:spPr>
+          <a:xfrm>
+            <a:off x="837396" y="585216"/>
+            <a:ext cx="6363503" cy="666068"/>
+          </a:xfrm>
+        </p:spPr>
+        <p:txBody>
+          <a:bodyPr vert="horz" lIns="91440" tIns="45720" rIns="91440" bIns="45720" rtlCol="0" anchor="b">
+            <a:normAutofit/>
+          </a:bodyPr>
+          <a:lstStyle/>
+          <a:p>
+            <a:pPr algn="l"/>
+            <a:r>
+              <a:rPr lang="en-US" sz="3600" b="1" i="1" dirty="0">
+                <a:solidFill>
+                  <a:schemeClr val="accent1">
+                    <a:lumMod val="75000"/>
+                  </a:schemeClr>
+                </a:solidFill>
+              </a:rPr>
+              <a:t>Failed Experiments</a:t>
+            </a:r>
+          </a:p>
+        </p:txBody>
+      </p:sp>
+      <p:sp>
+        <p:nvSpPr>
+          <p:cNvPr id="3" name="Subtítulo 2">
+            <a:extLst>
+              <a:ext uri="{FF2B5EF4-FFF2-40B4-BE49-F238E27FC236}">
+                <a16:creationId xmlns:a16="http://schemas.microsoft.com/office/drawing/2014/main" id="{B0BCFCBA-0DDF-19BB-FDBD-C17EB2F5D235}"/>
+              </a:ext>
+            </a:extLst>
+          </p:cNvPr>
+          <p:cNvSpPr>
+            <a:spLocks noGrp="1"/>
+          </p:cNvSpPr>
+          <p:nvPr>
+            <p:ph type="subTitle" idx="1"/>
+          </p:nvPr>
+        </p:nvSpPr>
+        <p:spPr>
+          <a:xfrm>
+            <a:off x="837397" y="2162175"/>
+            <a:ext cx="4072929" cy="4110609"/>
+          </a:xfrm>
+        </p:spPr>
+        <p:txBody>
+          <a:bodyPr vert="horz" lIns="91440" tIns="45720" rIns="91440" bIns="45720" rtlCol="0" anchor="t">
+            <a:normAutofit/>
+          </a:bodyPr>
+          <a:lstStyle/>
+          <a:p>
+            <a:pPr marL="457200" indent="-228600" algn="l">
+              <a:buFont typeface="Arial" panose="020B0604020202020204" pitchFamily="34" charset="0"/>
+              <a:buChar char="•"/>
+            </a:pPr>
+            <a:r>
+              <a:rPr lang="en-US" sz="2000" dirty="0"/>
+              <a:t>e</a:t>
+            </a:r>
+            <a:endParaRPr lang="en-US" sz="1800" dirty="0"/>
+          </a:p>
+        </p:txBody>
+      </p:sp>
+      <p:sp>
+        <p:nvSpPr>
+          <p:cNvPr id="4" name="Marcador de pie de página 3">
+            <a:extLst>
+              <a:ext uri="{FF2B5EF4-FFF2-40B4-BE49-F238E27FC236}">
+                <a16:creationId xmlns:a16="http://schemas.microsoft.com/office/drawing/2014/main" id="{44FC2B2D-D3F4-A2F3-5AEB-F392280F82B4}"/>
+              </a:ext>
+            </a:extLst>
+          </p:cNvPr>
+          <p:cNvSpPr>
+            <a:spLocks noGrp="1"/>
+          </p:cNvSpPr>
+          <p:nvPr>
+            <p:ph type="ftr" sz="quarter" idx="11"/>
+          </p:nvPr>
+        </p:nvSpPr>
+        <p:spPr>
+          <a:xfrm>
+            <a:off x="3848100" y="6356349"/>
+            <a:ext cx="4495800" cy="365125"/>
+          </a:xfrm>
+        </p:spPr>
+        <p:txBody>
+          <a:bodyPr/>
+          <a:lstStyle/>
+          <a:p>
+            <a:r>
+              <a:rPr lang="en-US" sz="1800" i="1" dirty="0">
+                <a:solidFill>
+                  <a:schemeClr val="accent1">
+                    <a:lumMod val="50000"/>
+                  </a:schemeClr>
+                </a:solidFill>
+              </a:rPr>
+              <a:t>Challenge “Developing a multi-object tracker”</a:t>
+            </a:r>
+            <a:endParaRPr lang="es-ES" sz="1800" i="1" dirty="0">
+              <a:solidFill>
+                <a:schemeClr val="accent1">
+                  <a:lumMod val="50000"/>
+                </a:schemeClr>
+              </a:solidFill>
+            </a:endParaRPr>
+          </a:p>
+        </p:txBody>
+      </p:sp>
+      <p:sp>
+        <p:nvSpPr>
+          <p:cNvPr id="6" name="Marcador de número de diapositiva 5">
+            <a:extLst>
+              <a:ext uri="{FF2B5EF4-FFF2-40B4-BE49-F238E27FC236}">
+                <a16:creationId xmlns:a16="http://schemas.microsoft.com/office/drawing/2014/main" id="{FB27849B-D49B-4080-5FE3-FD5282577E34}"/>
+              </a:ext>
+            </a:extLst>
+          </p:cNvPr>
+          <p:cNvSpPr>
+            <a:spLocks noGrp="1"/>
+          </p:cNvSpPr>
+          <p:nvPr>
+            <p:ph type="sldNum" sz="quarter" idx="12"/>
+          </p:nvPr>
+        </p:nvSpPr>
+        <p:spPr/>
+        <p:txBody>
+          <a:bodyPr/>
+          <a:lstStyle/>
+          <a:p>
+            <a:fld id="{3A9D7192-CCA7-4C02-8C6B-3F88F654490C}" type="slidenum">
+              <a:rPr lang="es-ES" sz="1600" b="1" i="1" smtClean="0">
+                <a:solidFill>
+                  <a:schemeClr val="accent1">
+                    <a:lumMod val="50000"/>
+                  </a:schemeClr>
+                </a:solidFill>
+              </a:rPr>
+              <a:t>17</a:t>
+            </a:fld>
+            <a:endParaRPr lang="es-ES" b="1" i="1" dirty="0">
+              <a:solidFill>
+                <a:schemeClr val="accent1">
+                  <a:lumMod val="50000"/>
+                </a:schemeClr>
+              </a:solidFill>
+            </a:endParaRPr>
+          </a:p>
+        </p:txBody>
+      </p:sp>
+      <p:sp>
+        <p:nvSpPr>
+          <p:cNvPr id="8" name="CuadroTexto 7">
+            <a:extLst>
+              <a:ext uri="{FF2B5EF4-FFF2-40B4-BE49-F238E27FC236}">
+                <a16:creationId xmlns:a16="http://schemas.microsoft.com/office/drawing/2014/main" id="{E0BEB5F1-7BDC-9D3B-C5C4-5EFE09EC0539}"/>
+              </a:ext>
+            </a:extLst>
+          </p:cNvPr>
+          <p:cNvSpPr txBox="1"/>
+          <p:nvPr/>
+        </p:nvSpPr>
+        <p:spPr>
+          <a:xfrm>
+            <a:off x="837396" y="1251284"/>
+            <a:ext cx="3457575" cy="738664"/>
+          </a:xfrm>
+          <a:prstGeom prst="rect">
+            <a:avLst/>
+          </a:prstGeom>
+          <a:noFill/>
+        </p:spPr>
+        <p:txBody>
+          <a:bodyPr wrap="square" rtlCol="0">
+            <a:spAutoFit/>
+          </a:bodyPr>
+          <a:lstStyle/>
+          <a:p>
+            <a:r>
+              <a:rPr lang="es-ES" sz="2400" i="1" dirty="0" err="1">
+                <a:solidFill>
+                  <a:schemeClr val="accent1">
+                    <a:lumMod val="75000"/>
+                  </a:schemeClr>
+                </a:solidFill>
+              </a:rPr>
+              <a:t>Mask</a:t>
+            </a:r>
+            <a:r>
+              <a:rPr lang="es-ES" sz="2400" i="1" dirty="0">
+                <a:solidFill>
+                  <a:schemeClr val="accent1">
+                    <a:lumMod val="75000"/>
+                  </a:schemeClr>
+                </a:solidFill>
+              </a:rPr>
+              <a:t> - RCNN</a:t>
+            </a:r>
+            <a:endParaRPr lang="en-US" sz="2400" i="1" dirty="0">
+              <a:solidFill>
+                <a:schemeClr val="accent1">
+                  <a:lumMod val="75000"/>
+                </a:schemeClr>
+              </a:solidFill>
+            </a:endParaRPr>
+          </a:p>
+          <a:p>
+            <a:endParaRPr lang="es-ES" dirty="0"/>
+          </a:p>
+        </p:txBody>
+      </p:sp>
+    </p:spTree>
+    <p:extLst>
+      <p:ext uri="{BB962C8B-B14F-4D97-AF65-F5344CB8AC3E}">
+        <p14:creationId xmlns:p14="http://schemas.microsoft.com/office/powerpoint/2010/main" val="1728229218"/>
+      </p:ext>
+    </p:extLst>
+  </p:cSld>
+  <p:clrMapOvr>
+    <a:masterClrMapping/>
+  </p:clrMapOvr>
+</p:sld>
+</file>
+
+<file path=ppt/slides/slide18.xml><?xml version="1.0" encoding="utf-8"?>
+<p:sld xmlns:a="http://schemas.openxmlformats.org/drawingml/2006/main" xmlns:r="http://schemas.openxmlformats.org/officeDocument/2006/relationships" xmlns:p="http://schemas.openxmlformats.org/presentationml/2006/main" show="0">
+  <p:cSld>
+    <p:bg>
+      <p:bgPr>
+        <a:solidFill>
+          <a:schemeClr val="bg1"/>
+        </a:solidFill>
+        <a:effectLst/>
+      </p:bgPr>
+    </p:bg>
+    <p:spTree>
+      <p:nvGrpSpPr>
+        <p:cNvPr id="1" name=""/>
+        <p:cNvGrpSpPr/>
+        <p:nvPr/>
+      </p:nvGrpSpPr>
+      <p:grpSpPr>
+        <a:xfrm>
+          <a:off x="0" y="0"/>
+          <a:ext cx="0" cy="0"/>
+          <a:chOff x="0" y="0"/>
+          <a:chExt cx="0" cy="0"/>
+        </a:xfrm>
+      </p:grpSpPr>
+      <p:sp>
+        <p:nvSpPr>
+          <p:cNvPr id="2" name="Título 1">
+            <a:extLst>
+              <a:ext uri="{FF2B5EF4-FFF2-40B4-BE49-F238E27FC236}">
+                <a16:creationId xmlns:a16="http://schemas.microsoft.com/office/drawing/2014/main" id="{B7006F94-BBA3-B8CB-6962-6A7E8B6697EF}"/>
+              </a:ext>
+            </a:extLst>
+          </p:cNvPr>
+          <p:cNvSpPr>
+            <a:spLocks noGrp="1"/>
+          </p:cNvSpPr>
+          <p:nvPr>
+            <p:ph type="ctrTitle"/>
+          </p:nvPr>
+        </p:nvSpPr>
+        <p:spPr>
+          <a:xfrm>
+            <a:off x="837396" y="585216"/>
+            <a:ext cx="6363503" cy="666068"/>
+          </a:xfrm>
+        </p:spPr>
+        <p:txBody>
+          <a:bodyPr vert="horz" lIns="91440" tIns="45720" rIns="91440" bIns="45720" rtlCol="0" anchor="b">
+            <a:normAutofit/>
+          </a:bodyPr>
+          <a:lstStyle/>
+          <a:p>
+            <a:pPr algn="l"/>
+            <a:r>
+              <a:rPr lang="en-US" sz="3600" b="1" i="1" dirty="0">
+                <a:solidFill>
+                  <a:schemeClr val="accent1">
+                    <a:lumMod val="75000"/>
+                  </a:schemeClr>
+                </a:solidFill>
+              </a:rPr>
+              <a:t>Failed Experiments</a:t>
+            </a:r>
+          </a:p>
+        </p:txBody>
+      </p:sp>
+      <p:sp>
+        <p:nvSpPr>
+          <p:cNvPr id="3" name="Subtítulo 2">
+            <a:extLst>
+              <a:ext uri="{FF2B5EF4-FFF2-40B4-BE49-F238E27FC236}">
+                <a16:creationId xmlns:a16="http://schemas.microsoft.com/office/drawing/2014/main" id="{B0BCFCBA-0DDF-19BB-FDBD-C17EB2F5D235}"/>
+              </a:ext>
+            </a:extLst>
+          </p:cNvPr>
+          <p:cNvSpPr>
+            <a:spLocks noGrp="1"/>
+          </p:cNvSpPr>
+          <p:nvPr>
+            <p:ph type="subTitle" idx="1"/>
+          </p:nvPr>
+        </p:nvSpPr>
+        <p:spPr>
+          <a:xfrm>
+            <a:off x="837397" y="2162175"/>
+            <a:ext cx="4072929" cy="4110609"/>
+          </a:xfrm>
+        </p:spPr>
+        <p:txBody>
+          <a:bodyPr vert="horz" lIns="91440" tIns="45720" rIns="91440" bIns="45720" rtlCol="0" anchor="t">
+            <a:normAutofit/>
+          </a:bodyPr>
+          <a:lstStyle/>
+          <a:p>
+            <a:pPr marL="457200" indent="-228600" algn="l">
+              <a:buFont typeface="Arial" panose="020B0604020202020204" pitchFamily="34" charset="0"/>
+              <a:buChar char="•"/>
+            </a:pPr>
+            <a:r>
+              <a:rPr lang="en-US" sz="2000" dirty="0"/>
+              <a:t>e</a:t>
+            </a:r>
+            <a:endParaRPr lang="en-US" sz="1800" dirty="0"/>
+          </a:p>
+        </p:txBody>
+      </p:sp>
+      <p:sp>
+        <p:nvSpPr>
+          <p:cNvPr id="4" name="Marcador de pie de página 3">
+            <a:extLst>
+              <a:ext uri="{FF2B5EF4-FFF2-40B4-BE49-F238E27FC236}">
+                <a16:creationId xmlns:a16="http://schemas.microsoft.com/office/drawing/2014/main" id="{44FC2B2D-D3F4-A2F3-5AEB-F392280F82B4}"/>
+              </a:ext>
+            </a:extLst>
+          </p:cNvPr>
+          <p:cNvSpPr>
+            <a:spLocks noGrp="1"/>
+          </p:cNvSpPr>
+          <p:nvPr>
+            <p:ph type="ftr" sz="quarter" idx="11"/>
+          </p:nvPr>
+        </p:nvSpPr>
+        <p:spPr>
+          <a:xfrm>
+            <a:off x="3848100" y="6356349"/>
+            <a:ext cx="4495800" cy="365125"/>
+          </a:xfrm>
+        </p:spPr>
+        <p:txBody>
+          <a:bodyPr/>
+          <a:lstStyle/>
+          <a:p>
+            <a:r>
+              <a:rPr lang="en-US" sz="1800" i="1" dirty="0">
+                <a:solidFill>
+                  <a:schemeClr val="accent1">
+                    <a:lumMod val="50000"/>
+                  </a:schemeClr>
+                </a:solidFill>
+              </a:rPr>
+              <a:t>Challenge “Developing a multi-object tracker”</a:t>
+            </a:r>
+            <a:endParaRPr lang="es-ES" sz="1800" i="1" dirty="0">
+              <a:solidFill>
+                <a:schemeClr val="accent1">
+                  <a:lumMod val="50000"/>
+                </a:schemeClr>
+              </a:solidFill>
+            </a:endParaRPr>
+          </a:p>
+        </p:txBody>
+      </p:sp>
+      <p:sp>
+        <p:nvSpPr>
+          <p:cNvPr id="6" name="Marcador de número de diapositiva 5">
+            <a:extLst>
+              <a:ext uri="{FF2B5EF4-FFF2-40B4-BE49-F238E27FC236}">
+                <a16:creationId xmlns:a16="http://schemas.microsoft.com/office/drawing/2014/main" id="{FB27849B-D49B-4080-5FE3-FD5282577E34}"/>
+              </a:ext>
+            </a:extLst>
+          </p:cNvPr>
+          <p:cNvSpPr>
+            <a:spLocks noGrp="1"/>
+          </p:cNvSpPr>
+          <p:nvPr>
+            <p:ph type="sldNum" sz="quarter" idx="12"/>
+          </p:nvPr>
+        </p:nvSpPr>
+        <p:spPr/>
+        <p:txBody>
+          <a:bodyPr/>
+          <a:lstStyle/>
+          <a:p>
+            <a:fld id="{3A9D7192-CCA7-4C02-8C6B-3F88F654490C}" type="slidenum">
+              <a:rPr lang="es-ES" sz="1600" b="1" i="1" smtClean="0">
+                <a:solidFill>
+                  <a:schemeClr val="accent1">
+                    <a:lumMod val="50000"/>
+                  </a:schemeClr>
+                </a:solidFill>
+              </a:rPr>
+              <a:t>18</a:t>
+            </a:fld>
+            <a:endParaRPr lang="es-ES" b="1" i="1" dirty="0">
+              <a:solidFill>
+                <a:schemeClr val="accent1">
+                  <a:lumMod val="50000"/>
+                </a:schemeClr>
+              </a:solidFill>
+            </a:endParaRPr>
+          </a:p>
+        </p:txBody>
+      </p:sp>
+      <p:sp>
+        <p:nvSpPr>
+          <p:cNvPr id="8" name="CuadroTexto 7">
+            <a:extLst>
+              <a:ext uri="{FF2B5EF4-FFF2-40B4-BE49-F238E27FC236}">
+                <a16:creationId xmlns:a16="http://schemas.microsoft.com/office/drawing/2014/main" id="{E0BEB5F1-7BDC-9D3B-C5C4-5EFE09EC0539}"/>
+              </a:ext>
+            </a:extLst>
+          </p:cNvPr>
+          <p:cNvSpPr txBox="1"/>
+          <p:nvPr/>
+        </p:nvSpPr>
+        <p:spPr>
+          <a:xfrm>
+            <a:off x="837396" y="1251284"/>
+            <a:ext cx="3457575" cy="738664"/>
+          </a:xfrm>
+          <a:prstGeom prst="rect">
+            <a:avLst/>
+          </a:prstGeom>
+          <a:noFill/>
+        </p:spPr>
+        <p:txBody>
+          <a:bodyPr wrap="square" rtlCol="0">
+            <a:spAutoFit/>
+          </a:bodyPr>
+          <a:lstStyle/>
+          <a:p>
+            <a:r>
+              <a:rPr lang="es-ES" sz="2400" i="1" dirty="0">
+                <a:solidFill>
+                  <a:schemeClr val="accent1">
+                    <a:lumMod val="75000"/>
+                  </a:schemeClr>
+                </a:solidFill>
+              </a:rPr>
+              <a:t>Transformers (modelo)</a:t>
+            </a:r>
+            <a:endParaRPr lang="en-US" sz="2400" i="1" dirty="0">
+              <a:solidFill>
+                <a:schemeClr val="accent1">
+                  <a:lumMod val="75000"/>
+                </a:schemeClr>
+              </a:solidFill>
+            </a:endParaRPr>
+          </a:p>
+          <a:p>
+            <a:endParaRPr lang="es-ES" dirty="0"/>
+          </a:p>
+        </p:txBody>
+      </p:sp>
+    </p:spTree>
+    <p:extLst>
+      <p:ext uri="{BB962C8B-B14F-4D97-AF65-F5344CB8AC3E}">
+        <p14:creationId xmlns:p14="http://schemas.microsoft.com/office/powerpoint/2010/main" val="3499446601"/>
+      </p:ext>
+    </p:extLst>
+  </p:cSld>
+  <p:clrMapOvr>
+    <a:masterClrMapping/>
+  </p:clrMapOvr>
+</p:sld>
+</file>
+
+<file path=ppt/slides/slide19.xml><?xml version="1.0" encoding="utf-8"?>
+<p:sld xmlns:a="http://schemas.openxmlformats.org/drawingml/2006/main" xmlns:r="http://schemas.openxmlformats.org/officeDocument/2006/relationships" xmlns:p="http://schemas.openxmlformats.org/presentationml/2006/main" show="0">
+  <p:cSld>
+    <p:bg>
+      <p:bgPr>
+        <a:solidFill>
+          <a:schemeClr val="bg1"/>
+        </a:solidFill>
+        <a:effectLst/>
+      </p:bgPr>
+    </p:bg>
+    <p:spTree>
+      <p:nvGrpSpPr>
+        <p:cNvPr id="1" name=""/>
+        <p:cNvGrpSpPr/>
+        <p:nvPr/>
+      </p:nvGrpSpPr>
+      <p:grpSpPr>
+        <a:xfrm>
+          <a:off x="0" y="0"/>
+          <a:ext cx="0" cy="0"/>
+          <a:chOff x="0" y="0"/>
+          <a:chExt cx="0" cy="0"/>
+        </a:xfrm>
+      </p:grpSpPr>
+      <p:sp>
+        <p:nvSpPr>
+          <p:cNvPr id="2" name="Título 1">
+            <a:extLst>
+              <a:ext uri="{FF2B5EF4-FFF2-40B4-BE49-F238E27FC236}">
+                <a16:creationId xmlns:a16="http://schemas.microsoft.com/office/drawing/2014/main" id="{B7006F94-BBA3-B8CB-6962-6A7E8B6697EF}"/>
+              </a:ext>
+            </a:extLst>
+          </p:cNvPr>
+          <p:cNvSpPr>
+            <a:spLocks noGrp="1"/>
+          </p:cNvSpPr>
+          <p:nvPr>
+            <p:ph type="ctrTitle"/>
+          </p:nvPr>
+        </p:nvSpPr>
+        <p:spPr>
+          <a:xfrm>
+            <a:off x="837396" y="585216"/>
+            <a:ext cx="6363503" cy="666068"/>
+          </a:xfrm>
+        </p:spPr>
+        <p:txBody>
+          <a:bodyPr vert="horz" lIns="91440" tIns="45720" rIns="91440" bIns="45720" rtlCol="0" anchor="b">
+            <a:normAutofit/>
+          </a:bodyPr>
+          <a:lstStyle/>
+          <a:p>
+            <a:pPr algn="l"/>
+            <a:r>
+              <a:rPr lang="en-US" sz="3600" b="1" i="1" dirty="0">
+                <a:solidFill>
+                  <a:schemeClr val="accent1">
+                    <a:lumMod val="75000"/>
+                  </a:schemeClr>
+                </a:solidFill>
+              </a:rPr>
+              <a:t>Failed Experiments</a:t>
+            </a:r>
+          </a:p>
+        </p:txBody>
+      </p:sp>
+      <p:sp>
+        <p:nvSpPr>
+          <p:cNvPr id="3" name="Subtítulo 2">
+            <a:extLst>
+              <a:ext uri="{FF2B5EF4-FFF2-40B4-BE49-F238E27FC236}">
+                <a16:creationId xmlns:a16="http://schemas.microsoft.com/office/drawing/2014/main" id="{B0BCFCBA-0DDF-19BB-FDBD-C17EB2F5D235}"/>
+              </a:ext>
+            </a:extLst>
+          </p:cNvPr>
+          <p:cNvSpPr>
+            <a:spLocks noGrp="1"/>
+          </p:cNvSpPr>
+          <p:nvPr>
+            <p:ph type="subTitle" idx="1"/>
+          </p:nvPr>
+        </p:nvSpPr>
+        <p:spPr>
+          <a:xfrm>
+            <a:off x="837397" y="2162175"/>
+            <a:ext cx="4072929" cy="4110609"/>
+          </a:xfrm>
+        </p:spPr>
+        <p:txBody>
+          <a:bodyPr vert="horz" lIns="91440" tIns="45720" rIns="91440" bIns="45720" rtlCol="0" anchor="t">
+            <a:normAutofit/>
+          </a:bodyPr>
+          <a:lstStyle/>
+          <a:p>
+            <a:pPr marL="457200" indent="-228600" algn="l">
+              <a:buFont typeface="Arial" panose="020B0604020202020204" pitchFamily="34" charset="0"/>
+              <a:buChar char="•"/>
+            </a:pPr>
+            <a:r>
+              <a:rPr lang="en-US" sz="2000" dirty="0"/>
+              <a:t>e</a:t>
+            </a:r>
+            <a:endParaRPr lang="en-US" sz="1800" dirty="0"/>
+          </a:p>
+        </p:txBody>
+      </p:sp>
+      <p:sp>
+        <p:nvSpPr>
+          <p:cNvPr id="4" name="Marcador de pie de página 3">
+            <a:extLst>
+              <a:ext uri="{FF2B5EF4-FFF2-40B4-BE49-F238E27FC236}">
+                <a16:creationId xmlns:a16="http://schemas.microsoft.com/office/drawing/2014/main" id="{44FC2B2D-D3F4-A2F3-5AEB-F392280F82B4}"/>
+              </a:ext>
+            </a:extLst>
+          </p:cNvPr>
+          <p:cNvSpPr>
+            <a:spLocks noGrp="1"/>
+          </p:cNvSpPr>
+          <p:nvPr>
+            <p:ph type="ftr" sz="quarter" idx="11"/>
+          </p:nvPr>
+        </p:nvSpPr>
+        <p:spPr>
+          <a:xfrm>
+            <a:off x="3848100" y="6356349"/>
+            <a:ext cx="4495800" cy="365125"/>
+          </a:xfrm>
+        </p:spPr>
+        <p:txBody>
+          <a:bodyPr/>
+          <a:lstStyle/>
+          <a:p>
+            <a:r>
+              <a:rPr lang="en-US" sz="1800" i="1" dirty="0">
+                <a:solidFill>
+                  <a:schemeClr val="accent1">
+                    <a:lumMod val="50000"/>
+                  </a:schemeClr>
+                </a:solidFill>
+              </a:rPr>
+              <a:t>Challenge “Developing a multi-object tracker”</a:t>
+            </a:r>
+            <a:endParaRPr lang="es-ES" sz="1800" i="1" dirty="0">
+              <a:solidFill>
+                <a:schemeClr val="accent1">
+                  <a:lumMod val="50000"/>
+                </a:schemeClr>
+              </a:solidFill>
+            </a:endParaRPr>
+          </a:p>
+        </p:txBody>
+      </p:sp>
+      <p:sp>
+        <p:nvSpPr>
+          <p:cNvPr id="6" name="Marcador de número de diapositiva 5">
+            <a:extLst>
+              <a:ext uri="{FF2B5EF4-FFF2-40B4-BE49-F238E27FC236}">
+                <a16:creationId xmlns:a16="http://schemas.microsoft.com/office/drawing/2014/main" id="{FB27849B-D49B-4080-5FE3-FD5282577E34}"/>
+              </a:ext>
+            </a:extLst>
+          </p:cNvPr>
+          <p:cNvSpPr>
+            <a:spLocks noGrp="1"/>
+          </p:cNvSpPr>
+          <p:nvPr>
+            <p:ph type="sldNum" sz="quarter" idx="12"/>
+          </p:nvPr>
+        </p:nvSpPr>
+        <p:spPr/>
+        <p:txBody>
+          <a:bodyPr/>
+          <a:lstStyle/>
+          <a:p>
+            <a:fld id="{3A9D7192-CCA7-4C02-8C6B-3F88F654490C}" type="slidenum">
+              <a:rPr lang="es-ES" sz="1600" b="1" i="1" smtClean="0">
+                <a:solidFill>
+                  <a:schemeClr val="accent1">
+                    <a:lumMod val="50000"/>
+                  </a:schemeClr>
+                </a:solidFill>
+              </a:rPr>
+              <a:t>19</a:t>
+            </a:fld>
+            <a:endParaRPr lang="es-ES" b="1" i="1" dirty="0">
+              <a:solidFill>
+                <a:schemeClr val="accent1">
+                  <a:lumMod val="50000"/>
+                </a:schemeClr>
+              </a:solidFill>
+            </a:endParaRPr>
+          </a:p>
+        </p:txBody>
+      </p:sp>
+      <p:sp>
+        <p:nvSpPr>
+          <p:cNvPr id="8" name="CuadroTexto 7">
+            <a:extLst>
+              <a:ext uri="{FF2B5EF4-FFF2-40B4-BE49-F238E27FC236}">
+                <a16:creationId xmlns:a16="http://schemas.microsoft.com/office/drawing/2014/main" id="{E0BEB5F1-7BDC-9D3B-C5C4-5EFE09EC0539}"/>
+              </a:ext>
+            </a:extLst>
+          </p:cNvPr>
+          <p:cNvSpPr txBox="1"/>
+          <p:nvPr/>
+        </p:nvSpPr>
+        <p:spPr>
+          <a:xfrm>
+            <a:off x="837396" y="1251284"/>
+            <a:ext cx="4495800" cy="738664"/>
+          </a:xfrm>
+          <a:prstGeom prst="rect">
+            <a:avLst/>
+          </a:prstGeom>
+          <a:noFill/>
+        </p:spPr>
+        <p:txBody>
+          <a:bodyPr wrap="square" rtlCol="0">
+            <a:spAutoFit/>
+          </a:bodyPr>
+          <a:lstStyle/>
+          <a:p>
+            <a:r>
+              <a:rPr lang="es-ES" sz="2400" i="1" dirty="0" err="1">
+                <a:solidFill>
+                  <a:schemeClr val="accent1">
+                    <a:lumMod val="75000"/>
+                  </a:schemeClr>
+                </a:solidFill>
+              </a:rPr>
+              <a:t>Ground-truth</a:t>
+            </a:r>
+            <a:r>
+              <a:rPr lang="es-ES" sz="2400" i="1" dirty="0">
+                <a:solidFill>
+                  <a:schemeClr val="accent1">
+                    <a:lumMod val="75000"/>
+                  </a:schemeClr>
+                </a:solidFill>
+              </a:rPr>
+              <a:t> in </a:t>
+            </a:r>
+            <a:r>
+              <a:rPr lang="es-ES" sz="2400" i="1" dirty="0" err="1">
+                <a:solidFill>
+                  <a:schemeClr val="accent1">
+                    <a:lumMod val="75000"/>
+                  </a:schemeClr>
+                </a:solidFill>
+              </a:rPr>
+              <a:t>the</a:t>
+            </a:r>
+            <a:r>
+              <a:rPr lang="es-ES" sz="2400" i="1" dirty="0">
+                <a:solidFill>
+                  <a:schemeClr val="accent1">
+                    <a:lumMod val="75000"/>
+                  </a:schemeClr>
+                </a:solidFill>
+              </a:rPr>
+              <a:t> </a:t>
+            </a:r>
+            <a:r>
+              <a:rPr lang="es-ES" sz="2400" i="1" dirty="0" err="1">
+                <a:solidFill>
+                  <a:schemeClr val="accent1">
+                    <a:lumMod val="75000"/>
+                  </a:schemeClr>
+                </a:solidFill>
+              </a:rPr>
+              <a:t>segmentation</a:t>
+            </a:r>
+            <a:endParaRPr lang="en-US" sz="2400" i="1" dirty="0">
+              <a:solidFill>
+                <a:schemeClr val="accent1">
+                  <a:lumMod val="75000"/>
+                </a:schemeClr>
+              </a:solidFill>
+            </a:endParaRPr>
+          </a:p>
+          <a:p>
+            <a:endParaRPr lang="es-ES" dirty="0"/>
+          </a:p>
+        </p:txBody>
+      </p:sp>
+    </p:spTree>
+    <p:extLst>
+      <p:ext uri="{BB962C8B-B14F-4D97-AF65-F5344CB8AC3E}">
+        <p14:creationId xmlns:p14="http://schemas.microsoft.com/office/powerpoint/2010/main" val="905100564"/>
       </p:ext>
     </p:extLst>
   </p:cSld>
@@ -8274,7 +10160,7 @@
         </p:spPr>
         <p:txBody>
           <a:bodyPr vert="horz" lIns="91440" tIns="45720" rIns="91440" bIns="45720" rtlCol="0" anchor="t">
-            <a:normAutofit/>
+            <a:normAutofit lnSpcReduction="10000"/>
           </a:bodyPr>
           <a:lstStyle/>
           <a:p>
@@ -8308,13 +10194,23 @@
             </a:r>
           </a:p>
           <a:p>
+            <a:pPr marL="914400" lvl="1" indent="-228600" algn="l">
+              <a:buFont typeface="Arial" panose="020B0604020202020204" pitchFamily="34" charset="0"/>
+              <a:buChar char="•"/>
+            </a:pPr>
+            <a:r>
+              <a:rPr lang="en-US" dirty="0"/>
+              <a:t>Deep Features</a:t>
+            </a:r>
+          </a:p>
+          <a:p>
             <a:pPr marL="457200" indent="-228600" algn="l">
               <a:buFont typeface="Arial" panose="020B0604020202020204" pitchFamily="34" charset="0"/>
               <a:buChar char="•"/>
             </a:pPr>
             <a:r>
               <a:rPr lang="en-US" dirty="0"/>
-              <a:t>Improvements in tracker creation and deletion</a:t>
+              <a:t>Improvements in track creation and deletion</a:t>
             </a:r>
           </a:p>
           <a:p>
@@ -8366,11 +10262,23 @@
             </a:r>
             <a:r>
               <a:rPr lang="es-ES" dirty="0" err="1"/>
-              <a:t>Faster</a:t>
+              <a:t>models</a:t>
             </a:r>
             <a:r>
               <a:rPr lang="es-ES" dirty="0"/>
-              <a:t> R-CNN. NMS</a:t>
+              <a:t> &amp; NMS </a:t>
+            </a:r>
+            <a:r>
+              <a:rPr lang="es-ES" dirty="0" err="1"/>
+              <a:t>optimal</a:t>
+            </a:r>
+            <a:r>
+              <a:rPr lang="es-ES" dirty="0"/>
+              <a:t> </a:t>
+            </a:r>
+            <a:r>
+              <a:rPr lang="es-ES" dirty="0" err="1"/>
+              <a:t>search</a:t>
             </a:r>
             <a:endParaRPr lang="en-US" sz="2400" dirty="0"/>
           </a:p>
@@ -8507,6 +10415,213 @@
 </p:sld>
 </file>
 
+<file path=ppt/slides/slide20.xml><?xml version="1.0" encoding="utf-8"?>
+<p:sld xmlns:a="http://schemas.openxmlformats.org/drawingml/2006/main" xmlns:r="http://schemas.openxmlformats.org/officeDocument/2006/relationships" xmlns:p="http://schemas.openxmlformats.org/presentationml/2006/main" show="0">
+  <p:cSld>
+    <p:bg>
+      <p:bgPr>
+        <a:solidFill>
+          <a:schemeClr val="bg1"/>
+        </a:solidFill>
+        <a:effectLst/>
+      </p:bgPr>
+    </p:bg>
+    <p:spTree>
+      <p:nvGrpSpPr>
+        <p:cNvPr id="1" name=""/>
+        <p:cNvGrpSpPr/>
+        <p:nvPr/>
+      </p:nvGrpSpPr>
+      <p:grpSpPr>
+        <a:xfrm>
+          <a:off x="0" y="0"/>
+          <a:ext cx="0" cy="0"/>
+          <a:chOff x="0" y="0"/>
+          <a:chExt cx="0" cy="0"/>
+        </a:xfrm>
+      </p:grpSpPr>
+      <p:sp>
+        <p:nvSpPr>
+          <p:cNvPr id="2" name="Título 1">
+            <a:extLst>
+              <a:ext uri="{FF2B5EF4-FFF2-40B4-BE49-F238E27FC236}">
+                <a16:creationId xmlns:a16="http://schemas.microsoft.com/office/drawing/2014/main" id="{B7006F94-BBA3-B8CB-6962-6A7E8B6697EF}"/>
+              </a:ext>
+            </a:extLst>
+          </p:cNvPr>
+          <p:cNvSpPr>
+            <a:spLocks noGrp="1"/>
+          </p:cNvSpPr>
+          <p:nvPr>
+            <p:ph type="ctrTitle"/>
+          </p:nvPr>
+        </p:nvSpPr>
+        <p:spPr>
+          <a:xfrm>
+            <a:off x="837396" y="585216"/>
+            <a:ext cx="6363503" cy="666068"/>
+          </a:xfrm>
+        </p:spPr>
+        <p:txBody>
+          <a:bodyPr vert="horz" lIns="91440" tIns="45720" rIns="91440" bIns="45720" rtlCol="0" anchor="b">
+            <a:normAutofit/>
+          </a:bodyPr>
+          <a:lstStyle/>
+          <a:p>
+            <a:pPr algn="l"/>
+            <a:r>
+              <a:rPr lang="en-US" sz="3600" b="1" i="1" dirty="0">
+                <a:solidFill>
+                  <a:schemeClr val="accent1">
+                    <a:lumMod val="75000"/>
+                  </a:schemeClr>
+                </a:solidFill>
+              </a:rPr>
+              <a:t>Conclusion</a:t>
+            </a:r>
+          </a:p>
+        </p:txBody>
+      </p:sp>
+      <p:sp>
+        <p:nvSpPr>
+          <p:cNvPr id="3" name="Subtítulo 2">
+            <a:extLst>
+              <a:ext uri="{FF2B5EF4-FFF2-40B4-BE49-F238E27FC236}">
+                <a16:creationId xmlns:a16="http://schemas.microsoft.com/office/drawing/2014/main" id="{B0BCFCBA-0DDF-19BB-FDBD-C17EB2F5D235}"/>
+              </a:ext>
+            </a:extLst>
+          </p:cNvPr>
+          <p:cNvSpPr>
+            <a:spLocks noGrp="1"/>
+          </p:cNvSpPr>
+          <p:nvPr>
+            <p:ph type="subTitle" idx="1"/>
+          </p:nvPr>
+        </p:nvSpPr>
+        <p:spPr>
+          <a:xfrm>
+            <a:off x="837397" y="1771651"/>
+            <a:ext cx="4072929" cy="4501134"/>
+          </a:xfrm>
+        </p:spPr>
+        <p:txBody>
+          <a:bodyPr vert="horz" lIns="91440" tIns="45720" rIns="91440" bIns="45720" rtlCol="0" anchor="t">
+            <a:normAutofit/>
+          </a:bodyPr>
+          <a:lstStyle/>
+          <a:p>
+            <a:pPr marL="457200" indent="-228600" algn="l">
+              <a:buFont typeface="Arial" panose="020B0604020202020204" pitchFamily="34" charset="0"/>
+              <a:buChar char="•"/>
+            </a:pPr>
+            <a:r>
+              <a:rPr lang="en-US" sz="2000" dirty="0"/>
+              <a:t>e</a:t>
+            </a:r>
+            <a:endParaRPr lang="en-US" sz="1800" dirty="0"/>
+          </a:p>
+        </p:txBody>
+      </p:sp>
+      <p:sp>
+        <p:nvSpPr>
+          <p:cNvPr id="4" name="Marcador de pie de página 3">
+            <a:extLst>
+              <a:ext uri="{FF2B5EF4-FFF2-40B4-BE49-F238E27FC236}">
+                <a16:creationId xmlns:a16="http://schemas.microsoft.com/office/drawing/2014/main" id="{44FC2B2D-D3F4-A2F3-5AEB-F392280F82B4}"/>
+              </a:ext>
+            </a:extLst>
+          </p:cNvPr>
+          <p:cNvSpPr>
+            <a:spLocks noGrp="1"/>
+          </p:cNvSpPr>
+          <p:nvPr>
+            <p:ph type="ftr" sz="quarter" idx="11"/>
+          </p:nvPr>
+        </p:nvSpPr>
+        <p:spPr>
+          <a:xfrm>
+            <a:off x="3848100" y="6356349"/>
+            <a:ext cx="4495800" cy="365125"/>
+          </a:xfrm>
+        </p:spPr>
+        <p:txBody>
+          <a:bodyPr/>
+          <a:lstStyle/>
+          <a:p>
+            <a:r>
+              <a:rPr lang="en-US" sz="1800" i="1" dirty="0">
+                <a:solidFill>
+                  <a:schemeClr val="accent1">
+                    <a:lumMod val="50000"/>
+                  </a:schemeClr>
+                </a:solidFill>
+              </a:rPr>
+              <a:t>Challenge “Developing a multi-object tracker”</a:t>
+            </a:r>
+            <a:endParaRPr lang="es-ES" sz="1800" i="1" dirty="0">
+              <a:solidFill>
+                <a:schemeClr val="accent1">
+                  <a:lumMod val="50000"/>
+                </a:schemeClr>
+              </a:solidFill>
+            </a:endParaRPr>
+          </a:p>
+        </p:txBody>
+      </p:sp>
+      <p:sp>
+        <p:nvSpPr>
+          <p:cNvPr id="6" name="Marcador de número de diapositiva 5">
+            <a:extLst>
+              <a:ext uri="{FF2B5EF4-FFF2-40B4-BE49-F238E27FC236}">
+                <a16:creationId xmlns:a16="http://schemas.microsoft.com/office/drawing/2014/main" id="{FB27849B-D49B-4080-5FE3-FD5282577E34}"/>
+              </a:ext>
+            </a:extLst>
+          </p:cNvPr>
+          <p:cNvSpPr>
+            <a:spLocks noGrp="1"/>
+          </p:cNvSpPr>
+          <p:nvPr>
+            <p:ph type="sldNum" sz="quarter" idx="12"/>
+          </p:nvPr>
+        </p:nvSpPr>
+        <p:spPr/>
+        <p:txBody>
+          <a:bodyPr/>
+          <a:lstStyle/>
+          <a:p>
+            <a:fld id="{3A9D7192-CCA7-4C02-8C6B-3F88F654490C}" type="slidenum">
+              <a:rPr lang="es-ES" sz="1600" b="1" i="1" smtClean="0">
+                <a:solidFill>
+                  <a:schemeClr val="accent1">
+                    <a:lumMod val="50000"/>
+                  </a:schemeClr>
+                </a:solidFill>
+              </a:rPr>
+              <a:t>20</a:t>
+            </a:fld>
+            <a:endParaRPr lang="es-ES" b="1" i="1" dirty="0">
+              <a:solidFill>
+                <a:schemeClr val="accent1">
+                  <a:lumMod val="50000"/>
+                </a:schemeClr>
+              </a:solidFill>
+            </a:endParaRPr>
+          </a:p>
+        </p:txBody>
+      </p:sp>
+    </p:spTree>
+    <p:extLst>
+      <p:ext uri="{BB962C8B-B14F-4D97-AF65-F5344CB8AC3E}">
+        <p14:creationId xmlns:p14="http://schemas.microsoft.com/office/powerpoint/2010/main" val="2542096238"/>
+      </p:ext>
+    </p:extLst>
+  </p:cSld>
+  <p:clrMapOvr>
+    <a:masterClrMapping/>
+  </p:clrMapOvr>
+</p:sld>
+</file>
+
 <file path=ppt/slides/slide3.xml><?xml version="1.0" encoding="utf-8"?>
 <p:sld xmlns:a="http://schemas.openxmlformats.org/drawingml/2006/main" xmlns:r="http://schemas.openxmlformats.org/officeDocument/2006/relationships" xmlns:p="http://schemas.openxmlformats.org/presentationml/2006/main">
   <p:cSld>
@@ -8556,7 +10671,7 @@
         </p:spPr>
         <p:txBody>
           <a:bodyPr vert="horz" lIns="91440" tIns="45720" rIns="91440" bIns="45720" rtlCol="0" anchor="b">
-            <a:normAutofit/>
+            <a:normAutofit fontScale="90000"/>
           </a:bodyPr>
           <a:lstStyle/>
           <a:p>
@@ -8593,7 +10708,7 @@
         <p:spPr>
           <a:xfrm>
             <a:off x="837397" y="2162175"/>
-            <a:ext cx="4963328" cy="1345422"/>
+            <a:ext cx="8616846" cy="1345422"/>
           </a:xfrm>
         </p:spPr>
         <p:txBody>
@@ -8608,7 +10723,7 @@
             </a:pPr>
             <a:r>
               <a:rPr lang="en-US" sz="2000" dirty="0"/>
-              <a:t>Optimal allocation algorithm</a:t>
+              <a:t>Optimal allocation algorithm.</a:t>
             </a:r>
           </a:p>
           <a:p>
@@ -8618,7 +10733,7 @@
             </a:pPr>
             <a:r>
               <a:rPr lang="en-US" sz="2000" dirty="0"/>
-              <a:t>Objective: Minimize cost</a:t>
+              <a:t>Objective: Minimize cost.</a:t>
             </a:r>
           </a:p>
           <a:p>
@@ -8628,8 +10743,15 @@
             </a:pPr>
             <a:r>
               <a:rPr lang="en-US" sz="2000" dirty="0"/>
-              <a:t>Improves results significantly</a:t>
-            </a:r>
+              <a:t>Improves results significantly (from 27% to 57% in MOTA in our case).</a:t>
+            </a:r>
+          </a:p>
+          <a:p>
+            <a:pPr marL="457200" indent="-228600" algn="l">
+              <a:buFont typeface="Arial" panose="020B0604020202020204" pitchFamily="34" charset="0"/>
+              <a:buChar char="•"/>
+            </a:pPr>
+            <a:endParaRPr lang="en-US" sz="2000" dirty="0"/>
           </a:p>
         </p:txBody>
       </p:sp>
@@ -9320,7 +11442,7 @@
         </p:spPr>
         <p:txBody>
           <a:bodyPr vert="horz" lIns="91440" tIns="45720" rIns="91440" bIns="45720" rtlCol="0" anchor="b">
-            <a:normAutofit/>
+            <a:normAutofit fontScale="90000"/>
           </a:bodyPr>
           <a:lstStyle/>
           <a:p>
@@ -9356,13 +11478,13 @@
         </p:nvSpPr>
         <p:spPr>
           <a:xfrm>
-            <a:off x="837397" y="2057560"/>
+            <a:off x="837396" y="1844676"/>
             <a:ext cx="9992528" cy="1639984"/>
           </a:xfrm>
         </p:spPr>
         <p:txBody>
           <a:bodyPr vert="horz" lIns="91440" tIns="45720" rIns="91440" bIns="45720" rtlCol="0" anchor="t">
-            <a:normAutofit/>
+            <a:normAutofit lnSpcReduction="10000"/>
           </a:bodyPr>
           <a:lstStyle/>
           <a:p>
@@ -9372,7 +11494,7 @@
             </a:pPr>
             <a:r>
               <a:rPr lang="en-US" sz="2000" dirty="0"/>
-              <a:t>Obtain an accurate estimate of the true state of a tracked object</a:t>
+              <a:t>Obtain an “accurate” estimate of the true state of a tracked object</a:t>
             </a:r>
           </a:p>
           <a:p>
@@ -9403,6 +11525,16 @@
             <a:r>
               <a:rPr lang="en-US" sz="1800" dirty="0"/>
               <a:t>We have created the Warm-up parameter</a:t>
+            </a:r>
+          </a:p>
+          <a:p>
+            <a:pPr marL="914400" lvl="1" indent="-228600" algn="l">
+              <a:buFont typeface="Arial" panose="020B0604020202020204" pitchFamily="34" charset="0"/>
+              <a:buChar char="•"/>
+            </a:pPr>
+            <a:r>
+              <a:rPr lang="en-US" sz="1800" dirty="0"/>
+              <a:t>Even with the warm-up we had a hard time optimizing it, marginal improvements…</a:t>
             </a:r>
           </a:p>
         </p:txBody>
@@ -10568,7 +12700,7 @@
         </p:spPr>
         <p:txBody>
           <a:bodyPr vert="horz" lIns="91440" tIns="45720" rIns="91440" bIns="45720" rtlCol="0" anchor="b">
-            <a:normAutofit/>
+            <a:normAutofit fontScale="90000"/>
           </a:bodyPr>
           <a:lstStyle/>
           <a:p>
@@ -11428,8 +13560,8 @@
             </p:nvSpPr>
             <p:spPr>
               <a:xfrm>
-                <a:off x="1213174" y="2977971"/>
-                <a:ext cx="7791851" cy="369332"/>
+                <a:off x="1544799" y="2973367"/>
+                <a:ext cx="8902376" cy="400110"/>
               </a:xfrm>
               <a:prstGeom prst="rect">
                 <a:avLst/>
@@ -11450,25 +13582,25 @@
                     </m:oMathParaPr>
                     <m:oMath xmlns:m="http://schemas.openxmlformats.org/officeDocument/2006/math">
                       <m:r>
-                        <a:rPr lang="es-ES" b="1" i="1" smtClean="0">
+                        <a:rPr lang="es-ES" sz="2000" b="1" i="1">
                           <a:latin typeface="Cambria Math" panose="02040503050406030204" pitchFamily="18" charset="0"/>
                         </a:rPr>
                         <m:t>𝑰𝒐𝑼</m:t>
                       </m:r>
                       <m:r>
-                        <a:rPr lang="es-ES" b="1" i="1" smtClean="0">
+                        <a:rPr lang="es-ES" sz="2000" b="1" i="1">
                           <a:latin typeface="Cambria Math" panose="02040503050406030204" pitchFamily="18" charset="0"/>
                         </a:rPr>
                         <m:t> </m:t>
                       </m:r>
                       <m:r>
-                        <a:rPr lang="es-ES" b="1" i="1" smtClean="0">
+                        <a:rPr lang="es-ES" sz="2000" b="1" i="1">
                           <a:latin typeface="Cambria Math" panose="02040503050406030204" pitchFamily="18" charset="0"/>
                         </a:rPr>
                         <m:t>𝒘𝒆𝒊𝒈𝒉𝒕𝒆𝒅</m:t>
                       </m:r>
                       <m:r>
-                        <a:rPr lang="es-ES" b="1" i="1" smtClean="0">
+                        <a:rPr lang="es-ES" sz="2000" b="1" i="1">
                           <a:latin typeface="Cambria Math" panose="02040503050406030204" pitchFamily="18" charset="0"/>
                         </a:rPr>
                         <m:t>=</m:t>
@@ -11476,82 +13608,106 @@
                       <m:d>
                         <m:dPr>
                           <m:ctrlPr>
-                            <a:rPr lang="es-ES" b="1" i="1" smtClean="0">
+                            <a:rPr lang="es-ES" sz="2000" b="1" i="1">
                               <a:latin typeface="Cambria Math" panose="02040503050406030204" pitchFamily="18" charset="0"/>
                             </a:rPr>
                           </m:ctrlPr>
                         </m:dPr>
                         <m:e>
                           <m:r>
-                            <a:rPr lang="es-ES" b="1" i="1" smtClean="0">
+                            <a:rPr lang="es-ES" sz="2000" b="1" i="1">
                               <a:latin typeface="Cambria Math" panose="02040503050406030204" pitchFamily="18" charset="0"/>
                             </a:rPr>
                             <m:t>𝟏</m:t>
                           </m:r>
                           <m:r>
-                            <a:rPr lang="es-ES" b="1" i="1" smtClean="0">
+                            <a:rPr lang="es-ES" sz="2000" b="1" i="1">
                               <a:latin typeface="Cambria Math" panose="02040503050406030204" pitchFamily="18" charset="0"/>
                             </a:rPr>
                             <m:t>−</m:t>
                           </m:r>
                           <m:r>
-                            <a:rPr lang="es-ES" b="1" i="1" smtClean="0">
+                            <a:rPr lang="es-ES" sz="2000" b="1" i="1">
                               <a:latin typeface="Cambria Math" panose="02040503050406030204" pitchFamily="18" charset="0"/>
                             </a:rPr>
-                            <m:t>𝒗𝒂𝒍𝒖𝒆</m:t>
+                            <m:t>𝒗</m:t>
                           </m:r>
                         </m:e>
                       </m:d>
                       <m:r>
-                        <a:rPr lang="es-ES" b="1" i="1" smtClean="0">
+                        <a:rPr lang="es-ES" sz="2000" b="1" i="1">
                           <a:latin typeface="Cambria Math" panose="02040503050406030204" pitchFamily="18" charset="0"/>
                         </a:rPr>
                         <m:t>∗</m:t>
                       </m:r>
                       <m:r>
-                        <a:rPr lang="es-ES" b="1" i="1" smtClean="0">
+                        <a:rPr lang="es-ES" sz="2000" b="1" i="1">
+                          <a:latin typeface="Cambria Math" panose="02040503050406030204" pitchFamily="18" charset="0"/>
+                        </a:rPr>
+                        <m:t>𝒊𝒐𝒖</m:t>
+                      </m:r>
+                      <m:r>
+                        <a:rPr lang="es-ES" sz="2000" b="1" i="1">
+                          <a:latin typeface="Cambria Math" panose="02040503050406030204" pitchFamily="18" charset="0"/>
+                        </a:rPr>
+                        <m:t>_</m:t>
+                      </m:r>
+                      <m:r>
+                        <a:rPr lang="es-ES" sz="2000" b="1" i="1">
                           <a:latin typeface="Cambria Math" panose="02040503050406030204" pitchFamily="18" charset="0"/>
                         </a:rPr>
                         <m:t>𝒕𝒓𝒂𝒄𝒌𝒔</m:t>
                       </m:r>
                       <m:r>
-                        <a:rPr lang="es-ES" b="1" i="1" smtClean="0">
+                        <a:rPr lang="es-ES" sz="2000" b="1" i="1">
                           <a:latin typeface="Cambria Math" panose="02040503050406030204" pitchFamily="18" charset="0"/>
                         </a:rPr>
                         <m:t>+</m:t>
                       </m:r>
                       <m:r>
-                        <a:rPr lang="es-ES" b="1" i="1" smtClean="0">
+                        <a:rPr lang="es-ES" sz="2000" b="1" i="1">
                           <a:latin typeface="Cambria Math" panose="02040503050406030204" pitchFamily="18" charset="0"/>
                         </a:rPr>
-                        <m:t>𝒗𝒂𝒍𝒖𝒆</m:t>
+                        <m:t>𝒗</m:t>
                       </m:r>
                       <m:r>
-                        <a:rPr lang="es-ES" b="1" i="1" smtClean="0">
+                        <a:rPr lang="es-ES" sz="2000" b="1" i="1">
                           <a:latin typeface="Cambria Math" panose="02040503050406030204" pitchFamily="18" charset="0"/>
                         </a:rPr>
                         <m:t>∗</m:t>
                       </m:r>
                       <m:r>
-                        <a:rPr lang="es-ES" b="1" i="1" smtClean="0">
+                        <a:rPr lang="es-ES" sz="2000" b="1" i="1">
+                          <a:latin typeface="Cambria Math" panose="02040503050406030204" pitchFamily="18" charset="0"/>
+                        </a:rPr>
+                        <m:t>𝒊𝒐𝒖</m:t>
+                      </m:r>
+                      <m:r>
+                        <a:rPr lang="es-ES" sz="2000" b="1" i="1">
+                          <a:latin typeface="Cambria Math" panose="02040503050406030204" pitchFamily="18" charset="0"/>
+                        </a:rPr>
+                        <m:t>_</m:t>
+                      </m:r>
+                      <m:r>
+                        <a:rPr lang="es-ES" sz="2000" b="1" i="1">
                           <a:latin typeface="Cambria Math" panose="02040503050406030204" pitchFamily="18" charset="0"/>
                         </a:rPr>
                         <m:t>𝒌𝒂𝒍𝒎𝒂𝒏</m:t>
                       </m:r>
                       <m:r>
-                        <a:rPr lang="es-ES" b="1" i="1" smtClean="0">
+                        <a:rPr lang="es-ES" sz="2000" b="1" i="1">
                           <a:latin typeface="Cambria Math" panose="02040503050406030204" pitchFamily="18" charset="0"/>
                         </a:rPr>
-                        <m:t> </m:t>
+                        <m:t>_</m:t>
                       </m:r>
                       <m:r>
-                        <a:rPr lang="es-ES" b="1" i="1" smtClean="0">
+                        <a:rPr lang="es-ES" sz="2000" b="1" i="1">
                           <a:latin typeface="Cambria Math" panose="02040503050406030204" pitchFamily="18" charset="0"/>
                         </a:rPr>
                         <m:t>𝒆𝒔𝒕𝒊𝒎𝒂𝒕𝒊𝒐𝒏𝒔</m:t>
                       </m:r>
                       <m:r>
-                        <a:rPr lang="es-ES" b="0" i="1" smtClean="0">
+                        <a:rPr lang="es-ES" sz="2000" i="1">
                           <a:latin typeface="Cambria Math" panose="02040503050406030204" pitchFamily="18" charset="0"/>
                         </a:rPr>
                         <m:t> </m:t>
@@ -11559,7 +13715,7 @@
                     </m:oMath>
                   </m:oMathPara>
                 </a14:m>
-                <a:endParaRPr lang="es-ES" dirty="0"/>
+                <a:endParaRPr lang="es-ES" sz="2000" dirty="0"/>
               </a:p>
             </p:txBody>
           </p:sp>
@@ -11581,8 +13737,8 @@
             </p:nvSpPr>
             <p:spPr>
               <a:xfrm>
-                <a:off x="1213174" y="2977971"/>
-                <a:ext cx="7791851" cy="369332"/>
+                <a:off x="1544799" y="2973367"/>
+                <a:ext cx="8902376" cy="400110"/>
               </a:xfrm>
               <a:prstGeom prst="rect">
                 <a:avLst/>
@@ -11590,7 +13746,7 @@
               <a:blipFill>
                 <a:blip r:embed="rId2"/>
                 <a:stretch>
-                  <a:fillRect b="-15000"/>
+                  <a:fillRect b="-18750"/>
                 </a:stretch>
               </a:blipFill>
             </p:spPr>
@@ -11599,7 +13755,7 @@
               <a:lstStyle/>
               <a:p>
                 <a:r>
-                  <a:rPr lang="es-ES">
+                  <a:rPr lang="en-GB">
                     <a:noFill/>
                   </a:rPr>
                   <a:t> </a:t>
@@ -11613,10 +13769,10 @@
         <mc:Choice Requires="a14">
           <p:sp>
             <p:nvSpPr>
-              <p:cNvPr id="21" name="CuadroTexto 20">
+              <p:cNvPr id="5" name="CuadroTexto 4">
                 <a:extLst>
                   <a:ext uri="{FF2B5EF4-FFF2-40B4-BE49-F238E27FC236}">
-                    <a16:creationId xmlns:a16="http://schemas.microsoft.com/office/drawing/2014/main" id="{7EF6005C-DEF9-9E17-0B4C-429E53AC9382}"/>
+                    <a16:creationId xmlns:a16="http://schemas.microsoft.com/office/drawing/2014/main" id="{89960418-CF05-1C18-4830-F6655EFB45BB}"/>
                   </a:ext>
                 </a:extLst>
               </p:cNvPr>
@@ -11625,8 +13781,8 @@
             </p:nvSpPr>
             <p:spPr>
               <a:xfrm>
-                <a:off x="1300616" y="3694800"/>
-                <a:ext cx="3776870" cy="572914"/>
+                <a:off x="1234189" y="4067710"/>
+                <a:ext cx="3776870" cy="890052"/>
               </a:xfrm>
               <a:prstGeom prst="rect">
                 <a:avLst/>
@@ -11650,7 +13806,7 @@
                         <a:rPr lang="es-ES" sz="1400" b="0" i="1" smtClean="0">
                           <a:latin typeface="Cambria Math" panose="02040503050406030204" pitchFamily="18" charset="0"/>
                         </a:rPr>
-                        <m:t>𝑣𝑎𝑙𝑢𝑒</m:t>
+                        <m:t>𝑣</m:t>
                       </m:r>
                       <m:r>
                         <a:rPr lang="es-ES" sz="1400" b="0" i="1" smtClean="0">
@@ -11682,7 +13838,7 @@
                                 <a:rPr lang="es-ES" sz="1400" b="0" i="1" smtClean="0">
                                   <a:latin typeface="Cambria Math" panose="02040503050406030204" pitchFamily="18" charset="0"/>
                                 </a:rPr>
-                                <m:t>0.9 </m:t>
+                                <m:t>0 </m:t>
                               </m:r>
                               <m:r>
                                 <a:rPr lang="es-ES" sz="1400" b="0" i="1" smtClean="0">
@@ -11706,19 +13862,7 @@
                                 <a:rPr lang="es-ES" sz="1400" b="0" i="1" smtClean="0">
                                   <a:latin typeface="Cambria Math" panose="02040503050406030204" pitchFamily="18" charset="0"/>
                                 </a:rPr>
-                                <m:t>≥</m:t>
-                              </m:r>
-                              <m:r>
-                                <a:rPr lang="es-ES" sz="1400" b="0" i="1" smtClean="0">
-                                  <a:latin typeface="Cambria Math" panose="02040503050406030204" pitchFamily="18" charset="0"/>
-                                </a:rPr>
-                                <m:t>𝑖𝑛𝑡</m:t>
-                              </m:r>
-                              <m:r>
-                                <a:rPr lang="es-ES" sz="1400" b="0" i="1" smtClean="0">
-                                  <a:latin typeface="Cambria Math" panose="02040503050406030204" pitchFamily="18" charset="0"/>
-                                </a:rPr>
-                                <m:t>(1.5∗</m:t>
+                                <m:t>&lt;</m:t>
                               </m:r>
                               <m:r>
                                 <a:rPr lang="es-ES" sz="1400" b="0" i="1" smtClean="0">
@@ -11726,40 +13870,72 @@
                                 </a:rPr>
                                 <m:t>𝑤𝑎𝑟𝑚𝑈𝑝</m:t>
                               </m:r>
+                            </m:e>
+                            <m:e>
                               <m:r>
-                                <a:rPr lang="es-ES" sz="1400" b="0" i="1" smtClean="0">
+                                <a:rPr lang="es-ES" sz="1400" i="1">
                                   <a:latin typeface="Cambria Math" panose="02040503050406030204" pitchFamily="18" charset="0"/>
                                 </a:rPr>
-                                <m:t>) </m:t>
+                                <m:t>0.2 </m:t>
+                              </m:r>
+                              <m:r>
+                                <a:rPr lang="es-ES" sz="1400" i="1">
+                                  <a:latin typeface="Cambria Math" panose="02040503050406030204" pitchFamily="18" charset="0"/>
+                                </a:rPr>
+                                <m:t>𝑖𝑓</m:t>
+                              </m:r>
+                              <m:r>
+                                <a:rPr lang="es-ES" sz="1400" i="1">
+                                  <a:latin typeface="Cambria Math" panose="02040503050406030204" pitchFamily="18" charset="0"/>
+                                </a:rPr>
+                                <m:t> </m:t>
+                              </m:r>
+                              <m:r>
+                                <a:rPr lang="es-ES" sz="1400" i="1">
+                                  <a:latin typeface="Cambria Math" panose="02040503050406030204" pitchFamily="18" charset="0"/>
+                                </a:rPr>
+                                <m:t>𝑓𝑟𝑎𝑚𝑒</m:t>
+                              </m:r>
+                              <m:r>
+                                <a:rPr lang="es-ES" sz="1400" i="1">
+                                  <a:latin typeface="Cambria Math" panose="02040503050406030204" pitchFamily="18" charset="0"/>
+                                </a:rPr>
+                                <m:t>≥</m:t>
+                              </m:r>
+                              <m:r>
+                                <a:rPr lang="es-ES" sz="1400" i="1">
+                                  <a:latin typeface="Cambria Math" panose="02040503050406030204" pitchFamily="18" charset="0"/>
+                                </a:rPr>
+                                <m:t>𝑤𝑎𝑟𝑚𝑈𝑝</m:t>
                               </m:r>
                             </m:e>
                             <m:e>
                               <m:r>
-                                <a:rPr lang="es-ES" sz="1400" b="0" i="1" smtClean="0">
+                                <a:rPr lang="es-ES" sz="1400" i="1">
                                   <a:latin typeface="Cambria Math" panose="02040503050406030204" pitchFamily="18" charset="0"/>
                                 </a:rPr>
                                 <m:t>0.5 </m:t>
                               </m:r>
                               <m:r>
-                                <a:rPr lang="es-ES" sz="1400" b="0" i="1" smtClean="0">
+                                <a:rPr lang="es-ES" sz="1400" i="1">
                                   <a:latin typeface="Cambria Math" panose="02040503050406030204" pitchFamily="18" charset="0"/>
                                 </a:rPr>
-                                <m:t>𝑒𝑙𝑖𝑓</m:t>
+                                <m:t>𝑖𝑓</m:t>
                               </m:r>
                               <m:r>
-                                <a:rPr lang="es-ES" sz="1400" b="0" i="1" smtClean="0">
+                                <a:rPr lang="es-ES" sz="1400" i="1">
                                   <a:latin typeface="Cambria Math" panose="02040503050406030204" pitchFamily="18" charset="0"/>
                                 </a:rPr>
                                 <m:t> </m:t>
                               </m:r>
                               <m:r>
-                                <a:rPr lang="es-ES" sz="1400" b="0" i="1" smtClean="0">
+                                <a:rPr lang="es-ES" sz="1400" i="1">
                                   <a:latin typeface="Cambria Math" panose="02040503050406030204" pitchFamily="18" charset="0"/>
                                 </a:rPr>
                                 <m:t>𝑓𝑟𝑎𝑚𝑒</m:t>
                               </m:r>
                               <m:r>
-                                <a:rPr lang="es-ES" sz="1400" b="0" i="1" smtClean="0">
+                                <a:rPr lang="es-ES" sz="1400" i="1">
                                   <a:latin typeface="Cambria Math" panose="02040503050406030204" pitchFamily="18" charset="0"/>
                                 </a:rPr>
                                 <m:t>≥</m:t>
@@ -11768,7 +13944,25 @@
                                 <a:rPr lang="es-ES" sz="1400" b="0" i="1" smtClean="0">
                                   <a:latin typeface="Cambria Math" panose="02040503050406030204" pitchFamily="18" charset="0"/>
                                 </a:rPr>
+                                <m:t>𝑐𝑒𝑖𝑙</m:t>
+                              </m:r>
+                              <m:r>
+                                <a:rPr lang="es-ES" sz="1400" i="1">
+                                  <a:latin typeface="Cambria Math" panose="02040503050406030204" pitchFamily="18" charset="0"/>
+                                </a:rPr>
+                                <m:t>(1.5∗</m:t>
+                              </m:r>
+                              <m:r>
+                                <a:rPr lang="es-ES" sz="1400" i="1">
+                                  <a:latin typeface="Cambria Math" panose="02040503050406030204" pitchFamily="18" charset="0"/>
+                                </a:rPr>
                                 <m:t>𝑤𝑎𝑟𝑚𝑈𝑝</m:t>
+                              </m:r>
+                              <m:r>
+                                <a:rPr lang="es-ES" sz="1400" i="1">
+                                  <a:latin typeface="Cambria Math" panose="02040503050406030204" pitchFamily="18" charset="0"/>
+                                </a:rPr>
+                                <m:t>)</m:t>
                               </m:r>
                             </m:e>
                           </m:eqArr>
@@ -11785,10 +13979,10 @@
         <mc:Fallback xmlns="">
           <p:sp>
             <p:nvSpPr>
-              <p:cNvPr id="21" name="CuadroTexto 20">
+              <p:cNvPr id="5" name="CuadroTexto 4">
                 <a:extLst>
                   <a:ext uri="{FF2B5EF4-FFF2-40B4-BE49-F238E27FC236}">
-                    <a16:creationId xmlns:a16="http://schemas.microsoft.com/office/drawing/2014/main" id="{7EF6005C-DEF9-9E17-0B4C-429E53AC9382}"/>
+                    <a16:creationId xmlns:a16="http://schemas.microsoft.com/office/drawing/2014/main" id="{89960418-CF05-1C18-4830-F6655EFB45BB}"/>
                   </a:ext>
                 </a:extLst>
               </p:cNvPr>
@@ -11799,8 +13993,8 @@
             </p:nvSpPr>
             <p:spPr>
               <a:xfrm>
-                <a:off x="1300616" y="3694800"/>
-                <a:ext cx="3776870" cy="572914"/>
+                <a:off x="1234189" y="4067710"/>
+                <a:ext cx="3776870" cy="890052"/>
               </a:xfrm>
               <a:prstGeom prst="rect">
                 <a:avLst/>
@@ -11808,7 +14002,7 @@
               <a:blipFill>
                 <a:blip r:embed="rId3"/>
                 <a:stretch>
-                  <a:fillRect l="-1452" t="-179787" b="-264894"/>
+                  <a:fillRect l="-23077" t="-204225" b="-290141"/>
                 </a:stretch>
               </a:blipFill>
             </p:spPr>
@@ -11817,7 +14011,115 @@
               <a:lstStyle/>
               <a:p>
                 <a:r>
-                  <a:rPr lang="es-ES">
+                  <a:rPr lang="en-GB">
+                    <a:noFill/>
+                  </a:rPr>
+                  <a:t> </a:t>
+                </a:r>
+              </a:p>
+            </p:txBody>
+          </p:sp>
+        </mc:Fallback>
+      </mc:AlternateContent>
+      <mc:AlternateContent xmlns:mc="http://schemas.openxmlformats.org/markup-compatibility/2006" xmlns:a14="http://schemas.microsoft.com/office/drawing/2010/main">
+        <mc:Choice Requires="a14">
+          <p:sp>
+            <p:nvSpPr>
+              <p:cNvPr id="7" name="CuadroTexto 6">
+                <a:extLst>
+                  <a:ext uri="{FF2B5EF4-FFF2-40B4-BE49-F238E27FC236}">
+                    <a16:creationId xmlns:a16="http://schemas.microsoft.com/office/drawing/2014/main" id="{00467605-2D93-0CB7-04EB-8ADF2989C6DF}"/>
+                  </a:ext>
+                </a:extLst>
+              </p:cNvPr>
+              <p:cNvSpPr txBox="1"/>
+              <p:nvPr/>
+            </p:nvSpPr>
+            <p:spPr>
+              <a:xfrm>
+                <a:off x="1107177" y="3630349"/>
+                <a:ext cx="1744708" cy="369332"/>
+              </a:xfrm>
+              <a:prstGeom prst="rect">
+                <a:avLst/>
+              </a:prstGeom>
+              <a:noFill/>
+            </p:spPr>
+            <p:txBody>
+              <a:bodyPr wrap="none" rtlCol="0">
+                <a:spAutoFit/>
+              </a:bodyPr>
+              <a:lstStyle/>
+              <a:p>
+                <a14:m>
+                  <m:oMath xmlns:m="http://schemas.openxmlformats.org/officeDocument/2006/math">
+                    <m:r>
+                      <a:rPr lang="es-ES" sz="1800" b="0" i="1" u="sng" smtClean="0">
+                        <a:latin typeface="Cambria Math" panose="02040503050406030204" pitchFamily="18" charset="0"/>
+                      </a:rPr>
+                      <m:t>𝑣</m:t>
+                    </m:r>
+                    <m:r>
+                      <a:rPr lang="es-ES" sz="1800" b="0" i="0" u="sng" smtClean="0">
+                        <a:latin typeface="Cambria Math" panose="02040503050406030204" pitchFamily="18" charset="0"/>
+                      </a:rPr>
+                      <m:t> </m:t>
+                    </m:r>
+                    <m:r>
+                      <m:rPr>
+                        <m:sty m:val="p"/>
+                      </m:rPr>
+                      <a:rPr lang="es-ES" sz="1800" b="0" i="0" u="sng" smtClean="0">
+                        <a:latin typeface="Cambria Math" panose="02040503050406030204" pitchFamily="18" charset="0"/>
+                      </a:rPr>
+                      <m:t>configuration</m:t>
+                    </m:r>
+                  </m:oMath>
+                </a14:m>
+                <a:r>
+                  <a:rPr lang="en-GB" dirty="0"/>
+                  <a:t>:</a:t>
+                </a:r>
+              </a:p>
+            </p:txBody>
+          </p:sp>
+        </mc:Choice>
+        <mc:Fallback xmlns="">
+          <p:sp>
+            <p:nvSpPr>
+              <p:cNvPr id="7" name="CuadroTexto 6">
+                <a:extLst>
+                  <a:ext uri="{FF2B5EF4-FFF2-40B4-BE49-F238E27FC236}">
+                    <a16:creationId xmlns:a16="http://schemas.microsoft.com/office/drawing/2014/main" id="{00467605-2D93-0CB7-04EB-8ADF2989C6DF}"/>
+                  </a:ext>
+                </a:extLst>
+              </p:cNvPr>
+              <p:cNvSpPr txBox="1">
+                <a:spLocks noRot="1" noChangeAspect="1" noMove="1" noResize="1" noEditPoints="1" noAdjustHandles="1" noChangeArrowheads="1" noChangeShapeType="1" noTextEdit="1"/>
+              </p:cNvSpPr>
+              <p:nvPr/>
+            </p:nvSpPr>
+            <p:spPr>
+              <a:xfrm>
+                <a:off x="1107177" y="3630349"/>
+                <a:ext cx="1744708" cy="369332"/>
+              </a:xfrm>
+              <a:prstGeom prst="rect">
+                <a:avLst/>
+              </a:prstGeom>
+              <a:blipFill>
+                <a:blip r:embed="rId4"/>
+                <a:stretch>
+                  <a:fillRect t="-10345" r="-2899" b="-27586"/>
+                </a:stretch>
+              </a:blipFill>
+            </p:spPr>
+            <p:txBody>
+              <a:bodyPr/>
+              <a:lstStyle/>
+              <a:p>
+                <a:r>
+                  <a:rPr lang="en-GB">
                     <a:noFill/>
                   </a:rPr>
                   <a:t> </a:t>
@@ -11889,7 +14191,7 @@
         </p:spPr>
         <p:txBody>
           <a:bodyPr vert="horz" lIns="91440" tIns="45720" rIns="91440" bIns="45720" rtlCol="0" anchor="b">
-            <a:normAutofit/>
+            <a:normAutofit fontScale="90000"/>
           </a:bodyPr>
           <a:lstStyle/>
           <a:p>
@@ -12495,7 +14797,7 @@
         </p:spPr>
         <p:txBody>
           <a:bodyPr vert="horz" lIns="91440" tIns="45720" rIns="91440" bIns="45720" rtlCol="0" anchor="b">
-            <a:normAutofit/>
+            <a:normAutofit fontScale="90000"/>
           </a:bodyPr>
           <a:lstStyle/>
           <a:p>
@@ -12567,15 +14869,7 @@
             </a:pPr>
             <a:r>
               <a:rPr lang="en-US" dirty="0"/>
-              <a:t>Robustness to objects </a:t>
-            </a:r>
-            <a:r>
-              <a:rPr lang="en-US" dirty="0" err="1"/>
-              <a:t>misdetected</a:t>
-            </a:r>
-            <a:r>
-              <a:rPr lang="en-US" dirty="0"/>
-              <a:t> by the object detector</a:t>
+              <a:t>Robustness to miss-detected objects by the detector</a:t>
             </a:r>
           </a:p>
           <a:p>
@@ -12843,7 +15137,7 @@
             </a:r>
             <a:r>
               <a:rPr lang="en-US" i="1" dirty="0"/>
-              <a:t>false acceptances </a:t>
+              <a:t>false positives </a:t>
             </a:r>
             <a:r>
               <a:rPr lang="en-US" dirty="0"/>
@@ -12887,7 +15181,7 @@
             </a:r>
             <a:r>
               <a:rPr lang="en-US" i="1" dirty="0"/>
-              <a:t>false rejections </a:t>
+              <a:t>false negatives </a:t>
             </a:r>
             <a:r>
               <a:rPr lang="en-US" dirty="0"/>
@@ -13037,7 +15331,7 @@
         </p:spPr>
         <p:txBody>
           <a:bodyPr vert="horz" lIns="91440" tIns="45720" rIns="91440" bIns="45720" rtlCol="0" anchor="b">
-            <a:normAutofit/>
+            <a:normAutofit fontScale="90000"/>
           </a:bodyPr>
           <a:lstStyle/>
           <a:p>
@@ -13739,17 +16033,15 @@
 <file path=ppt/slides/slide9.xml><?xml version="1.0" encoding="utf-8"?>
 <p:sld xmlns:a="http://schemas.openxmlformats.org/drawingml/2006/main" xmlns:r="http://schemas.openxmlformats.org/officeDocument/2006/relationships" xmlns:p="http://schemas.openxmlformats.org/presentationml/2006/main">
   <p:cSld>
-    <p:bg>
-      <p:bgPr>
-        <a:solidFill>
-          <a:schemeClr val="bg1"/>
-        </a:solidFill>
-        <a:effectLst/>
-      </p:bgPr>
-    </p:bg>
     <p:spTree>
       <p:nvGrpSpPr>
-        <p:cNvPr id="1" name=""/>
+        <p:cNvPr id="1" name="">
+          <a:extLst>
+            <a:ext uri="{FF2B5EF4-FFF2-40B4-BE49-F238E27FC236}">
+              <a16:creationId xmlns:a16="http://schemas.microsoft.com/office/drawing/2014/main" id="{8778D98A-8B86-2AA8-18AF-E8FA75825E8A}"/>
+            </a:ext>
+          </a:extLst>
+        </p:cNvPr>
         <p:cNvGrpSpPr/>
         <p:nvPr/>
       </p:nvGrpSpPr>
@@ -13766,7 +16058,7 @@
           <p:cNvPr id="2" name="Título 1">
             <a:extLst>
               <a:ext uri="{FF2B5EF4-FFF2-40B4-BE49-F238E27FC236}">
-                <a16:creationId xmlns:a16="http://schemas.microsoft.com/office/drawing/2014/main" id="{B7006F94-BBA3-B8CB-6962-6A7E8B6697EF}"/>
+                <a16:creationId xmlns:a16="http://schemas.microsoft.com/office/drawing/2014/main" id="{A7E1E22E-51FB-A3A9-67FD-0BFF11107F93}"/>
               </a:ext>
             </a:extLst>
           </p:cNvPr>
@@ -13785,7 +16077,7 @@
         </p:spPr>
         <p:txBody>
           <a:bodyPr vert="horz" lIns="91440" tIns="45720" rIns="91440" bIns="45720" rtlCol="0" anchor="b">
-            <a:normAutofit/>
+            <a:normAutofit fontScale="90000"/>
           </a:bodyPr>
           <a:lstStyle/>
           <a:p>
@@ -13798,7 +16090,7 @@
                   </a:schemeClr>
                 </a:solidFill>
               </a:rPr>
-              <a:t>Improvements in object detection</a:t>
+              <a:t>Improvements in data association</a:t>
             </a:r>
           </a:p>
         </p:txBody>
@@ -13808,7 +16100,7 @@
           <p:cNvPr id="3" name="Subtítulo 2">
             <a:extLst>
               <a:ext uri="{FF2B5EF4-FFF2-40B4-BE49-F238E27FC236}">
-                <a16:creationId xmlns:a16="http://schemas.microsoft.com/office/drawing/2014/main" id="{B0BCFCBA-0DDF-19BB-FDBD-C17EB2F5D235}"/>
+                <a16:creationId xmlns:a16="http://schemas.microsoft.com/office/drawing/2014/main" id="{17878924-316B-2819-B54C-BF551A6E2C6A}"/>
               </a:ext>
             </a:extLst>
           </p:cNvPr>
@@ -13821,13 +16113,13 @@
         </p:nvSpPr>
         <p:spPr>
           <a:xfrm>
-            <a:off x="837397" y="2162175"/>
-            <a:ext cx="4072929" cy="4110609"/>
+            <a:off x="837397" y="2245179"/>
+            <a:ext cx="7596310" cy="3878035"/>
           </a:xfrm>
         </p:spPr>
         <p:txBody>
           <a:bodyPr vert="horz" lIns="91440" tIns="45720" rIns="91440" bIns="45720" rtlCol="0" anchor="t">
-            <a:normAutofit/>
+            <a:normAutofit lnSpcReduction="10000"/>
           </a:bodyPr>
           <a:lstStyle/>
           <a:p>
@@ -13837,9 +16129,115 @@
             </a:pPr>
             <a:r>
               <a:rPr lang="en-US" sz="2000" dirty="0"/>
-              <a:t>Search for an optimal NMS</a:t>
-            </a:r>
-            <a:endParaRPr lang="en-US" sz="1800" dirty="0"/>
+              <a:t>Idea borrowed from </a:t>
+            </a:r>
+            <a:r>
+              <a:rPr lang="en-US" sz="2000" b="1" dirty="0" err="1"/>
+              <a:t>DeepSORT</a:t>
+            </a:r>
+            <a:r>
+              <a:rPr lang="en-US" sz="2000" dirty="0"/>
+              <a:t>.</a:t>
+            </a:r>
+          </a:p>
+          <a:p>
+            <a:pPr marL="457200" indent="-228600" algn="l">
+              <a:buFont typeface="Arial" panose="020B0604020202020204" pitchFamily="34" charset="0"/>
+              <a:buChar char="•"/>
+            </a:pPr>
+            <a:r>
+              <a:rPr lang="en-US" sz="2000" dirty="0"/>
+              <a:t>We only based our estimations of inter frame association on the position. But, what about spatial features?</a:t>
+            </a:r>
+          </a:p>
+          <a:p>
+            <a:pPr marL="457200" indent="-228600" algn="l">
+              <a:buFont typeface="Arial" panose="020B0604020202020204" pitchFamily="34" charset="0"/>
+              <a:buChar char="•"/>
+            </a:pPr>
+            <a:r>
+              <a:rPr lang="en-US" sz="2000" b="1" dirty="0"/>
+              <a:t>Hypothesis</a:t>
+            </a:r>
+            <a:r>
+              <a:rPr lang="en-US" sz="2000" dirty="0"/>
+              <a:t>: Given a track collected in frame t-1, if the track still present in frame t, then the appearance should not change much.</a:t>
+            </a:r>
+          </a:p>
+          <a:p>
+            <a:pPr marL="457200" indent="-228600" algn="l">
+              <a:buFont typeface="Arial" panose="020B0604020202020204" pitchFamily="34" charset="0"/>
+              <a:buChar char="•"/>
+            </a:pPr>
+            <a:r>
+              <a:rPr lang="en-US" sz="2000" b="1" dirty="0"/>
+              <a:t>Solution</a:t>
+            </a:r>
+            <a:r>
+              <a:rPr lang="en-US" sz="2000" dirty="0"/>
+              <a:t>: </a:t>
+            </a:r>
+          </a:p>
+          <a:p>
+            <a:pPr marL="914400" lvl="1" indent="-228600" algn="l">
+              <a:buFont typeface="Arial" panose="020B0604020202020204" pitchFamily="34" charset="0"/>
+              <a:buChar char="•"/>
+            </a:pPr>
+            <a:r>
+              <a:rPr lang="en-US" sz="1600" b="1" u="sng" dirty="0"/>
+              <a:t>Step 1:</a:t>
+            </a:r>
+            <a:r>
+              <a:rPr lang="en-US" sz="1600" dirty="0"/>
+              <a:t> Add a feature extractor to the tracker (ResNet-50), and for each track, save the last N features obtained from past frames. </a:t>
+            </a:r>
+          </a:p>
+          <a:p>
+            <a:pPr marL="914400" lvl="1" indent="-228600" algn="l">
+              <a:buFont typeface="Arial" panose="020B0604020202020204" pitchFamily="34" charset="0"/>
+              <a:buChar char="•"/>
+            </a:pPr>
+            <a:r>
+              <a:rPr lang="en-US" sz="1600" b="1" u="sng" dirty="0"/>
+              <a:t>Step 2</a:t>
+            </a:r>
+            <a:r>
+              <a:rPr lang="en-US" sz="1600" dirty="0"/>
+              <a:t>: Then, for each detection, extract features and compare them to all the features from past frames using cosine distance.</a:t>
+            </a:r>
+          </a:p>
+          <a:p>
+            <a:pPr marL="914400" lvl="1" indent="-228600" algn="l">
+              <a:buFont typeface="Arial" panose="020B0604020202020204" pitchFamily="34" charset="0"/>
+              <a:buChar char="•"/>
+            </a:pPr>
+            <a:r>
+              <a:rPr lang="en-US" sz="1600" b="1" u="sng" dirty="0"/>
+              <a:t>Step 3</a:t>
+            </a:r>
+            <a:r>
+              <a:rPr lang="en-US" sz="1600" dirty="0"/>
+              <a:t>: Select the detection with less cost from all the saved features from past frame for one track.</a:t>
+            </a:r>
+          </a:p>
+          <a:p>
+            <a:pPr marL="914400" lvl="1" indent="-228600" algn="l">
+              <a:buFont typeface="Arial" panose="020B0604020202020204" pitchFamily="34" charset="0"/>
+              <a:buChar char="•"/>
+            </a:pPr>
+            <a:r>
+              <a:rPr lang="en-US" sz="1600" b="1" u="sng" dirty="0"/>
+              <a:t>Step 4:</a:t>
+            </a:r>
+            <a:r>
+              <a:rPr lang="en-US" sz="1600" dirty="0"/>
+              <a:t> Repeat this process for all detections and all tracks</a:t>
+            </a:r>
+            <a:endParaRPr lang="en-US" sz="2000" dirty="0"/>
+          </a:p>
+          <a:p>
+            <a:pPr marL="228600" algn="l"/>
+            <a:endParaRPr lang="en-US" sz="2000" dirty="0"/>
           </a:p>
         </p:txBody>
       </p:sp>
@@ -13848,7 +16246,7 @@
           <p:cNvPr id="4" name="Marcador de pie de página 3">
             <a:extLst>
               <a:ext uri="{FF2B5EF4-FFF2-40B4-BE49-F238E27FC236}">
-                <a16:creationId xmlns:a16="http://schemas.microsoft.com/office/drawing/2014/main" id="{44FC2B2D-D3F4-A2F3-5AEB-F392280F82B4}"/>
+                <a16:creationId xmlns:a16="http://schemas.microsoft.com/office/drawing/2014/main" id="{D8C2AB18-1DA5-7B85-F071-0130C3DA5E89}"/>
               </a:ext>
             </a:extLst>
           </p:cNvPr>
@@ -13894,7 +16292,7 @@
           <p:cNvPr id="6" name="Marcador de número de diapositiva 5">
             <a:extLst>
               <a:ext uri="{FF2B5EF4-FFF2-40B4-BE49-F238E27FC236}">
-                <a16:creationId xmlns:a16="http://schemas.microsoft.com/office/drawing/2014/main" id="{FB27849B-D49B-4080-5FE3-FD5282577E34}"/>
+                <a16:creationId xmlns:a16="http://schemas.microsoft.com/office/drawing/2014/main" id="{D5F7130F-3A62-2C1F-2A51-08D50220D130}"/>
               </a:ext>
             </a:extLst>
           </p:cNvPr>
@@ -13935,7 +16333,7 @@
           <p:cNvPr id="8" name="CuadroTexto 7">
             <a:extLst>
               <a:ext uri="{FF2B5EF4-FFF2-40B4-BE49-F238E27FC236}">
-                <a16:creationId xmlns:a16="http://schemas.microsoft.com/office/drawing/2014/main" id="{E0BEB5F1-7BDC-9D3B-C5C4-5EFE09EC0539}"/>
+                <a16:creationId xmlns:a16="http://schemas.microsoft.com/office/drawing/2014/main" id="{73014D72-E0B6-F22E-BDDA-746CE27D5D42}"/>
               </a:ext>
             </a:extLst>
           </p:cNvPr>
@@ -13945,7 +16343,7 @@
         <p:spPr>
           <a:xfrm>
             <a:off x="837396" y="1251284"/>
-            <a:ext cx="4268004" cy="738664"/>
+            <a:ext cx="3457575" cy="738664"/>
           </a:xfrm>
           <a:prstGeom prst="rect">
             <a:avLst/>
@@ -13966,7 +16364,7 @@
                   </a:schemeClr>
                 </a:solidFill>
               </a:rPr>
-              <a:t>Fine-</a:t>
+              <a:t>Deep </a:t>
             </a:r>
             <a:r>
               <a:rPr lang="es-ES" sz="2400" i="1" dirty="0" err="1">
@@ -13976,7 +16374,7 @@
                   </a:schemeClr>
                 </a:solidFill>
               </a:rPr>
-              <a:t>tuning</a:t>
+              <a:t>Features</a:t>
             </a:r>
             <a:r>
               <a:rPr lang="es-ES" sz="2400" i="1" dirty="0">
@@ -13986,7 +16384,7 @@
                   </a:schemeClr>
                 </a:solidFill>
               </a:rPr>
-              <a:t> </a:t>
+              <a:t> - </a:t>
             </a:r>
             <a:r>
               <a:rPr lang="es-ES" sz="2400" i="1" dirty="0" err="1">
@@ -13996,17 +16394,7 @@
                   </a:schemeClr>
                 </a:solidFill>
               </a:rPr>
-              <a:t>Faster</a:t>
-            </a:r>
-            <a:r>
-              <a:rPr lang="es-ES" sz="2400" i="1" dirty="0">
-                <a:solidFill>
-                  <a:schemeClr val="accent1">
-                    <a:lumMod val="75000"/>
-                  </a:schemeClr>
-                </a:solidFill>
-              </a:rPr>
-              <a:t> R-CNN. NMS</a:t>
+              <a:t>Intuition</a:t>
             </a:r>
             <a:endParaRPr lang="en-US" sz="2400" i="1" dirty="0">
               <a:solidFill>
@@ -14021,10 +16409,135 @@
           </a:p>
         </p:txBody>
       </p:sp>
+      <p:pic>
+        <p:nvPicPr>
+          <p:cNvPr id="5" name="Imagen 4">
+            <a:extLst>
+              <a:ext uri="{FF2B5EF4-FFF2-40B4-BE49-F238E27FC236}">
+                <a16:creationId xmlns:a16="http://schemas.microsoft.com/office/drawing/2014/main" id="{70A44681-D243-FE51-9BD7-D9EBDC587693}"/>
+              </a:ext>
+            </a:extLst>
+          </p:cNvPr>
+          <p:cNvPicPr>
+            <a:picLocks noChangeAspect="1"/>
+          </p:cNvPicPr>
+          <p:nvPr/>
+        </p:nvPicPr>
+        <p:blipFill>
+          <a:blip r:embed="rId2"/>
+          <a:stretch>
+            <a:fillRect/>
+          </a:stretch>
+        </p:blipFill>
+        <p:spPr>
+          <a:xfrm>
+            <a:off x="8980714" y="918249"/>
+            <a:ext cx="2743200" cy="4623275"/>
+          </a:xfrm>
+          <a:prstGeom prst="rect">
+            <a:avLst/>
+          </a:prstGeom>
+        </p:spPr>
+      </p:pic>
+      <p:sp>
+        <p:nvSpPr>
+          <p:cNvPr id="7" name="CuadroTexto 6">
+            <a:extLst>
+              <a:ext uri="{FF2B5EF4-FFF2-40B4-BE49-F238E27FC236}">
+                <a16:creationId xmlns:a16="http://schemas.microsoft.com/office/drawing/2014/main" id="{6BF52066-50A1-369C-5F4E-569DC5811209}"/>
+              </a:ext>
+            </a:extLst>
+          </p:cNvPr>
+          <p:cNvSpPr txBox="1"/>
+          <p:nvPr/>
+        </p:nvSpPr>
+        <p:spPr>
+          <a:xfrm>
+            <a:off x="8164286" y="5723104"/>
+            <a:ext cx="3804557" cy="400110"/>
+          </a:xfrm>
+          <a:prstGeom prst="rect">
+            <a:avLst/>
+          </a:prstGeom>
+          <a:noFill/>
+        </p:spPr>
+        <p:txBody>
+          <a:bodyPr wrap="square" rtlCol="0">
+            <a:spAutoFit/>
+          </a:bodyPr>
+          <a:lstStyle/>
+          <a:p>
+            <a:r>
+              <a:rPr lang="es-ES" sz="1000" dirty="0"/>
+              <a:t>X. </a:t>
+            </a:r>
+            <a:r>
+              <a:rPr lang="es-ES" sz="1000" dirty="0" err="1"/>
+              <a:t>Hou</a:t>
+            </a:r>
+            <a:r>
+              <a:rPr lang="es-ES" sz="1000" dirty="0"/>
+              <a:t>, et al, "</a:t>
+            </a:r>
+            <a:r>
+              <a:rPr lang="es-ES" sz="1000" dirty="0" err="1"/>
+              <a:t>Vehicle</a:t>
+            </a:r>
+            <a:r>
+              <a:rPr lang="es-ES" sz="1000" dirty="0"/>
+              <a:t> Tracking </a:t>
+            </a:r>
+            <a:r>
+              <a:rPr lang="es-ES" sz="1000" dirty="0" err="1"/>
+              <a:t>Using</a:t>
+            </a:r>
+            <a:r>
+              <a:rPr lang="es-ES" sz="1000" dirty="0"/>
+              <a:t> Deep SORT </a:t>
+            </a:r>
+            <a:r>
+              <a:rPr lang="es-ES" sz="1000" dirty="0" err="1"/>
+              <a:t>with</a:t>
+            </a:r>
+            <a:r>
+              <a:rPr lang="es-ES" sz="1000" dirty="0"/>
+              <a:t> Low </a:t>
+            </a:r>
+            <a:r>
+              <a:rPr lang="es-ES" sz="1000" dirty="0" err="1"/>
+              <a:t>Confidence</a:t>
+            </a:r>
+            <a:r>
+              <a:rPr lang="es-ES" sz="1000" dirty="0"/>
+              <a:t> </a:t>
+            </a:r>
+            <a:r>
+              <a:rPr lang="es-ES" sz="1000" dirty="0" err="1"/>
+              <a:t>Track</a:t>
+            </a:r>
+            <a:r>
+              <a:rPr lang="es-ES" sz="1000" dirty="0"/>
+              <a:t> </a:t>
+            </a:r>
+            <a:r>
+              <a:rPr lang="es-ES" sz="1000" dirty="0" err="1"/>
+              <a:t>Filtering</a:t>
+            </a:r>
+            <a:r>
+              <a:rPr lang="es-ES" sz="1000" dirty="0"/>
+              <a:t>," AVSS 2019</a:t>
+            </a:r>
+            <a:r>
+              <a:rPr lang="en-GB" sz="1000" dirty="0"/>
+              <a:t> </a:t>
+            </a:r>
+          </a:p>
+        </p:txBody>
+      </p:sp>
     </p:spTree>
     <p:extLst>
       <p:ext uri="{BB962C8B-B14F-4D97-AF65-F5344CB8AC3E}">
-        <p14:creationId xmlns:p14="http://schemas.microsoft.com/office/powerpoint/2010/main" val="1600338287"/>
+        <p14:creationId xmlns:p14="http://schemas.microsoft.com/office/powerpoint/2010/main" val="1505135817"/>
       </p:ext>
     </p:extLst>
   </p:cSld>

--- a/dlvsp_challenge_material/challenge.pptx
+++ b/dlvsp_challenge_material/challenge.pptx
@@ -6686,7 +6686,7 @@
             </a:r>
             <a:r>
               <a:rPr lang="en-US" sz="1600" dirty="0"/>
-              <a:t>finetuning – No improvement achieved, already performs well</a:t>
+              <a:t>finetuning – No improvement achieved, already performs well.</a:t>
             </a:r>
           </a:p>
           <a:p>
@@ -6700,13 +6700,13 @@
             </a:r>
             <a:r>
               <a:rPr lang="en-US" sz="1600" dirty="0">
-                <a:hlinkClick r:id="rId2"/>
+                <a:hlinkClick r:id="rId3"/>
               </a:rPr>
               <a:t>RCNN model </a:t>
             </a:r>
             <a:r>
               <a:rPr lang="en-US" sz="1600" dirty="0"/>
-              <a:t>finetuning - Synthetic Mask creation using bounding boxes, not good with occluded objects</a:t>
+              <a:t>finetuning - Synthetic Mask creation using bounding boxes, not good with occluded objects.</a:t>
             </a:r>
           </a:p>
           <a:p>
@@ -6720,11 +6720,14 @@
             </a:r>
             <a:r>
               <a:rPr lang="en-US" sz="1600" dirty="0">
-                <a:hlinkClick r:id="rId3"/>
+                <a:hlinkClick r:id="rId4"/>
               </a:rPr>
               <a:t>GitHub repository</a:t>
             </a:r>
-            <a:endParaRPr lang="en-US" sz="1600" dirty="0"/>
+            <a:r>
+              <a:rPr lang="en-US" sz="1600" dirty="0"/>
+              <a:t>.</a:t>
+            </a:r>
           </a:p>
           <a:p>
             <a:pPr marL="457200" indent="-228600" algn="l">
@@ -6743,7 +6746,7 @@
             </a:pPr>
             <a:r>
               <a:rPr lang="en-US" sz="1600" dirty="0"/>
-              <a:t>Search for an optimal NMS</a:t>
+              <a:t>Search for an optimal NMS. Gave us a better MOTA (marginal improvement)</a:t>
             </a:r>
           </a:p>
         </p:txBody>
@@ -6938,7 +6941,13 @@
           <p:cNvGraphicFramePr>
             <a:graphicFrameLocks noGrp="1"/>
           </p:cNvGraphicFramePr>
-          <p:nvPr/>
+          <p:nvPr>
+            <p:extLst>
+              <p:ext uri="{D42A27DB-BD31-4B8C-83A1-F6EECF244321}">
+                <p14:modId xmlns:p14="http://schemas.microsoft.com/office/powerpoint/2010/main" val="808015132"/>
+              </p:ext>
+            </p:extLst>
+          </p:nvPr>
         </p:nvGraphicFramePr>
         <p:xfrm>
           <a:off x="1828800" y="3534408"/>
@@ -7366,7 +7375,13 @@
                     <a:p>
                       <a:pPr algn="ctr"/>
                       <a:r>
-                        <a:rPr lang="en-GB" dirty="0"/>
+                        <a:rPr lang="en-GB" dirty="0">
+                          <a:solidFill>
+                            <a:schemeClr val="accent6">
+                              <a:lumMod val="75000"/>
+                            </a:schemeClr>
+                          </a:solidFill>
+                        </a:rPr>
                         <a:t>0.36</a:t>
                       </a:r>
                     </a:p>
@@ -7380,7 +7395,13 @@
                     <a:p>
                       <a:pPr algn="ctr"/>
                       <a:r>
-                        <a:rPr lang="en-GB" dirty="0"/>
+                        <a:rPr lang="en-GB" dirty="0">
+                          <a:solidFill>
+                            <a:schemeClr val="accent6">
+                              <a:lumMod val="75000"/>
+                            </a:schemeClr>
+                          </a:solidFill>
+                        </a:rPr>
                         <a:t>86.8</a:t>
                       </a:r>
                     </a:p>
@@ -7394,7 +7415,13 @@
                     <a:p>
                       <a:pPr algn="ctr"/>
                       <a:r>
-                        <a:rPr lang="en-GB" dirty="0"/>
+                        <a:rPr lang="en-GB" dirty="0">
+                          <a:solidFill>
+                            <a:schemeClr val="accent6">
+                              <a:lumMod val="75000"/>
+                            </a:schemeClr>
+                          </a:solidFill>
+                        </a:rPr>
                         <a:t>91.25</a:t>
                       </a:r>
                     </a:p>
@@ -7408,7 +7435,13 @@
                     <a:p>
                       <a:pPr algn="ctr"/>
                       <a:r>
-                        <a:rPr lang="en-GB" dirty="0"/>
+                        <a:rPr lang="en-GB" dirty="0">
+                          <a:solidFill>
+                            <a:schemeClr val="accent6">
+                              <a:lumMod val="75000"/>
+                            </a:schemeClr>
+                          </a:solidFill>
+                        </a:rPr>
                         <a:t>93.3</a:t>
                       </a:r>
                     </a:p>
@@ -7422,7 +7455,13 @@
                     <a:p>
                       <a:pPr algn="ctr"/>
                       <a:r>
-                        <a:rPr lang="en-GB" dirty="0"/>
+                        <a:rPr lang="en-GB" dirty="0">
+                          <a:solidFill>
+                            <a:schemeClr val="accent6">
+                              <a:lumMod val="75000"/>
+                            </a:schemeClr>
+                          </a:solidFill>
+                        </a:rPr>
                         <a:t>79832</a:t>
                       </a:r>
                     </a:p>
@@ -7436,7 +7475,13 @@
                     <a:p>
                       <a:pPr algn="ctr"/>
                       <a:r>
-                        <a:rPr lang="en-GB" dirty="0"/>
+                        <a:rPr lang="en-GB" dirty="0">
+                          <a:solidFill>
+                            <a:schemeClr val="accent6">
+                              <a:lumMod val="75000"/>
+                            </a:schemeClr>
+                          </a:solidFill>
+                        </a:rPr>
                         <a:t>7655</a:t>
                       </a:r>
                     </a:p>
@@ -8126,7 +8171,7 @@
             </a:pPr>
             <a:r>
               <a:rPr lang="en-US" dirty="0"/>
-              <a:t>Kalman filter was hard to optimize, sometimes even counter-intuitive in the way it behaved</a:t>
+              <a:t>Kalman filter was hard to optimize, sometimes even counter-intuitive in the way it behaved.</a:t>
             </a:r>
           </a:p>
           <a:p>
@@ -8136,7 +8181,7 @@
             </a:pPr>
             <a:r>
               <a:rPr lang="en-US" dirty="0"/>
-              <a:t>Patience for removing and adding tracks can help with the FP and FN, but in a marginal way</a:t>
+              <a:t>Patience for removing and adding tracks can help with the FP and FN, but in a marginal way.</a:t>
             </a:r>
           </a:p>
           <a:p>
@@ -8146,8 +8191,13 @@
             </a:pPr>
             <a:r>
               <a:rPr lang="en-US" dirty="0"/>
-              <a:t>Hyper-parameter tuning is a costly job, but rewarding if done right</a:t>
-            </a:r>
+              <a:t>Hyper-parameter tuning is a costly job, but rewarding if </a:t>
+            </a:r>
+            <a:r>
+              <a:rPr lang="en-US"/>
+              <a:t>done right.</a:t>
+            </a:r>
+            <a:endParaRPr lang="en-US" dirty="0"/>
           </a:p>
           <a:p>
             <a:pPr marL="457200" indent="-228600" algn="l">
@@ -11494,7 +11544,7 @@
             </a:pPr>
             <a:r>
               <a:rPr lang="en-US" sz="2000" dirty="0"/>
-              <a:t>Obtain an “accurate” estimate of the true state of a tracked object</a:t>
+              <a:t>Obtain an “accurate” estimate of the true state of a tracked object.</a:t>
             </a:r>
           </a:p>
           <a:p>
@@ -11504,7 +11554,7 @@
             </a:pPr>
             <a:r>
               <a:rPr lang="en-US" sz="2000" dirty="0"/>
-              <a:t>The Kalman filter needs several frames to adapt to the movement of the tracked object</a:t>
+              <a:t>The Kalman filter needs several frames to adapt to the movement of the tracked object:</a:t>
             </a:r>
           </a:p>
           <a:p>
@@ -11514,7 +11564,7 @@
             </a:pPr>
             <a:r>
               <a:rPr lang="en-US" sz="1800" dirty="0"/>
-              <a:t>Not reliable at first initialization</a:t>
+              <a:t>Not reliable at first initialization.</a:t>
             </a:r>
           </a:p>
           <a:p>
@@ -11524,7 +11574,7 @@
             </a:pPr>
             <a:r>
               <a:rPr lang="en-US" sz="1800" dirty="0"/>
-              <a:t>We have created the Warm-up parameter</a:t>
+              <a:t>Warm-up parameter to mitigate this problem.</a:t>
             </a:r>
           </a:p>
           <a:p>
@@ -12752,7 +12802,7 @@
             </a:pPr>
             <a:r>
               <a:rPr lang="en-US" sz="2000" dirty="0"/>
-              <a:t>After warm-up (filter is updated)</a:t>
+              <a:t>After warm-up </a:t>
             </a:r>
           </a:p>
           <a:p>
@@ -14529,7 +14579,7 @@
             </a:r>
             <a:r>
               <a:rPr lang="en-US" sz="2000" i="1" dirty="0"/>
-              <a:t>66.7%</a:t>
+              <a:t>66.7%:</a:t>
             </a:r>
           </a:p>
           <a:p>
@@ -14539,7 +14589,7 @@
             </a:pPr>
             <a:r>
               <a:rPr lang="en-US" sz="2000" dirty="0"/>
-              <a:t>It is the same result as using the filter with a warm-up equal to 4</a:t>
+              <a:t>It is the same result as using the filter with a warm-up equal to 4.</a:t>
             </a:r>
             <a:endParaRPr lang="es-ES" sz="2000" dirty="0"/>
           </a:p>
@@ -14683,7 +14733,7 @@
           <a:p>
             <a:r>
               <a:rPr lang="en-US" sz="2000" dirty="0"/>
-              <a:t>A Warm-up greater than or equal to 4 is necessary</a:t>
+              <a:t>A Warm-up greater than or equal to 4 is necessary.</a:t>
             </a:r>
             <a:endParaRPr lang="es-ES" sz="2000" dirty="0"/>
           </a:p>
@@ -14869,7 +14919,7 @@
             </a:pPr>
             <a:r>
               <a:rPr lang="en-US" dirty="0"/>
-              <a:t>Robustness to miss-detected objects by the detector</a:t>
+              <a:t>Robustness to miss-detected objects by the detector.</a:t>
             </a:r>
           </a:p>
           <a:p>
@@ -14906,7 +14956,7 @@
             </a:pPr>
             <a:r>
               <a:rPr lang="en-US" dirty="0"/>
-              <a:t>Robustness to small occlusions</a:t>
+              <a:t>Robustness to small occlusions.</a:t>
             </a:r>
           </a:p>
           <a:p>
@@ -14916,7 +14966,7 @@
             </a:pPr>
             <a:r>
               <a:rPr lang="en-US" dirty="0"/>
-              <a:t>Robustness to non-identification of an object from the object detector in a frame</a:t>
+              <a:t>Robustness to non-identification of an object from the object detector in a frame.</a:t>
             </a:r>
             <a:r>
               <a:rPr lang="en-US" sz="1600" dirty="0"/>
@@ -15137,11 +15187,11 @@
             </a:r>
             <a:r>
               <a:rPr lang="en-US" i="1" dirty="0"/>
-              <a:t>false positives </a:t>
+              <a:t>false positives</a:t>
             </a:r>
             <a:r>
               <a:rPr lang="en-US" dirty="0"/>
-              <a:t>in trackers</a:t>
+              <a:t> detections</a:t>
             </a:r>
             <a:endParaRPr lang="es-ES" dirty="0"/>
           </a:p>
@@ -15185,7 +15235,7 @@
             </a:r>
             <a:r>
               <a:rPr lang="en-US" dirty="0"/>
-              <a:t>in trackers</a:t>
+              <a:t>detections</a:t>
             </a:r>
             <a:endParaRPr lang="es-ES" dirty="0"/>
           </a:p>
@@ -16231,7 +16281,7 @@
             </a:r>
             <a:r>
               <a:rPr lang="en-US" sz="1600" dirty="0"/>
-              <a:t> Repeat this process for all detections and all tracks</a:t>
+              <a:t> Repeat this process for all detections and all tracks.</a:t>
             </a:r>
             <a:endParaRPr lang="en-US" sz="2000" dirty="0"/>
           </a:p>
